--- a/Slides.pptx
+++ b/Slides.pptx
@@ -5,7 +5,7 @@
     <p:sldMasterId id="2147483659" r:id="rId1"/>
   </p:sldMasterIdLst>
   <p:notesMasterIdLst>
-    <p:notesMasterId r:id="rId25"/>
+    <p:notesMasterId r:id="rId33"/>
   </p:notesMasterIdLst>
   <p:sldIdLst>
     <p:sldId id="256" r:id="rId2"/>
@@ -13,24 +13,32 @@
     <p:sldId id="258" r:id="rId4"/>
     <p:sldId id="263" r:id="rId5"/>
     <p:sldId id="272" r:id="rId6"/>
-    <p:sldId id="264" r:id="rId7"/>
-    <p:sldId id="269" r:id="rId8"/>
-    <p:sldId id="270" r:id="rId9"/>
-    <p:sldId id="276" r:id="rId10"/>
-    <p:sldId id="271" r:id="rId11"/>
-    <p:sldId id="273" r:id="rId12"/>
-    <p:sldId id="274" r:id="rId13"/>
-    <p:sldId id="280" r:id="rId14"/>
-    <p:sldId id="275" r:id="rId15"/>
-    <p:sldId id="277" r:id="rId16"/>
-    <p:sldId id="278" r:id="rId17"/>
-    <p:sldId id="279" r:id="rId18"/>
-    <p:sldId id="281" r:id="rId19"/>
-    <p:sldId id="266" r:id="rId20"/>
-    <p:sldId id="267" r:id="rId21"/>
-    <p:sldId id="265" r:id="rId22"/>
-    <p:sldId id="261" r:id="rId23"/>
-    <p:sldId id="262" r:id="rId24"/>
+    <p:sldId id="283" r:id="rId7"/>
+    <p:sldId id="264" r:id="rId8"/>
+    <p:sldId id="282" r:id="rId9"/>
+    <p:sldId id="284" r:id="rId10"/>
+    <p:sldId id="285" r:id="rId11"/>
+    <p:sldId id="286" r:id="rId12"/>
+    <p:sldId id="269" r:id="rId13"/>
+    <p:sldId id="270" r:id="rId14"/>
+    <p:sldId id="276" r:id="rId15"/>
+    <p:sldId id="271" r:id="rId16"/>
+    <p:sldId id="273" r:id="rId17"/>
+    <p:sldId id="274" r:id="rId18"/>
+    <p:sldId id="280" r:id="rId19"/>
+    <p:sldId id="275" r:id="rId20"/>
+    <p:sldId id="277" r:id="rId21"/>
+    <p:sldId id="278" r:id="rId22"/>
+    <p:sldId id="279" r:id="rId23"/>
+    <p:sldId id="281" r:id="rId24"/>
+    <p:sldId id="287" r:id="rId25"/>
+    <p:sldId id="288" r:id="rId26"/>
+    <p:sldId id="289" r:id="rId27"/>
+    <p:sldId id="266" r:id="rId28"/>
+    <p:sldId id="267" r:id="rId29"/>
+    <p:sldId id="265" r:id="rId30"/>
+    <p:sldId id="261" r:id="rId31"/>
+    <p:sldId id="262" r:id="rId32"/>
   </p:sldIdLst>
   <p:sldSz cx="9144000" cy="5143500" type="screen16x9"/>
   <p:notesSz cx="6858000" cy="9144000"/>
@@ -277,7 +285,12 @@
             <p14:sldId id="258"/>
             <p14:sldId id="263"/>
             <p14:sldId id="272"/>
+            <p14:sldId id="283"/>
             <p14:sldId id="264"/>
+            <p14:sldId id="282"/>
+            <p14:sldId id="284"/>
+            <p14:sldId id="285"/>
+            <p14:sldId id="286"/>
           </p14:sldIdLst>
         </p14:section>
         <p14:section name="1.2" id="{9E751314-B9D1-45B8-803A-20B0E7A9974D}">
@@ -302,6 +315,9 @@
             <p14:sldId id="278"/>
             <p14:sldId id="279"/>
             <p14:sldId id="281"/>
+            <p14:sldId id="287"/>
+            <p14:sldId id="288"/>
+            <p14:sldId id="289"/>
           </p14:sldIdLst>
         </p14:section>
         <p14:section name="Code demo" id="{776B67A1-757B-2B47-BA2D-77C31DDC225F}">
@@ -44333,6 +44349,782 @@
   <p:cSld>
     <p:spTree>
       <p:nvGrpSpPr>
+        <p:cNvPr id="1" name="">
+          <a:extLst>
+            <a:ext uri="{FF2B5EF4-FFF2-40B4-BE49-F238E27FC236}">
+              <a16:creationId xmlns:a16="http://schemas.microsoft.com/office/drawing/2014/main" id="{59B17A07-E38E-965E-1DD7-2D0400D9406E}"/>
+            </a:ext>
+          </a:extLst>
+        </p:cNvPr>
+        <p:cNvGrpSpPr/>
+        <p:nvPr/>
+      </p:nvGrpSpPr>
+      <p:grpSpPr>
+        <a:xfrm>
+          <a:off x="0" y="0"/>
+          <a:ext cx="0" cy="0"/>
+          <a:chOff x="0" y="0"/>
+          <a:chExt cx="0" cy="0"/>
+        </a:xfrm>
+      </p:grpSpPr>
+      <p:sp>
+        <p:nvSpPr>
+          <p:cNvPr id="2" name="Título 1">
+            <a:extLst>
+              <a:ext uri="{FF2B5EF4-FFF2-40B4-BE49-F238E27FC236}">
+                <a16:creationId xmlns:a16="http://schemas.microsoft.com/office/drawing/2014/main" id="{FDE2ACEA-5345-9396-7992-9F867262E58E}"/>
+              </a:ext>
+            </a:extLst>
+          </p:cNvPr>
+          <p:cNvSpPr>
+            <a:spLocks noGrp="1"/>
+          </p:cNvSpPr>
+          <p:nvPr>
+            <p:ph type="title"/>
+          </p:nvPr>
+        </p:nvSpPr>
+        <p:spPr/>
+        <p:txBody>
+          <a:bodyPr>
+            <a:normAutofit fontScale="90000"/>
+          </a:bodyPr>
+          <a:lstStyle/>
+          <a:p>
+            <a:r>
+              <a:rPr lang="en-US" dirty="0"/>
+              <a:t>Results and Analysis from task [1.1]</a:t>
+            </a:r>
+            <a:endParaRPr lang="pt-PT" dirty="0"/>
+          </a:p>
+        </p:txBody>
+      </p:sp>
+      <p:sp>
+        <p:nvSpPr>
+          <p:cNvPr id="3" name="Marcador de Posição do Texto 2">
+            <a:extLst>
+              <a:ext uri="{FF2B5EF4-FFF2-40B4-BE49-F238E27FC236}">
+                <a16:creationId xmlns:a16="http://schemas.microsoft.com/office/drawing/2014/main" id="{DC4E4F00-EAC3-92F9-DF56-7917EC495F02}"/>
+              </a:ext>
+            </a:extLst>
+          </p:cNvPr>
+          <p:cNvSpPr>
+            <a:spLocks noGrp="1"/>
+          </p:cNvSpPr>
+          <p:nvPr>
+            <p:ph type="body" idx="1"/>
+          </p:nvPr>
+        </p:nvSpPr>
+        <p:spPr/>
+        <p:txBody>
+          <a:bodyPr/>
+          <a:lstStyle/>
+          <a:p>
+            <a:endParaRPr lang="pt-PT" dirty="0"/>
+          </a:p>
+        </p:txBody>
+      </p:sp>
+      <p:sp>
+        <p:nvSpPr>
+          <p:cNvPr id="4" name="Slide Number Placeholder 3">
+            <a:extLst>
+              <a:ext uri="{FF2B5EF4-FFF2-40B4-BE49-F238E27FC236}">
+                <a16:creationId xmlns:a16="http://schemas.microsoft.com/office/drawing/2014/main" id="{EE29963B-10B7-7993-1DA9-B2BD6E93ACAF}"/>
+              </a:ext>
+            </a:extLst>
+          </p:cNvPr>
+          <p:cNvSpPr>
+            <a:spLocks noGrp="1"/>
+          </p:cNvSpPr>
+          <p:nvPr>
+            <p:ph type="sldNum" idx="12"/>
+          </p:nvPr>
+        </p:nvSpPr>
+        <p:spPr/>
+        <p:txBody>
+          <a:bodyPr/>
+          <a:lstStyle/>
+          <a:p>
+            <a:pPr marL="0" lvl="0" indent="0" algn="r" rtl="0">
+              <a:spcBef>
+                <a:spcPts val="0"/>
+              </a:spcBef>
+              <a:spcAft>
+                <a:spcPts val="0"/>
+              </a:spcAft>
+              <a:buNone/>
+            </a:pPr>
+            <a:fld id="{00000000-1234-1234-1234-123412341234}" type="slidenum">
+              <a:rPr lang="en" smtClean="0"/>
+              <a:t>10</a:t>
+            </a:fld>
+            <a:endParaRPr lang="en"/>
+          </a:p>
+        </p:txBody>
+      </p:sp>
+      <p:pic>
+        <p:nvPicPr>
+          <p:cNvPr id="7" name="Imagem 6" descr="Uma imagem com texto, captura de ecrã, diagrama, design&#10;&#10;Os conteúdos gerados por IA podem estar incorretos.">
+            <a:extLst>
+              <a:ext uri="{FF2B5EF4-FFF2-40B4-BE49-F238E27FC236}">
+                <a16:creationId xmlns:a16="http://schemas.microsoft.com/office/drawing/2014/main" id="{CD7063AD-D9BC-8DD6-5E19-AE5890AE7FA2}"/>
+              </a:ext>
+            </a:extLst>
+          </p:cNvPr>
+          <p:cNvPicPr>
+            <a:picLocks noChangeAspect="1"/>
+          </p:cNvPicPr>
+          <p:nvPr/>
+        </p:nvPicPr>
+        <p:blipFill>
+          <a:blip r:embed="rId2"/>
+          <a:stretch>
+            <a:fillRect/>
+          </a:stretch>
+        </p:blipFill>
+        <p:spPr>
+          <a:xfrm>
+            <a:off x="268636" y="1152475"/>
+            <a:ext cx="6693797" cy="3181145"/>
+          </a:xfrm>
+          <a:prstGeom prst="rect">
+            <a:avLst/>
+          </a:prstGeom>
+        </p:spPr>
+      </p:pic>
+    </p:spTree>
+    <p:extLst>
+      <p:ext uri="{BB962C8B-B14F-4D97-AF65-F5344CB8AC3E}">
+        <p14:creationId xmlns:p14="http://schemas.microsoft.com/office/powerpoint/2010/main" val="4006165288"/>
+      </p:ext>
+    </p:extLst>
+  </p:cSld>
+  <p:clrMapOvr>
+    <a:masterClrMapping/>
+  </p:clrMapOvr>
+</p:sld>
+</file>
+
+<file path=ppt/slides/slide11.xml><?xml version="1.0" encoding="utf-8"?>
+<p:sld xmlns:a="http://schemas.openxmlformats.org/drawingml/2006/main" xmlns:r="http://schemas.openxmlformats.org/officeDocument/2006/relationships" xmlns:p="http://schemas.openxmlformats.org/presentationml/2006/main">
+  <p:cSld>
+    <p:spTree>
+      <p:nvGrpSpPr>
+        <p:cNvPr id="1" name="">
+          <a:extLst>
+            <a:ext uri="{FF2B5EF4-FFF2-40B4-BE49-F238E27FC236}">
+              <a16:creationId xmlns:a16="http://schemas.microsoft.com/office/drawing/2014/main" id="{0C18FB9C-7CF7-6FB0-C773-88E5D7BAE76D}"/>
+            </a:ext>
+          </a:extLst>
+        </p:cNvPr>
+        <p:cNvGrpSpPr/>
+        <p:nvPr/>
+      </p:nvGrpSpPr>
+      <p:grpSpPr>
+        <a:xfrm>
+          <a:off x="0" y="0"/>
+          <a:ext cx="0" cy="0"/>
+          <a:chOff x="0" y="0"/>
+          <a:chExt cx="0" cy="0"/>
+        </a:xfrm>
+      </p:grpSpPr>
+      <p:sp>
+        <p:nvSpPr>
+          <p:cNvPr id="2" name="Título 1">
+            <a:extLst>
+              <a:ext uri="{FF2B5EF4-FFF2-40B4-BE49-F238E27FC236}">
+                <a16:creationId xmlns:a16="http://schemas.microsoft.com/office/drawing/2014/main" id="{394430FB-70E1-257A-CD41-BFE2AC185FA0}"/>
+              </a:ext>
+            </a:extLst>
+          </p:cNvPr>
+          <p:cNvSpPr>
+            <a:spLocks noGrp="1"/>
+          </p:cNvSpPr>
+          <p:nvPr>
+            <p:ph type="title"/>
+          </p:nvPr>
+        </p:nvSpPr>
+        <p:spPr/>
+        <p:txBody>
+          <a:bodyPr>
+            <a:normAutofit fontScale="90000"/>
+          </a:bodyPr>
+          <a:lstStyle/>
+          <a:p>
+            <a:r>
+              <a:rPr lang="en-US" dirty="0"/>
+              <a:t>Results and Analysis from task [1.1]</a:t>
+            </a:r>
+            <a:endParaRPr lang="pt-PT" dirty="0"/>
+          </a:p>
+        </p:txBody>
+      </p:sp>
+      <p:sp>
+        <p:nvSpPr>
+          <p:cNvPr id="3" name="Marcador de Posição do Texto 2">
+            <a:extLst>
+              <a:ext uri="{FF2B5EF4-FFF2-40B4-BE49-F238E27FC236}">
+                <a16:creationId xmlns:a16="http://schemas.microsoft.com/office/drawing/2014/main" id="{D27DF919-9964-E561-62BC-7A35B38555CC}"/>
+              </a:ext>
+            </a:extLst>
+          </p:cNvPr>
+          <p:cNvSpPr>
+            <a:spLocks noGrp="1"/>
+          </p:cNvSpPr>
+          <p:nvPr>
+            <p:ph type="body" idx="1"/>
+          </p:nvPr>
+        </p:nvSpPr>
+        <p:spPr/>
+        <p:txBody>
+          <a:bodyPr/>
+          <a:lstStyle/>
+          <a:p>
+            <a:endParaRPr lang="pt-PT" dirty="0"/>
+          </a:p>
+        </p:txBody>
+      </p:sp>
+      <p:sp>
+        <p:nvSpPr>
+          <p:cNvPr id="4" name="Slide Number Placeholder 3">
+            <a:extLst>
+              <a:ext uri="{FF2B5EF4-FFF2-40B4-BE49-F238E27FC236}">
+                <a16:creationId xmlns:a16="http://schemas.microsoft.com/office/drawing/2014/main" id="{97DC3CB3-433D-53A1-D9F8-129C73D7642E}"/>
+              </a:ext>
+            </a:extLst>
+          </p:cNvPr>
+          <p:cNvSpPr>
+            <a:spLocks noGrp="1"/>
+          </p:cNvSpPr>
+          <p:nvPr>
+            <p:ph type="sldNum" idx="12"/>
+          </p:nvPr>
+        </p:nvSpPr>
+        <p:spPr/>
+        <p:txBody>
+          <a:bodyPr/>
+          <a:lstStyle/>
+          <a:p>
+            <a:pPr marL="0" lvl="0" indent="0" algn="r" rtl="0">
+              <a:spcBef>
+                <a:spcPts val="0"/>
+              </a:spcBef>
+              <a:spcAft>
+                <a:spcPts val="0"/>
+              </a:spcAft>
+              <a:buNone/>
+            </a:pPr>
+            <a:fld id="{00000000-1234-1234-1234-123412341234}" type="slidenum">
+              <a:rPr lang="en" smtClean="0"/>
+              <a:t>11</a:t>
+            </a:fld>
+            <a:endParaRPr lang="en"/>
+          </a:p>
+        </p:txBody>
+      </p:sp>
+      <p:pic>
+        <p:nvPicPr>
+          <p:cNvPr id="7" name="Imagem 6" descr="Uma imagem com texto, diagrama, file, Paralelo&#10;&#10;Os conteúdos gerados por IA podem estar incorretos.">
+            <a:extLst>
+              <a:ext uri="{FF2B5EF4-FFF2-40B4-BE49-F238E27FC236}">
+                <a16:creationId xmlns:a16="http://schemas.microsoft.com/office/drawing/2014/main" id="{BEA1B7FE-235E-0097-9F18-BA2C3731A6D8}"/>
+              </a:ext>
+            </a:extLst>
+          </p:cNvPr>
+          <p:cNvPicPr>
+            <a:picLocks noChangeAspect="1"/>
+          </p:cNvPicPr>
+          <p:nvPr/>
+        </p:nvPicPr>
+        <p:blipFill>
+          <a:blip r:embed="rId2"/>
+          <a:stretch>
+            <a:fillRect/>
+          </a:stretch>
+        </p:blipFill>
+        <p:spPr>
+          <a:xfrm>
+            <a:off x="497680" y="1017725"/>
+            <a:ext cx="3677593" cy="3773192"/>
+          </a:xfrm>
+          <a:prstGeom prst="rect">
+            <a:avLst/>
+          </a:prstGeom>
+        </p:spPr>
+      </p:pic>
+    </p:spTree>
+    <p:extLst>
+      <p:ext uri="{BB962C8B-B14F-4D97-AF65-F5344CB8AC3E}">
+        <p14:creationId xmlns:p14="http://schemas.microsoft.com/office/powerpoint/2010/main" val="603348526"/>
+      </p:ext>
+    </p:extLst>
+  </p:cSld>
+  <p:clrMapOvr>
+    <a:masterClrMapping/>
+  </p:clrMapOvr>
+</p:sld>
+</file>
+
+<file path=ppt/slides/slide12.xml><?xml version="1.0" encoding="utf-8"?>
+<p:sld xmlns:a="http://schemas.openxmlformats.org/drawingml/2006/main" xmlns:r="http://schemas.openxmlformats.org/officeDocument/2006/relationships" xmlns:p="http://schemas.openxmlformats.org/presentationml/2006/main">
+  <p:cSld>
+    <p:spTree>
+      <p:nvGrpSpPr>
+        <p:cNvPr id="1" name="Shape 65"/>
+        <p:cNvGrpSpPr/>
+        <p:nvPr/>
+      </p:nvGrpSpPr>
+      <p:grpSpPr>
+        <a:xfrm>
+          <a:off x="0" y="0"/>
+          <a:ext cx="0" cy="0"/>
+          <a:chOff x="0" y="0"/>
+          <a:chExt cx="0" cy="0"/>
+        </a:xfrm>
+      </p:grpSpPr>
+      <p:sp>
+        <p:nvSpPr>
+          <p:cNvPr id="66" name="Google Shape;66;p15"/>
+          <p:cNvSpPr txBox="1">
+            <a:spLocks noGrp="1"/>
+          </p:cNvSpPr>
+          <p:nvPr>
+            <p:ph type="title"/>
+          </p:nvPr>
+        </p:nvSpPr>
+        <p:spPr>
+          <a:prstGeom prst="rect">
+            <a:avLst/>
+          </a:prstGeom>
+        </p:spPr>
+        <p:txBody>
+          <a:bodyPr spcFirstLastPara="1" wrap="square" lIns="91425" tIns="91425" rIns="91425" bIns="91425" anchor="t" anchorCtr="0">
+            <a:normAutofit/>
+          </a:bodyPr>
+          <a:lstStyle/>
+          <a:p>
+            <a:pPr marL="0" lvl="0" indent="0" algn="l" rtl="0">
+              <a:spcBef>
+                <a:spcPts val="0"/>
+              </a:spcBef>
+              <a:spcAft>
+                <a:spcPts val="0"/>
+              </a:spcAft>
+              <a:buNone/>
+            </a:pPr>
+            <a:r>
+              <a:rPr lang="pt-PT" dirty="0" err="1"/>
+              <a:t>Task</a:t>
+            </a:r>
+            <a:r>
+              <a:rPr lang="pt-PT" dirty="0"/>
+              <a:t> [1.2] - </a:t>
+            </a:r>
+            <a:r>
+              <a:rPr lang="pt-PT" dirty="0" err="1"/>
+              <a:t>Learn</a:t>
+            </a:r>
+            <a:r>
+              <a:rPr lang="pt-PT" dirty="0"/>
+              <a:t> </a:t>
+            </a:r>
+            <a:r>
+              <a:rPr lang="pt-PT" dirty="0" err="1"/>
+              <a:t>the</a:t>
+            </a:r>
+            <a:r>
+              <a:rPr lang="pt-PT" dirty="0"/>
+              <a:t> </a:t>
+            </a:r>
+            <a:r>
+              <a:rPr lang="pt-PT" dirty="0" err="1"/>
+              <a:t>baseline</a:t>
+            </a:r>
+            <a:r>
+              <a:rPr lang="pt-PT" dirty="0"/>
+              <a:t> </a:t>
+            </a:r>
+            <a:r>
+              <a:rPr lang="pt-PT" dirty="0" err="1"/>
+              <a:t>model</a:t>
+            </a:r>
+            <a:endParaRPr lang="pt-PT" dirty="0"/>
+          </a:p>
+        </p:txBody>
+      </p:sp>
+      <p:sp>
+        <p:nvSpPr>
+          <p:cNvPr id="2" name="Slide Number Placeholder 1">
+            <a:extLst>
+              <a:ext uri="{FF2B5EF4-FFF2-40B4-BE49-F238E27FC236}">
+                <a16:creationId xmlns:a16="http://schemas.microsoft.com/office/drawing/2014/main" id="{2F02ADCD-40A6-0FDE-3F7E-7E3EFE9B8615}"/>
+              </a:ext>
+            </a:extLst>
+          </p:cNvPr>
+          <p:cNvSpPr>
+            <a:spLocks noGrp="1"/>
+          </p:cNvSpPr>
+          <p:nvPr>
+            <p:ph type="sldNum" idx="12"/>
+          </p:nvPr>
+        </p:nvSpPr>
+        <p:spPr/>
+        <p:txBody>
+          <a:bodyPr/>
+          <a:lstStyle/>
+          <a:p>
+            <a:pPr marL="0" lvl="0" indent="0" algn="r" rtl="0">
+              <a:spcBef>
+                <a:spcPts val="0"/>
+              </a:spcBef>
+              <a:spcAft>
+                <a:spcPts val="0"/>
+              </a:spcAft>
+              <a:buNone/>
+            </a:pPr>
+            <a:fld id="{00000000-1234-1234-1234-123412341234}" type="slidenum">
+              <a:rPr lang="en" smtClean="0"/>
+              <a:t>12</a:t>
+            </a:fld>
+            <a:endParaRPr lang="en"/>
+          </a:p>
+        </p:txBody>
+      </p:sp>
+    </p:spTree>
+    <p:extLst>
+      <p:ext uri="{BB962C8B-B14F-4D97-AF65-F5344CB8AC3E}">
+        <p14:creationId xmlns:p14="http://schemas.microsoft.com/office/powerpoint/2010/main" val="774767926"/>
+      </p:ext>
+    </p:extLst>
+  </p:cSld>
+  <p:clrMapOvr>
+    <a:masterClrMapping/>
+  </p:clrMapOvr>
+</p:sld>
+</file>
+
+<file path=ppt/slides/slide13.xml><?xml version="1.0" encoding="utf-8"?>
+<p:sld xmlns:a="http://schemas.openxmlformats.org/drawingml/2006/main" xmlns:r="http://schemas.openxmlformats.org/officeDocument/2006/relationships" xmlns:p="http://schemas.openxmlformats.org/presentationml/2006/main">
+  <p:cSld>
+    <p:spTree>
+      <p:nvGrpSpPr>
+        <p:cNvPr id="1" name=""/>
+        <p:cNvGrpSpPr/>
+        <p:nvPr/>
+      </p:nvGrpSpPr>
+      <p:grpSpPr>
+        <a:xfrm>
+          <a:off x="0" y="0"/>
+          <a:ext cx="0" cy="0"/>
+          <a:chOff x="0" y="0"/>
+          <a:chExt cx="0" cy="0"/>
+        </a:xfrm>
+      </p:grpSpPr>
+      <p:sp>
+        <p:nvSpPr>
+          <p:cNvPr id="2" name="Título 1">
+            <a:extLst>
+              <a:ext uri="{FF2B5EF4-FFF2-40B4-BE49-F238E27FC236}">
+                <a16:creationId xmlns:a16="http://schemas.microsoft.com/office/drawing/2014/main" id="{435950B8-3572-2171-184D-7CB447F81866}"/>
+              </a:ext>
+            </a:extLst>
+          </p:cNvPr>
+          <p:cNvSpPr>
+            <a:spLocks noGrp="1"/>
+          </p:cNvSpPr>
+          <p:nvPr>
+            <p:ph type="title"/>
+          </p:nvPr>
+        </p:nvSpPr>
+        <p:spPr>
+          <a:xfrm>
+            <a:off x="311700" y="445025"/>
+            <a:ext cx="8520600" cy="572700"/>
+          </a:xfrm>
+        </p:spPr>
+        <p:txBody>
+          <a:bodyPr wrap="square" anchor="ctr">
+            <a:normAutofit/>
+          </a:bodyPr>
+          <a:lstStyle/>
+          <a:p>
+            <a:pPr>
+              <a:lnSpc>
+                <a:spcPct val="90000"/>
+              </a:lnSpc>
+            </a:pPr>
+            <a:r>
+              <a:rPr lang="en-US" sz="2600"/>
+              <a:t>What was done in task [1.2]</a:t>
+            </a:r>
+            <a:endParaRPr lang="pt-PT" sz="2600"/>
+          </a:p>
+        </p:txBody>
+      </p:sp>
+      <p:sp>
+        <p:nvSpPr>
+          <p:cNvPr id="4" name="Slide Number Placeholder 3">
+            <a:extLst>
+              <a:ext uri="{FF2B5EF4-FFF2-40B4-BE49-F238E27FC236}">
+                <a16:creationId xmlns:a16="http://schemas.microsoft.com/office/drawing/2014/main" id="{EF6583C8-87CC-4DDC-5CE6-18034C27EBE7}"/>
+              </a:ext>
+            </a:extLst>
+          </p:cNvPr>
+          <p:cNvSpPr>
+            <a:spLocks noGrp="1"/>
+          </p:cNvSpPr>
+          <p:nvPr>
+            <p:ph type="sldNum" idx="12"/>
+          </p:nvPr>
+        </p:nvSpPr>
+        <p:spPr>
+          <a:xfrm>
+            <a:off x="8472458" y="4663217"/>
+            <a:ext cx="548700" cy="393600"/>
+          </a:xfrm>
+        </p:spPr>
+        <p:txBody>
+          <a:bodyPr wrap="square" anchor="ctr">
+            <a:normAutofit/>
+          </a:bodyPr>
+          <a:lstStyle/>
+          <a:p>
+            <a:pPr marL="0" lvl="0" indent="0" rtl="0">
+              <a:lnSpc>
+                <a:spcPct val="90000"/>
+              </a:lnSpc>
+              <a:spcBef>
+                <a:spcPts val="0"/>
+              </a:spcBef>
+              <a:spcAft>
+                <a:spcPts val="600"/>
+              </a:spcAft>
+              <a:buNone/>
+            </a:pPr>
+            <a:fld id="{00000000-1234-1234-1234-123412341234}" type="slidenum">
+              <a:rPr lang="en" sz="900" smtClean="0"/>
+              <a:pPr marL="0" lvl="0" indent="0" rtl="0">
+                <a:lnSpc>
+                  <a:spcPct val="90000"/>
+                </a:lnSpc>
+                <a:spcBef>
+                  <a:spcPts val="0"/>
+                </a:spcBef>
+                <a:spcAft>
+                  <a:spcPts val="600"/>
+                </a:spcAft>
+                <a:buNone/>
+              </a:pPr>
+              <a:t>13</a:t>
+            </a:fld>
+            <a:endParaRPr lang="en" sz="900"/>
+          </a:p>
+        </p:txBody>
+      </p:sp>
+      <p:graphicFrame>
+        <p:nvGraphicFramePr>
+          <p:cNvPr id="9" name="Marcador de Posição do Texto 6">
+            <a:extLst>
+              <a:ext uri="{FF2B5EF4-FFF2-40B4-BE49-F238E27FC236}">
+                <a16:creationId xmlns:a16="http://schemas.microsoft.com/office/drawing/2014/main" id="{CC3716AE-7CAA-1B30-9DEA-AA12FA1F18F6}"/>
+              </a:ext>
+            </a:extLst>
+          </p:cNvPr>
+          <p:cNvGraphicFramePr/>
+          <p:nvPr>
+            <p:extLst>
+              <p:ext uri="{D42A27DB-BD31-4B8C-83A1-F6EECF244321}">
+                <p14:modId xmlns:p14="http://schemas.microsoft.com/office/powerpoint/2010/main" val="3233458579"/>
+              </p:ext>
+            </p:extLst>
+          </p:nvPr>
+        </p:nvGraphicFramePr>
+        <p:xfrm>
+          <a:off x="311700" y="1208225"/>
+          <a:ext cx="8520600" cy="3264408"/>
+        </p:xfrm>
+        <a:graphic>
+          <a:graphicData uri="http://schemas.openxmlformats.org/drawingml/2006/diagram">
+            <dgm:relIds xmlns:dgm="http://schemas.openxmlformats.org/drawingml/2006/diagram" xmlns:r="http://schemas.openxmlformats.org/officeDocument/2006/relationships" r:dm="rId2" r:lo="rId3" r:qs="rId4" r:cs="rId5"/>
+          </a:graphicData>
+        </a:graphic>
+      </p:graphicFrame>
+    </p:spTree>
+    <p:extLst>
+      <p:ext uri="{BB962C8B-B14F-4D97-AF65-F5344CB8AC3E}">
+        <p14:creationId xmlns:p14="http://schemas.microsoft.com/office/powerpoint/2010/main" val="2225735654"/>
+      </p:ext>
+    </p:extLst>
+  </p:cSld>
+  <p:clrMapOvr>
+    <a:masterClrMapping/>
+  </p:clrMapOvr>
+</p:sld>
+</file>
+
+<file path=ppt/slides/slide14.xml><?xml version="1.0" encoding="utf-8"?>
+<p:sld xmlns:a="http://schemas.openxmlformats.org/drawingml/2006/main" xmlns:r="http://schemas.openxmlformats.org/officeDocument/2006/relationships" xmlns:p="http://schemas.openxmlformats.org/presentationml/2006/main">
+  <p:cSld>
+    <p:spTree>
+      <p:nvGrpSpPr>
+        <p:cNvPr id="1" name=""/>
+        <p:cNvGrpSpPr/>
+        <p:nvPr/>
+      </p:nvGrpSpPr>
+      <p:grpSpPr>
+        <a:xfrm>
+          <a:off x="0" y="0"/>
+          <a:ext cx="0" cy="0"/>
+          <a:chOff x="0" y="0"/>
+          <a:chExt cx="0" cy="0"/>
+        </a:xfrm>
+      </p:grpSpPr>
+      <p:sp>
+        <p:nvSpPr>
+          <p:cNvPr id="2" name="Título 1">
+            <a:extLst>
+              <a:ext uri="{FF2B5EF4-FFF2-40B4-BE49-F238E27FC236}">
+                <a16:creationId xmlns:a16="http://schemas.microsoft.com/office/drawing/2014/main" id="{435950B8-3572-2171-184D-7CB447F81866}"/>
+              </a:ext>
+            </a:extLst>
+          </p:cNvPr>
+          <p:cNvSpPr>
+            <a:spLocks noGrp="1"/>
+          </p:cNvSpPr>
+          <p:nvPr>
+            <p:ph type="title"/>
+          </p:nvPr>
+        </p:nvSpPr>
+        <p:spPr>
+          <a:xfrm>
+            <a:off x="311700" y="445025"/>
+            <a:ext cx="8520600" cy="572700"/>
+          </a:xfrm>
+        </p:spPr>
+        <p:txBody>
+          <a:bodyPr wrap="square" anchor="ctr">
+            <a:normAutofit/>
+          </a:bodyPr>
+          <a:lstStyle/>
+          <a:p>
+            <a:pPr>
+              <a:lnSpc>
+                <a:spcPct val="90000"/>
+              </a:lnSpc>
+            </a:pPr>
+            <a:r>
+              <a:rPr lang="en-US" sz="2600"/>
+              <a:t>What was done in task [1.2]</a:t>
+            </a:r>
+            <a:endParaRPr lang="pt-PT" sz="2600"/>
+          </a:p>
+        </p:txBody>
+      </p:sp>
+      <p:sp>
+        <p:nvSpPr>
+          <p:cNvPr id="4" name="Slide Number Placeholder 3">
+            <a:extLst>
+              <a:ext uri="{FF2B5EF4-FFF2-40B4-BE49-F238E27FC236}">
+                <a16:creationId xmlns:a16="http://schemas.microsoft.com/office/drawing/2014/main" id="{EF6583C8-87CC-4DDC-5CE6-18034C27EBE7}"/>
+              </a:ext>
+            </a:extLst>
+          </p:cNvPr>
+          <p:cNvSpPr>
+            <a:spLocks noGrp="1"/>
+          </p:cNvSpPr>
+          <p:nvPr>
+            <p:ph type="sldNum" idx="12"/>
+          </p:nvPr>
+        </p:nvSpPr>
+        <p:spPr>
+          <a:xfrm>
+            <a:off x="8472458" y="4663217"/>
+            <a:ext cx="548700" cy="393600"/>
+          </a:xfrm>
+        </p:spPr>
+        <p:txBody>
+          <a:bodyPr wrap="square" anchor="ctr">
+            <a:normAutofit/>
+          </a:bodyPr>
+          <a:lstStyle/>
+          <a:p>
+            <a:pPr marL="0" lvl="0" indent="0" rtl="0">
+              <a:lnSpc>
+                <a:spcPct val="90000"/>
+              </a:lnSpc>
+              <a:spcBef>
+                <a:spcPts val="0"/>
+              </a:spcBef>
+              <a:spcAft>
+                <a:spcPts val="600"/>
+              </a:spcAft>
+              <a:buNone/>
+            </a:pPr>
+            <a:fld id="{00000000-1234-1234-1234-123412341234}" type="slidenum">
+              <a:rPr lang="en" sz="900" smtClean="0"/>
+              <a:pPr marL="0" lvl="0" indent="0" rtl="0">
+                <a:lnSpc>
+                  <a:spcPct val="90000"/>
+                </a:lnSpc>
+                <a:spcBef>
+                  <a:spcPts val="0"/>
+                </a:spcBef>
+                <a:spcAft>
+                  <a:spcPts val="600"/>
+                </a:spcAft>
+                <a:buNone/>
+              </a:pPr>
+              <a:t>14</a:t>
+            </a:fld>
+            <a:endParaRPr lang="en" sz="900"/>
+          </a:p>
+        </p:txBody>
+      </p:sp>
+      <p:graphicFrame>
+        <p:nvGraphicFramePr>
+          <p:cNvPr id="9" name="Marcador de Posição do Texto 6">
+            <a:extLst>
+              <a:ext uri="{FF2B5EF4-FFF2-40B4-BE49-F238E27FC236}">
+                <a16:creationId xmlns:a16="http://schemas.microsoft.com/office/drawing/2014/main" id="{5B5FDDFE-C925-F69E-4B7B-77EA7771CBB3}"/>
+              </a:ext>
+            </a:extLst>
+          </p:cNvPr>
+          <p:cNvGraphicFramePr/>
+          <p:nvPr>
+            <p:extLst>
+              <p:ext uri="{D42A27DB-BD31-4B8C-83A1-F6EECF244321}">
+                <p14:modId xmlns:p14="http://schemas.microsoft.com/office/powerpoint/2010/main" val="2096224779"/>
+              </p:ext>
+            </p:extLst>
+          </p:nvPr>
+        </p:nvGraphicFramePr>
+        <p:xfrm>
+          <a:off x="311700" y="1208225"/>
+          <a:ext cx="8520600" cy="3264408"/>
+        </p:xfrm>
+        <a:graphic>
+          <a:graphicData uri="http://schemas.openxmlformats.org/drawingml/2006/diagram">
+            <dgm:relIds xmlns:dgm="http://schemas.openxmlformats.org/drawingml/2006/diagram" xmlns:r="http://schemas.openxmlformats.org/officeDocument/2006/relationships" r:dm="rId2" r:lo="rId3" r:qs="rId4" r:cs="rId5"/>
+          </a:graphicData>
+        </a:graphic>
+      </p:graphicFrame>
+    </p:spTree>
+    <p:extLst>
+      <p:ext uri="{BB962C8B-B14F-4D97-AF65-F5344CB8AC3E}">
+        <p14:creationId xmlns:p14="http://schemas.microsoft.com/office/powerpoint/2010/main" val="1017707277"/>
+      </p:ext>
+    </p:extLst>
+  </p:cSld>
+  <p:clrMapOvr>
+    <a:masterClrMapping/>
+  </p:clrMapOvr>
+</p:sld>
+</file>
+
+<file path=ppt/slides/slide15.xml><?xml version="1.0" encoding="utf-8"?>
+<p:sld xmlns:a="http://schemas.openxmlformats.org/drawingml/2006/main" xmlns:r="http://schemas.openxmlformats.org/officeDocument/2006/relationships" xmlns:p="http://schemas.openxmlformats.org/presentationml/2006/main">
+  <p:cSld>
+    <p:spTree>
+      <p:nvGrpSpPr>
         <p:cNvPr id="1" name=""/>
         <p:cNvGrpSpPr/>
         <p:nvPr/>
@@ -44433,12 +45225,42 @@
             </a:pPr>
             <a:fld id="{00000000-1234-1234-1234-123412341234}" type="slidenum">
               <a:rPr lang="en" smtClean="0"/>
-              <a:t>10</a:t>
+              <a:t>15</a:t>
             </a:fld>
             <a:endParaRPr lang="en"/>
           </a:p>
         </p:txBody>
       </p:sp>
+      <p:pic>
+        <p:nvPicPr>
+          <p:cNvPr id="6" name="Imagem 5" descr="Uma imagem com texto, file, Gráfico, diagrama&#10;&#10;Os conteúdos gerados por IA podem estar incorretos.">
+            <a:extLst>
+              <a:ext uri="{FF2B5EF4-FFF2-40B4-BE49-F238E27FC236}">
+                <a16:creationId xmlns:a16="http://schemas.microsoft.com/office/drawing/2014/main" id="{41EE0C64-99C0-2953-49E3-C879261CFC43}"/>
+              </a:ext>
+            </a:extLst>
+          </p:cNvPr>
+          <p:cNvPicPr>
+            <a:picLocks noChangeAspect="1"/>
+          </p:cNvPicPr>
+          <p:nvPr/>
+        </p:nvPicPr>
+        <p:blipFill>
+          <a:blip r:embed="rId2"/>
+          <a:stretch>
+            <a:fillRect/>
+          </a:stretch>
+        </p:blipFill>
+        <p:spPr>
+          <a:xfrm>
+            <a:off x="645761" y="974754"/>
+            <a:ext cx="7759485" cy="2727915"/>
+          </a:xfrm>
+          <a:prstGeom prst="rect">
+            <a:avLst/>
+          </a:prstGeom>
+        </p:spPr>
+      </p:pic>
     </p:spTree>
     <p:extLst>
       <p:ext uri="{BB962C8B-B14F-4D97-AF65-F5344CB8AC3E}">
@@ -44452,7 +45274,7 @@
 </p:sld>
 </file>
 
-<file path=ppt/slides/slide11.xml><?xml version="1.0" encoding="utf-8"?>
+<file path=ppt/slides/slide16.xml><?xml version="1.0" encoding="utf-8"?>
 <p:sld xmlns:a="http://schemas.openxmlformats.org/drawingml/2006/main" xmlns:r="http://schemas.openxmlformats.org/officeDocument/2006/relationships" xmlns:p="http://schemas.openxmlformats.org/presentationml/2006/main">
   <p:cSld>
     <p:spTree>
@@ -44547,7 +45369,7 @@
             </a:pPr>
             <a:fld id="{00000000-1234-1234-1234-123412341234}" type="slidenum">
               <a:rPr lang="en" smtClean="0"/>
-              <a:t>11</a:t>
+              <a:t>16</a:t>
             </a:fld>
             <a:endParaRPr lang="en"/>
           </a:p>
@@ -44566,7 +45388,7 @@
 </p:sld>
 </file>
 
-<file path=ppt/slides/slide12.xml><?xml version="1.0" encoding="utf-8"?>
+<file path=ppt/slides/slide17.xml><?xml version="1.0" encoding="utf-8"?>
 <p:sld xmlns:a="http://schemas.openxmlformats.org/drawingml/2006/main" xmlns:r="http://schemas.openxmlformats.org/officeDocument/2006/relationships" xmlns:p="http://schemas.openxmlformats.org/presentationml/2006/main">
   <p:cSld>
     <p:spTree>
@@ -44678,7 +45500,7 @@
                 </a:spcAft>
                 <a:buNone/>
               </a:pPr>
-              <a:t>12</a:t>
+              <a:t>17</a:t>
             </a:fld>
             <a:endParaRPr lang="en" sz="900"/>
           </a:p>
@@ -44725,7 +45547,7 @@
 </p:sld>
 </file>
 
-<file path=ppt/slides/slide13.xml><?xml version="1.0" encoding="utf-8"?>
+<file path=ppt/slides/slide18.xml><?xml version="1.0" encoding="utf-8"?>
 <p:sld xmlns:a="http://schemas.openxmlformats.org/drawingml/2006/main" xmlns:r="http://schemas.openxmlformats.org/officeDocument/2006/relationships" xmlns:p="http://schemas.openxmlformats.org/presentationml/2006/main">
   <p:cSld>
     <p:spTree>
@@ -44837,7 +45659,7 @@
                 </a:spcAft>
                 <a:buNone/>
               </a:pPr>
-              <a:t>13</a:t>
+              <a:t>18</a:t>
             </a:fld>
             <a:endParaRPr lang="en" sz="900"/>
           </a:p>
@@ -44884,7 +45706,7 @@
 </p:sld>
 </file>
 
-<file path=ppt/slides/slide14.xml><?xml version="1.0" encoding="utf-8"?>
+<file path=ppt/slides/slide19.xml><?xml version="1.0" encoding="utf-8"?>
 <p:sld xmlns:a="http://schemas.openxmlformats.org/drawingml/2006/main" xmlns:r="http://schemas.openxmlformats.org/officeDocument/2006/relationships" xmlns:p="http://schemas.openxmlformats.org/presentationml/2006/main">
   <p:cSld>
     <p:spTree>
@@ -44989,7 +45811,7 @@
             </a:pPr>
             <a:fld id="{00000000-1234-1234-1234-123412341234}" type="slidenum">
               <a:rPr lang="en" smtClean="0"/>
-              <a:t>14</a:t>
+              <a:t>19</a:t>
             </a:fld>
             <a:endParaRPr lang="en"/>
           </a:p>
@@ -44999,658 +45821,6 @@
     <p:extLst>
       <p:ext uri="{BB962C8B-B14F-4D97-AF65-F5344CB8AC3E}">
         <p14:creationId xmlns:p14="http://schemas.microsoft.com/office/powerpoint/2010/main" val="4136294745"/>
-      </p:ext>
-    </p:extLst>
-  </p:cSld>
-  <p:clrMapOvr>
-    <a:masterClrMapping/>
-  </p:clrMapOvr>
-</p:sld>
-</file>
-
-<file path=ppt/slides/slide15.xml><?xml version="1.0" encoding="utf-8"?>
-<p:sld xmlns:a="http://schemas.openxmlformats.org/drawingml/2006/main" xmlns:r="http://schemas.openxmlformats.org/officeDocument/2006/relationships" xmlns:p="http://schemas.openxmlformats.org/presentationml/2006/main">
-  <p:cSld>
-    <p:spTree>
-      <p:nvGrpSpPr>
-        <p:cNvPr id="1" name="Shape 65"/>
-        <p:cNvGrpSpPr/>
-        <p:nvPr/>
-      </p:nvGrpSpPr>
-      <p:grpSpPr>
-        <a:xfrm>
-          <a:off x="0" y="0"/>
-          <a:ext cx="0" cy="0"/>
-          <a:chOff x="0" y="0"/>
-          <a:chExt cx="0" cy="0"/>
-        </a:xfrm>
-      </p:grpSpPr>
-      <p:sp>
-        <p:nvSpPr>
-          <p:cNvPr id="66" name="Google Shape;66;p15"/>
-          <p:cNvSpPr txBox="1">
-            <a:spLocks noGrp="1"/>
-          </p:cNvSpPr>
-          <p:nvPr>
-            <p:ph type="title"/>
-          </p:nvPr>
-        </p:nvSpPr>
-        <p:spPr>
-          <a:prstGeom prst="rect">
-            <a:avLst/>
-          </a:prstGeom>
-        </p:spPr>
-        <p:txBody>
-          <a:bodyPr spcFirstLastPara="1" wrap="square" lIns="91425" tIns="91425" rIns="91425" bIns="91425" anchor="t" anchorCtr="0">
-            <a:normAutofit/>
-          </a:bodyPr>
-          <a:lstStyle/>
-          <a:p>
-            <a:pPr marL="0" lvl="0" indent="0" algn="l" rtl="0">
-              <a:spcBef>
-                <a:spcPts val="0"/>
-              </a:spcBef>
-              <a:spcAft>
-                <a:spcPts val="0"/>
-              </a:spcAft>
-              <a:buNone/>
-            </a:pPr>
-            <a:r>
-              <a:rPr lang="pt-PT" dirty="0" err="1"/>
-              <a:t>Task</a:t>
-            </a:r>
-            <a:r>
-              <a:rPr lang="pt-PT" dirty="0"/>
-              <a:t> [2.2] - </a:t>
-            </a:r>
-            <a:r>
-              <a:rPr lang="pt-PT" dirty="0" err="1"/>
-              <a:t>Evaluiation</a:t>
-            </a:r>
-            <a:endParaRPr lang="pt-PT" dirty="0"/>
-          </a:p>
-        </p:txBody>
-      </p:sp>
-      <p:sp>
-        <p:nvSpPr>
-          <p:cNvPr id="2" name="Slide Number Placeholder 1">
-            <a:extLst>
-              <a:ext uri="{FF2B5EF4-FFF2-40B4-BE49-F238E27FC236}">
-                <a16:creationId xmlns:a16="http://schemas.microsoft.com/office/drawing/2014/main" id="{2F02ADCD-40A6-0FDE-3F7E-7E3EFE9B8615}"/>
-              </a:ext>
-            </a:extLst>
-          </p:cNvPr>
-          <p:cNvSpPr>
-            <a:spLocks noGrp="1"/>
-          </p:cNvSpPr>
-          <p:nvPr>
-            <p:ph type="sldNum" idx="12"/>
-          </p:nvPr>
-        </p:nvSpPr>
-        <p:spPr/>
-        <p:txBody>
-          <a:bodyPr/>
-          <a:lstStyle/>
-          <a:p>
-            <a:pPr marL="0" lvl="0" indent="0" algn="r" rtl="0">
-              <a:spcBef>
-                <a:spcPts val="0"/>
-              </a:spcBef>
-              <a:spcAft>
-                <a:spcPts val="0"/>
-              </a:spcAft>
-              <a:buNone/>
-            </a:pPr>
-            <a:fld id="{00000000-1234-1234-1234-123412341234}" type="slidenum">
-              <a:rPr lang="en" smtClean="0"/>
-              <a:t>15</a:t>
-            </a:fld>
-            <a:endParaRPr lang="en"/>
-          </a:p>
-        </p:txBody>
-      </p:sp>
-    </p:spTree>
-    <p:extLst>
-      <p:ext uri="{BB962C8B-B14F-4D97-AF65-F5344CB8AC3E}">
-        <p14:creationId xmlns:p14="http://schemas.microsoft.com/office/powerpoint/2010/main" val="359010921"/>
-      </p:ext>
-    </p:extLst>
-  </p:cSld>
-  <p:clrMapOvr>
-    <a:masterClrMapping/>
-  </p:clrMapOvr>
-</p:sld>
-</file>
-
-<file path=ppt/slides/slide16.xml><?xml version="1.0" encoding="utf-8"?>
-<p:sld xmlns:a="http://schemas.openxmlformats.org/drawingml/2006/main" xmlns:r="http://schemas.openxmlformats.org/officeDocument/2006/relationships" xmlns:p="http://schemas.openxmlformats.org/presentationml/2006/main">
-  <p:cSld>
-    <p:spTree>
-      <p:nvGrpSpPr>
-        <p:cNvPr id="1" name=""/>
-        <p:cNvGrpSpPr/>
-        <p:nvPr/>
-      </p:nvGrpSpPr>
-      <p:grpSpPr>
-        <a:xfrm>
-          <a:off x="0" y="0"/>
-          <a:ext cx="0" cy="0"/>
-          <a:chOff x="0" y="0"/>
-          <a:chExt cx="0" cy="0"/>
-        </a:xfrm>
-      </p:grpSpPr>
-      <p:sp>
-        <p:nvSpPr>
-          <p:cNvPr id="2" name="Título 1">
-            <a:extLst>
-              <a:ext uri="{FF2B5EF4-FFF2-40B4-BE49-F238E27FC236}">
-                <a16:creationId xmlns:a16="http://schemas.microsoft.com/office/drawing/2014/main" id="{435950B8-3572-2171-184D-7CB447F81866}"/>
-              </a:ext>
-            </a:extLst>
-          </p:cNvPr>
-          <p:cNvSpPr>
-            <a:spLocks noGrp="1"/>
-          </p:cNvSpPr>
-          <p:nvPr>
-            <p:ph type="title"/>
-          </p:nvPr>
-        </p:nvSpPr>
-        <p:spPr>
-          <a:xfrm>
-            <a:off x="311700" y="445025"/>
-            <a:ext cx="8520600" cy="572700"/>
-          </a:xfrm>
-        </p:spPr>
-        <p:txBody>
-          <a:bodyPr wrap="square" anchor="ctr">
-            <a:normAutofit/>
-          </a:bodyPr>
-          <a:lstStyle/>
-          <a:p>
-            <a:pPr>
-              <a:lnSpc>
-                <a:spcPct val="90000"/>
-              </a:lnSpc>
-            </a:pPr>
-            <a:r>
-              <a:rPr lang="en-US" sz="2600" dirty="0"/>
-              <a:t>What was done in task [2.2]</a:t>
-            </a:r>
-            <a:endParaRPr lang="pt-PT" sz="2600" dirty="0"/>
-          </a:p>
-        </p:txBody>
-      </p:sp>
-      <p:sp>
-        <p:nvSpPr>
-          <p:cNvPr id="4" name="Slide Number Placeholder 3">
-            <a:extLst>
-              <a:ext uri="{FF2B5EF4-FFF2-40B4-BE49-F238E27FC236}">
-                <a16:creationId xmlns:a16="http://schemas.microsoft.com/office/drawing/2014/main" id="{EF6583C8-87CC-4DDC-5CE6-18034C27EBE7}"/>
-              </a:ext>
-            </a:extLst>
-          </p:cNvPr>
-          <p:cNvSpPr>
-            <a:spLocks noGrp="1"/>
-          </p:cNvSpPr>
-          <p:nvPr>
-            <p:ph type="sldNum" idx="12"/>
-          </p:nvPr>
-        </p:nvSpPr>
-        <p:spPr>
-          <a:xfrm>
-            <a:off x="8472458" y="4663217"/>
-            <a:ext cx="548700" cy="393600"/>
-          </a:xfrm>
-        </p:spPr>
-        <p:txBody>
-          <a:bodyPr wrap="square" anchor="ctr">
-            <a:normAutofit/>
-          </a:bodyPr>
-          <a:lstStyle/>
-          <a:p>
-            <a:pPr marL="0" lvl="0" indent="0" rtl="0">
-              <a:lnSpc>
-                <a:spcPct val="90000"/>
-              </a:lnSpc>
-              <a:spcBef>
-                <a:spcPts val="0"/>
-              </a:spcBef>
-              <a:spcAft>
-                <a:spcPts val="600"/>
-              </a:spcAft>
-              <a:buNone/>
-            </a:pPr>
-            <a:fld id="{00000000-1234-1234-1234-123412341234}" type="slidenum">
-              <a:rPr lang="en" sz="900" smtClean="0"/>
-              <a:pPr marL="0" lvl="0" indent="0" rtl="0">
-                <a:lnSpc>
-                  <a:spcPct val="90000"/>
-                </a:lnSpc>
-                <a:spcBef>
-                  <a:spcPts val="0"/>
-                </a:spcBef>
-                <a:spcAft>
-                  <a:spcPts val="600"/>
-                </a:spcAft>
-                <a:buNone/>
-              </a:pPr>
-              <a:t>16</a:t>
-            </a:fld>
-            <a:endParaRPr lang="en" sz="900"/>
-          </a:p>
-        </p:txBody>
-      </p:sp>
-      <p:graphicFrame>
-        <p:nvGraphicFramePr>
-          <p:cNvPr id="9" name="Marcador de Posição do Texto 6">
-            <a:extLst>
-              <a:ext uri="{FF2B5EF4-FFF2-40B4-BE49-F238E27FC236}">
-                <a16:creationId xmlns:a16="http://schemas.microsoft.com/office/drawing/2014/main" id="{E2B6C4B8-F8C0-E9B5-3A6C-7B2C6AE4899D}"/>
-              </a:ext>
-            </a:extLst>
-          </p:cNvPr>
-          <p:cNvGraphicFramePr/>
-          <p:nvPr>
-            <p:extLst>
-              <p:ext uri="{D42A27DB-BD31-4B8C-83A1-F6EECF244321}">
-                <p14:modId xmlns:p14="http://schemas.microsoft.com/office/powerpoint/2010/main" val="1237431737"/>
-              </p:ext>
-            </p:extLst>
-          </p:nvPr>
-        </p:nvGraphicFramePr>
-        <p:xfrm>
-          <a:off x="311700" y="1208225"/>
-          <a:ext cx="8520600" cy="3264408"/>
-        </p:xfrm>
-        <a:graphic>
-          <a:graphicData uri="http://schemas.openxmlformats.org/drawingml/2006/diagram">
-            <dgm:relIds xmlns:dgm="http://schemas.openxmlformats.org/drawingml/2006/diagram" xmlns:r="http://schemas.openxmlformats.org/officeDocument/2006/relationships" r:dm="rId2" r:lo="rId3" r:qs="rId4" r:cs="rId5"/>
-          </a:graphicData>
-        </a:graphic>
-      </p:graphicFrame>
-    </p:spTree>
-    <p:extLst>
-      <p:ext uri="{BB962C8B-B14F-4D97-AF65-F5344CB8AC3E}">
-        <p14:creationId xmlns:p14="http://schemas.microsoft.com/office/powerpoint/2010/main" val="568520892"/>
-      </p:ext>
-    </p:extLst>
-  </p:cSld>
-  <p:clrMapOvr>
-    <a:masterClrMapping/>
-  </p:clrMapOvr>
-</p:sld>
-</file>
-
-<file path=ppt/slides/slide17.xml><?xml version="1.0" encoding="utf-8"?>
-<p:sld xmlns:a="http://schemas.openxmlformats.org/drawingml/2006/main" xmlns:r="http://schemas.openxmlformats.org/officeDocument/2006/relationships" xmlns:p="http://schemas.openxmlformats.org/presentationml/2006/main">
-  <p:cSld>
-    <p:spTree>
-      <p:nvGrpSpPr>
-        <p:cNvPr id="1" name=""/>
-        <p:cNvGrpSpPr/>
-        <p:nvPr/>
-      </p:nvGrpSpPr>
-      <p:grpSpPr>
-        <a:xfrm>
-          <a:off x="0" y="0"/>
-          <a:ext cx="0" cy="0"/>
-          <a:chOff x="0" y="0"/>
-          <a:chExt cx="0" cy="0"/>
-        </a:xfrm>
-      </p:grpSpPr>
-      <p:sp>
-        <p:nvSpPr>
-          <p:cNvPr id="2" name="Título 1">
-            <a:extLst>
-              <a:ext uri="{FF2B5EF4-FFF2-40B4-BE49-F238E27FC236}">
-                <a16:creationId xmlns:a16="http://schemas.microsoft.com/office/drawing/2014/main" id="{18C61B6A-344B-35E3-3F42-0EB9D63698C5}"/>
-              </a:ext>
-            </a:extLst>
-          </p:cNvPr>
-          <p:cNvSpPr>
-            <a:spLocks noGrp="1"/>
-          </p:cNvSpPr>
-          <p:nvPr>
-            <p:ph type="title"/>
-          </p:nvPr>
-        </p:nvSpPr>
-        <p:spPr>
-          <a:xfrm>
-            <a:off x="311700" y="445025"/>
-            <a:ext cx="8520600" cy="572700"/>
-          </a:xfrm>
-        </p:spPr>
-        <p:txBody>
-          <a:bodyPr wrap="square" anchor="ctr">
-            <a:normAutofit/>
-          </a:bodyPr>
-          <a:lstStyle/>
-          <a:p>
-            <a:pPr>
-              <a:lnSpc>
-                <a:spcPct val="90000"/>
-              </a:lnSpc>
-            </a:pPr>
-            <a:r>
-              <a:rPr lang="en-US" sz="2600" dirty="0"/>
-              <a:t>What was done in task [2.2]</a:t>
-            </a:r>
-            <a:endParaRPr lang="pt-PT" sz="2600" dirty="0"/>
-          </a:p>
-        </p:txBody>
-      </p:sp>
-      <p:sp>
-        <p:nvSpPr>
-          <p:cNvPr id="4" name="Slide Number Placeholder 3">
-            <a:extLst>
-              <a:ext uri="{FF2B5EF4-FFF2-40B4-BE49-F238E27FC236}">
-                <a16:creationId xmlns:a16="http://schemas.microsoft.com/office/drawing/2014/main" id="{11770F1A-57B0-9DBE-C4C9-21E2A31A698E}"/>
-              </a:ext>
-            </a:extLst>
-          </p:cNvPr>
-          <p:cNvSpPr>
-            <a:spLocks noGrp="1"/>
-          </p:cNvSpPr>
-          <p:nvPr>
-            <p:ph type="sldNum" idx="12"/>
-          </p:nvPr>
-        </p:nvSpPr>
-        <p:spPr>
-          <a:xfrm>
-            <a:off x="8472458" y="4663217"/>
-            <a:ext cx="548700" cy="393600"/>
-          </a:xfrm>
-        </p:spPr>
-        <p:txBody>
-          <a:bodyPr wrap="square" anchor="ctr">
-            <a:normAutofit/>
-          </a:bodyPr>
-          <a:lstStyle/>
-          <a:p>
-            <a:pPr marL="0" lvl="0" indent="0" rtl="0">
-              <a:lnSpc>
-                <a:spcPct val="90000"/>
-              </a:lnSpc>
-              <a:spcBef>
-                <a:spcPts val="0"/>
-              </a:spcBef>
-              <a:spcAft>
-                <a:spcPts val="600"/>
-              </a:spcAft>
-              <a:buNone/>
-            </a:pPr>
-            <a:fld id="{00000000-1234-1234-1234-123412341234}" type="slidenum">
-              <a:rPr lang="en" sz="900" smtClean="0"/>
-              <a:pPr marL="0" lvl="0" indent="0" rtl="0">
-                <a:lnSpc>
-                  <a:spcPct val="90000"/>
-                </a:lnSpc>
-                <a:spcBef>
-                  <a:spcPts val="0"/>
-                </a:spcBef>
-                <a:spcAft>
-                  <a:spcPts val="600"/>
-                </a:spcAft>
-                <a:buNone/>
-              </a:pPr>
-              <a:t>17</a:t>
-            </a:fld>
-            <a:endParaRPr lang="en" sz="900"/>
-          </a:p>
-        </p:txBody>
-      </p:sp>
-      <p:graphicFrame>
-        <p:nvGraphicFramePr>
-          <p:cNvPr id="6" name="Marcador de Posição do Texto 2">
-            <a:extLst>
-              <a:ext uri="{FF2B5EF4-FFF2-40B4-BE49-F238E27FC236}">
-                <a16:creationId xmlns:a16="http://schemas.microsoft.com/office/drawing/2014/main" id="{174D7F8E-0400-296E-1442-1558F0A4E179}"/>
-              </a:ext>
-            </a:extLst>
-          </p:cNvPr>
-          <p:cNvGraphicFramePr/>
-          <p:nvPr>
-            <p:extLst>
-              <p:ext uri="{D42A27DB-BD31-4B8C-83A1-F6EECF244321}">
-                <p14:modId xmlns:p14="http://schemas.microsoft.com/office/powerpoint/2010/main" val="1107985695"/>
-              </p:ext>
-            </p:extLst>
-          </p:nvPr>
-        </p:nvGraphicFramePr>
-        <p:xfrm>
-          <a:off x="311700" y="1208225"/>
-          <a:ext cx="8520600" cy="3264408"/>
-        </p:xfrm>
-        <a:graphic>
-          <a:graphicData uri="http://schemas.openxmlformats.org/drawingml/2006/diagram">
-            <dgm:relIds xmlns:dgm="http://schemas.openxmlformats.org/drawingml/2006/diagram" xmlns:r="http://schemas.openxmlformats.org/officeDocument/2006/relationships" r:dm="rId2" r:lo="rId3" r:qs="rId4" r:cs="rId5"/>
-          </a:graphicData>
-        </a:graphic>
-      </p:graphicFrame>
-    </p:spTree>
-    <p:extLst>
-      <p:ext uri="{BB962C8B-B14F-4D97-AF65-F5344CB8AC3E}">
-        <p14:creationId xmlns:p14="http://schemas.microsoft.com/office/powerpoint/2010/main" val="3985955342"/>
-      </p:ext>
-    </p:extLst>
-  </p:cSld>
-  <p:clrMapOvr>
-    <a:masterClrMapping/>
-  </p:clrMapOvr>
-</p:sld>
-</file>
-
-<file path=ppt/slides/slide18.xml><?xml version="1.0" encoding="utf-8"?>
-<p:sld xmlns:a="http://schemas.openxmlformats.org/drawingml/2006/main" xmlns:r="http://schemas.openxmlformats.org/officeDocument/2006/relationships" xmlns:p="http://schemas.openxmlformats.org/presentationml/2006/main">
-  <p:cSld>
-    <p:spTree>
-      <p:nvGrpSpPr>
-        <p:cNvPr id="1" name=""/>
-        <p:cNvGrpSpPr/>
-        <p:nvPr/>
-      </p:nvGrpSpPr>
-      <p:grpSpPr>
-        <a:xfrm>
-          <a:off x="0" y="0"/>
-          <a:ext cx="0" cy="0"/>
-          <a:chOff x="0" y="0"/>
-          <a:chExt cx="0" cy="0"/>
-        </a:xfrm>
-      </p:grpSpPr>
-      <p:sp>
-        <p:nvSpPr>
-          <p:cNvPr id="2" name="Título 1">
-            <a:extLst>
-              <a:ext uri="{FF2B5EF4-FFF2-40B4-BE49-F238E27FC236}">
-                <a16:creationId xmlns:a16="http://schemas.microsoft.com/office/drawing/2014/main" id="{18C61B6A-344B-35E3-3F42-0EB9D63698C5}"/>
-              </a:ext>
-            </a:extLst>
-          </p:cNvPr>
-          <p:cNvSpPr>
-            <a:spLocks noGrp="1"/>
-          </p:cNvSpPr>
-          <p:nvPr>
-            <p:ph type="title"/>
-          </p:nvPr>
-        </p:nvSpPr>
-        <p:spPr/>
-        <p:txBody>
-          <a:bodyPr>
-            <a:normAutofit fontScale="90000"/>
-          </a:bodyPr>
-          <a:lstStyle/>
-          <a:p>
-            <a:r>
-              <a:rPr lang="en-US" dirty="0"/>
-              <a:t>Results and Analysis from task [2.2]</a:t>
-            </a:r>
-            <a:endParaRPr lang="pt-PT" dirty="0"/>
-          </a:p>
-        </p:txBody>
-      </p:sp>
-      <p:sp>
-        <p:nvSpPr>
-          <p:cNvPr id="3" name="Marcador de Posição do Texto 2">
-            <a:extLst>
-              <a:ext uri="{FF2B5EF4-FFF2-40B4-BE49-F238E27FC236}">
-                <a16:creationId xmlns:a16="http://schemas.microsoft.com/office/drawing/2014/main" id="{A5BD8CCC-C62C-448E-5E03-7432197F63FB}"/>
-              </a:ext>
-            </a:extLst>
-          </p:cNvPr>
-          <p:cNvSpPr>
-            <a:spLocks noGrp="1"/>
-          </p:cNvSpPr>
-          <p:nvPr>
-            <p:ph type="body" idx="1"/>
-          </p:nvPr>
-        </p:nvSpPr>
-        <p:spPr/>
-        <p:txBody>
-          <a:bodyPr/>
-          <a:lstStyle/>
-          <a:p>
-            <a:endParaRPr lang="pt-PT" dirty="0"/>
-          </a:p>
-        </p:txBody>
-      </p:sp>
-      <p:sp>
-        <p:nvSpPr>
-          <p:cNvPr id="4" name="Slide Number Placeholder 3">
-            <a:extLst>
-              <a:ext uri="{FF2B5EF4-FFF2-40B4-BE49-F238E27FC236}">
-                <a16:creationId xmlns:a16="http://schemas.microsoft.com/office/drawing/2014/main" id="{11770F1A-57B0-9DBE-C4C9-21E2A31A698E}"/>
-              </a:ext>
-            </a:extLst>
-          </p:cNvPr>
-          <p:cNvSpPr>
-            <a:spLocks noGrp="1"/>
-          </p:cNvSpPr>
-          <p:nvPr>
-            <p:ph type="sldNum" idx="12"/>
-          </p:nvPr>
-        </p:nvSpPr>
-        <p:spPr/>
-        <p:txBody>
-          <a:bodyPr/>
-          <a:lstStyle/>
-          <a:p>
-            <a:pPr marL="0" lvl="0" indent="0" algn="r" rtl="0">
-              <a:spcBef>
-                <a:spcPts val="0"/>
-              </a:spcBef>
-              <a:spcAft>
-                <a:spcPts val="0"/>
-              </a:spcAft>
-              <a:buNone/>
-            </a:pPr>
-            <a:fld id="{00000000-1234-1234-1234-123412341234}" type="slidenum">
-              <a:rPr lang="en" smtClean="0"/>
-              <a:t>18</a:t>
-            </a:fld>
-            <a:endParaRPr lang="en"/>
-          </a:p>
-        </p:txBody>
-      </p:sp>
-    </p:spTree>
-    <p:extLst>
-      <p:ext uri="{BB962C8B-B14F-4D97-AF65-F5344CB8AC3E}">
-        <p14:creationId xmlns:p14="http://schemas.microsoft.com/office/powerpoint/2010/main" val="588330989"/>
-      </p:ext>
-    </p:extLst>
-  </p:cSld>
-  <p:clrMapOvr>
-    <a:masterClrMapping/>
-  </p:clrMapOvr>
-</p:sld>
-</file>
-
-<file path=ppt/slides/slide19.xml><?xml version="1.0" encoding="utf-8"?>
-<p:sld xmlns:a="http://schemas.openxmlformats.org/drawingml/2006/main" xmlns:r="http://schemas.openxmlformats.org/officeDocument/2006/relationships" xmlns:p="http://schemas.openxmlformats.org/presentationml/2006/main">
-  <p:cSld>
-    <p:spTree>
-      <p:nvGrpSpPr>
-        <p:cNvPr id="1" name=""/>
-        <p:cNvGrpSpPr/>
-        <p:nvPr/>
-      </p:nvGrpSpPr>
-      <p:grpSpPr>
-        <a:xfrm>
-          <a:off x="0" y="0"/>
-          <a:ext cx="0" cy="0"/>
-          <a:chOff x="0" y="0"/>
-          <a:chExt cx="0" cy="0"/>
-        </a:xfrm>
-      </p:grpSpPr>
-      <p:sp>
-        <p:nvSpPr>
-          <p:cNvPr id="4" name="Title 3">
-            <a:extLst>
-              <a:ext uri="{FF2B5EF4-FFF2-40B4-BE49-F238E27FC236}">
-                <a16:creationId xmlns:a16="http://schemas.microsoft.com/office/drawing/2014/main" id="{22CC6396-CEAA-5F01-A0B2-49663740E89F}"/>
-              </a:ext>
-            </a:extLst>
-          </p:cNvPr>
-          <p:cNvSpPr>
-            <a:spLocks noGrp="1"/>
-          </p:cNvSpPr>
-          <p:nvPr>
-            <p:ph type="title"/>
-          </p:nvPr>
-        </p:nvSpPr>
-        <p:spPr/>
-        <p:txBody>
-          <a:bodyPr/>
-          <a:lstStyle/>
-          <a:p>
-            <a:r>
-              <a:rPr lang="en-US" dirty="0"/>
-              <a:t>Code Demo</a:t>
-            </a:r>
-          </a:p>
-        </p:txBody>
-      </p:sp>
-      <p:sp>
-        <p:nvSpPr>
-          <p:cNvPr id="5" name="Slide Number Placeholder 4">
-            <a:extLst>
-              <a:ext uri="{FF2B5EF4-FFF2-40B4-BE49-F238E27FC236}">
-                <a16:creationId xmlns:a16="http://schemas.microsoft.com/office/drawing/2014/main" id="{1DCDE71A-D87D-9F07-D8BB-652CDF585377}"/>
-              </a:ext>
-            </a:extLst>
-          </p:cNvPr>
-          <p:cNvSpPr>
-            <a:spLocks noGrp="1"/>
-          </p:cNvSpPr>
-          <p:nvPr>
-            <p:ph type="sldNum" idx="12"/>
-          </p:nvPr>
-        </p:nvSpPr>
-        <p:spPr/>
-        <p:txBody>
-          <a:bodyPr/>
-          <a:lstStyle/>
-          <a:p>
-            <a:pPr marL="0" lvl="0" indent="0" algn="r" rtl="0">
-              <a:spcBef>
-                <a:spcPts val="0"/>
-              </a:spcBef>
-              <a:spcAft>
-                <a:spcPts val="0"/>
-              </a:spcAft>
-              <a:buNone/>
-            </a:pPr>
-            <a:fld id="{00000000-1234-1234-1234-123412341234}" type="slidenum">
-              <a:rPr lang="en" smtClean="0"/>
-              <a:t>19</a:t>
-            </a:fld>
-            <a:endParaRPr lang="en"/>
-          </a:p>
-        </p:txBody>
-      </p:sp>
-    </p:spTree>
-    <p:extLst>
-      <p:ext uri="{BB962C8B-B14F-4D97-AF65-F5344CB8AC3E}">
-        <p14:creationId xmlns:p14="http://schemas.microsoft.com/office/powerpoint/2010/main" val="3862353941"/>
       </p:ext>
     </p:extLst>
   </p:cSld>
@@ -45947,6 +46117,1168 @@
 </file>
 
 <file path=ppt/slides/slide20.xml><?xml version="1.0" encoding="utf-8"?>
+<p:sld xmlns:a="http://schemas.openxmlformats.org/drawingml/2006/main" xmlns:r="http://schemas.openxmlformats.org/officeDocument/2006/relationships" xmlns:p="http://schemas.openxmlformats.org/presentationml/2006/main">
+  <p:cSld>
+    <p:spTree>
+      <p:nvGrpSpPr>
+        <p:cNvPr id="1" name="Shape 65"/>
+        <p:cNvGrpSpPr/>
+        <p:nvPr/>
+      </p:nvGrpSpPr>
+      <p:grpSpPr>
+        <a:xfrm>
+          <a:off x="0" y="0"/>
+          <a:ext cx="0" cy="0"/>
+          <a:chOff x="0" y="0"/>
+          <a:chExt cx="0" cy="0"/>
+        </a:xfrm>
+      </p:grpSpPr>
+      <p:sp>
+        <p:nvSpPr>
+          <p:cNvPr id="66" name="Google Shape;66;p15"/>
+          <p:cNvSpPr txBox="1">
+            <a:spLocks noGrp="1"/>
+          </p:cNvSpPr>
+          <p:nvPr>
+            <p:ph type="title"/>
+          </p:nvPr>
+        </p:nvSpPr>
+        <p:spPr>
+          <a:prstGeom prst="rect">
+            <a:avLst/>
+          </a:prstGeom>
+        </p:spPr>
+        <p:txBody>
+          <a:bodyPr spcFirstLastPara="1" wrap="square" lIns="91425" tIns="91425" rIns="91425" bIns="91425" anchor="t" anchorCtr="0">
+            <a:normAutofit/>
+          </a:bodyPr>
+          <a:lstStyle/>
+          <a:p>
+            <a:pPr marL="0" lvl="0" indent="0" algn="l" rtl="0">
+              <a:spcBef>
+                <a:spcPts val="0"/>
+              </a:spcBef>
+              <a:spcAft>
+                <a:spcPts val="0"/>
+              </a:spcAft>
+              <a:buNone/>
+            </a:pPr>
+            <a:r>
+              <a:rPr lang="pt-PT" dirty="0" err="1"/>
+              <a:t>Task</a:t>
+            </a:r>
+            <a:r>
+              <a:rPr lang="pt-PT" dirty="0"/>
+              <a:t> [2.2] - </a:t>
+            </a:r>
+            <a:r>
+              <a:rPr lang="pt-PT"/>
+              <a:t>Evaluation</a:t>
+            </a:r>
+            <a:endParaRPr lang="pt-PT" dirty="0"/>
+          </a:p>
+        </p:txBody>
+      </p:sp>
+      <p:sp>
+        <p:nvSpPr>
+          <p:cNvPr id="2" name="Slide Number Placeholder 1">
+            <a:extLst>
+              <a:ext uri="{FF2B5EF4-FFF2-40B4-BE49-F238E27FC236}">
+                <a16:creationId xmlns:a16="http://schemas.microsoft.com/office/drawing/2014/main" id="{2F02ADCD-40A6-0FDE-3F7E-7E3EFE9B8615}"/>
+              </a:ext>
+            </a:extLst>
+          </p:cNvPr>
+          <p:cNvSpPr>
+            <a:spLocks noGrp="1"/>
+          </p:cNvSpPr>
+          <p:nvPr>
+            <p:ph type="sldNum" idx="12"/>
+          </p:nvPr>
+        </p:nvSpPr>
+        <p:spPr/>
+        <p:txBody>
+          <a:bodyPr/>
+          <a:lstStyle/>
+          <a:p>
+            <a:pPr marL="0" lvl="0" indent="0" algn="r" rtl="0">
+              <a:spcBef>
+                <a:spcPts val="0"/>
+              </a:spcBef>
+              <a:spcAft>
+                <a:spcPts val="0"/>
+              </a:spcAft>
+              <a:buNone/>
+            </a:pPr>
+            <a:fld id="{00000000-1234-1234-1234-123412341234}" type="slidenum">
+              <a:rPr lang="en" smtClean="0"/>
+              <a:t>20</a:t>
+            </a:fld>
+            <a:endParaRPr lang="en"/>
+          </a:p>
+        </p:txBody>
+      </p:sp>
+    </p:spTree>
+    <p:extLst>
+      <p:ext uri="{BB962C8B-B14F-4D97-AF65-F5344CB8AC3E}">
+        <p14:creationId xmlns:p14="http://schemas.microsoft.com/office/powerpoint/2010/main" val="359010921"/>
+      </p:ext>
+    </p:extLst>
+  </p:cSld>
+  <p:clrMapOvr>
+    <a:masterClrMapping/>
+  </p:clrMapOvr>
+</p:sld>
+</file>
+
+<file path=ppt/slides/slide21.xml><?xml version="1.0" encoding="utf-8"?>
+<p:sld xmlns:a="http://schemas.openxmlformats.org/drawingml/2006/main" xmlns:r="http://schemas.openxmlformats.org/officeDocument/2006/relationships" xmlns:p="http://schemas.openxmlformats.org/presentationml/2006/main">
+  <p:cSld>
+    <p:spTree>
+      <p:nvGrpSpPr>
+        <p:cNvPr id="1" name=""/>
+        <p:cNvGrpSpPr/>
+        <p:nvPr/>
+      </p:nvGrpSpPr>
+      <p:grpSpPr>
+        <a:xfrm>
+          <a:off x="0" y="0"/>
+          <a:ext cx="0" cy="0"/>
+          <a:chOff x="0" y="0"/>
+          <a:chExt cx="0" cy="0"/>
+        </a:xfrm>
+      </p:grpSpPr>
+      <p:sp>
+        <p:nvSpPr>
+          <p:cNvPr id="2" name="Título 1">
+            <a:extLst>
+              <a:ext uri="{FF2B5EF4-FFF2-40B4-BE49-F238E27FC236}">
+                <a16:creationId xmlns:a16="http://schemas.microsoft.com/office/drawing/2014/main" id="{435950B8-3572-2171-184D-7CB447F81866}"/>
+              </a:ext>
+            </a:extLst>
+          </p:cNvPr>
+          <p:cNvSpPr>
+            <a:spLocks noGrp="1"/>
+          </p:cNvSpPr>
+          <p:nvPr>
+            <p:ph type="title"/>
+          </p:nvPr>
+        </p:nvSpPr>
+        <p:spPr>
+          <a:xfrm>
+            <a:off x="311700" y="445025"/>
+            <a:ext cx="8520600" cy="572700"/>
+          </a:xfrm>
+        </p:spPr>
+        <p:txBody>
+          <a:bodyPr wrap="square" anchor="ctr">
+            <a:normAutofit/>
+          </a:bodyPr>
+          <a:lstStyle/>
+          <a:p>
+            <a:pPr>
+              <a:lnSpc>
+                <a:spcPct val="90000"/>
+              </a:lnSpc>
+            </a:pPr>
+            <a:r>
+              <a:rPr lang="en-US" sz="2600" dirty="0"/>
+              <a:t>What was done in task [2.2]</a:t>
+            </a:r>
+            <a:endParaRPr lang="pt-PT" sz="2600" dirty="0"/>
+          </a:p>
+        </p:txBody>
+      </p:sp>
+      <p:sp>
+        <p:nvSpPr>
+          <p:cNvPr id="4" name="Slide Number Placeholder 3">
+            <a:extLst>
+              <a:ext uri="{FF2B5EF4-FFF2-40B4-BE49-F238E27FC236}">
+                <a16:creationId xmlns:a16="http://schemas.microsoft.com/office/drawing/2014/main" id="{EF6583C8-87CC-4DDC-5CE6-18034C27EBE7}"/>
+              </a:ext>
+            </a:extLst>
+          </p:cNvPr>
+          <p:cNvSpPr>
+            <a:spLocks noGrp="1"/>
+          </p:cNvSpPr>
+          <p:nvPr>
+            <p:ph type="sldNum" idx="12"/>
+          </p:nvPr>
+        </p:nvSpPr>
+        <p:spPr>
+          <a:xfrm>
+            <a:off x="8472458" y="4663217"/>
+            <a:ext cx="548700" cy="393600"/>
+          </a:xfrm>
+        </p:spPr>
+        <p:txBody>
+          <a:bodyPr wrap="square" anchor="ctr">
+            <a:normAutofit/>
+          </a:bodyPr>
+          <a:lstStyle/>
+          <a:p>
+            <a:pPr marL="0" lvl="0" indent="0" rtl="0">
+              <a:lnSpc>
+                <a:spcPct val="90000"/>
+              </a:lnSpc>
+              <a:spcBef>
+                <a:spcPts val="0"/>
+              </a:spcBef>
+              <a:spcAft>
+                <a:spcPts val="600"/>
+              </a:spcAft>
+              <a:buNone/>
+            </a:pPr>
+            <a:fld id="{00000000-1234-1234-1234-123412341234}" type="slidenum">
+              <a:rPr lang="en" sz="900" smtClean="0"/>
+              <a:pPr marL="0" lvl="0" indent="0" rtl="0">
+                <a:lnSpc>
+                  <a:spcPct val="90000"/>
+                </a:lnSpc>
+                <a:spcBef>
+                  <a:spcPts val="0"/>
+                </a:spcBef>
+                <a:spcAft>
+                  <a:spcPts val="600"/>
+                </a:spcAft>
+                <a:buNone/>
+              </a:pPr>
+              <a:t>21</a:t>
+            </a:fld>
+            <a:endParaRPr lang="en" sz="900"/>
+          </a:p>
+        </p:txBody>
+      </p:sp>
+      <p:graphicFrame>
+        <p:nvGraphicFramePr>
+          <p:cNvPr id="9" name="Marcador de Posição do Texto 6">
+            <a:extLst>
+              <a:ext uri="{FF2B5EF4-FFF2-40B4-BE49-F238E27FC236}">
+                <a16:creationId xmlns:a16="http://schemas.microsoft.com/office/drawing/2014/main" id="{E2B6C4B8-F8C0-E9B5-3A6C-7B2C6AE4899D}"/>
+              </a:ext>
+            </a:extLst>
+          </p:cNvPr>
+          <p:cNvGraphicFramePr/>
+          <p:nvPr>
+            <p:extLst>
+              <p:ext uri="{D42A27DB-BD31-4B8C-83A1-F6EECF244321}">
+                <p14:modId xmlns:p14="http://schemas.microsoft.com/office/powerpoint/2010/main" val="1237431737"/>
+              </p:ext>
+            </p:extLst>
+          </p:nvPr>
+        </p:nvGraphicFramePr>
+        <p:xfrm>
+          <a:off x="311700" y="1208225"/>
+          <a:ext cx="8520600" cy="3264408"/>
+        </p:xfrm>
+        <a:graphic>
+          <a:graphicData uri="http://schemas.openxmlformats.org/drawingml/2006/diagram">
+            <dgm:relIds xmlns:dgm="http://schemas.openxmlformats.org/drawingml/2006/diagram" xmlns:r="http://schemas.openxmlformats.org/officeDocument/2006/relationships" r:dm="rId2" r:lo="rId3" r:qs="rId4" r:cs="rId5"/>
+          </a:graphicData>
+        </a:graphic>
+      </p:graphicFrame>
+    </p:spTree>
+    <p:extLst>
+      <p:ext uri="{BB962C8B-B14F-4D97-AF65-F5344CB8AC3E}">
+        <p14:creationId xmlns:p14="http://schemas.microsoft.com/office/powerpoint/2010/main" val="568520892"/>
+      </p:ext>
+    </p:extLst>
+  </p:cSld>
+  <p:clrMapOvr>
+    <a:masterClrMapping/>
+  </p:clrMapOvr>
+</p:sld>
+</file>
+
+<file path=ppt/slides/slide22.xml><?xml version="1.0" encoding="utf-8"?>
+<p:sld xmlns:a="http://schemas.openxmlformats.org/drawingml/2006/main" xmlns:r="http://schemas.openxmlformats.org/officeDocument/2006/relationships" xmlns:p="http://schemas.openxmlformats.org/presentationml/2006/main">
+  <p:cSld>
+    <p:spTree>
+      <p:nvGrpSpPr>
+        <p:cNvPr id="1" name=""/>
+        <p:cNvGrpSpPr/>
+        <p:nvPr/>
+      </p:nvGrpSpPr>
+      <p:grpSpPr>
+        <a:xfrm>
+          <a:off x="0" y="0"/>
+          <a:ext cx="0" cy="0"/>
+          <a:chOff x="0" y="0"/>
+          <a:chExt cx="0" cy="0"/>
+        </a:xfrm>
+      </p:grpSpPr>
+      <p:sp>
+        <p:nvSpPr>
+          <p:cNvPr id="2" name="Título 1">
+            <a:extLst>
+              <a:ext uri="{FF2B5EF4-FFF2-40B4-BE49-F238E27FC236}">
+                <a16:creationId xmlns:a16="http://schemas.microsoft.com/office/drawing/2014/main" id="{18C61B6A-344B-35E3-3F42-0EB9D63698C5}"/>
+              </a:ext>
+            </a:extLst>
+          </p:cNvPr>
+          <p:cNvSpPr>
+            <a:spLocks noGrp="1"/>
+          </p:cNvSpPr>
+          <p:nvPr>
+            <p:ph type="title"/>
+          </p:nvPr>
+        </p:nvSpPr>
+        <p:spPr>
+          <a:xfrm>
+            <a:off x="311700" y="445025"/>
+            <a:ext cx="8520600" cy="572700"/>
+          </a:xfrm>
+        </p:spPr>
+        <p:txBody>
+          <a:bodyPr wrap="square" anchor="ctr">
+            <a:normAutofit/>
+          </a:bodyPr>
+          <a:lstStyle/>
+          <a:p>
+            <a:pPr>
+              <a:lnSpc>
+                <a:spcPct val="90000"/>
+              </a:lnSpc>
+            </a:pPr>
+            <a:r>
+              <a:rPr lang="en-US" sz="2600" dirty="0"/>
+              <a:t>What was done in task [2.2]</a:t>
+            </a:r>
+            <a:endParaRPr lang="pt-PT" sz="2600" dirty="0"/>
+          </a:p>
+        </p:txBody>
+      </p:sp>
+      <p:sp>
+        <p:nvSpPr>
+          <p:cNvPr id="4" name="Slide Number Placeholder 3">
+            <a:extLst>
+              <a:ext uri="{FF2B5EF4-FFF2-40B4-BE49-F238E27FC236}">
+                <a16:creationId xmlns:a16="http://schemas.microsoft.com/office/drawing/2014/main" id="{11770F1A-57B0-9DBE-C4C9-21E2A31A698E}"/>
+              </a:ext>
+            </a:extLst>
+          </p:cNvPr>
+          <p:cNvSpPr>
+            <a:spLocks noGrp="1"/>
+          </p:cNvSpPr>
+          <p:nvPr>
+            <p:ph type="sldNum" idx="12"/>
+          </p:nvPr>
+        </p:nvSpPr>
+        <p:spPr>
+          <a:xfrm>
+            <a:off x="8472458" y="4663217"/>
+            <a:ext cx="548700" cy="393600"/>
+          </a:xfrm>
+        </p:spPr>
+        <p:txBody>
+          <a:bodyPr wrap="square" anchor="ctr">
+            <a:normAutofit/>
+          </a:bodyPr>
+          <a:lstStyle/>
+          <a:p>
+            <a:pPr marL="0" lvl="0" indent="0" rtl="0">
+              <a:lnSpc>
+                <a:spcPct val="90000"/>
+              </a:lnSpc>
+              <a:spcBef>
+                <a:spcPts val="0"/>
+              </a:spcBef>
+              <a:spcAft>
+                <a:spcPts val="600"/>
+              </a:spcAft>
+              <a:buNone/>
+            </a:pPr>
+            <a:fld id="{00000000-1234-1234-1234-123412341234}" type="slidenum">
+              <a:rPr lang="en" sz="900" smtClean="0"/>
+              <a:pPr marL="0" lvl="0" indent="0" rtl="0">
+                <a:lnSpc>
+                  <a:spcPct val="90000"/>
+                </a:lnSpc>
+                <a:spcBef>
+                  <a:spcPts val="0"/>
+                </a:spcBef>
+                <a:spcAft>
+                  <a:spcPts val="600"/>
+                </a:spcAft>
+                <a:buNone/>
+              </a:pPr>
+              <a:t>22</a:t>
+            </a:fld>
+            <a:endParaRPr lang="en" sz="900"/>
+          </a:p>
+        </p:txBody>
+      </p:sp>
+      <p:graphicFrame>
+        <p:nvGraphicFramePr>
+          <p:cNvPr id="6" name="Marcador de Posição do Texto 2">
+            <a:extLst>
+              <a:ext uri="{FF2B5EF4-FFF2-40B4-BE49-F238E27FC236}">
+                <a16:creationId xmlns:a16="http://schemas.microsoft.com/office/drawing/2014/main" id="{174D7F8E-0400-296E-1442-1558F0A4E179}"/>
+              </a:ext>
+            </a:extLst>
+          </p:cNvPr>
+          <p:cNvGraphicFramePr/>
+          <p:nvPr>
+            <p:extLst>
+              <p:ext uri="{D42A27DB-BD31-4B8C-83A1-F6EECF244321}">
+                <p14:modId xmlns:p14="http://schemas.microsoft.com/office/powerpoint/2010/main" val="1107985695"/>
+              </p:ext>
+            </p:extLst>
+          </p:nvPr>
+        </p:nvGraphicFramePr>
+        <p:xfrm>
+          <a:off x="311700" y="1208225"/>
+          <a:ext cx="8520600" cy="3264408"/>
+        </p:xfrm>
+        <a:graphic>
+          <a:graphicData uri="http://schemas.openxmlformats.org/drawingml/2006/diagram">
+            <dgm:relIds xmlns:dgm="http://schemas.openxmlformats.org/drawingml/2006/diagram" xmlns:r="http://schemas.openxmlformats.org/officeDocument/2006/relationships" r:dm="rId2" r:lo="rId3" r:qs="rId4" r:cs="rId5"/>
+          </a:graphicData>
+        </a:graphic>
+      </p:graphicFrame>
+    </p:spTree>
+    <p:extLst>
+      <p:ext uri="{BB962C8B-B14F-4D97-AF65-F5344CB8AC3E}">
+        <p14:creationId xmlns:p14="http://schemas.microsoft.com/office/powerpoint/2010/main" val="3985955342"/>
+      </p:ext>
+    </p:extLst>
+  </p:cSld>
+  <p:clrMapOvr>
+    <a:masterClrMapping/>
+  </p:clrMapOvr>
+</p:sld>
+</file>
+
+<file path=ppt/slides/slide23.xml><?xml version="1.0" encoding="utf-8"?>
+<p:sld xmlns:a="http://schemas.openxmlformats.org/drawingml/2006/main" xmlns:r="http://schemas.openxmlformats.org/officeDocument/2006/relationships" xmlns:p="http://schemas.openxmlformats.org/presentationml/2006/main">
+  <p:cSld>
+    <p:spTree>
+      <p:nvGrpSpPr>
+        <p:cNvPr id="1" name=""/>
+        <p:cNvGrpSpPr/>
+        <p:nvPr/>
+      </p:nvGrpSpPr>
+      <p:grpSpPr>
+        <a:xfrm>
+          <a:off x="0" y="0"/>
+          <a:ext cx="0" cy="0"/>
+          <a:chOff x="0" y="0"/>
+          <a:chExt cx="0" cy="0"/>
+        </a:xfrm>
+      </p:grpSpPr>
+      <p:sp>
+        <p:nvSpPr>
+          <p:cNvPr id="2" name="Título 1">
+            <a:extLst>
+              <a:ext uri="{FF2B5EF4-FFF2-40B4-BE49-F238E27FC236}">
+                <a16:creationId xmlns:a16="http://schemas.microsoft.com/office/drawing/2014/main" id="{18C61B6A-344B-35E3-3F42-0EB9D63698C5}"/>
+              </a:ext>
+            </a:extLst>
+          </p:cNvPr>
+          <p:cNvSpPr>
+            <a:spLocks noGrp="1"/>
+          </p:cNvSpPr>
+          <p:nvPr>
+            <p:ph type="title"/>
+          </p:nvPr>
+        </p:nvSpPr>
+        <p:spPr/>
+        <p:txBody>
+          <a:bodyPr>
+            <a:normAutofit fontScale="90000"/>
+          </a:bodyPr>
+          <a:lstStyle/>
+          <a:p>
+            <a:r>
+              <a:rPr lang="en-US" dirty="0"/>
+              <a:t>Results and Analysis from task [2.2]</a:t>
+            </a:r>
+            <a:endParaRPr lang="pt-PT" dirty="0"/>
+          </a:p>
+        </p:txBody>
+      </p:sp>
+      <p:sp>
+        <p:nvSpPr>
+          <p:cNvPr id="3" name="Marcador de Posição do Texto 2">
+            <a:extLst>
+              <a:ext uri="{FF2B5EF4-FFF2-40B4-BE49-F238E27FC236}">
+                <a16:creationId xmlns:a16="http://schemas.microsoft.com/office/drawing/2014/main" id="{A5BD8CCC-C62C-448E-5E03-7432197F63FB}"/>
+              </a:ext>
+            </a:extLst>
+          </p:cNvPr>
+          <p:cNvSpPr>
+            <a:spLocks noGrp="1"/>
+          </p:cNvSpPr>
+          <p:nvPr>
+            <p:ph type="body" idx="1"/>
+          </p:nvPr>
+        </p:nvSpPr>
+        <p:spPr/>
+        <p:txBody>
+          <a:bodyPr/>
+          <a:lstStyle/>
+          <a:p>
+            <a:endParaRPr lang="pt-PT" dirty="0"/>
+          </a:p>
+        </p:txBody>
+      </p:sp>
+      <p:sp>
+        <p:nvSpPr>
+          <p:cNvPr id="4" name="Slide Number Placeholder 3">
+            <a:extLst>
+              <a:ext uri="{FF2B5EF4-FFF2-40B4-BE49-F238E27FC236}">
+                <a16:creationId xmlns:a16="http://schemas.microsoft.com/office/drawing/2014/main" id="{11770F1A-57B0-9DBE-C4C9-21E2A31A698E}"/>
+              </a:ext>
+            </a:extLst>
+          </p:cNvPr>
+          <p:cNvSpPr>
+            <a:spLocks noGrp="1"/>
+          </p:cNvSpPr>
+          <p:nvPr>
+            <p:ph type="sldNum" idx="12"/>
+          </p:nvPr>
+        </p:nvSpPr>
+        <p:spPr/>
+        <p:txBody>
+          <a:bodyPr/>
+          <a:lstStyle/>
+          <a:p>
+            <a:pPr marL="0" lvl="0" indent="0" algn="r" rtl="0">
+              <a:spcBef>
+                <a:spcPts val="0"/>
+              </a:spcBef>
+              <a:spcAft>
+                <a:spcPts val="0"/>
+              </a:spcAft>
+              <a:buNone/>
+            </a:pPr>
+            <a:fld id="{00000000-1234-1234-1234-123412341234}" type="slidenum">
+              <a:rPr lang="en" smtClean="0"/>
+              <a:t>23</a:t>
+            </a:fld>
+            <a:endParaRPr lang="en"/>
+          </a:p>
+        </p:txBody>
+      </p:sp>
+      <p:pic>
+        <p:nvPicPr>
+          <p:cNvPr id="6" name="Imagem 5" descr="Uma imagem com Gráfico, file, texto, diagrama&#10;&#10;Os conteúdos gerados por IA podem estar incorretos.">
+            <a:extLst>
+              <a:ext uri="{FF2B5EF4-FFF2-40B4-BE49-F238E27FC236}">
+                <a16:creationId xmlns:a16="http://schemas.microsoft.com/office/drawing/2014/main" id="{B6E4AD41-0CE5-75EC-7747-9BD003896DBF}"/>
+              </a:ext>
+            </a:extLst>
+          </p:cNvPr>
+          <p:cNvPicPr>
+            <a:picLocks noChangeAspect="1"/>
+          </p:cNvPicPr>
+          <p:nvPr/>
+        </p:nvPicPr>
+        <p:blipFill>
+          <a:blip r:embed="rId2"/>
+          <a:stretch>
+            <a:fillRect/>
+          </a:stretch>
+        </p:blipFill>
+        <p:spPr>
+          <a:xfrm>
+            <a:off x="616016" y="1195206"/>
+            <a:ext cx="7719461" cy="2531707"/>
+          </a:xfrm>
+          <a:prstGeom prst="rect">
+            <a:avLst/>
+          </a:prstGeom>
+        </p:spPr>
+      </p:pic>
+    </p:spTree>
+    <p:extLst>
+      <p:ext uri="{BB962C8B-B14F-4D97-AF65-F5344CB8AC3E}">
+        <p14:creationId xmlns:p14="http://schemas.microsoft.com/office/powerpoint/2010/main" val="588330989"/>
+      </p:ext>
+    </p:extLst>
+  </p:cSld>
+  <p:clrMapOvr>
+    <a:masterClrMapping/>
+  </p:clrMapOvr>
+</p:sld>
+</file>
+
+<file path=ppt/slides/slide24.xml><?xml version="1.0" encoding="utf-8"?>
+<p:sld xmlns:a="http://schemas.openxmlformats.org/drawingml/2006/main" xmlns:r="http://schemas.openxmlformats.org/officeDocument/2006/relationships" xmlns:p="http://schemas.openxmlformats.org/presentationml/2006/main">
+  <p:cSld>
+    <p:spTree>
+      <p:nvGrpSpPr>
+        <p:cNvPr id="1" name="">
+          <a:extLst>
+            <a:ext uri="{FF2B5EF4-FFF2-40B4-BE49-F238E27FC236}">
+              <a16:creationId xmlns:a16="http://schemas.microsoft.com/office/drawing/2014/main" id="{CC192A7E-20B1-5855-1A97-3B3D4E7B2B0F}"/>
+            </a:ext>
+          </a:extLst>
+        </p:cNvPr>
+        <p:cNvGrpSpPr/>
+        <p:nvPr/>
+      </p:nvGrpSpPr>
+      <p:grpSpPr>
+        <a:xfrm>
+          <a:off x="0" y="0"/>
+          <a:ext cx="0" cy="0"/>
+          <a:chOff x="0" y="0"/>
+          <a:chExt cx="0" cy="0"/>
+        </a:xfrm>
+      </p:grpSpPr>
+      <p:sp>
+        <p:nvSpPr>
+          <p:cNvPr id="2" name="Título 1">
+            <a:extLst>
+              <a:ext uri="{FF2B5EF4-FFF2-40B4-BE49-F238E27FC236}">
+                <a16:creationId xmlns:a16="http://schemas.microsoft.com/office/drawing/2014/main" id="{39F55ED8-63BA-75DA-A065-40F5381C64C0}"/>
+              </a:ext>
+            </a:extLst>
+          </p:cNvPr>
+          <p:cNvSpPr>
+            <a:spLocks noGrp="1"/>
+          </p:cNvSpPr>
+          <p:nvPr>
+            <p:ph type="title"/>
+          </p:nvPr>
+        </p:nvSpPr>
+        <p:spPr/>
+        <p:txBody>
+          <a:bodyPr>
+            <a:normAutofit fontScale="90000"/>
+          </a:bodyPr>
+          <a:lstStyle/>
+          <a:p>
+            <a:r>
+              <a:rPr lang="en-US" dirty="0"/>
+              <a:t>Results and Analysis from task [2.2]</a:t>
+            </a:r>
+            <a:endParaRPr lang="pt-PT" dirty="0"/>
+          </a:p>
+        </p:txBody>
+      </p:sp>
+      <p:sp>
+        <p:nvSpPr>
+          <p:cNvPr id="3" name="Marcador de Posição do Texto 2">
+            <a:extLst>
+              <a:ext uri="{FF2B5EF4-FFF2-40B4-BE49-F238E27FC236}">
+                <a16:creationId xmlns:a16="http://schemas.microsoft.com/office/drawing/2014/main" id="{64B26AC2-46B1-50C8-C0EA-73B5A9812CA7}"/>
+              </a:ext>
+            </a:extLst>
+          </p:cNvPr>
+          <p:cNvSpPr>
+            <a:spLocks noGrp="1"/>
+          </p:cNvSpPr>
+          <p:nvPr>
+            <p:ph type="body" idx="1"/>
+          </p:nvPr>
+        </p:nvSpPr>
+        <p:spPr/>
+        <p:txBody>
+          <a:bodyPr/>
+          <a:lstStyle/>
+          <a:p>
+            <a:endParaRPr lang="pt-PT" dirty="0"/>
+          </a:p>
+        </p:txBody>
+      </p:sp>
+      <p:sp>
+        <p:nvSpPr>
+          <p:cNvPr id="4" name="Slide Number Placeholder 3">
+            <a:extLst>
+              <a:ext uri="{FF2B5EF4-FFF2-40B4-BE49-F238E27FC236}">
+                <a16:creationId xmlns:a16="http://schemas.microsoft.com/office/drawing/2014/main" id="{D0DF76B7-FD20-A223-51A3-FBAFD90A7D43}"/>
+              </a:ext>
+            </a:extLst>
+          </p:cNvPr>
+          <p:cNvSpPr>
+            <a:spLocks noGrp="1"/>
+          </p:cNvSpPr>
+          <p:nvPr>
+            <p:ph type="sldNum" idx="12"/>
+          </p:nvPr>
+        </p:nvSpPr>
+        <p:spPr/>
+        <p:txBody>
+          <a:bodyPr/>
+          <a:lstStyle/>
+          <a:p>
+            <a:pPr marL="0" lvl="0" indent="0" algn="r" rtl="0">
+              <a:spcBef>
+                <a:spcPts val="0"/>
+              </a:spcBef>
+              <a:spcAft>
+                <a:spcPts val="0"/>
+              </a:spcAft>
+              <a:buNone/>
+            </a:pPr>
+            <a:fld id="{00000000-1234-1234-1234-123412341234}" type="slidenum">
+              <a:rPr lang="en" smtClean="0"/>
+              <a:t>24</a:t>
+            </a:fld>
+            <a:endParaRPr lang="en"/>
+          </a:p>
+        </p:txBody>
+      </p:sp>
+      <p:pic>
+        <p:nvPicPr>
+          <p:cNvPr id="6" name="Imagem 5" descr="Uma imagem com texto, Gráfico, file, diagrama&#10;&#10;Os conteúdos gerados por IA podem estar incorretos.">
+            <a:extLst>
+              <a:ext uri="{FF2B5EF4-FFF2-40B4-BE49-F238E27FC236}">
+                <a16:creationId xmlns:a16="http://schemas.microsoft.com/office/drawing/2014/main" id="{BD8B902B-4B03-84AC-475E-B9BCA3AFE4DF}"/>
+              </a:ext>
+            </a:extLst>
+          </p:cNvPr>
+          <p:cNvPicPr>
+            <a:picLocks noChangeAspect="1"/>
+          </p:cNvPicPr>
+          <p:nvPr/>
+        </p:nvPicPr>
+        <p:blipFill>
+          <a:blip r:embed="rId2"/>
+          <a:stretch>
+            <a:fillRect/>
+          </a:stretch>
+        </p:blipFill>
+        <p:spPr>
+          <a:xfrm>
+            <a:off x="2417152" y="1152475"/>
+            <a:ext cx="4309695" cy="3198630"/>
+          </a:xfrm>
+          <a:prstGeom prst="rect">
+            <a:avLst/>
+          </a:prstGeom>
+        </p:spPr>
+      </p:pic>
+    </p:spTree>
+    <p:extLst>
+      <p:ext uri="{BB962C8B-B14F-4D97-AF65-F5344CB8AC3E}">
+        <p14:creationId xmlns:p14="http://schemas.microsoft.com/office/powerpoint/2010/main" val="1085061628"/>
+      </p:ext>
+    </p:extLst>
+  </p:cSld>
+  <p:clrMapOvr>
+    <a:masterClrMapping/>
+  </p:clrMapOvr>
+</p:sld>
+</file>
+
+<file path=ppt/slides/slide25.xml><?xml version="1.0" encoding="utf-8"?>
+<p:sld xmlns:a="http://schemas.openxmlformats.org/drawingml/2006/main" xmlns:r="http://schemas.openxmlformats.org/officeDocument/2006/relationships" xmlns:p="http://schemas.openxmlformats.org/presentationml/2006/main">
+  <p:cSld>
+    <p:spTree>
+      <p:nvGrpSpPr>
+        <p:cNvPr id="1" name="">
+          <a:extLst>
+            <a:ext uri="{FF2B5EF4-FFF2-40B4-BE49-F238E27FC236}">
+              <a16:creationId xmlns:a16="http://schemas.microsoft.com/office/drawing/2014/main" id="{B5B88D94-C361-44B0-2CCB-181514307644}"/>
+            </a:ext>
+          </a:extLst>
+        </p:cNvPr>
+        <p:cNvGrpSpPr/>
+        <p:nvPr/>
+      </p:nvGrpSpPr>
+      <p:grpSpPr>
+        <a:xfrm>
+          <a:off x="0" y="0"/>
+          <a:ext cx="0" cy="0"/>
+          <a:chOff x="0" y="0"/>
+          <a:chExt cx="0" cy="0"/>
+        </a:xfrm>
+      </p:grpSpPr>
+      <p:sp>
+        <p:nvSpPr>
+          <p:cNvPr id="2" name="Título 1">
+            <a:extLst>
+              <a:ext uri="{FF2B5EF4-FFF2-40B4-BE49-F238E27FC236}">
+                <a16:creationId xmlns:a16="http://schemas.microsoft.com/office/drawing/2014/main" id="{523A635D-16DA-2112-FC22-CA8CE027835E}"/>
+              </a:ext>
+            </a:extLst>
+          </p:cNvPr>
+          <p:cNvSpPr>
+            <a:spLocks noGrp="1"/>
+          </p:cNvSpPr>
+          <p:nvPr>
+            <p:ph type="title"/>
+          </p:nvPr>
+        </p:nvSpPr>
+        <p:spPr/>
+        <p:txBody>
+          <a:bodyPr>
+            <a:normAutofit fontScale="90000"/>
+          </a:bodyPr>
+          <a:lstStyle/>
+          <a:p>
+            <a:r>
+              <a:rPr lang="en-US" dirty="0"/>
+              <a:t>Results and Analysis from task [2.2]</a:t>
+            </a:r>
+            <a:endParaRPr lang="pt-PT" dirty="0"/>
+          </a:p>
+        </p:txBody>
+      </p:sp>
+      <p:sp>
+        <p:nvSpPr>
+          <p:cNvPr id="3" name="Marcador de Posição do Texto 2">
+            <a:extLst>
+              <a:ext uri="{FF2B5EF4-FFF2-40B4-BE49-F238E27FC236}">
+                <a16:creationId xmlns:a16="http://schemas.microsoft.com/office/drawing/2014/main" id="{7FE5A4F9-5578-342C-0029-9BD85600D0FE}"/>
+              </a:ext>
+            </a:extLst>
+          </p:cNvPr>
+          <p:cNvSpPr>
+            <a:spLocks noGrp="1"/>
+          </p:cNvSpPr>
+          <p:nvPr>
+            <p:ph type="body" idx="1"/>
+          </p:nvPr>
+        </p:nvSpPr>
+        <p:spPr/>
+        <p:txBody>
+          <a:bodyPr/>
+          <a:lstStyle/>
+          <a:p>
+            <a:endParaRPr lang="pt-PT" dirty="0"/>
+          </a:p>
+        </p:txBody>
+      </p:sp>
+      <p:sp>
+        <p:nvSpPr>
+          <p:cNvPr id="4" name="Slide Number Placeholder 3">
+            <a:extLst>
+              <a:ext uri="{FF2B5EF4-FFF2-40B4-BE49-F238E27FC236}">
+                <a16:creationId xmlns:a16="http://schemas.microsoft.com/office/drawing/2014/main" id="{3578F6BB-BD57-7D81-56F0-9EEE0D5B3B91}"/>
+              </a:ext>
+            </a:extLst>
+          </p:cNvPr>
+          <p:cNvSpPr>
+            <a:spLocks noGrp="1"/>
+          </p:cNvSpPr>
+          <p:nvPr>
+            <p:ph type="sldNum" idx="12"/>
+          </p:nvPr>
+        </p:nvSpPr>
+        <p:spPr/>
+        <p:txBody>
+          <a:bodyPr/>
+          <a:lstStyle/>
+          <a:p>
+            <a:pPr marL="0" lvl="0" indent="0" algn="r" rtl="0">
+              <a:spcBef>
+                <a:spcPts val="0"/>
+              </a:spcBef>
+              <a:spcAft>
+                <a:spcPts val="0"/>
+              </a:spcAft>
+              <a:buNone/>
+            </a:pPr>
+            <a:fld id="{00000000-1234-1234-1234-123412341234}" type="slidenum">
+              <a:rPr lang="en" smtClean="0"/>
+              <a:t>25</a:t>
+            </a:fld>
+            <a:endParaRPr lang="en"/>
+          </a:p>
+        </p:txBody>
+      </p:sp>
+      <p:pic>
+        <p:nvPicPr>
+          <p:cNvPr id="6" name="Imagem 5" descr="Uma imagem com texto, Gráfico, file, diagrama&#10;&#10;Os conteúdos gerados por IA podem estar incorretos.">
+            <a:extLst>
+              <a:ext uri="{FF2B5EF4-FFF2-40B4-BE49-F238E27FC236}">
+                <a16:creationId xmlns:a16="http://schemas.microsoft.com/office/drawing/2014/main" id="{170F8F18-AF7F-D862-55F9-C9630787A9B4}"/>
+              </a:ext>
+            </a:extLst>
+          </p:cNvPr>
+          <p:cNvPicPr>
+            <a:picLocks noChangeAspect="1"/>
+          </p:cNvPicPr>
+          <p:nvPr/>
+        </p:nvPicPr>
+        <p:blipFill>
+          <a:blip r:embed="rId2"/>
+          <a:stretch>
+            <a:fillRect/>
+          </a:stretch>
+        </p:blipFill>
+        <p:spPr>
+          <a:xfrm>
+            <a:off x="2310078" y="1017725"/>
+            <a:ext cx="4523843" cy="3357570"/>
+          </a:xfrm>
+          <a:prstGeom prst="rect">
+            <a:avLst/>
+          </a:prstGeom>
+        </p:spPr>
+      </p:pic>
+    </p:spTree>
+    <p:extLst>
+      <p:ext uri="{BB962C8B-B14F-4D97-AF65-F5344CB8AC3E}">
+        <p14:creationId xmlns:p14="http://schemas.microsoft.com/office/powerpoint/2010/main" val="2099148359"/>
+      </p:ext>
+    </p:extLst>
+  </p:cSld>
+  <p:clrMapOvr>
+    <a:masterClrMapping/>
+  </p:clrMapOvr>
+</p:sld>
+</file>
+
+<file path=ppt/slides/slide26.xml><?xml version="1.0" encoding="utf-8"?>
+<p:sld xmlns:a="http://schemas.openxmlformats.org/drawingml/2006/main" xmlns:r="http://schemas.openxmlformats.org/officeDocument/2006/relationships" xmlns:p="http://schemas.openxmlformats.org/presentationml/2006/main">
+  <p:cSld>
+    <p:spTree>
+      <p:nvGrpSpPr>
+        <p:cNvPr id="1" name="">
+          <a:extLst>
+            <a:ext uri="{FF2B5EF4-FFF2-40B4-BE49-F238E27FC236}">
+              <a16:creationId xmlns:a16="http://schemas.microsoft.com/office/drawing/2014/main" id="{17B78616-5317-8D90-36D3-3E1F13FF30A7}"/>
+            </a:ext>
+          </a:extLst>
+        </p:cNvPr>
+        <p:cNvGrpSpPr/>
+        <p:nvPr/>
+      </p:nvGrpSpPr>
+      <p:grpSpPr>
+        <a:xfrm>
+          <a:off x="0" y="0"/>
+          <a:ext cx="0" cy="0"/>
+          <a:chOff x="0" y="0"/>
+          <a:chExt cx="0" cy="0"/>
+        </a:xfrm>
+      </p:grpSpPr>
+      <p:sp>
+        <p:nvSpPr>
+          <p:cNvPr id="2" name="Título 1">
+            <a:extLst>
+              <a:ext uri="{FF2B5EF4-FFF2-40B4-BE49-F238E27FC236}">
+                <a16:creationId xmlns:a16="http://schemas.microsoft.com/office/drawing/2014/main" id="{0B38BD29-29BB-85EE-9627-20B540EBE392}"/>
+              </a:ext>
+            </a:extLst>
+          </p:cNvPr>
+          <p:cNvSpPr>
+            <a:spLocks noGrp="1"/>
+          </p:cNvSpPr>
+          <p:nvPr>
+            <p:ph type="title"/>
+          </p:nvPr>
+        </p:nvSpPr>
+        <p:spPr/>
+        <p:txBody>
+          <a:bodyPr>
+            <a:normAutofit fontScale="90000"/>
+          </a:bodyPr>
+          <a:lstStyle/>
+          <a:p>
+            <a:r>
+              <a:rPr lang="en-US" dirty="0"/>
+              <a:t>Results and Analysis from task [2.2]</a:t>
+            </a:r>
+            <a:endParaRPr lang="pt-PT" dirty="0"/>
+          </a:p>
+        </p:txBody>
+      </p:sp>
+      <p:sp>
+        <p:nvSpPr>
+          <p:cNvPr id="3" name="Marcador de Posição do Texto 2">
+            <a:extLst>
+              <a:ext uri="{FF2B5EF4-FFF2-40B4-BE49-F238E27FC236}">
+                <a16:creationId xmlns:a16="http://schemas.microsoft.com/office/drawing/2014/main" id="{A8CAA558-BDC8-081D-8370-BD5B8B02484C}"/>
+              </a:ext>
+            </a:extLst>
+          </p:cNvPr>
+          <p:cNvSpPr>
+            <a:spLocks noGrp="1"/>
+          </p:cNvSpPr>
+          <p:nvPr>
+            <p:ph type="body" idx="1"/>
+          </p:nvPr>
+        </p:nvSpPr>
+        <p:spPr/>
+        <p:txBody>
+          <a:bodyPr/>
+          <a:lstStyle/>
+          <a:p>
+            <a:endParaRPr lang="pt-PT" dirty="0"/>
+          </a:p>
+        </p:txBody>
+      </p:sp>
+      <p:sp>
+        <p:nvSpPr>
+          <p:cNvPr id="4" name="Slide Number Placeholder 3">
+            <a:extLst>
+              <a:ext uri="{FF2B5EF4-FFF2-40B4-BE49-F238E27FC236}">
+                <a16:creationId xmlns:a16="http://schemas.microsoft.com/office/drawing/2014/main" id="{71EE8298-D914-8CBF-20FB-5C818E45B017}"/>
+              </a:ext>
+            </a:extLst>
+          </p:cNvPr>
+          <p:cNvSpPr>
+            <a:spLocks noGrp="1"/>
+          </p:cNvSpPr>
+          <p:nvPr>
+            <p:ph type="sldNum" idx="12"/>
+          </p:nvPr>
+        </p:nvSpPr>
+        <p:spPr/>
+        <p:txBody>
+          <a:bodyPr/>
+          <a:lstStyle/>
+          <a:p>
+            <a:pPr marL="0" lvl="0" indent="0" algn="r" rtl="0">
+              <a:spcBef>
+                <a:spcPts val="0"/>
+              </a:spcBef>
+              <a:spcAft>
+                <a:spcPts val="0"/>
+              </a:spcAft>
+              <a:buNone/>
+            </a:pPr>
+            <a:fld id="{00000000-1234-1234-1234-123412341234}" type="slidenum">
+              <a:rPr lang="en" smtClean="0"/>
+              <a:t>26</a:t>
+            </a:fld>
+            <a:endParaRPr lang="en"/>
+          </a:p>
+        </p:txBody>
+      </p:sp>
+      <p:pic>
+        <p:nvPicPr>
+          <p:cNvPr id="6" name="Imagem 5" descr="Uma imagem com texto, file, Gráfico, Tipo de letra&#10;&#10;Os conteúdos gerados por IA podem estar incorretos.">
+            <a:extLst>
+              <a:ext uri="{FF2B5EF4-FFF2-40B4-BE49-F238E27FC236}">
+                <a16:creationId xmlns:a16="http://schemas.microsoft.com/office/drawing/2014/main" id="{48E1BDF3-D4D2-003F-5DA4-3438CEE63321}"/>
+              </a:ext>
+            </a:extLst>
+          </p:cNvPr>
+          <p:cNvPicPr>
+            <a:picLocks noChangeAspect="1"/>
+          </p:cNvPicPr>
+          <p:nvPr/>
+        </p:nvPicPr>
+        <p:blipFill>
+          <a:blip r:embed="rId2"/>
+          <a:stretch>
+            <a:fillRect/>
+          </a:stretch>
+        </p:blipFill>
+        <p:spPr>
+          <a:xfrm>
+            <a:off x="1155031" y="1194808"/>
+            <a:ext cx="6833937" cy="1856743"/>
+          </a:xfrm>
+          <a:prstGeom prst="rect">
+            <a:avLst/>
+          </a:prstGeom>
+        </p:spPr>
+      </p:pic>
+    </p:spTree>
+    <p:extLst>
+      <p:ext uri="{BB962C8B-B14F-4D97-AF65-F5344CB8AC3E}">
+        <p14:creationId xmlns:p14="http://schemas.microsoft.com/office/powerpoint/2010/main" val="1599985301"/>
+      </p:ext>
+    </p:extLst>
+  </p:cSld>
+  <p:clrMapOvr>
+    <a:masterClrMapping/>
+  </p:clrMapOvr>
+</p:sld>
+</file>
+
+<file path=ppt/slides/slide27.xml><?xml version="1.0" encoding="utf-8"?>
+<p:sld xmlns:a="http://schemas.openxmlformats.org/drawingml/2006/main" xmlns:r="http://schemas.openxmlformats.org/officeDocument/2006/relationships" xmlns:p="http://schemas.openxmlformats.org/presentationml/2006/main">
+  <p:cSld>
+    <p:spTree>
+      <p:nvGrpSpPr>
+        <p:cNvPr id="1" name=""/>
+        <p:cNvGrpSpPr/>
+        <p:nvPr/>
+      </p:nvGrpSpPr>
+      <p:grpSpPr>
+        <a:xfrm>
+          <a:off x="0" y="0"/>
+          <a:ext cx="0" cy="0"/>
+          <a:chOff x="0" y="0"/>
+          <a:chExt cx="0" cy="0"/>
+        </a:xfrm>
+      </p:grpSpPr>
+      <p:sp>
+        <p:nvSpPr>
+          <p:cNvPr id="4" name="Title 3">
+            <a:extLst>
+              <a:ext uri="{FF2B5EF4-FFF2-40B4-BE49-F238E27FC236}">
+                <a16:creationId xmlns:a16="http://schemas.microsoft.com/office/drawing/2014/main" id="{22CC6396-CEAA-5F01-A0B2-49663740E89F}"/>
+              </a:ext>
+            </a:extLst>
+          </p:cNvPr>
+          <p:cNvSpPr>
+            <a:spLocks noGrp="1"/>
+          </p:cNvSpPr>
+          <p:nvPr>
+            <p:ph type="title"/>
+          </p:nvPr>
+        </p:nvSpPr>
+        <p:spPr/>
+        <p:txBody>
+          <a:bodyPr/>
+          <a:lstStyle/>
+          <a:p>
+            <a:r>
+              <a:rPr lang="en-US" dirty="0"/>
+              <a:t>Code Demo</a:t>
+            </a:r>
+          </a:p>
+        </p:txBody>
+      </p:sp>
+      <p:sp>
+        <p:nvSpPr>
+          <p:cNvPr id="5" name="Slide Number Placeholder 4">
+            <a:extLst>
+              <a:ext uri="{FF2B5EF4-FFF2-40B4-BE49-F238E27FC236}">
+                <a16:creationId xmlns:a16="http://schemas.microsoft.com/office/drawing/2014/main" id="{1DCDE71A-D87D-9F07-D8BB-652CDF585377}"/>
+              </a:ext>
+            </a:extLst>
+          </p:cNvPr>
+          <p:cNvSpPr>
+            <a:spLocks noGrp="1"/>
+          </p:cNvSpPr>
+          <p:nvPr>
+            <p:ph type="sldNum" idx="12"/>
+          </p:nvPr>
+        </p:nvSpPr>
+        <p:spPr/>
+        <p:txBody>
+          <a:bodyPr/>
+          <a:lstStyle/>
+          <a:p>
+            <a:pPr marL="0" lvl="0" indent="0" algn="r" rtl="0">
+              <a:spcBef>
+                <a:spcPts val="0"/>
+              </a:spcBef>
+              <a:spcAft>
+                <a:spcPts val="0"/>
+              </a:spcAft>
+              <a:buNone/>
+            </a:pPr>
+            <a:fld id="{00000000-1234-1234-1234-123412341234}" type="slidenum">
+              <a:rPr lang="en" smtClean="0"/>
+              <a:t>27</a:t>
+            </a:fld>
+            <a:endParaRPr lang="en"/>
+          </a:p>
+        </p:txBody>
+      </p:sp>
+    </p:spTree>
+    <p:extLst>
+      <p:ext uri="{BB962C8B-B14F-4D97-AF65-F5344CB8AC3E}">
+        <p14:creationId xmlns:p14="http://schemas.microsoft.com/office/powerpoint/2010/main" val="3862353941"/>
+      </p:ext>
+    </p:extLst>
+  </p:cSld>
+  <p:clrMapOvr>
+    <a:masterClrMapping/>
+  </p:clrMapOvr>
+</p:sld>
+</file>
+
+<file path=ppt/slides/slide28.xml><?xml version="1.0" encoding="utf-8"?>
 <p:sld xmlns:a="http://schemas.openxmlformats.org/drawingml/2006/main" xmlns:r="http://schemas.openxmlformats.org/officeDocument/2006/relationships" xmlns:p="http://schemas.openxmlformats.org/presentationml/2006/main" show="0">
   <p:cSld>
     <p:spTree>
@@ -46073,7 +47405,7 @@
             </a:pPr>
             <a:fld id="{00000000-1234-1234-1234-123412341234}" type="slidenum">
               <a:rPr lang="en" smtClean="0"/>
-              <a:t>20</a:t>
+              <a:t>28</a:t>
             </a:fld>
             <a:endParaRPr lang="en"/>
           </a:p>
@@ -46092,7 +47424,7 @@
 </p:sld>
 </file>
 
-<file path=ppt/slides/slide21.xml><?xml version="1.0" encoding="utf-8"?>
+<file path=ppt/slides/slide29.xml><?xml version="1.0" encoding="utf-8"?>
 <p:sld xmlns:a="http://schemas.openxmlformats.org/drawingml/2006/main" xmlns:r="http://schemas.openxmlformats.org/officeDocument/2006/relationships" xmlns:p="http://schemas.openxmlformats.org/presentationml/2006/main">
   <p:cSld>
     <p:spTree>
@@ -46170,7 +47502,7 @@
             </a:pPr>
             <a:fld id="{00000000-1234-1234-1234-123412341234}" type="slidenum">
               <a:rPr lang="en" smtClean="0"/>
-              <a:t>21</a:t>
+              <a:t>29</a:t>
             </a:fld>
             <a:endParaRPr lang="en"/>
           </a:p>
@@ -46189,7 +47521,116 @@
 </p:sld>
 </file>
 
-<file path=ppt/slides/slide22.xml><?xml version="1.0" encoding="utf-8"?>
+<file path=ppt/slides/slide3.xml><?xml version="1.0" encoding="utf-8"?>
+<p:sld xmlns:a="http://schemas.openxmlformats.org/drawingml/2006/main" xmlns:r="http://schemas.openxmlformats.org/officeDocument/2006/relationships" xmlns:p="http://schemas.openxmlformats.org/presentationml/2006/main">
+  <p:cSld>
+    <p:spTree>
+      <p:nvGrpSpPr>
+        <p:cNvPr id="1" name="Shape 65"/>
+        <p:cNvGrpSpPr/>
+        <p:nvPr/>
+      </p:nvGrpSpPr>
+      <p:grpSpPr>
+        <a:xfrm>
+          <a:off x="0" y="0"/>
+          <a:ext cx="0" cy="0"/>
+          <a:chOff x="0" y="0"/>
+          <a:chExt cx="0" cy="0"/>
+        </a:xfrm>
+      </p:grpSpPr>
+      <p:sp>
+        <p:nvSpPr>
+          <p:cNvPr id="66" name="Google Shape;66;p15"/>
+          <p:cNvSpPr txBox="1">
+            <a:spLocks noGrp="1"/>
+          </p:cNvSpPr>
+          <p:nvPr>
+            <p:ph type="title"/>
+          </p:nvPr>
+        </p:nvSpPr>
+        <p:spPr>
+          <a:prstGeom prst="rect">
+            <a:avLst/>
+          </a:prstGeom>
+        </p:spPr>
+        <p:txBody>
+          <a:bodyPr spcFirstLastPara="1" wrap="square" lIns="91425" tIns="91425" rIns="91425" bIns="91425" anchor="t" anchorCtr="0">
+            <a:normAutofit fontScale="90000"/>
+          </a:bodyPr>
+          <a:lstStyle/>
+          <a:p>
+            <a:pPr marL="0" lvl="0" indent="0" algn="l" rtl="0">
+              <a:spcBef>
+                <a:spcPts val="0"/>
+              </a:spcBef>
+              <a:spcAft>
+                <a:spcPts val="0"/>
+              </a:spcAft>
+              <a:buNone/>
+            </a:pPr>
+            <a:r>
+              <a:rPr lang="pt-PT" dirty="0" err="1"/>
+              <a:t>Task</a:t>
+            </a:r>
+            <a:r>
+              <a:rPr lang="pt-PT" dirty="0"/>
+              <a:t> [1.1] - </a:t>
+            </a:r>
+            <a:r>
+              <a:rPr lang="en-US" dirty="0"/>
+              <a:t>Data preparation and validation pipeline</a:t>
+            </a:r>
+            <a:endParaRPr lang="pt-PT" dirty="0"/>
+          </a:p>
+        </p:txBody>
+      </p:sp>
+      <p:sp>
+        <p:nvSpPr>
+          <p:cNvPr id="2" name="Slide Number Placeholder 1">
+            <a:extLst>
+              <a:ext uri="{FF2B5EF4-FFF2-40B4-BE49-F238E27FC236}">
+                <a16:creationId xmlns:a16="http://schemas.microsoft.com/office/drawing/2014/main" id="{2F02ADCD-40A6-0FDE-3F7E-7E3EFE9B8615}"/>
+              </a:ext>
+            </a:extLst>
+          </p:cNvPr>
+          <p:cNvSpPr>
+            <a:spLocks noGrp="1"/>
+          </p:cNvSpPr>
+          <p:nvPr>
+            <p:ph type="sldNum" idx="12"/>
+          </p:nvPr>
+        </p:nvSpPr>
+        <p:spPr/>
+        <p:txBody>
+          <a:bodyPr/>
+          <a:lstStyle/>
+          <a:p>
+            <a:pPr marL="0" lvl="0" indent="0" algn="r" rtl="0">
+              <a:spcBef>
+                <a:spcPts val="0"/>
+              </a:spcBef>
+              <a:spcAft>
+                <a:spcPts val="0"/>
+              </a:spcAft>
+              <a:buNone/>
+            </a:pPr>
+            <a:fld id="{00000000-1234-1234-1234-123412341234}" type="slidenum">
+              <a:rPr lang="en" smtClean="0"/>
+              <a:t>3</a:t>
+            </a:fld>
+            <a:endParaRPr lang="en"/>
+          </a:p>
+        </p:txBody>
+      </p:sp>
+    </p:spTree>
+  </p:cSld>
+  <p:clrMapOvr>
+    <a:masterClrMapping/>
+  </p:clrMapOvr>
+</p:sld>
+</file>
+
+<file path=ppt/slides/slide30.xml><?xml version="1.0" encoding="utf-8"?>
 <p:sld xmlns:a="http://schemas.openxmlformats.org/drawingml/2006/main" xmlns:r="http://schemas.openxmlformats.org/officeDocument/2006/relationships" xmlns:p="http://schemas.openxmlformats.org/presentationml/2006/main">
   <p:cSld>
     <p:spTree>
@@ -46301,7 +47742,7 @@
             </a:pPr>
             <a:fld id="{00000000-1234-1234-1234-123412341234}" type="slidenum">
               <a:rPr lang="en" smtClean="0"/>
-              <a:t>22</a:t>
+              <a:t>30</a:t>
             </a:fld>
             <a:endParaRPr lang="en"/>
           </a:p>
@@ -46315,7 +47756,7 @@
 </p:sld>
 </file>
 
-<file path=ppt/slides/slide23.xml><?xml version="1.0" encoding="utf-8"?>
+<file path=ppt/slides/slide31.xml><?xml version="1.0" encoding="utf-8"?>
 <p:sld xmlns:a="http://schemas.openxmlformats.org/drawingml/2006/main" xmlns:r="http://schemas.openxmlformats.org/officeDocument/2006/relationships" xmlns:p="http://schemas.openxmlformats.org/presentationml/2006/main">
   <p:cSld>
     <p:spTree>
@@ -46427,116 +47868,7 @@
             </a:pPr>
             <a:fld id="{00000000-1234-1234-1234-123412341234}" type="slidenum">
               <a:rPr lang="en" smtClean="0"/>
-              <a:t>23</a:t>
-            </a:fld>
-            <a:endParaRPr lang="en"/>
-          </a:p>
-        </p:txBody>
-      </p:sp>
-    </p:spTree>
-  </p:cSld>
-  <p:clrMapOvr>
-    <a:masterClrMapping/>
-  </p:clrMapOvr>
-</p:sld>
-</file>
-
-<file path=ppt/slides/slide3.xml><?xml version="1.0" encoding="utf-8"?>
-<p:sld xmlns:a="http://schemas.openxmlformats.org/drawingml/2006/main" xmlns:r="http://schemas.openxmlformats.org/officeDocument/2006/relationships" xmlns:p="http://schemas.openxmlformats.org/presentationml/2006/main">
-  <p:cSld>
-    <p:spTree>
-      <p:nvGrpSpPr>
-        <p:cNvPr id="1" name="Shape 65"/>
-        <p:cNvGrpSpPr/>
-        <p:nvPr/>
-      </p:nvGrpSpPr>
-      <p:grpSpPr>
-        <a:xfrm>
-          <a:off x="0" y="0"/>
-          <a:ext cx="0" cy="0"/>
-          <a:chOff x="0" y="0"/>
-          <a:chExt cx="0" cy="0"/>
-        </a:xfrm>
-      </p:grpSpPr>
-      <p:sp>
-        <p:nvSpPr>
-          <p:cNvPr id="66" name="Google Shape;66;p15"/>
-          <p:cNvSpPr txBox="1">
-            <a:spLocks noGrp="1"/>
-          </p:cNvSpPr>
-          <p:nvPr>
-            <p:ph type="title"/>
-          </p:nvPr>
-        </p:nvSpPr>
-        <p:spPr>
-          <a:prstGeom prst="rect">
-            <a:avLst/>
-          </a:prstGeom>
-        </p:spPr>
-        <p:txBody>
-          <a:bodyPr spcFirstLastPara="1" wrap="square" lIns="91425" tIns="91425" rIns="91425" bIns="91425" anchor="t" anchorCtr="0">
-            <a:normAutofit fontScale="90000"/>
-          </a:bodyPr>
-          <a:lstStyle/>
-          <a:p>
-            <a:pPr marL="0" lvl="0" indent="0" algn="l" rtl="0">
-              <a:spcBef>
-                <a:spcPts val="0"/>
-              </a:spcBef>
-              <a:spcAft>
-                <a:spcPts val="0"/>
-              </a:spcAft>
-              <a:buNone/>
-            </a:pPr>
-            <a:r>
-              <a:rPr lang="pt-PT" dirty="0" err="1"/>
-              <a:t>Task</a:t>
-            </a:r>
-            <a:r>
-              <a:rPr lang="pt-PT" dirty="0"/>
-              <a:t> [1.1] - </a:t>
-            </a:r>
-            <a:r>
-              <a:rPr lang="en-US" dirty="0"/>
-              <a:t>Data preparation and validation pipeline</a:t>
-            </a:r>
-            <a:endParaRPr lang="pt-PT" dirty="0"/>
-          </a:p>
-        </p:txBody>
-      </p:sp>
-      <p:sp>
-        <p:nvSpPr>
-          <p:cNvPr id="2" name="Slide Number Placeholder 1">
-            <a:extLst>
-              <a:ext uri="{FF2B5EF4-FFF2-40B4-BE49-F238E27FC236}">
-                <a16:creationId xmlns:a16="http://schemas.microsoft.com/office/drawing/2014/main" id="{2F02ADCD-40A6-0FDE-3F7E-7E3EFE9B8615}"/>
-              </a:ext>
-            </a:extLst>
-          </p:cNvPr>
-          <p:cNvSpPr>
-            <a:spLocks noGrp="1"/>
-          </p:cNvSpPr>
-          <p:nvPr>
-            <p:ph type="sldNum" idx="12"/>
-          </p:nvPr>
-        </p:nvSpPr>
-        <p:spPr/>
-        <p:txBody>
-          <a:bodyPr/>
-          <a:lstStyle/>
-          <a:p>
-            <a:pPr marL="0" lvl="0" indent="0" algn="r" rtl="0">
-              <a:spcBef>
-                <a:spcPts val="0"/>
-              </a:spcBef>
-              <a:spcAft>
-                <a:spcPts val="0"/>
-              </a:spcAft>
-              <a:buNone/>
-            </a:pPr>
-            <a:fld id="{00000000-1234-1234-1234-123412341234}" type="slidenum">
-              <a:rPr lang="en" smtClean="0"/>
-              <a:t>3</a:t>
+              <a:t>31</a:t>
             </a:fld>
             <a:endParaRPr lang="en"/>
           </a:p>
@@ -46873,6 +48205,166 @@
   <p:cSld>
     <p:spTree>
       <p:nvGrpSpPr>
+        <p:cNvPr id="1" name="">
+          <a:extLst>
+            <a:ext uri="{FF2B5EF4-FFF2-40B4-BE49-F238E27FC236}">
+              <a16:creationId xmlns:a16="http://schemas.microsoft.com/office/drawing/2014/main" id="{D3746085-88AC-EABE-5CDC-69B96B691E6A}"/>
+            </a:ext>
+          </a:extLst>
+        </p:cNvPr>
+        <p:cNvGrpSpPr/>
+        <p:nvPr/>
+      </p:nvGrpSpPr>
+      <p:grpSpPr>
+        <a:xfrm>
+          <a:off x="0" y="0"/>
+          <a:ext cx="0" cy="0"/>
+          <a:chOff x="0" y="0"/>
+          <a:chExt cx="0" cy="0"/>
+        </a:xfrm>
+      </p:grpSpPr>
+      <p:sp>
+        <p:nvSpPr>
+          <p:cNvPr id="2" name="Título 1">
+            <a:extLst>
+              <a:ext uri="{FF2B5EF4-FFF2-40B4-BE49-F238E27FC236}">
+                <a16:creationId xmlns:a16="http://schemas.microsoft.com/office/drawing/2014/main" id="{EA311B9C-2AB9-ABAA-675D-FC156CCAEF3A}"/>
+              </a:ext>
+            </a:extLst>
+          </p:cNvPr>
+          <p:cNvSpPr>
+            <a:spLocks noGrp="1"/>
+          </p:cNvSpPr>
+          <p:nvPr>
+            <p:ph type="title"/>
+          </p:nvPr>
+        </p:nvSpPr>
+        <p:spPr/>
+        <p:txBody>
+          <a:bodyPr>
+            <a:normAutofit fontScale="90000"/>
+          </a:bodyPr>
+          <a:lstStyle/>
+          <a:p>
+            <a:r>
+              <a:rPr lang="en-US" dirty="0"/>
+              <a:t>Results and Analysis from task [1.1]</a:t>
+            </a:r>
+            <a:endParaRPr lang="pt-PT" dirty="0"/>
+          </a:p>
+        </p:txBody>
+      </p:sp>
+      <p:sp>
+        <p:nvSpPr>
+          <p:cNvPr id="3" name="Marcador de Posição do Texto 2">
+            <a:extLst>
+              <a:ext uri="{FF2B5EF4-FFF2-40B4-BE49-F238E27FC236}">
+                <a16:creationId xmlns:a16="http://schemas.microsoft.com/office/drawing/2014/main" id="{87461F57-3821-549D-1BB2-1D72395B058D}"/>
+              </a:ext>
+            </a:extLst>
+          </p:cNvPr>
+          <p:cNvSpPr>
+            <a:spLocks noGrp="1"/>
+          </p:cNvSpPr>
+          <p:nvPr>
+            <p:ph type="body" idx="1"/>
+          </p:nvPr>
+        </p:nvSpPr>
+        <p:spPr/>
+        <p:txBody>
+          <a:bodyPr/>
+          <a:lstStyle/>
+          <a:p>
+            <a:endParaRPr lang="pt-PT" dirty="0"/>
+          </a:p>
+        </p:txBody>
+      </p:sp>
+      <p:sp>
+        <p:nvSpPr>
+          <p:cNvPr id="4" name="Slide Number Placeholder 3">
+            <a:extLst>
+              <a:ext uri="{FF2B5EF4-FFF2-40B4-BE49-F238E27FC236}">
+                <a16:creationId xmlns:a16="http://schemas.microsoft.com/office/drawing/2014/main" id="{2BC66AB1-AA82-0A70-D519-B5475214E741}"/>
+              </a:ext>
+            </a:extLst>
+          </p:cNvPr>
+          <p:cNvSpPr>
+            <a:spLocks noGrp="1"/>
+          </p:cNvSpPr>
+          <p:nvPr>
+            <p:ph type="sldNum" idx="12"/>
+          </p:nvPr>
+        </p:nvSpPr>
+        <p:spPr/>
+        <p:txBody>
+          <a:bodyPr/>
+          <a:lstStyle/>
+          <a:p>
+            <a:pPr marL="0" lvl="0" indent="0" algn="r" rtl="0">
+              <a:spcBef>
+                <a:spcPts val="0"/>
+              </a:spcBef>
+              <a:spcAft>
+                <a:spcPts val="0"/>
+              </a:spcAft>
+              <a:buNone/>
+            </a:pPr>
+            <a:fld id="{00000000-1234-1234-1234-123412341234}" type="slidenum">
+              <a:rPr lang="en" smtClean="0"/>
+              <a:t>6</a:t>
+            </a:fld>
+            <a:endParaRPr lang="en"/>
+          </a:p>
+        </p:txBody>
+      </p:sp>
+      <p:pic>
+        <p:nvPicPr>
+          <p:cNvPr id="6" name="Imagem 5" descr="Uma imagem com texto, captura de ecrã, Tipo de letra, file&#10;&#10;Os conteúdos gerados por IA podem estar incorretos.">
+            <a:extLst>
+              <a:ext uri="{FF2B5EF4-FFF2-40B4-BE49-F238E27FC236}">
+                <a16:creationId xmlns:a16="http://schemas.microsoft.com/office/drawing/2014/main" id="{40E35B5E-5C32-3E89-092B-A68FB52B395C}"/>
+              </a:ext>
+            </a:extLst>
+          </p:cNvPr>
+          <p:cNvPicPr>
+            <a:picLocks noChangeAspect="1"/>
+          </p:cNvPicPr>
+          <p:nvPr/>
+        </p:nvPicPr>
+        <p:blipFill>
+          <a:blip r:embed="rId2"/>
+          <a:stretch>
+            <a:fillRect/>
+          </a:stretch>
+        </p:blipFill>
+        <p:spPr>
+          <a:xfrm>
+            <a:off x="311700" y="1564105"/>
+            <a:ext cx="4626621" cy="2761324"/>
+          </a:xfrm>
+          <a:prstGeom prst="rect">
+            <a:avLst/>
+          </a:prstGeom>
+        </p:spPr>
+      </p:pic>
+    </p:spTree>
+    <p:extLst>
+      <p:ext uri="{BB962C8B-B14F-4D97-AF65-F5344CB8AC3E}">
+        <p14:creationId xmlns:p14="http://schemas.microsoft.com/office/powerpoint/2010/main" val="2926091966"/>
+      </p:ext>
+    </p:extLst>
+  </p:cSld>
+  <p:clrMapOvr>
+    <a:masterClrMapping/>
+  </p:clrMapOvr>
+</p:sld>
+</file>
+
+<file path=ppt/slides/slide7.xml><?xml version="1.0" encoding="utf-8"?>
+<p:sld xmlns:a="http://schemas.openxmlformats.org/drawingml/2006/main" xmlns:r="http://schemas.openxmlformats.org/officeDocument/2006/relationships" xmlns:p="http://schemas.openxmlformats.org/presentationml/2006/main">
+  <p:cSld>
+    <p:spTree>
+      <p:nvGrpSpPr>
         <p:cNvPr id="1" name=""/>
         <p:cNvGrpSpPr/>
         <p:nvPr/>
@@ -46973,12 +48465,42 @@
             </a:pPr>
             <a:fld id="{00000000-1234-1234-1234-123412341234}" type="slidenum">
               <a:rPr lang="en" smtClean="0"/>
-              <a:t>6</a:t>
+              <a:t>7</a:t>
             </a:fld>
             <a:endParaRPr lang="en"/>
           </a:p>
         </p:txBody>
       </p:sp>
+      <p:pic>
+        <p:nvPicPr>
+          <p:cNvPr id="6" name="Imagem 5" descr="Uma imagem com texto, captura de ecrã, diagrama, número&#10;&#10;Os conteúdos gerados por IA podem estar incorretos.">
+            <a:extLst>
+              <a:ext uri="{FF2B5EF4-FFF2-40B4-BE49-F238E27FC236}">
+                <a16:creationId xmlns:a16="http://schemas.microsoft.com/office/drawing/2014/main" id="{11DDDB60-A0D3-BBAD-41BD-983921AA7EA5}"/>
+              </a:ext>
+            </a:extLst>
+          </p:cNvPr>
+          <p:cNvPicPr>
+            <a:picLocks noChangeAspect="1"/>
+          </p:cNvPicPr>
+          <p:nvPr/>
+        </p:nvPicPr>
+        <p:blipFill>
+          <a:blip r:embed="rId2"/>
+          <a:stretch>
+            <a:fillRect/>
+          </a:stretch>
+        </p:blipFill>
+        <p:spPr>
+          <a:xfrm>
+            <a:off x="311700" y="1152475"/>
+            <a:ext cx="5499476" cy="3416400"/>
+          </a:xfrm>
+          <a:prstGeom prst="rect">
+            <a:avLst/>
+          </a:prstGeom>
+        </p:spPr>
+      </p:pic>
     </p:spTree>
     <p:extLst>
       <p:ext uri="{BB962C8B-B14F-4D97-AF65-F5344CB8AC3E}">
@@ -46992,12 +48514,18 @@
 </p:sld>
 </file>
 
-<file path=ppt/slides/slide7.xml><?xml version="1.0" encoding="utf-8"?>
+<file path=ppt/slides/slide8.xml><?xml version="1.0" encoding="utf-8"?>
 <p:sld xmlns:a="http://schemas.openxmlformats.org/drawingml/2006/main" xmlns:r="http://schemas.openxmlformats.org/officeDocument/2006/relationships" xmlns:p="http://schemas.openxmlformats.org/presentationml/2006/main">
   <p:cSld>
     <p:spTree>
       <p:nvGrpSpPr>
-        <p:cNvPr id="1" name="Shape 65"/>
+        <p:cNvPr id="1" name="">
+          <a:extLst>
+            <a:ext uri="{FF2B5EF4-FFF2-40B4-BE49-F238E27FC236}">
+              <a16:creationId xmlns:a16="http://schemas.microsoft.com/office/drawing/2014/main" id="{20DF7034-EDE2-860F-CB64-1BB55530BC85}"/>
+            </a:ext>
+          </a:extLst>
+        </p:cNvPr>
         <p:cNvGrpSpPr/>
         <p:nvPr/>
       </p:nvGrpSpPr>
@@ -47011,69 +48539,30 @@
       </p:grpSpPr>
       <p:sp>
         <p:nvSpPr>
-          <p:cNvPr id="66" name="Google Shape;66;p15"/>
-          <p:cNvSpPr txBox="1">
+          <p:cNvPr id="2" name="Título 1">
+            <a:extLst>
+              <a:ext uri="{FF2B5EF4-FFF2-40B4-BE49-F238E27FC236}">
+                <a16:creationId xmlns:a16="http://schemas.microsoft.com/office/drawing/2014/main" id="{2A5A70EF-DDC4-C226-C2C4-BB16DD9E25CD}"/>
+              </a:ext>
+            </a:extLst>
+          </p:cNvPr>
+          <p:cNvSpPr>
             <a:spLocks noGrp="1"/>
           </p:cNvSpPr>
           <p:nvPr>
             <p:ph type="title"/>
           </p:nvPr>
         </p:nvSpPr>
-        <p:spPr>
-          <a:prstGeom prst="rect">
-            <a:avLst/>
-          </a:prstGeom>
-        </p:spPr>
+        <p:spPr/>
         <p:txBody>
-          <a:bodyPr spcFirstLastPara="1" wrap="square" lIns="91425" tIns="91425" rIns="91425" bIns="91425" anchor="t" anchorCtr="0">
-            <a:normAutofit/>
+          <a:bodyPr>
+            <a:normAutofit fontScale="90000"/>
           </a:bodyPr>
           <a:lstStyle/>
           <a:p>
-            <a:pPr marL="0" lvl="0" indent="0" algn="l" rtl="0">
-              <a:spcBef>
-                <a:spcPts val="0"/>
-              </a:spcBef>
-              <a:spcAft>
-                <a:spcPts val="0"/>
-              </a:spcAft>
-              <a:buNone/>
-            </a:pPr>
             <a:r>
-              <a:rPr lang="pt-PT" dirty="0" err="1"/>
-              <a:t>Task</a:t>
-            </a:r>
-            <a:r>
-              <a:rPr lang="pt-PT" dirty="0"/>
-              <a:t> [1.2] - </a:t>
-            </a:r>
-            <a:r>
-              <a:rPr lang="pt-PT" dirty="0" err="1"/>
-              <a:t>Learn</a:t>
-            </a:r>
-            <a:r>
-              <a:rPr lang="pt-PT" dirty="0"/>
-              <a:t> </a:t>
-            </a:r>
-            <a:r>
-              <a:rPr lang="pt-PT" dirty="0" err="1"/>
-              <a:t>the</a:t>
-            </a:r>
-            <a:r>
-              <a:rPr lang="pt-PT" dirty="0"/>
-              <a:t> </a:t>
-            </a:r>
-            <a:r>
-              <a:rPr lang="pt-PT" dirty="0" err="1"/>
-              <a:t>baseline</a:t>
-            </a:r>
-            <a:r>
-              <a:rPr lang="pt-PT" dirty="0"/>
-              <a:t> </a:t>
-            </a:r>
-            <a:r>
-              <a:rPr lang="pt-PT" dirty="0" err="1"/>
-              <a:t>model</a:t>
+              <a:rPr lang="en-US" dirty="0"/>
+              <a:t>Results and Analysis from task [1.1]</a:t>
             </a:r>
             <a:endParaRPr lang="pt-PT" dirty="0"/>
           </a:p>
@@ -47081,10 +48570,35 @@
       </p:sp>
       <p:sp>
         <p:nvSpPr>
-          <p:cNvPr id="2" name="Slide Number Placeholder 1">
+          <p:cNvPr id="3" name="Marcador de Posição do Texto 2">
             <a:extLst>
               <a:ext uri="{FF2B5EF4-FFF2-40B4-BE49-F238E27FC236}">
-                <a16:creationId xmlns:a16="http://schemas.microsoft.com/office/drawing/2014/main" id="{2F02ADCD-40A6-0FDE-3F7E-7E3EFE9B8615}"/>
+                <a16:creationId xmlns:a16="http://schemas.microsoft.com/office/drawing/2014/main" id="{653F793E-1C71-EC3A-953C-B5E1CB5A85A2}"/>
+              </a:ext>
+            </a:extLst>
+          </p:cNvPr>
+          <p:cNvSpPr>
+            <a:spLocks noGrp="1"/>
+          </p:cNvSpPr>
+          <p:nvPr>
+            <p:ph type="body" idx="1"/>
+          </p:nvPr>
+        </p:nvSpPr>
+        <p:spPr/>
+        <p:txBody>
+          <a:bodyPr/>
+          <a:lstStyle/>
+          <a:p>
+            <a:endParaRPr lang="pt-PT" dirty="0"/>
+          </a:p>
+        </p:txBody>
+      </p:sp>
+      <p:sp>
+        <p:nvSpPr>
+          <p:cNvPr id="4" name="Slide Number Placeholder 3">
+            <a:extLst>
+              <a:ext uri="{FF2B5EF4-FFF2-40B4-BE49-F238E27FC236}">
+                <a16:creationId xmlns:a16="http://schemas.microsoft.com/office/drawing/2014/main" id="{923875D1-4B3C-0E9A-394A-6BCE4F04AF5C}"/>
               </a:ext>
             </a:extLst>
           </p:cNvPr>
@@ -47111,16 +48625,46 @@
             </a:pPr>
             <a:fld id="{00000000-1234-1234-1234-123412341234}" type="slidenum">
               <a:rPr lang="en" smtClean="0"/>
-              <a:t>7</a:t>
+              <a:t>8</a:t>
             </a:fld>
             <a:endParaRPr lang="en"/>
           </a:p>
         </p:txBody>
       </p:sp>
+      <p:pic>
+        <p:nvPicPr>
+          <p:cNvPr id="6" name="Imagem 5" descr="Uma imagem com texto, captura de ecrã, file, Retângulo&#10;&#10;Os conteúdos gerados por IA podem estar incorretos.">
+            <a:extLst>
+              <a:ext uri="{FF2B5EF4-FFF2-40B4-BE49-F238E27FC236}">
+                <a16:creationId xmlns:a16="http://schemas.microsoft.com/office/drawing/2014/main" id="{A547CE73-1A1E-3358-CA04-06D6593E022C}"/>
+              </a:ext>
+            </a:extLst>
+          </p:cNvPr>
+          <p:cNvPicPr>
+            <a:picLocks noChangeAspect="1"/>
+          </p:cNvPicPr>
+          <p:nvPr/>
+        </p:nvPicPr>
+        <p:blipFill>
+          <a:blip r:embed="rId2"/>
+          <a:stretch>
+            <a:fillRect/>
+          </a:stretch>
+        </p:blipFill>
+        <p:spPr>
+          <a:xfrm>
+            <a:off x="311700" y="1325744"/>
+            <a:ext cx="5142497" cy="3069862"/>
+          </a:xfrm>
+          <a:prstGeom prst="rect">
+            <a:avLst/>
+          </a:prstGeom>
+        </p:spPr>
+      </p:pic>
     </p:spTree>
     <p:extLst>
       <p:ext uri="{BB962C8B-B14F-4D97-AF65-F5344CB8AC3E}">
-        <p14:creationId xmlns:p14="http://schemas.microsoft.com/office/powerpoint/2010/main" val="774767926"/>
+        <p14:creationId xmlns:p14="http://schemas.microsoft.com/office/powerpoint/2010/main" val="4176173872"/>
       </p:ext>
     </p:extLst>
   </p:cSld>
@@ -47130,12 +48674,18 @@
 </p:sld>
 </file>
 
-<file path=ppt/slides/slide8.xml><?xml version="1.0" encoding="utf-8"?>
+<file path=ppt/slides/slide9.xml><?xml version="1.0" encoding="utf-8"?>
 <p:sld xmlns:a="http://schemas.openxmlformats.org/drawingml/2006/main" xmlns:r="http://schemas.openxmlformats.org/officeDocument/2006/relationships" xmlns:p="http://schemas.openxmlformats.org/presentationml/2006/main">
   <p:cSld>
     <p:spTree>
       <p:nvGrpSpPr>
-        <p:cNvPr id="1" name=""/>
+        <p:cNvPr id="1" name="">
+          <a:extLst>
+            <a:ext uri="{FF2B5EF4-FFF2-40B4-BE49-F238E27FC236}">
+              <a16:creationId xmlns:a16="http://schemas.microsoft.com/office/drawing/2014/main" id="{C4A0AA20-8C1D-C96F-D7E9-501BFFF3D910}"/>
+            </a:ext>
+          </a:extLst>
+        </p:cNvPr>
         <p:cNvGrpSpPr/>
         <p:nvPr/>
       </p:nvGrpSpPr>
@@ -47152,7 +48702,7 @@
           <p:cNvPr id="2" name="Título 1">
             <a:extLst>
               <a:ext uri="{FF2B5EF4-FFF2-40B4-BE49-F238E27FC236}">
-                <a16:creationId xmlns:a16="http://schemas.microsoft.com/office/drawing/2014/main" id="{435950B8-3572-2171-184D-7CB447F81866}"/>
+                <a16:creationId xmlns:a16="http://schemas.microsoft.com/office/drawing/2014/main" id="{2B72F8BA-91A2-06FB-8D65-E61523CC1BF8}"/>
               </a:ext>
             </a:extLst>
           </p:cNvPr>
@@ -47163,28 +48713,43 @@
             <p:ph type="title"/>
           </p:nvPr>
         </p:nvSpPr>
-        <p:spPr>
-          <a:xfrm>
-            <a:off x="311700" y="445025"/>
-            <a:ext cx="8520600" cy="572700"/>
-          </a:xfrm>
-        </p:spPr>
+        <p:spPr/>
         <p:txBody>
-          <a:bodyPr wrap="square" anchor="ctr">
-            <a:normAutofit/>
+          <a:bodyPr>
+            <a:normAutofit fontScale="90000"/>
           </a:bodyPr>
           <a:lstStyle/>
           <a:p>
-            <a:pPr>
-              <a:lnSpc>
-                <a:spcPct val="90000"/>
-              </a:lnSpc>
-            </a:pPr>
             <a:r>
-              <a:rPr lang="en-US" sz="2600"/>
-              <a:t>What was done in task [1.2]</a:t>
+              <a:rPr lang="en-US" dirty="0"/>
+              <a:t>Results and Analysis from task [1.1]</a:t>
             </a:r>
-            <a:endParaRPr lang="pt-PT" sz="2600"/>
+            <a:endParaRPr lang="pt-PT" dirty="0"/>
+          </a:p>
+        </p:txBody>
+      </p:sp>
+      <p:sp>
+        <p:nvSpPr>
+          <p:cNvPr id="3" name="Marcador de Posição do Texto 2">
+            <a:extLst>
+              <a:ext uri="{FF2B5EF4-FFF2-40B4-BE49-F238E27FC236}">
+                <a16:creationId xmlns:a16="http://schemas.microsoft.com/office/drawing/2014/main" id="{707A05FE-F07E-44F8-A0FA-930DED93DD2E}"/>
+              </a:ext>
+            </a:extLst>
+          </p:cNvPr>
+          <p:cNvSpPr>
+            <a:spLocks noGrp="1"/>
+          </p:cNvSpPr>
+          <p:nvPr>
+            <p:ph type="body" idx="1"/>
+          </p:nvPr>
+        </p:nvSpPr>
+        <p:spPr/>
+        <p:txBody>
+          <a:bodyPr/>
+          <a:lstStyle/>
+          <a:p>
+            <a:endParaRPr lang="pt-PT" dirty="0"/>
           </a:p>
         </p:txBody>
       </p:sp>
@@ -47193,7 +48758,7 @@
           <p:cNvPr id="4" name="Slide Number Placeholder 3">
             <a:extLst>
               <a:ext uri="{FF2B5EF4-FFF2-40B4-BE49-F238E27FC236}">
-                <a16:creationId xmlns:a16="http://schemas.microsoft.com/office/drawing/2014/main" id="{EF6583C8-87CC-4DDC-5CE6-18034C27EBE7}"/>
+                <a16:creationId xmlns:a16="http://schemas.microsoft.com/office/drawing/2014/main" id="{8DDD8356-95FB-F47A-D53F-41057F612372}"/>
               </a:ext>
             </a:extLst>
           </p:cNvPr>
@@ -47204,241 +48769,62 @@
             <p:ph type="sldNum" idx="12"/>
           </p:nvPr>
         </p:nvSpPr>
-        <p:spPr>
-          <a:xfrm>
-            <a:off x="8472458" y="4663217"/>
-            <a:ext cx="548700" cy="393600"/>
-          </a:xfrm>
-        </p:spPr>
+        <p:spPr/>
         <p:txBody>
-          <a:bodyPr wrap="square" anchor="ctr">
-            <a:normAutofit/>
-          </a:bodyPr>
+          <a:bodyPr/>
           <a:lstStyle/>
           <a:p>
-            <a:pPr marL="0" lvl="0" indent="0" rtl="0">
-              <a:lnSpc>
-                <a:spcPct val="90000"/>
-              </a:lnSpc>
+            <a:pPr marL="0" lvl="0" indent="0" algn="r" rtl="0">
               <a:spcBef>
                 <a:spcPts val="0"/>
               </a:spcBef>
               <a:spcAft>
-                <a:spcPts val="600"/>
+                <a:spcPts val="0"/>
               </a:spcAft>
               <a:buNone/>
             </a:pPr>
             <a:fld id="{00000000-1234-1234-1234-123412341234}" type="slidenum">
-              <a:rPr lang="en" sz="900" smtClean="0"/>
-              <a:pPr marL="0" lvl="0" indent="0" rtl="0">
-                <a:lnSpc>
-                  <a:spcPct val="90000"/>
-                </a:lnSpc>
-                <a:spcBef>
-                  <a:spcPts val="0"/>
-                </a:spcBef>
-                <a:spcAft>
-                  <a:spcPts val="600"/>
-                </a:spcAft>
-                <a:buNone/>
-              </a:pPr>
-              <a:t>8</a:t>
+              <a:rPr lang="en" smtClean="0"/>
+              <a:t>9</a:t>
             </a:fld>
-            <a:endParaRPr lang="en" sz="900"/>
+            <a:endParaRPr lang="en"/>
           </a:p>
         </p:txBody>
       </p:sp>
-      <p:graphicFrame>
-        <p:nvGraphicFramePr>
-          <p:cNvPr id="9" name="Marcador de Posição do Texto 6">
+      <p:pic>
+        <p:nvPicPr>
+          <p:cNvPr id="6" name="Imagem 5" descr="Uma imagem com texto, diagrama, file, Desenho técnico&#10;&#10;Os conteúdos gerados por IA podem estar incorretos.">
             <a:extLst>
               <a:ext uri="{FF2B5EF4-FFF2-40B4-BE49-F238E27FC236}">
-                <a16:creationId xmlns:a16="http://schemas.microsoft.com/office/drawing/2014/main" id="{CC3716AE-7CAA-1B30-9DEA-AA12FA1F18F6}"/>
+                <a16:creationId xmlns:a16="http://schemas.microsoft.com/office/drawing/2014/main" id="{6251582D-1F5D-547E-C3AB-234266A37E2A}"/>
               </a:ext>
             </a:extLst>
           </p:cNvPr>
-          <p:cNvGraphicFramePr/>
-          <p:nvPr>
-            <p:extLst>
-              <p:ext uri="{D42A27DB-BD31-4B8C-83A1-F6EECF244321}">
-                <p14:modId xmlns:p14="http://schemas.microsoft.com/office/powerpoint/2010/main" val="3233458579"/>
-              </p:ext>
-            </p:extLst>
-          </p:nvPr>
-        </p:nvGraphicFramePr>
-        <p:xfrm>
-          <a:off x="311700" y="1208225"/>
-          <a:ext cx="8520600" cy="3264408"/>
-        </p:xfrm>
-        <a:graphic>
-          <a:graphicData uri="http://schemas.openxmlformats.org/drawingml/2006/diagram">
-            <dgm:relIds xmlns:dgm="http://schemas.openxmlformats.org/drawingml/2006/diagram" xmlns:r="http://schemas.openxmlformats.org/officeDocument/2006/relationships" r:dm="rId2" r:lo="rId3" r:qs="rId4" r:cs="rId5"/>
-          </a:graphicData>
-        </a:graphic>
-      </p:graphicFrame>
+          <p:cNvPicPr>
+            <a:picLocks noChangeAspect="1"/>
+          </p:cNvPicPr>
+          <p:nvPr/>
+        </p:nvPicPr>
+        <p:blipFill>
+          <a:blip r:embed="rId2"/>
+          <a:stretch>
+            <a:fillRect/>
+          </a:stretch>
+        </p:blipFill>
+        <p:spPr>
+          <a:xfrm>
+            <a:off x="311700" y="1282074"/>
+            <a:ext cx="5876287" cy="3416401"/>
+          </a:xfrm>
+          <a:prstGeom prst="rect">
+            <a:avLst/>
+          </a:prstGeom>
+        </p:spPr>
+      </p:pic>
     </p:spTree>
     <p:extLst>
       <p:ext uri="{BB962C8B-B14F-4D97-AF65-F5344CB8AC3E}">
-        <p14:creationId xmlns:p14="http://schemas.microsoft.com/office/powerpoint/2010/main" val="2225735654"/>
-      </p:ext>
-    </p:extLst>
-  </p:cSld>
-  <p:clrMapOvr>
-    <a:masterClrMapping/>
-  </p:clrMapOvr>
-</p:sld>
-</file>
-
-<file path=ppt/slides/slide9.xml><?xml version="1.0" encoding="utf-8"?>
-<p:sld xmlns:a="http://schemas.openxmlformats.org/drawingml/2006/main" xmlns:r="http://schemas.openxmlformats.org/officeDocument/2006/relationships" xmlns:p="http://schemas.openxmlformats.org/presentationml/2006/main">
-  <p:cSld>
-    <p:spTree>
-      <p:nvGrpSpPr>
-        <p:cNvPr id="1" name=""/>
-        <p:cNvGrpSpPr/>
-        <p:nvPr/>
-      </p:nvGrpSpPr>
-      <p:grpSpPr>
-        <a:xfrm>
-          <a:off x="0" y="0"/>
-          <a:ext cx="0" cy="0"/>
-          <a:chOff x="0" y="0"/>
-          <a:chExt cx="0" cy="0"/>
-        </a:xfrm>
-      </p:grpSpPr>
-      <p:sp>
-        <p:nvSpPr>
-          <p:cNvPr id="2" name="Título 1">
-            <a:extLst>
-              <a:ext uri="{FF2B5EF4-FFF2-40B4-BE49-F238E27FC236}">
-                <a16:creationId xmlns:a16="http://schemas.microsoft.com/office/drawing/2014/main" id="{435950B8-3572-2171-184D-7CB447F81866}"/>
-              </a:ext>
-            </a:extLst>
-          </p:cNvPr>
-          <p:cNvSpPr>
-            <a:spLocks noGrp="1"/>
-          </p:cNvSpPr>
-          <p:nvPr>
-            <p:ph type="title"/>
-          </p:nvPr>
-        </p:nvSpPr>
-        <p:spPr>
-          <a:xfrm>
-            <a:off x="311700" y="445025"/>
-            <a:ext cx="8520600" cy="572700"/>
-          </a:xfrm>
-        </p:spPr>
-        <p:txBody>
-          <a:bodyPr wrap="square" anchor="ctr">
-            <a:normAutofit/>
-          </a:bodyPr>
-          <a:lstStyle/>
-          <a:p>
-            <a:pPr>
-              <a:lnSpc>
-                <a:spcPct val="90000"/>
-              </a:lnSpc>
-            </a:pPr>
-            <a:r>
-              <a:rPr lang="en-US" sz="2600"/>
-              <a:t>What was done in task [1.2]</a:t>
-            </a:r>
-            <a:endParaRPr lang="pt-PT" sz="2600"/>
-          </a:p>
-        </p:txBody>
-      </p:sp>
-      <p:sp>
-        <p:nvSpPr>
-          <p:cNvPr id="4" name="Slide Number Placeholder 3">
-            <a:extLst>
-              <a:ext uri="{FF2B5EF4-FFF2-40B4-BE49-F238E27FC236}">
-                <a16:creationId xmlns:a16="http://schemas.microsoft.com/office/drawing/2014/main" id="{EF6583C8-87CC-4DDC-5CE6-18034C27EBE7}"/>
-              </a:ext>
-            </a:extLst>
-          </p:cNvPr>
-          <p:cNvSpPr>
-            <a:spLocks noGrp="1"/>
-          </p:cNvSpPr>
-          <p:nvPr>
-            <p:ph type="sldNum" idx="12"/>
-          </p:nvPr>
-        </p:nvSpPr>
-        <p:spPr>
-          <a:xfrm>
-            <a:off x="8472458" y="4663217"/>
-            <a:ext cx="548700" cy="393600"/>
-          </a:xfrm>
-        </p:spPr>
-        <p:txBody>
-          <a:bodyPr wrap="square" anchor="ctr">
-            <a:normAutofit/>
-          </a:bodyPr>
-          <a:lstStyle/>
-          <a:p>
-            <a:pPr marL="0" lvl="0" indent="0" rtl="0">
-              <a:lnSpc>
-                <a:spcPct val="90000"/>
-              </a:lnSpc>
-              <a:spcBef>
-                <a:spcPts val="0"/>
-              </a:spcBef>
-              <a:spcAft>
-                <a:spcPts val="600"/>
-              </a:spcAft>
-              <a:buNone/>
-            </a:pPr>
-            <a:fld id="{00000000-1234-1234-1234-123412341234}" type="slidenum">
-              <a:rPr lang="en" sz="900" smtClean="0"/>
-              <a:pPr marL="0" lvl="0" indent="0" rtl="0">
-                <a:lnSpc>
-                  <a:spcPct val="90000"/>
-                </a:lnSpc>
-                <a:spcBef>
-                  <a:spcPts val="0"/>
-                </a:spcBef>
-                <a:spcAft>
-                  <a:spcPts val="600"/>
-                </a:spcAft>
-                <a:buNone/>
-              </a:pPr>
-              <a:t>9</a:t>
-            </a:fld>
-            <a:endParaRPr lang="en" sz="900"/>
-          </a:p>
-        </p:txBody>
-      </p:sp>
-      <p:graphicFrame>
-        <p:nvGraphicFramePr>
-          <p:cNvPr id="9" name="Marcador de Posição do Texto 6">
-            <a:extLst>
-              <a:ext uri="{FF2B5EF4-FFF2-40B4-BE49-F238E27FC236}">
-                <a16:creationId xmlns:a16="http://schemas.microsoft.com/office/drawing/2014/main" id="{5B5FDDFE-C925-F69E-4B7B-77EA7771CBB3}"/>
-              </a:ext>
-            </a:extLst>
-          </p:cNvPr>
-          <p:cNvGraphicFramePr/>
-          <p:nvPr>
-            <p:extLst>
-              <p:ext uri="{D42A27DB-BD31-4B8C-83A1-F6EECF244321}">
-                <p14:modId xmlns:p14="http://schemas.microsoft.com/office/powerpoint/2010/main" val="2096224779"/>
-              </p:ext>
-            </p:extLst>
-          </p:nvPr>
-        </p:nvGraphicFramePr>
-        <p:xfrm>
-          <a:off x="311700" y="1208225"/>
-          <a:ext cx="8520600" cy="3264408"/>
-        </p:xfrm>
-        <a:graphic>
-          <a:graphicData uri="http://schemas.openxmlformats.org/drawingml/2006/diagram">
-            <dgm:relIds xmlns:dgm="http://schemas.openxmlformats.org/drawingml/2006/diagram" xmlns:r="http://schemas.openxmlformats.org/officeDocument/2006/relationships" r:dm="rId2" r:lo="rId3" r:qs="rId4" r:cs="rId5"/>
-          </a:graphicData>
-        </a:graphic>
-      </p:graphicFrame>
-    </p:spTree>
-    <p:extLst>
-      <p:ext uri="{BB962C8B-B14F-4D97-AF65-F5344CB8AC3E}">
-        <p14:creationId xmlns:p14="http://schemas.microsoft.com/office/powerpoint/2010/main" val="1017707277"/>
+        <p14:creationId xmlns:p14="http://schemas.microsoft.com/office/powerpoint/2010/main" val="4255953336"/>
       </p:ext>
     </p:extLst>
   </p:cSld>

--- a/Slides.pptx
+++ b/Slides.pptx
@@ -5,7 +5,7 @@
     <p:sldMasterId id="2147483659" r:id="rId1"/>
   </p:sldMasterIdLst>
   <p:notesMasterIdLst>
-    <p:notesMasterId r:id="rId33"/>
+    <p:notesMasterId r:id="rId36"/>
   </p:notesMasterIdLst>
   <p:sldIdLst>
     <p:sldId id="256" r:id="rId2"/>
@@ -34,11 +34,14 @@
     <p:sldId id="287" r:id="rId25"/>
     <p:sldId id="288" r:id="rId26"/>
     <p:sldId id="289" r:id="rId27"/>
-    <p:sldId id="266" r:id="rId28"/>
-    <p:sldId id="267" r:id="rId29"/>
-    <p:sldId id="265" r:id="rId30"/>
-    <p:sldId id="261" r:id="rId31"/>
-    <p:sldId id="262" r:id="rId32"/>
+    <p:sldId id="290" r:id="rId28"/>
+    <p:sldId id="291" r:id="rId29"/>
+    <p:sldId id="293" r:id="rId30"/>
+    <p:sldId id="266" r:id="rId31"/>
+    <p:sldId id="267" r:id="rId32"/>
+    <p:sldId id="265" r:id="rId33"/>
+    <p:sldId id="261" r:id="rId34"/>
+    <p:sldId id="262" r:id="rId35"/>
   </p:sldIdLst>
   <p:sldSz cx="9144000" cy="5143500" type="screen16x9"/>
   <p:notesSz cx="6858000" cy="9144000"/>
@@ -320,6 +323,13 @@
             <p14:sldId id="289"/>
           </p14:sldIdLst>
         </p14:section>
+        <p14:section name="3.1" id="{4A28E1D6-F7ED-4E38-A664-C8D416039B14}">
+          <p14:sldIdLst>
+            <p14:sldId id="290"/>
+            <p14:sldId id="291"/>
+            <p14:sldId id="293"/>
+          </p14:sldIdLst>
+        </p14:section>
         <p14:section name="Code demo" id="{776B67A1-757B-2B47-BA2D-77C31DDC225F}">
           <p14:sldIdLst>
             <p14:sldId id="266"/>
@@ -6442,6 +6452,753 @@
 </dgm:colorsDef>
 </file>
 
+<file path=ppt/diagrams/colors9.xml><?xml version="1.0" encoding="utf-8"?>
+<dgm:colorsDef xmlns:dgm="http://schemas.openxmlformats.org/drawingml/2006/diagram" xmlns:a="http://schemas.openxmlformats.org/drawingml/2006/main" uniqueId="urn:microsoft.com/office/officeart/2005/8/colors/accent3_2">
+  <dgm:title val=""/>
+  <dgm:desc val=""/>
+  <dgm:catLst>
+    <dgm:cat type="accent3" pri="11200"/>
+  </dgm:catLst>
+  <dgm:styleLbl name="node0">
+    <dgm:fillClrLst meth="repeat">
+      <a:schemeClr val="accent3"/>
+    </dgm:fillClrLst>
+    <dgm:linClrLst meth="repeat">
+      <a:schemeClr val="lt1"/>
+    </dgm:linClrLst>
+    <dgm:effectClrLst/>
+    <dgm:txLinClrLst/>
+    <dgm:txFillClrLst/>
+    <dgm:txEffectClrLst/>
+  </dgm:styleLbl>
+  <dgm:styleLbl name="node1">
+    <dgm:fillClrLst meth="repeat">
+      <a:schemeClr val="accent3"/>
+    </dgm:fillClrLst>
+    <dgm:linClrLst meth="repeat">
+      <a:schemeClr val="lt1"/>
+    </dgm:linClrLst>
+    <dgm:effectClrLst/>
+    <dgm:txLinClrLst/>
+    <dgm:txFillClrLst/>
+    <dgm:txEffectClrLst/>
+  </dgm:styleLbl>
+  <dgm:styleLbl name="alignNode1">
+    <dgm:fillClrLst meth="repeat">
+      <a:schemeClr val="accent3"/>
+    </dgm:fillClrLst>
+    <dgm:linClrLst meth="repeat">
+      <a:schemeClr val="accent3"/>
+    </dgm:linClrLst>
+    <dgm:effectClrLst/>
+    <dgm:txLinClrLst/>
+    <dgm:txFillClrLst/>
+    <dgm:txEffectClrLst/>
+  </dgm:styleLbl>
+  <dgm:styleLbl name="lnNode1">
+    <dgm:fillClrLst meth="repeat">
+      <a:schemeClr val="accent3"/>
+    </dgm:fillClrLst>
+    <dgm:linClrLst meth="repeat">
+      <a:schemeClr val="lt1"/>
+    </dgm:linClrLst>
+    <dgm:effectClrLst/>
+    <dgm:txLinClrLst/>
+    <dgm:txFillClrLst/>
+    <dgm:txEffectClrLst/>
+  </dgm:styleLbl>
+  <dgm:styleLbl name="vennNode1">
+    <dgm:fillClrLst meth="repeat">
+      <a:schemeClr val="accent3">
+        <a:alpha val="50000"/>
+      </a:schemeClr>
+    </dgm:fillClrLst>
+    <dgm:linClrLst meth="repeat">
+      <a:schemeClr val="lt1"/>
+    </dgm:linClrLst>
+    <dgm:effectClrLst/>
+    <dgm:txLinClrLst/>
+    <dgm:txFillClrLst/>
+    <dgm:txEffectClrLst/>
+  </dgm:styleLbl>
+  <dgm:styleLbl name="node2">
+    <dgm:fillClrLst meth="repeat">
+      <a:schemeClr val="accent3"/>
+    </dgm:fillClrLst>
+    <dgm:linClrLst meth="repeat">
+      <a:schemeClr val="lt1"/>
+    </dgm:linClrLst>
+    <dgm:effectClrLst/>
+    <dgm:txLinClrLst/>
+    <dgm:txFillClrLst/>
+    <dgm:txEffectClrLst/>
+  </dgm:styleLbl>
+  <dgm:styleLbl name="node3">
+    <dgm:fillClrLst meth="repeat">
+      <a:schemeClr val="accent3"/>
+    </dgm:fillClrLst>
+    <dgm:linClrLst meth="repeat">
+      <a:schemeClr val="lt1"/>
+    </dgm:linClrLst>
+    <dgm:effectClrLst/>
+    <dgm:txLinClrLst/>
+    <dgm:txFillClrLst/>
+    <dgm:txEffectClrLst/>
+  </dgm:styleLbl>
+  <dgm:styleLbl name="node4">
+    <dgm:fillClrLst meth="repeat">
+      <a:schemeClr val="accent3"/>
+    </dgm:fillClrLst>
+    <dgm:linClrLst meth="repeat">
+      <a:schemeClr val="lt1"/>
+    </dgm:linClrLst>
+    <dgm:effectClrLst/>
+    <dgm:txLinClrLst/>
+    <dgm:txFillClrLst/>
+    <dgm:txEffectClrLst/>
+  </dgm:styleLbl>
+  <dgm:styleLbl name="fgImgPlace1">
+    <dgm:fillClrLst meth="repeat">
+      <a:schemeClr val="accent3">
+        <a:tint val="50000"/>
+      </a:schemeClr>
+    </dgm:fillClrLst>
+    <dgm:linClrLst meth="repeat">
+      <a:schemeClr val="lt1"/>
+    </dgm:linClrLst>
+    <dgm:effectClrLst/>
+    <dgm:txLinClrLst/>
+    <dgm:txFillClrLst meth="repeat">
+      <a:schemeClr val="lt1"/>
+    </dgm:txFillClrLst>
+    <dgm:txEffectClrLst/>
+  </dgm:styleLbl>
+  <dgm:styleLbl name="alignImgPlace1">
+    <dgm:fillClrLst meth="repeat">
+      <a:schemeClr val="accent3">
+        <a:tint val="50000"/>
+      </a:schemeClr>
+    </dgm:fillClrLst>
+    <dgm:linClrLst meth="repeat">
+      <a:schemeClr val="lt1"/>
+    </dgm:linClrLst>
+    <dgm:effectClrLst/>
+    <dgm:txLinClrLst/>
+    <dgm:txFillClrLst meth="repeat">
+      <a:schemeClr val="lt1"/>
+    </dgm:txFillClrLst>
+    <dgm:txEffectClrLst/>
+  </dgm:styleLbl>
+  <dgm:styleLbl name="bgImgPlace1">
+    <dgm:fillClrLst meth="repeat">
+      <a:schemeClr val="accent3">
+        <a:tint val="50000"/>
+      </a:schemeClr>
+    </dgm:fillClrLst>
+    <dgm:linClrLst meth="repeat">
+      <a:schemeClr val="lt1"/>
+    </dgm:linClrLst>
+    <dgm:effectClrLst/>
+    <dgm:txLinClrLst/>
+    <dgm:txFillClrLst meth="repeat">
+      <a:schemeClr val="lt1"/>
+    </dgm:txFillClrLst>
+    <dgm:txEffectClrLst/>
+  </dgm:styleLbl>
+  <dgm:styleLbl name="sibTrans2D1">
+    <dgm:fillClrLst meth="repeat">
+      <a:schemeClr val="accent3">
+        <a:tint val="60000"/>
+      </a:schemeClr>
+    </dgm:fillClrLst>
+    <dgm:linClrLst meth="repeat">
+      <a:schemeClr val="accent3">
+        <a:tint val="60000"/>
+      </a:schemeClr>
+    </dgm:linClrLst>
+    <dgm:effectClrLst/>
+    <dgm:txLinClrLst/>
+    <dgm:txFillClrLst/>
+    <dgm:txEffectClrLst/>
+  </dgm:styleLbl>
+  <dgm:styleLbl name="fgSibTrans2D1">
+    <dgm:fillClrLst meth="repeat">
+      <a:schemeClr val="accent3">
+        <a:tint val="60000"/>
+      </a:schemeClr>
+    </dgm:fillClrLst>
+    <dgm:linClrLst meth="repeat">
+      <a:schemeClr val="accent3">
+        <a:tint val="60000"/>
+      </a:schemeClr>
+    </dgm:linClrLst>
+    <dgm:effectClrLst/>
+    <dgm:txLinClrLst/>
+    <dgm:txFillClrLst/>
+    <dgm:txEffectClrLst/>
+  </dgm:styleLbl>
+  <dgm:styleLbl name="bgSibTrans2D1">
+    <dgm:fillClrLst meth="repeat">
+      <a:schemeClr val="accent3">
+        <a:tint val="60000"/>
+      </a:schemeClr>
+    </dgm:fillClrLst>
+    <dgm:linClrLst meth="repeat">
+      <a:schemeClr val="accent3">
+        <a:tint val="60000"/>
+      </a:schemeClr>
+    </dgm:linClrLst>
+    <dgm:effectClrLst/>
+    <dgm:txLinClrLst/>
+    <dgm:txFillClrLst/>
+    <dgm:txEffectClrLst/>
+  </dgm:styleLbl>
+  <dgm:styleLbl name="sibTrans1D1">
+    <dgm:fillClrLst meth="repeat">
+      <a:schemeClr val="accent3"/>
+    </dgm:fillClrLst>
+    <dgm:linClrLst meth="repeat">
+      <a:schemeClr val="accent3"/>
+    </dgm:linClrLst>
+    <dgm:effectClrLst/>
+    <dgm:txLinClrLst/>
+    <dgm:txFillClrLst meth="repeat">
+      <a:schemeClr val="tx1"/>
+    </dgm:txFillClrLst>
+    <dgm:txEffectClrLst/>
+  </dgm:styleLbl>
+  <dgm:styleLbl name="callout">
+    <dgm:fillClrLst meth="repeat">
+      <a:schemeClr val="accent3"/>
+    </dgm:fillClrLst>
+    <dgm:linClrLst meth="repeat">
+      <a:schemeClr val="accent3">
+        <a:tint val="50000"/>
+      </a:schemeClr>
+    </dgm:linClrLst>
+    <dgm:effectClrLst/>
+    <dgm:txLinClrLst/>
+    <dgm:txFillClrLst meth="repeat">
+      <a:schemeClr val="tx1"/>
+    </dgm:txFillClrLst>
+    <dgm:txEffectClrLst/>
+  </dgm:styleLbl>
+  <dgm:styleLbl name="asst0">
+    <dgm:fillClrLst meth="repeat">
+      <a:schemeClr val="accent3"/>
+    </dgm:fillClrLst>
+    <dgm:linClrLst meth="repeat">
+      <a:schemeClr val="lt1"/>
+    </dgm:linClrLst>
+    <dgm:effectClrLst/>
+    <dgm:txLinClrLst/>
+    <dgm:txFillClrLst/>
+    <dgm:txEffectClrLst/>
+  </dgm:styleLbl>
+  <dgm:styleLbl name="asst1">
+    <dgm:fillClrLst meth="repeat">
+      <a:schemeClr val="accent3"/>
+    </dgm:fillClrLst>
+    <dgm:linClrLst meth="repeat">
+      <a:schemeClr val="lt1"/>
+    </dgm:linClrLst>
+    <dgm:effectClrLst/>
+    <dgm:txLinClrLst/>
+    <dgm:txFillClrLst/>
+    <dgm:txEffectClrLst/>
+  </dgm:styleLbl>
+  <dgm:styleLbl name="asst2">
+    <dgm:fillClrLst meth="repeat">
+      <a:schemeClr val="accent3"/>
+    </dgm:fillClrLst>
+    <dgm:linClrLst meth="repeat">
+      <a:schemeClr val="lt1"/>
+    </dgm:linClrLst>
+    <dgm:effectClrLst/>
+    <dgm:txLinClrLst/>
+    <dgm:txFillClrLst/>
+    <dgm:txEffectClrLst/>
+  </dgm:styleLbl>
+  <dgm:styleLbl name="asst3">
+    <dgm:fillClrLst meth="repeat">
+      <a:schemeClr val="accent3"/>
+    </dgm:fillClrLst>
+    <dgm:linClrLst meth="repeat">
+      <a:schemeClr val="lt1"/>
+    </dgm:linClrLst>
+    <dgm:effectClrLst/>
+    <dgm:txLinClrLst/>
+    <dgm:txFillClrLst/>
+    <dgm:txEffectClrLst/>
+  </dgm:styleLbl>
+  <dgm:styleLbl name="asst4">
+    <dgm:fillClrLst meth="repeat">
+      <a:schemeClr val="accent3"/>
+    </dgm:fillClrLst>
+    <dgm:linClrLst meth="repeat">
+      <a:schemeClr val="lt1"/>
+    </dgm:linClrLst>
+    <dgm:effectClrLst/>
+    <dgm:txLinClrLst/>
+    <dgm:txFillClrLst/>
+    <dgm:txEffectClrLst/>
+  </dgm:styleLbl>
+  <dgm:styleLbl name="parChTrans2D1">
+    <dgm:fillClrLst meth="repeat">
+      <a:schemeClr val="accent3">
+        <a:tint val="60000"/>
+      </a:schemeClr>
+    </dgm:fillClrLst>
+    <dgm:linClrLst meth="repeat">
+      <a:schemeClr val="accent3">
+        <a:tint val="60000"/>
+      </a:schemeClr>
+    </dgm:linClrLst>
+    <dgm:effectClrLst/>
+    <dgm:txLinClrLst/>
+    <dgm:txFillClrLst meth="repeat">
+      <a:schemeClr val="lt1"/>
+    </dgm:txFillClrLst>
+    <dgm:txEffectClrLst/>
+  </dgm:styleLbl>
+  <dgm:styleLbl name="parChTrans2D2">
+    <dgm:fillClrLst meth="repeat">
+      <a:schemeClr val="accent3"/>
+    </dgm:fillClrLst>
+    <dgm:linClrLst meth="repeat">
+      <a:schemeClr val="accent3"/>
+    </dgm:linClrLst>
+    <dgm:effectClrLst/>
+    <dgm:txLinClrLst/>
+    <dgm:txFillClrLst meth="repeat">
+      <a:schemeClr val="lt1"/>
+    </dgm:txFillClrLst>
+    <dgm:txEffectClrLst/>
+  </dgm:styleLbl>
+  <dgm:styleLbl name="parChTrans2D3">
+    <dgm:fillClrLst meth="repeat">
+      <a:schemeClr val="accent3"/>
+    </dgm:fillClrLst>
+    <dgm:linClrLst meth="repeat">
+      <a:schemeClr val="accent3"/>
+    </dgm:linClrLst>
+    <dgm:effectClrLst/>
+    <dgm:txLinClrLst/>
+    <dgm:txFillClrLst meth="repeat">
+      <a:schemeClr val="lt1"/>
+    </dgm:txFillClrLst>
+    <dgm:txEffectClrLst/>
+  </dgm:styleLbl>
+  <dgm:styleLbl name="parChTrans2D4">
+    <dgm:fillClrLst meth="repeat">
+      <a:schemeClr val="accent3"/>
+    </dgm:fillClrLst>
+    <dgm:linClrLst meth="repeat">
+      <a:schemeClr val="accent3"/>
+    </dgm:linClrLst>
+    <dgm:effectClrLst/>
+    <dgm:txLinClrLst/>
+    <dgm:txFillClrLst meth="repeat">
+      <a:schemeClr val="lt1"/>
+    </dgm:txFillClrLst>
+    <dgm:txEffectClrLst/>
+  </dgm:styleLbl>
+  <dgm:styleLbl name="parChTrans1D1">
+    <dgm:fillClrLst meth="repeat">
+      <a:schemeClr val="accent3"/>
+    </dgm:fillClrLst>
+    <dgm:linClrLst meth="repeat">
+      <a:schemeClr val="accent3">
+        <a:shade val="60000"/>
+      </a:schemeClr>
+    </dgm:linClrLst>
+    <dgm:effectClrLst/>
+    <dgm:txLinClrLst/>
+    <dgm:txFillClrLst meth="repeat">
+      <a:schemeClr val="tx1"/>
+    </dgm:txFillClrLst>
+    <dgm:txEffectClrLst/>
+  </dgm:styleLbl>
+  <dgm:styleLbl name="parChTrans1D2">
+    <dgm:fillClrLst meth="repeat">
+      <a:schemeClr val="accent3"/>
+    </dgm:fillClrLst>
+    <dgm:linClrLst meth="repeat">
+      <a:schemeClr val="accent3">
+        <a:shade val="60000"/>
+      </a:schemeClr>
+    </dgm:linClrLst>
+    <dgm:effectClrLst/>
+    <dgm:txLinClrLst/>
+    <dgm:txFillClrLst meth="repeat">
+      <a:schemeClr val="tx1"/>
+    </dgm:txFillClrLst>
+    <dgm:txEffectClrLst/>
+  </dgm:styleLbl>
+  <dgm:styleLbl name="parChTrans1D3">
+    <dgm:fillClrLst meth="repeat">
+      <a:schemeClr val="accent3"/>
+    </dgm:fillClrLst>
+    <dgm:linClrLst meth="repeat">
+      <a:schemeClr val="accent3">
+        <a:shade val="80000"/>
+      </a:schemeClr>
+    </dgm:linClrLst>
+    <dgm:effectClrLst/>
+    <dgm:txLinClrLst/>
+    <dgm:txFillClrLst meth="repeat">
+      <a:schemeClr val="tx1"/>
+    </dgm:txFillClrLst>
+    <dgm:txEffectClrLst/>
+  </dgm:styleLbl>
+  <dgm:styleLbl name="parChTrans1D4">
+    <dgm:fillClrLst meth="repeat">
+      <a:schemeClr val="accent3"/>
+    </dgm:fillClrLst>
+    <dgm:linClrLst meth="repeat">
+      <a:schemeClr val="accent3">
+        <a:shade val="80000"/>
+      </a:schemeClr>
+    </dgm:linClrLst>
+    <dgm:effectClrLst/>
+    <dgm:txLinClrLst/>
+    <dgm:txFillClrLst meth="repeat">
+      <a:schemeClr val="tx1"/>
+    </dgm:txFillClrLst>
+    <dgm:txEffectClrLst/>
+  </dgm:styleLbl>
+  <dgm:styleLbl name="fgAcc1">
+    <dgm:fillClrLst meth="repeat">
+      <a:schemeClr val="lt1">
+        <a:alpha val="90000"/>
+      </a:schemeClr>
+    </dgm:fillClrLst>
+    <dgm:linClrLst meth="repeat">
+      <a:schemeClr val="accent3"/>
+    </dgm:linClrLst>
+    <dgm:effectClrLst/>
+    <dgm:txLinClrLst/>
+    <dgm:txFillClrLst meth="repeat">
+      <a:schemeClr val="dk1"/>
+    </dgm:txFillClrLst>
+    <dgm:txEffectClrLst/>
+  </dgm:styleLbl>
+  <dgm:styleLbl name="conFgAcc1">
+    <dgm:fillClrLst meth="repeat">
+      <a:schemeClr val="lt1">
+        <a:alpha val="90000"/>
+      </a:schemeClr>
+    </dgm:fillClrLst>
+    <dgm:linClrLst meth="repeat">
+      <a:schemeClr val="accent3"/>
+    </dgm:linClrLst>
+    <dgm:effectClrLst/>
+    <dgm:txLinClrLst/>
+    <dgm:txFillClrLst meth="repeat">
+      <a:schemeClr val="dk1"/>
+    </dgm:txFillClrLst>
+    <dgm:txEffectClrLst/>
+  </dgm:styleLbl>
+  <dgm:styleLbl name="alignAcc1">
+    <dgm:fillClrLst meth="repeat">
+      <a:schemeClr val="lt1">
+        <a:alpha val="90000"/>
+      </a:schemeClr>
+    </dgm:fillClrLst>
+    <dgm:linClrLst meth="repeat">
+      <a:schemeClr val="accent3"/>
+    </dgm:linClrLst>
+    <dgm:effectClrLst/>
+    <dgm:txLinClrLst/>
+    <dgm:txFillClrLst meth="repeat">
+      <a:schemeClr val="dk1"/>
+    </dgm:txFillClrLst>
+    <dgm:txEffectClrLst/>
+  </dgm:styleLbl>
+  <dgm:styleLbl name="trAlignAcc1">
+    <dgm:fillClrLst meth="repeat">
+      <a:schemeClr val="lt1">
+        <a:alpha val="40000"/>
+      </a:schemeClr>
+    </dgm:fillClrLst>
+    <dgm:linClrLst meth="repeat">
+      <a:schemeClr val="accent3"/>
+    </dgm:linClrLst>
+    <dgm:effectClrLst/>
+    <dgm:txLinClrLst/>
+    <dgm:txFillClrLst meth="repeat">
+      <a:schemeClr val="dk1"/>
+    </dgm:txFillClrLst>
+    <dgm:txEffectClrLst/>
+  </dgm:styleLbl>
+  <dgm:styleLbl name="bgAcc1">
+    <dgm:fillClrLst meth="repeat">
+      <a:schemeClr val="lt1">
+        <a:alpha val="90000"/>
+      </a:schemeClr>
+    </dgm:fillClrLst>
+    <dgm:linClrLst meth="repeat">
+      <a:schemeClr val="accent3"/>
+    </dgm:linClrLst>
+    <dgm:effectClrLst/>
+    <dgm:txLinClrLst/>
+    <dgm:txFillClrLst meth="repeat">
+      <a:schemeClr val="dk1"/>
+    </dgm:txFillClrLst>
+    <dgm:txEffectClrLst/>
+  </dgm:styleLbl>
+  <dgm:styleLbl name="solidFgAcc1">
+    <dgm:fillClrLst meth="repeat">
+      <a:schemeClr val="lt1"/>
+    </dgm:fillClrLst>
+    <dgm:linClrLst meth="repeat">
+      <a:schemeClr val="accent3"/>
+    </dgm:linClrLst>
+    <dgm:effectClrLst/>
+    <dgm:txLinClrLst/>
+    <dgm:txFillClrLst meth="repeat">
+      <a:schemeClr val="dk1"/>
+    </dgm:txFillClrLst>
+    <dgm:txEffectClrLst/>
+  </dgm:styleLbl>
+  <dgm:styleLbl name="solidAlignAcc1">
+    <dgm:fillClrLst meth="repeat">
+      <a:schemeClr val="lt1"/>
+    </dgm:fillClrLst>
+    <dgm:linClrLst meth="repeat">
+      <a:schemeClr val="accent3"/>
+    </dgm:linClrLst>
+    <dgm:effectClrLst/>
+    <dgm:txLinClrLst/>
+    <dgm:txFillClrLst meth="repeat">
+      <a:schemeClr val="dk1"/>
+    </dgm:txFillClrLst>
+    <dgm:txEffectClrLst/>
+  </dgm:styleLbl>
+  <dgm:styleLbl name="solidBgAcc1">
+    <dgm:fillClrLst meth="repeat">
+      <a:schemeClr val="lt1"/>
+    </dgm:fillClrLst>
+    <dgm:linClrLst meth="repeat">
+      <a:schemeClr val="accent3"/>
+    </dgm:linClrLst>
+    <dgm:effectClrLst/>
+    <dgm:txLinClrLst/>
+    <dgm:txFillClrLst meth="repeat">
+      <a:schemeClr val="dk1"/>
+    </dgm:txFillClrLst>
+    <dgm:txEffectClrLst/>
+  </dgm:styleLbl>
+  <dgm:styleLbl name="fgAccFollowNode1">
+    <dgm:fillClrLst meth="repeat">
+      <a:schemeClr val="accent3">
+        <a:alpha val="90000"/>
+        <a:tint val="40000"/>
+      </a:schemeClr>
+    </dgm:fillClrLst>
+    <dgm:linClrLst meth="repeat">
+      <a:schemeClr val="accent3">
+        <a:alpha val="90000"/>
+        <a:tint val="40000"/>
+      </a:schemeClr>
+    </dgm:linClrLst>
+    <dgm:effectClrLst/>
+    <dgm:txLinClrLst/>
+    <dgm:txFillClrLst meth="repeat">
+      <a:schemeClr val="dk1"/>
+    </dgm:txFillClrLst>
+    <dgm:txEffectClrLst/>
+  </dgm:styleLbl>
+  <dgm:styleLbl name="alignAccFollowNode1">
+    <dgm:fillClrLst meth="repeat">
+      <a:schemeClr val="accent3">
+        <a:alpha val="90000"/>
+        <a:tint val="40000"/>
+      </a:schemeClr>
+    </dgm:fillClrLst>
+    <dgm:linClrLst meth="repeat">
+      <a:schemeClr val="accent3">
+        <a:alpha val="90000"/>
+        <a:tint val="40000"/>
+      </a:schemeClr>
+    </dgm:linClrLst>
+    <dgm:effectClrLst/>
+    <dgm:txLinClrLst/>
+    <dgm:txFillClrLst meth="repeat">
+      <a:schemeClr val="dk1"/>
+    </dgm:txFillClrLst>
+    <dgm:txEffectClrLst/>
+  </dgm:styleLbl>
+  <dgm:styleLbl name="bgAccFollowNode1">
+    <dgm:fillClrLst meth="repeat">
+      <a:schemeClr val="accent3">
+        <a:alpha val="90000"/>
+        <a:tint val="40000"/>
+      </a:schemeClr>
+    </dgm:fillClrLst>
+    <dgm:linClrLst meth="repeat">
+      <a:schemeClr val="accent3">
+        <a:alpha val="90000"/>
+        <a:tint val="40000"/>
+      </a:schemeClr>
+    </dgm:linClrLst>
+    <dgm:effectClrLst/>
+    <dgm:txLinClrLst/>
+    <dgm:txFillClrLst meth="repeat">
+      <a:schemeClr val="dk1"/>
+    </dgm:txFillClrLst>
+    <dgm:txEffectClrLst/>
+  </dgm:styleLbl>
+  <dgm:styleLbl name="fgAcc0">
+    <dgm:fillClrLst meth="repeat">
+      <a:schemeClr val="lt1">
+        <a:alpha val="90000"/>
+      </a:schemeClr>
+    </dgm:fillClrLst>
+    <dgm:linClrLst meth="repeat">
+      <a:schemeClr val="accent3"/>
+    </dgm:linClrLst>
+    <dgm:effectClrLst/>
+    <dgm:txLinClrLst/>
+    <dgm:txFillClrLst meth="repeat">
+      <a:schemeClr val="dk1"/>
+    </dgm:txFillClrLst>
+    <dgm:txEffectClrLst/>
+  </dgm:styleLbl>
+  <dgm:styleLbl name="fgAcc2">
+    <dgm:fillClrLst meth="repeat">
+      <a:schemeClr val="lt1">
+        <a:alpha val="90000"/>
+      </a:schemeClr>
+    </dgm:fillClrLst>
+    <dgm:linClrLst meth="repeat">
+      <a:schemeClr val="accent3"/>
+    </dgm:linClrLst>
+    <dgm:effectClrLst/>
+    <dgm:txLinClrLst/>
+    <dgm:txFillClrLst meth="repeat">
+      <a:schemeClr val="dk1"/>
+    </dgm:txFillClrLst>
+    <dgm:txEffectClrLst/>
+  </dgm:styleLbl>
+  <dgm:styleLbl name="fgAcc3">
+    <dgm:fillClrLst meth="repeat">
+      <a:schemeClr val="lt1">
+        <a:alpha val="90000"/>
+      </a:schemeClr>
+    </dgm:fillClrLst>
+    <dgm:linClrLst meth="repeat">
+      <a:schemeClr val="accent3"/>
+    </dgm:linClrLst>
+    <dgm:effectClrLst/>
+    <dgm:txLinClrLst/>
+    <dgm:txFillClrLst meth="repeat">
+      <a:schemeClr val="dk1"/>
+    </dgm:txFillClrLst>
+    <dgm:txEffectClrLst/>
+  </dgm:styleLbl>
+  <dgm:styleLbl name="fgAcc4">
+    <dgm:fillClrLst meth="repeat">
+      <a:schemeClr val="lt1">
+        <a:alpha val="90000"/>
+      </a:schemeClr>
+    </dgm:fillClrLst>
+    <dgm:linClrLst meth="repeat">
+      <a:schemeClr val="accent3"/>
+    </dgm:linClrLst>
+    <dgm:effectClrLst/>
+    <dgm:txLinClrLst/>
+    <dgm:txFillClrLst meth="repeat">
+      <a:schemeClr val="dk1"/>
+    </dgm:txFillClrLst>
+    <dgm:txEffectClrLst/>
+  </dgm:styleLbl>
+  <dgm:styleLbl name="bgShp">
+    <dgm:fillClrLst meth="repeat">
+      <a:schemeClr val="accent3">
+        <a:tint val="40000"/>
+      </a:schemeClr>
+    </dgm:fillClrLst>
+    <dgm:linClrLst meth="repeat">
+      <a:schemeClr val="accent3"/>
+    </dgm:linClrLst>
+    <dgm:effectClrLst/>
+    <dgm:txLinClrLst/>
+    <dgm:txFillClrLst meth="repeat">
+      <a:schemeClr val="dk1"/>
+    </dgm:txFillClrLst>
+    <dgm:txEffectClrLst/>
+  </dgm:styleLbl>
+  <dgm:styleLbl name="dkBgShp">
+    <dgm:fillClrLst meth="repeat">
+      <a:schemeClr val="accent3">
+        <a:shade val="80000"/>
+      </a:schemeClr>
+    </dgm:fillClrLst>
+    <dgm:linClrLst meth="repeat">
+      <a:schemeClr val="accent3"/>
+    </dgm:linClrLst>
+    <dgm:effectClrLst/>
+    <dgm:txLinClrLst/>
+    <dgm:txFillClrLst meth="repeat">
+      <a:schemeClr val="lt1"/>
+    </dgm:txFillClrLst>
+    <dgm:txEffectClrLst/>
+  </dgm:styleLbl>
+  <dgm:styleLbl name="trBgShp">
+    <dgm:fillClrLst meth="repeat">
+      <a:schemeClr val="accent3">
+        <a:tint val="50000"/>
+        <a:alpha val="40000"/>
+      </a:schemeClr>
+    </dgm:fillClrLst>
+    <dgm:linClrLst meth="repeat">
+      <a:schemeClr val="accent3"/>
+    </dgm:linClrLst>
+    <dgm:effectClrLst/>
+    <dgm:txLinClrLst/>
+    <dgm:txFillClrLst meth="repeat">
+      <a:schemeClr val="lt1"/>
+    </dgm:txFillClrLst>
+    <dgm:txEffectClrLst/>
+  </dgm:styleLbl>
+  <dgm:styleLbl name="fgShp">
+    <dgm:fillClrLst meth="repeat">
+      <a:schemeClr val="accent3">
+        <a:tint val="60000"/>
+      </a:schemeClr>
+    </dgm:fillClrLst>
+    <dgm:linClrLst meth="repeat">
+      <a:schemeClr val="lt1"/>
+    </dgm:linClrLst>
+    <dgm:effectClrLst/>
+    <dgm:txLinClrLst/>
+    <dgm:txFillClrLst meth="repeat">
+      <a:schemeClr val="dk1"/>
+    </dgm:txFillClrLst>
+    <dgm:txEffectClrLst/>
+  </dgm:styleLbl>
+  <dgm:styleLbl name="revTx">
+    <dgm:fillClrLst meth="repeat">
+      <a:schemeClr val="lt1">
+        <a:alpha val="0"/>
+      </a:schemeClr>
+    </dgm:fillClrLst>
+    <dgm:linClrLst meth="repeat">
+      <a:schemeClr val="dk1">
+        <a:alpha val="0"/>
+      </a:schemeClr>
+    </dgm:linClrLst>
+    <dgm:effectClrLst/>
+    <dgm:txLinClrLst/>
+    <dgm:txFillClrLst meth="repeat">
+      <a:schemeClr val="tx1"/>
+    </dgm:txFillClrLst>
+    <dgm:txEffectClrLst/>
+  </dgm:styleLbl>
+</dgm:colorsDef>
+</file>
+
 <file path=ppt/diagrams/data1.xml><?xml version="1.0" encoding="utf-8"?>
 <dgm:dataModel xmlns:dgm="http://schemas.openxmlformats.org/drawingml/2006/diagram" xmlns:a="http://schemas.openxmlformats.org/drawingml/2006/main">
   <dgm:ptLst>
@@ -13931,6 +14688,1082 @@
 </dgm:dataModel>
 </file>
 
+<file path=ppt/diagrams/data9.xml><?xml version="1.0" encoding="utf-8"?>
+<dgm:dataModel xmlns:dgm="http://schemas.openxmlformats.org/drawingml/2006/diagram" xmlns:a="http://schemas.openxmlformats.org/drawingml/2006/main">
+  <dgm:ptLst>
+    <dgm:pt modelId="{6FCAD634-4B69-4BC2-8C9F-DACC6AFCE68C}" type="doc">
+      <dgm:prSet loTypeId="urn:microsoft.com/office/officeart/2008/layout/LinedList" loCatId="list" qsTypeId="urn:microsoft.com/office/officeart/2005/8/quickstyle/simple2" qsCatId="simple" csTypeId="urn:microsoft.com/office/officeart/2005/8/colors/accent3_2" csCatId="accent3" phldr="1"/>
+      <dgm:spPr/>
+      <dgm:t>
+        <a:bodyPr/>
+        <a:lstStyle/>
+        <a:p>
+          <a:endParaRPr lang="en-US"/>
+        </a:p>
+      </dgm:t>
+    </dgm:pt>
+    <dgm:pt modelId="{3E2D213F-E3F6-4FB8-9E01-C0C450F1B131}">
+      <dgm:prSet/>
+      <dgm:spPr/>
+      <dgm:t>
+        <a:bodyPr/>
+        <a:lstStyle/>
+        <a:p>
+          <a:r>
+            <a:rPr lang="pt-PT"/>
+            <a:t>1. Data Preparation</a:t>
+          </a:r>
+          <a:endParaRPr lang="en-US"/>
+        </a:p>
+      </dgm:t>
+    </dgm:pt>
+    <dgm:pt modelId="{7BFE1A8E-4341-4EFB-98DC-DCB3DFBB3082}" type="parTrans" cxnId="{18D973E4-0B01-4DC9-AAF4-212D98A31BE0}">
+      <dgm:prSet/>
+      <dgm:spPr/>
+      <dgm:t>
+        <a:bodyPr/>
+        <a:lstStyle/>
+        <a:p>
+          <a:endParaRPr lang="en-US"/>
+        </a:p>
+      </dgm:t>
+    </dgm:pt>
+    <dgm:pt modelId="{832EC01F-1011-4569-AE57-ACBEAE1D0050}" type="sibTrans" cxnId="{18D973E4-0B01-4DC9-AAF4-212D98A31BE0}">
+      <dgm:prSet/>
+      <dgm:spPr/>
+      <dgm:t>
+        <a:bodyPr/>
+        <a:lstStyle/>
+        <a:p>
+          <a:endParaRPr lang="en-US"/>
+        </a:p>
+      </dgm:t>
+    </dgm:pt>
+    <dgm:pt modelId="{AA15DA94-4376-4EDE-A5A9-6345B6D2FB9E}">
+      <dgm:prSet/>
+      <dgm:spPr/>
+      <dgm:t>
+        <a:bodyPr/>
+        <a:lstStyle/>
+        <a:p>
+          <a:r>
+            <a:rPr lang="pt-PT"/>
+            <a:t>- Load original dataset with missing values</a:t>
+          </a:r>
+          <a:endParaRPr lang="en-US"/>
+        </a:p>
+      </dgm:t>
+    </dgm:pt>
+    <dgm:pt modelId="{EAAD7761-5F0F-412D-8FEE-16361FB3B7CC}" type="parTrans" cxnId="{7C8AD646-148F-440B-A363-B72BED01BE8D}">
+      <dgm:prSet/>
+      <dgm:spPr/>
+      <dgm:t>
+        <a:bodyPr/>
+        <a:lstStyle/>
+        <a:p>
+          <a:endParaRPr lang="en-US"/>
+        </a:p>
+      </dgm:t>
+    </dgm:pt>
+    <dgm:pt modelId="{296C883D-A3CC-49DD-A8CD-73E0C0C77E24}" type="sibTrans" cxnId="{7C8AD646-148F-440B-A363-B72BED01BE8D}">
+      <dgm:prSet/>
+      <dgm:spPr/>
+      <dgm:t>
+        <a:bodyPr/>
+        <a:lstStyle/>
+        <a:p>
+          <a:endParaRPr lang="en-US"/>
+        </a:p>
+      </dgm:t>
+    </dgm:pt>
+    <dgm:pt modelId="{EBA12DE1-F32E-4E1C-B7C6-1E45196AAC8C}">
+      <dgm:prSet/>
+      <dgm:spPr/>
+      <dgm:t>
+        <a:bodyPr/>
+        <a:lstStyle/>
+        <a:p>
+          <a:r>
+            <a:rPr lang="pt-PT"/>
+            <a:t>- Analyze missing value patterns</a:t>
+          </a:r>
+          <a:endParaRPr lang="en-US"/>
+        </a:p>
+      </dgm:t>
+    </dgm:pt>
+    <dgm:pt modelId="{498508F5-5778-4C3C-8F86-8D290F7D2ED8}" type="parTrans" cxnId="{CDC6E90A-159E-4763-A16B-2BB6A0F5C529}">
+      <dgm:prSet/>
+      <dgm:spPr/>
+      <dgm:t>
+        <a:bodyPr/>
+        <a:lstStyle/>
+        <a:p>
+          <a:endParaRPr lang="en-US"/>
+        </a:p>
+      </dgm:t>
+    </dgm:pt>
+    <dgm:pt modelId="{666241D1-04C6-4385-A388-A7E2324BA2F8}" type="sibTrans" cxnId="{CDC6E90A-159E-4763-A16B-2BB6A0F5C529}">
+      <dgm:prSet/>
+      <dgm:spPr/>
+      <dgm:t>
+        <a:bodyPr/>
+        <a:lstStyle/>
+        <a:p>
+          <a:endParaRPr lang="en-US"/>
+        </a:p>
+      </dgm:t>
+    </dgm:pt>
+    <dgm:pt modelId="{ECB0F062-DEEC-4B2B-A51B-0EC3E2519CB3}">
+      <dgm:prSet/>
+      <dgm:spPr/>
+      <dgm:t>
+        <a:bodyPr/>
+        <a:lstStyle/>
+        <a:p>
+          <a:r>
+            <a:rPr lang="pt-PT"/>
+            <a:t>- Prepare feature matrix (X) and target variable (y) with missing data intact</a:t>
+          </a:r>
+          <a:endParaRPr lang="en-US"/>
+        </a:p>
+      </dgm:t>
+    </dgm:pt>
+    <dgm:pt modelId="{8F57631E-6124-4A17-8B06-46187FCB78C8}" type="parTrans" cxnId="{146340C1-E0A8-4EDD-A195-743C7750A33B}">
+      <dgm:prSet/>
+      <dgm:spPr/>
+      <dgm:t>
+        <a:bodyPr/>
+        <a:lstStyle/>
+        <a:p>
+          <a:endParaRPr lang="en-US"/>
+        </a:p>
+      </dgm:t>
+    </dgm:pt>
+    <dgm:pt modelId="{B4BFD774-5263-49B1-B44E-44549C26066C}" type="sibTrans" cxnId="{146340C1-E0A8-4EDD-A195-743C7750A33B}">
+      <dgm:prSet/>
+      <dgm:spPr/>
+      <dgm:t>
+        <a:bodyPr/>
+        <a:lstStyle/>
+        <a:p>
+          <a:endParaRPr lang="en-US"/>
+        </a:p>
+      </dgm:t>
+    </dgm:pt>
+    <dgm:pt modelId="{43B76ED6-F9BD-480D-88CB-A74AF151AEC5}">
+      <dgm:prSet/>
+      <dgm:spPr/>
+      <dgm:t>
+        <a:bodyPr/>
+        <a:lstStyle/>
+        <a:p>
+          <a:r>
+            <a:rPr lang="pt-PT"/>
+            <a:t>2. Imputation Strategies</a:t>
+          </a:r>
+          <a:endParaRPr lang="en-US"/>
+        </a:p>
+      </dgm:t>
+    </dgm:pt>
+    <dgm:pt modelId="{10263013-345B-4AB6-9F93-A292CC9558FE}" type="parTrans" cxnId="{07F13786-EA65-4D96-850D-F2C003EEF009}">
+      <dgm:prSet/>
+      <dgm:spPr/>
+      <dgm:t>
+        <a:bodyPr/>
+        <a:lstStyle/>
+        <a:p>
+          <a:endParaRPr lang="en-US"/>
+        </a:p>
+      </dgm:t>
+    </dgm:pt>
+    <dgm:pt modelId="{C938761F-426C-46FA-AB3D-54F95F8963B7}" type="sibTrans" cxnId="{07F13786-EA65-4D96-850D-F2C003EEF009}">
+      <dgm:prSet/>
+      <dgm:spPr/>
+      <dgm:t>
+        <a:bodyPr/>
+        <a:lstStyle/>
+        <a:p>
+          <a:endParaRPr lang="en-US"/>
+        </a:p>
+      </dgm:t>
+    </dgm:pt>
+    <dgm:pt modelId="{FA9DC819-FEE7-40E1-88D9-B93F0790935A}">
+      <dgm:prSet/>
+      <dgm:spPr/>
+      <dgm:t>
+        <a:bodyPr/>
+        <a:lstStyle/>
+        <a:p>
+          <a:r>
+            <a:rPr lang="pt-PT" dirty="0"/>
+            <a:t>- </a:t>
+          </a:r>
+          <a:r>
+            <a:rPr lang="pt-PT" dirty="0" err="1"/>
+            <a:t>Mean</a:t>
+          </a:r>
+          <a:r>
+            <a:rPr lang="pt-PT" dirty="0"/>
+            <a:t> </a:t>
+          </a:r>
+          <a:r>
+            <a:rPr lang="pt-PT" dirty="0" err="1"/>
+            <a:t>Imputation</a:t>
+          </a:r>
+          <a:r>
+            <a:rPr lang="pt-PT" dirty="0"/>
+            <a:t>: </a:t>
+          </a:r>
+          <a:r>
+            <a:rPr lang="pt-PT" dirty="0" err="1"/>
+            <a:t>Replace</a:t>
+          </a:r>
+          <a:r>
+            <a:rPr lang="pt-PT" dirty="0"/>
+            <a:t> </a:t>
+          </a:r>
+          <a:r>
+            <a:rPr lang="pt-PT" dirty="0" err="1"/>
+            <a:t>missing</a:t>
+          </a:r>
+          <a:r>
+            <a:rPr lang="pt-PT" dirty="0"/>
+            <a:t> </a:t>
+          </a:r>
+          <a:r>
+            <a:rPr lang="pt-PT" dirty="0" err="1"/>
+            <a:t>values</a:t>
+          </a:r>
+          <a:r>
+            <a:rPr lang="pt-PT" dirty="0"/>
+            <a:t> </a:t>
+          </a:r>
+          <a:r>
+            <a:rPr lang="pt-PT" dirty="0" err="1"/>
+            <a:t>with</a:t>
+          </a:r>
+          <a:r>
+            <a:rPr lang="pt-PT" dirty="0"/>
+            <a:t> </a:t>
+          </a:r>
+          <a:r>
+            <a:rPr lang="pt-PT" dirty="0" err="1"/>
+            <a:t>column</a:t>
+          </a:r>
+          <a:r>
+            <a:rPr lang="pt-PT" dirty="0"/>
+            <a:t> </a:t>
+          </a:r>
+          <a:r>
+            <a:rPr lang="pt-PT" dirty="0" err="1"/>
+            <a:t>means</a:t>
+          </a:r>
+          <a:endParaRPr lang="en-US" dirty="0"/>
+        </a:p>
+      </dgm:t>
+    </dgm:pt>
+    <dgm:pt modelId="{C2044965-9336-4C84-8B2E-B2E0BF74FAC8}" type="parTrans" cxnId="{AE43850F-6C24-4E3A-A902-E541925E7B58}">
+      <dgm:prSet/>
+      <dgm:spPr/>
+      <dgm:t>
+        <a:bodyPr/>
+        <a:lstStyle/>
+        <a:p>
+          <a:endParaRPr lang="en-US"/>
+        </a:p>
+      </dgm:t>
+    </dgm:pt>
+    <dgm:pt modelId="{95859F41-EC81-4720-8F64-4F377C5ECC7E}" type="sibTrans" cxnId="{AE43850F-6C24-4E3A-A902-E541925E7B58}">
+      <dgm:prSet/>
+      <dgm:spPr/>
+      <dgm:t>
+        <a:bodyPr/>
+        <a:lstStyle/>
+        <a:p>
+          <a:endParaRPr lang="en-US"/>
+        </a:p>
+      </dgm:t>
+    </dgm:pt>
+    <dgm:pt modelId="{8CC9E8DF-1DF2-4601-BB57-ECE6C2B3B956}">
+      <dgm:prSet/>
+      <dgm:spPr/>
+      <dgm:t>
+        <a:bodyPr/>
+        <a:lstStyle/>
+        <a:p>
+          <a:r>
+            <a:rPr lang="pt-PT" dirty="0"/>
+            <a:t>- KNN </a:t>
+          </a:r>
+          <a:r>
+            <a:rPr lang="pt-PT" dirty="0" err="1"/>
+            <a:t>Imputation</a:t>
+          </a:r>
+          <a:r>
+            <a:rPr lang="pt-PT" dirty="0"/>
+            <a:t>: Use k-</a:t>
+          </a:r>
+          <a:r>
+            <a:rPr lang="pt-PT" dirty="0" err="1"/>
+            <a:t>nearest</a:t>
+          </a:r>
+          <a:r>
+            <a:rPr lang="pt-PT" dirty="0"/>
+            <a:t> </a:t>
+          </a:r>
+          <a:r>
+            <a:rPr lang="pt-PT" dirty="0" err="1"/>
+            <a:t>neighbors</a:t>
+          </a:r>
+          <a:r>
+            <a:rPr lang="pt-PT" dirty="0"/>
+            <a:t> to </a:t>
+          </a:r>
+          <a:r>
+            <a:rPr lang="pt-PT" dirty="0" err="1"/>
+            <a:t>estimate</a:t>
+          </a:r>
+          <a:r>
+            <a:rPr lang="pt-PT" dirty="0"/>
+            <a:t> </a:t>
+          </a:r>
+          <a:r>
+            <a:rPr lang="pt-PT" dirty="0" err="1"/>
+            <a:t>missing</a:t>
+          </a:r>
+          <a:r>
+            <a:rPr lang="pt-PT" dirty="0"/>
+            <a:t> </a:t>
+          </a:r>
+          <a:r>
+            <a:rPr lang="pt-PT" dirty="0" err="1"/>
+            <a:t>values</a:t>
+          </a:r>
+          <a:endParaRPr lang="en-US" dirty="0"/>
+        </a:p>
+      </dgm:t>
+    </dgm:pt>
+    <dgm:pt modelId="{C7B72ABE-814B-4CE2-9946-617CFCD262DC}" type="parTrans" cxnId="{98DCACC6-CB96-417D-AA0B-5C68F65DCCCE}">
+      <dgm:prSet/>
+      <dgm:spPr/>
+      <dgm:t>
+        <a:bodyPr/>
+        <a:lstStyle/>
+        <a:p>
+          <a:endParaRPr lang="en-US"/>
+        </a:p>
+      </dgm:t>
+    </dgm:pt>
+    <dgm:pt modelId="{5B3E87CD-FA95-44B0-828E-81D50DEE1704}" type="sibTrans" cxnId="{98DCACC6-CB96-417D-AA0B-5C68F65DCCCE}">
+      <dgm:prSet/>
+      <dgm:spPr/>
+      <dgm:t>
+        <a:bodyPr/>
+        <a:lstStyle/>
+        <a:p>
+          <a:endParaRPr lang="en-US"/>
+        </a:p>
+      </dgm:t>
+    </dgm:pt>
+    <dgm:pt modelId="{93F2D19E-AF1C-42D0-B7EF-A3D03686D59C}">
+      <dgm:prSet/>
+      <dgm:spPr/>
+      <dgm:t>
+        <a:bodyPr/>
+        <a:lstStyle/>
+        <a:p>
+          <a:r>
+            <a:rPr lang="pt-PT" dirty="0"/>
+            <a:t>- </a:t>
+          </a:r>
+          <a:r>
+            <a:rPr lang="pt-PT" dirty="0" err="1"/>
+            <a:t>Iterative</a:t>
+          </a:r>
+          <a:r>
+            <a:rPr lang="pt-PT" dirty="0"/>
+            <a:t> </a:t>
+          </a:r>
+          <a:r>
+            <a:rPr lang="pt-PT" dirty="0" err="1"/>
+            <a:t>Imputation</a:t>
+          </a:r>
+          <a:r>
+            <a:rPr lang="pt-PT" dirty="0"/>
+            <a:t>: Use </a:t>
+          </a:r>
+          <a:r>
+            <a:rPr lang="pt-PT" dirty="0" err="1"/>
+            <a:t>Bayesian</a:t>
+          </a:r>
+          <a:r>
+            <a:rPr lang="pt-PT" dirty="0"/>
+            <a:t> </a:t>
+          </a:r>
+          <a:r>
+            <a:rPr lang="pt-PT" dirty="0" err="1"/>
+            <a:t>Ridge</a:t>
+          </a:r>
+          <a:r>
+            <a:rPr lang="pt-PT" dirty="0"/>
+            <a:t> </a:t>
+          </a:r>
+          <a:r>
+            <a:rPr lang="pt-PT" dirty="0" err="1"/>
+            <a:t>regression</a:t>
+          </a:r>
+          <a:r>
+            <a:rPr lang="pt-PT" dirty="0"/>
+            <a:t> for </a:t>
+          </a:r>
+          <a:r>
+            <a:rPr lang="pt-PT" dirty="0" err="1"/>
+            <a:t>multivariate</a:t>
+          </a:r>
+          <a:r>
+            <a:rPr lang="pt-PT" dirty="0"/>
+            <a:t> </a:t>
+          </a:r>
+          <a:r>
+            <a:rPr lang="pt-PT" dirty="0" err="1"/>
+            <a:t>imputation</a:t>
+          </a:r>
+          <a:endParaRPr lang="en-US" dirty="0"/>
+        </a:p>
+      </dgm:t>
+    </dgm:pt>
+    <dgm:pt modelId="{CB3BE838-7D9D-414F-8F91-AF54D7C122B2}" type="parTrans" cxnId="{1DC9C82E-FE64-4697-B297-A6FC88C77C33}">
+      <dgm:prSet/>
+      <dgm:spPr/>
+      <dgm:t>
+        <a:bodyPr/>
+        <a:lstStyle/>
+        <a:p>
+          <a:endParaRPr lang="en-US"/>
+        </a:p>
+      </dgm:t>
+    </dgm:pt>
+    <dgm:pt modelId="{C51CA962-D06E-49D5-A6B6-F24F64339B2A}" type="sibTrans" cxnId="{1DC9C82E-FE64-4697-B297-A6FC88C77C33}">
+      <dgm:prSet/>
+      <dgm:spPr/>
+      <dgm:t>
+        <a:bodyPr/>
+        <a:lstStyle/>
+        <a:p>
+          <a:endParaRPr lang="en-US"/>
+        </a:p>
+      </dgm:t>
+    </dgm:pt>
+    <dgm:pt modelId="{4EA06352-22DB-4BD7-81DA-2B3F7E6A00B4}">
+      <dgm:prSet/>
+      <dgm:spPr/>
+      <dgm:t>
+        <a:bodyPr/>
+        <a:lstStyle/>
+        <a:p>
+          <a:r>
+            <a:rPr lang="pt-PT"/>
+            <a:t>3. Model Evaluation</a:t>
+          </a:r>
+          <a:endParaRPr lang="en-US"/>
+        </a:p>
+      </dgm:t>
+    </dgm:pt>
+    <dgm:pt modelId="{BB9E0575-FD01-4413-A394-BDFDD5BB14F1}" type="parTrans" cxnId="{A5BDB996-6AC6-4273-8636-7B5F17010D3A}">
+      <dgm:prSet/>
+      <dgm:spPr/>
+      <dgm:t>
+        <a:bodyPr/>
+        <a:lstStyle/>
+        <a:p>
+          <a:endParaRPr lang="en-US"/>
+        </a:p>
+      </dgm:t>
+    </dgm:pt>
+    <dgm:pt modelId="{5F74B3A8-6527-4F16-84F8-ACE1206DA1B3}" type="sibTrans" cxnId="{A5BDB996-6AC6-4273-8636-7B5F17010D3A}">
+      <dgm:prSet/>
+      <dgm:spPr/>
+      <dgm:t>
+        <a:bodyPr/>
+        <a:lstStyle/>
+        <a:p>
+          <a:endParaRPr lang="en-US"/>
+        </a:p>
+      </dgm:t>
+    </dgm:pt>
+    <dgm:pt modelId="{79905FF3-73C4-49DB-9ACB-A42364B67134}">
+      <dgm:prSet/>
+      <dgm:spPr/>
+      <dgm:t>
+        <a:bodyPr/>
+        <a:lstStyle/>
+        <a:p>
+          <a:r>
+            <a:rPr lang="pt-PT"/>
+            <a:t>- Train baseline Linear Regression model on each imputed dataset</a:t>
+          </a:r>
+          <a:endParaRPr lang="en-US"/>
+        </a:p>
+      </dgm:t>
+    </dgm:pt>
+    <dgm:pt modelId="{52593A71-6F15-480A-A69F-D43DE836B7A1}" type="parTrans" cxnId="{F233B5AC-EBF6-4B73-BA3A-8903C2726025}">
+      <dgm:prSet/>
+      <dgm:spPr/>
+      <dgm:t>
+        <a:bodyPr/>
+        <a:lstStyle/>
+        <a:p>
+          <a:endParaRPr lang="en-US"/>
+        </a:p>
+      </dgm:t>
+    </dgm:pt>
+    <dgm:pt modelId="{C0D9846C-1BEE-4306-85EC-E0F80FDCDCE1}" type="sibTrans" cxnId="{F233B5AC-EBF6-4B73-BA3A-8903C2726025}">
+      <dgm:prSet/>
+      <dgm:spPr/>
+      <dgm:t>
+        <a:bodyPr/>
+        <a:lstStyle/>
+        <a:p>
+          <a:endParaRPr lang="en-US"/>
+        </a:p>
+      </dgm:t>
+    </dgm:pt>
+    <dgm:pt modelId="{57794D1D-87D3-4109-B323-9F788E79E761}">
+      <dgm:prSet/>
+      <dgm:spPr/>
+      <dgm:t>
+        <a:bodyPr/>
+        <a:lstStyle/>
+        <a:p>
+          <a:r>
+            <a:rPr lang="pt-PT"/>
+            <a:t>- Evaluate using both train/test split and cross-validation approaches</a:t>
+          </a:r>
+          <a:endParaRPr lang="en-US"/>
+        </a:p>
+      </dgm:t>
+    </dgm:pt>
+    <dgm:pt modelId="{956C5C30-E866-4B97-BE4C-AC185FFBCC31}" type="parTrans" cxnId="{EFF1CC2C-F5A3-420A-AE4B-B80C665D344F}">
+      <dgm:prSet/>
+      <dgm:spPr/>
+      <dgm:t>
+        <a:bodyPr/>
+        <a:lstStyle/>
+        <a:p>
+          <a:endParaRPr lang="en-US"/>
+        </a:p>
+      </dgm:t>
+    </dgm:pt>
+    <dgm:pt modelId="{076AF887-B689-4F06-8EF4-CA03BA365EC5}" type="sibTrans" cxnId="{EFF1CC2C-F5A3-420A-AE4B-B80C665D344F}">
+      <dgm:prSet/>
+      <dgm:spPr/>
+      <dgm:t>
+        <a:bodyPr/>
+        <a:lstStyle/>
+        <a:p>
+          <a:endParaRPr lang="en-US"/>
+        </a:p>
+      </dgm:t>
+    </dgm:pt>
+    <dgm:pt modelId="{083BB109-9EF4-4B2A-85E8-14FDF9013C12}">
+      <dgm:prSet/>
+      <dgm:spPr/>
+      <dgm:t>
+        <a:bodyPr/>
+        <a:lstStyle/>
+        <a:p>
+          <a:r>
+            <a:rPr lang="pt-PT"/>
+            <a:t>- Compare performance using cMSE (Censored Mean Squared Error)</a:t>
+          </a:r>
+          <a:endParaRPr lang="en-US"/>
+        </a:p>
+      </dgm:t>
+    </dgm:pt>
+    <dgm:pt modelId="{B4A07D06-E400-4B36-8E24-11AE1090C110}" type="parTrans" cxnId="{6C256DE0-2AA9-42E6-9436-EEC3DC6121DF}">
+      <dgm:prSet/>
+      <dgm:spPr/>
+      <dgm:t>
+        <a:bodyPr/>
+        <a:lstStyle/>
+        <a:p>
+          <a:endParaRPr lang="en-US"/>
+        </a:p>
+      </dgm:t>
+    </dgm:pt>
+    <dgm:pt modelId="{07E6BAB6-C51C-42D4-AEED-34A9F109D02D}" type="sibTrans" cxnId="{6C256DE0-2AA9-42E6-9436-EEC3DC6121DF}">
+      <dgm:prSet/>
+      <dgm:spPr/>
+      <dgm:t>
+        <a:bodyPr/>
+        <a:lstStyle/>
+        <a:p>
+          <a:endParaRPr lang="en-US"/>
+        </a:p>
+      </dgm:t>
+    </dgm:pt>
+    <dgm:pt modelId="{C12CFA83-1EA3-4285-A8B5-DDECEBCC8932}">
+      <dgm:prSet/>
+      <dgm:spPr/>
+      <dgm:t>
+        <a:bodyPr/>
+        <a:lstStyle/>
+        <a:p>
+          <a:r>
+            <a:rPr lang="pt-PT"/>
+            <a:t>- Test with KNN Regression model for comparison</a:t>
+          </a:r>
+          <a:endParaRPr lang="en-US"/>
+        </a:p>
+      </dgm:t>
+    </dgm:pt>
+    <dgm:pt modelId="{E701AAC8-344D-4878-9A52-DBD30335A798}" type="parTrans" cxnId="{2C5B2AA0-F4C1-4228-9806-0C47B37A7CB0}">
+      <dgm:prSet/>
+      <dgm:spPr/>
+      <dgm:t>
+        <a:bodyPr/>
+        <a:lstStyle/>
+        <a:p>
+          <a:endParaRPr lang="en-US"/>
+        </a:p>
+      </dgm:t>
+    </dgm:pt>
+    <dgm:pt modelId="{E8C532D9-E500-4E07-A041-9EA614B660FB}" type="sibTrans" cxnId="{2C5B2AA0-F4C1-4228-9806-0C47B37A7CB0}">
+      <dgm:prSet/>
+      <dgm:spPr/>
+      <dgm:t>
+        <a:bodyPr/>
+        <a:lstStyle/>
+        <a:p>
+          <a:endParaRPr lang="en-US"/>
+        </a:p>
+      </dgm:t>
+    </dgm:pt>
+    <dgm:pt modelId="{A519F75E-DC73-4998-9668-5FF96BC8CA5A}" type="pres">
+      <dgm:prSet presAssocID="{6FCAD634-4B69-4BC2-8C9F-DACC6AFCE68C}" presName="vert0" presStyleCnt="0">
+        <dgm:presLayoutVars>
+          <dgm:dir/>
+          <dgm:animOne val="branch"/>
+          <dgm:animLvl val="lvl"/>
+        </dgm:presLayoutVars>
+      </dgm:prSet>
+      <dgm:spPr/>
+    </dgm:pt>
+    <dgm:pt modelId="{9F6E897A-6E4A-48FC-A0D8-1CED9A730F34}" type="pres">
+      <dgm:prSet presAssocID="{3E2D213F-E3F6-4FB8-9E01-C0C450F1B131}" presName="thickLine" presStyleLbl="alignNode1" presStyleIdx="0" presStyleCnt="3"/>
+      <dgm:spPr/>
+    </dgm:pt>
+    <dgm:pt modelId="{D070C45B-9593-46E7-9683-AAA0D791A335}" type="pres">
+      <dgm:prSet presAssocID="{3E2D213F-E3F6-4FB8-9E01-C0C450F1B131}" presName="horz1" presStyleCnt="0"/>
+      <dgm:spPr/>
+    </dgm:pt>
+    <dgm:pt modelId="{212DA1FB-9497-4C4D-97C2-E967FB7FF414}" type="pres">
+      <dgm:prSet presAssocID="{3E2D213F-E3F6-4FB8-9E01-C0C450F1B131}" presName="tx1" presStyleLbl="revTx" presStyleIdx="0" presStyleCnt="13"/>
+      <dgm:spPr/>
+    </dgm:pt>
+    <dgm:pt modelId="{004A1C7C-725B-40EC-9F15-F055B91437A5}" type="pres">
+      <dgm:prSet presAssocID="{3E2D213F-E3F6-4FB8-9E01-C0C450F1B131}" presName="vert1" presStyleCnt="0"/>
+      <dgm:spPr/>
+    </dgm:pt>
+    <dgm:pt modelId="{98AB4E87-1B0D-4FB8-81D4-D49067045925}" type="pres">
+      <dgm:prSet presAssocID="{AA15DA94-4376-4EDE-A5A9-6345B6D2FB9E}" presName="vertSpace2a" presStyleCnt="0"/>
+      <dgm:spPr/>
+    </dgm:pt>
+    <dgm:pt modelId="{9E8091D8-5E3D-4877-8E5D-B37A0FF3696E}" type="pres">
+      <dgm:prSet presAssocID="{AA15DA94-4376-4EDE-A5A9-6345B6D2FB9E}" presName="horz2" presStyleCnt="0"/>
+      <dgm:spPr/>
+    </dgm:pt>
+    <dgm:pt modelId="{A91FA5D0-4AAF-4158-91B9-42C3EA43D41F}" type="pres">
+      <dgm:prSet presAssocID="{AA15DA94-4376-4EDE-A5A9-6345B6D2FB9E}" presName="horzSpace2" presStyleCnt="0"/>
+      <dgm:spPr/>
+    </dgm:pt>
+    <dgm:pt modelId="{1DBF83B1-F240-4DA1-98BF-CAB88A89C527}" type="pres">
+      <dgm:prSet presAssocID="{AA15DA94-4376-4EDE-A5A9-6345B6D2FB9E}" presName="tx2" presStyleLbl="revTx" presStyleIdx="1" presStyleCnt="13"/>
+      <dgm:spPr/>
+    </dgm:pt>
+    <dgm:pt modelId="{D84EC80B-B6B6-4D39-9B9F-C37200BC0A86}" type="pres">
+      <dgm:prSet presAssocID="{AA15DA94-4376-4EDE-A5A9-6345B6D2FB9E}" presName="vert2" presStyleCnt="0"/>
+      <dgm:spPr/>
+    </dgm:pt>
+    <dgm:pt modelId="{23B54297-6D5E-4873-A403-4C540D074EA3}" type="pres">
+      <dgm:prSet presAssocID="{AA15DA94-4376-4EDE-A5A9-6345B6D2FB9E}" presName="thinLine2b" presStyleLbl="callout" presStyleIdx="0" presStyleCnt="10"/>
+      <dgm:spPr/>
+    </dgm:pt>
+    <dgm:pt modelId="{B791E8B2-E9AD-44D8-8B52-2F83273BDAB8}" type="pres">
+      <dgm:prSet presAssocID="{AA15DA94-4376-4EDE-A5A9-6345B6D2FB9E}" presName="vertSpace2b" presStyleCnt="0"/>
+      <dgm:spPr/>
+    </dgm:pt>
+    <dgm:pt modelId="{549267A2-ACE2-4166-8702-092C43C03299}" type="pres">
+      <dgm:prSet presAssocID="{EBA12DE1-F32E-4E1C-B7C6-1E45196AAC8C}" presName="horz2" presStyleCnt="0"/>
+      <dgm:spPr/>
+    </dgm:pt>
+    <dgm:pt modelId="{45A4ECEB-B128-42EB-9781-9ACE98ACE3A8}" type="pres">
+      <dgm:prSet presAssocID="{EBA12DE1-F32E-4E1C-B7C6-1E45196AAC8C}" presName="horzSpace2" presStyleCnt="0"/>
+      <dgm:spPr/>
+    </dgm:pt>
+    <dgm:pt modelId="{6A1FC106-5161-495C-A143-825E55DBBB4D}" type="pres">
+      <dgm:prSet presAssocID="{EBA12DE1-F32E-4E1C-B7C6-1E45196AAC8C}" presName="tx2" presStyleLbl="revTx" presStyleIdx="2" presStyleCnt="13"/>
+      <dgm:spPr/>
+    </dgm:pt>
+    <dgm:pt modelId="{7AF47A7C-86F8-422C-B3FD-8BCD2CD64211}" type="pres">
+      <dgm:prSet presAssocID="{EBA12DE1-F32E-4E1C-B7C6-1E45196AAC8C}" presName="vert2" presStyleCnt="0"/>
+      <dgm:spPr/>
+    </dgm:pt>
+    <dgm:pt modelId="{5A94E8F2-AF71-41A6-83E2-CCBC9677CF20}" type="pres">
+      <dgm:prSet presAssocID="{EBA12DE1-F32E-4E1C-B7C6-1E45196AAC8C}" presName="thinLine2b" presStyleLbl="callout" presStyleIdx="1" presStyleCnt="10"/>
+      <dgm:spPr/>
+    </dgm:pt>
+    <dgm:pt modelId="{C27C0FA8-337C-4F1C-BE23-35152FB512AF}" type="pres">
+      <dgm:prSet presAssocID="{EBA12DE1-F32E-4E1C-B7C6-1E45196AAC8C}" presName="vertSpace2b" presStyleCnt="0"/>
+      <dgm:spPr/>
+    </dgm:pt>
+    <dgm:pt modelId="{BDB5CE44-81AB-4095-B2F4-A97C7EEF3BC3}" type="pres">
+      <dgm:prSet presAssocID="{ECB0F062-DEEC-4B2B-A51B-0EC3E2519CB3}" presName="horz2" presStyleCnt="0"/>
+      <dgm:spPr/>
+    </dgm:pt>
+    <dgm:pt modelId="{04967189-DE84-4F30-B87D-01F3518FABE1}" type="pres">
+      <dgm:prSet presAssocID="{ECB0F062-DEEC-4B2B-A51B-0EC3E2519CB3}" presName="horzSpace2" presStyleCnt="0"/>
+      <dgm:spPr/>
+    </dgm:pt>
+    <dgm:pt modelId="{B3393928-F1BF-4E88-9A4F-02253C666191}" type="pres">
+      <dgm:prSet presAssocID="{ECB0F062-DEEC-4B2B-A51B-0EC3E2519CB3}" presName="tx2" presStyleLbl="revTx" presStyleIdx="3" presStyleCnt="13"/>
+      <dgm:spPr/>
+    </dgm:pt>
+    <dgm:pt modelId="{D6FE962F-E3B1-4E5A-B4A1-9A3267BC4314}" type="pres">
+      <dgm:prSet presAssocID="{ECB0F062-DEEC-4B2B-A51B-0EC3E2519CB3}" presName="vert2" presStyleCnt="0"/>
+      <dgm:spPr/>
+    </dgm:pt>
+    <dgm:pt modelId="{17E04FBC-74A8-4A7D-98B9-D007CF028917}" type="pres">
+      <dgm:prSet presAssocID="{ECB0F062-DEEC-4B2B-A51B-0EC3E2519CB3}" presName="thinLine2b" presStyleLbl="callout" presStyleIdx="2" presStyleCnt="10"/>
+      <dgm:spPr/>
+    </dgm:pt>
+    <dgm:pt modelId="{809AD65B-9E73-4F88-8A23-11C4688339F7}" type="pres">
+      <dgm:prSet presAssocID="{ECB0F062-DEEC-4B2B-A51B-0EC3E2519CB3}" presName="vertSpace2b" presStyleCnt="0"/>
+      <dgm:spPr/>
+    </dgm:pt>
+    <dgm:pt modelId="{7A4F8164-17D6-4ADC-A169-63363AB6CA17}" type="pres">
+      <dgm:prSet presAssocID="{43B76ED6-F9BD-480D-88CB-A74AF151AEC5}" presName="thickLine" presStyleLbl="alignNode1" presStyleIdx="1" presStyleCnt="3"/>
+      <dgm:spPr/>
+    </dgm:pt>
+    <dgm:pt modelId="{592978C8-F021-45AE-BD06-683B84FA978D}" type="pres">
+      <dgm:prSet presAssocID="{43B76ED6-F9BD-480D-88CB-A74AF151AEC5}" presName="horz1" presStyleCnt="0"/>
+      <dgm:spPr/>
+    </dgm:pt>
+    <dgm:pt modelId="{36B5A8BA-D65D-4A68-BDB2-01A53C0A6F69}" type="pres">
+      <dgm:prSet presAssocID="{43B76ED6-F9BD-480D-88CB-A74AF151AEC5}" presName="tx1" presStyleLbl="revTx" presStyleIdx="4" presStyleCnt="13"/>
+      <dgm:spPr/>
+    </dgm:pt>
+    <dgm:pt modelId="{D26AEF54-7DCD-4D8D-827D-F3AF4EC22F12}" type="pres">
+      <dgm:prSet presAssocID="{43B76ED6-F9BD-480D-88CB-A74AF151AEC5}" presName="vert1" presStyleCnt="0"/>
+      <dgm:spPr/>
+    </dgm:pt>
+    <dgm:pt modelId="{56FA14C7-735C-43E4-B6E2-9959CD2B2A07}" type="pres">
+      <dgm:prSet presAssocID="{FA9DC819-FEE7-40E1-88D9-B93F0790935A}" presName="vertSpace2a" presStyleCnt="0"/>
+      <dgm:spPr/>
+    </dgm:pt>
+    <dgm:pt modelId="{308670FF-EB2E-4B5A-9535-BAF63B051385}" type="pres">
+      <dgm:prSet presAssocID="{FA9DC819-FEE7-40E1-88D9-B93F0790935A}" presName="horz2" presStyleCnt="0"/>
+      <dgm:spPr/>
+    </dgm:pt>
+    <dgm:pt modelId="{647A421B-0817-4160-9B30-BE46F9728BFD}" type="pres">
+      <dgm:prSet presAssocID="{FA9DC819-FEE7-40E1-88D9-B93F0790935A}" presName="horzSpace2" presStyleCnt="0"/>
+      <dgm:spPr/>
+    </dgm:pt>
+    <dgm:pt modelId="{3EECA7BC-2EB1-45E2-A2B3-BBAC49207B3D}" type="pres">
+      <dgm:prSet presAssocID="{FA9DC819-FEE7-40E1-88D9-B93F0790935A}" presName="tx2" presStyleLbl="revTx" presStyleIdx="5" presStyleCnt="13"/>
+      <dgm:spPr/>
+    </dgm:pt>
+    <dgm:pt modelId="{0C0DF0FC-EEED-4D46-B001-D3F90B7D1252}" type="pres">
+      <dgm:prSet presAssocID="{FA9DC819-FEE7-40E1-88D9-B93F0790935A}" presName="vert2" presStyleCnt="0"/>
+      <dgm:spPr/>
+    </dgm:pt>
+    <dgm:pt modelId="{2D488E23-907F-4535-99FC-0206BDD304F3}" type="pres">
+      <dgm:prSet presAssocID="{FA9DC819-FEE7-40E1-88D9-B93F0790935A}" presName="thinLine2b" presStyleLbl="callout" presStyleIdx="3" presStyleCnt="10"/>
+      <dgm:spPr/>
+    </dgm:pt>
+    <dgm:pt modelId="{072B755E-A2DC-4728-82AF-82FB1DCA21A7}" type="pres">
+      <dgm:prSet presAssocID="{FA9DC819-FEE7-40E1-88D9-B93F0790935A}" presName="vertSpace2b" presStyleCnt="0"/>
+      <dgm:spPr/>
+    </dgm:pt>
+    <dgm:pt modelId="{BFE90E61-3946-45D4-AA79-ED6DF7B80166}" type="pres">
+      <dgm:prSet presAssocID="{8CC9E8DF-1DF2-4601-BB57-ECE6C2B3B956}" presName="horz2" presStyleCnt="0"/>
+      <dgm:spPr/>
+    </dgm:pt>
+    <dgm:pt modelId="{B6BDCCD3-4778-48DB-8402-41ED35880034}" type="pres">
+      <dgm:prSet presAssocID="{8CC9E8DF-1DF2-4601-BB57-ECE6C2B3B956}" presName="horzSpace2" presStyleCnt="0"/>
+      <dgm:spPr/>
+    </dgm:pt>
+    <dgm:pt modelId="{28FCD878-8CB3-412B-893A-BF3DF01EE9BF}" type="pres">
+      <dgm:prSet presAssocID="{8CC9E8DF-1DF2-4601-BB57-ECE6C2B3B956}" presName="tx2" presStyleLbl="revTx" presStyleIdx="6" presStyleCnt="13"/>
+      <dgm:spPr/>
+    </dgm:pt>
+    <dgm:pt modelId="{7F16BC53-FB92-4441-AB07-D9374DB31D4B}" type="pres">
+      <dgm:prSet presAssocID="{8CC9E8DF-1DF2-4601-BB57-ECE6C2B3B956}" presName="vert2" presStyleCnt="0"/>
+      <dgm:spPr/>
+    </dgm:pt>
+    <dgm:pt modelId="{54B3608B-D04E-49DA-A8F6-4E3BE756A132}" type="pres">
+      <dgm:prSet presAssocID="{8CC9E8DF-1DF2-4601-BB57-ECE6C2B3B956}" presName="thinLine2b" presStyleLbl="callout" presStyleIdx="4" presStyleCnt="10"/>
+      <dgm:spPr/>
+    </dgm:pt>
+    <dgm:pt modelId="{EA0B264A-1461-4682-9BE0-1DD738FB45FB}" type="pres">
+      <dgm:prSet presAssocID="{8CC9E8DF-1DF2-4601-BB57-ECE6C2B3B956}" presName="vertSpace2b" presStyleCnt="0"/>
+      <dgm:spPr/>
+    </dgm:pt>
+    <dgm:pt modelId="{5B0916E9-8771-4F32-92F3-EFC371A962F3}" type="pres">
+      <dgm:prSet presAssocID="{93F2D19E-AF1C-42D0-B7EF-A3D03686D59C}" presName="horz2" presStyleCnt="0"/>
+      <dgm:spPr/>
+    </dgm:pt>
+    <dgm:pt modelId="{B0687239-1162-4012-B49D-635DF6FBACF5}" type="pres">
+      <dgm:prSet presAssocID="{93F2D19E-AF1C-42D0-B7EF-A3D03686D59C}" presName="horzSpace2" presStyleCnt="0"/>
+      <dgm:spPr/>
+    </dgm:pt>
+    <dgm:pt modelId="{5FA6EC58-797B-42DD-A51E-EEBDBB2F2303}" type="pres">
+      <dgm:prSet presAssocID="{93F2D19E-AF1C-42D0-B7EF-A3D03686D59C}" presName="tx2" presStyleLbl="revTx" presStyleIdx="7" presStyleCnt="13"/>
+      <dgm:spPr/>
+    </dgm:pt>
+    <dgm:pt modelId="{FC2BBD07-7AB1-4EB2-9DBC-D00190DC2366}" type="pres">
+      <dgm:prSet presAssocID="{93F2D19E-AF1C-42D0-B7EF-A3D03686D59C}" presName="vert2" presStyleCnt="0"/>
+      <dgm:spPr/>
+    </dgm:pt>
+    <dgm:pt modelId="{541E130F-4F0B-483D-A445-394F2854D620}" type="pres">
+      <dgm:prSet presAssocID="{93F2D19E-AF1C-42D0-B7EF-A3D03686D59C}" presName="thinLine2b" presStyleLbl="callout" presStyleIdx="5" presStyleCnt="10"/>
+      <dgm:spPr/>
+    </dgm:pt>
+    <dgm:pt modelId="{8416DE6B-7A40-4EF5-BDEC-0B30FF236B6D}" type="pres">
+      <dgm:prSet presAssocID="{93F2D19E-AF1C-42D0-B7EF-A3D03686D59C}" presName="vertSpace2b" presStyleCnt="0"/>
+      <dgm:spPr/>
+    </dgm:pt>
+    <dgm:pt modelId="{9C316B34-4C1E-44D5-90BB-0344790758D6}" type="pres">
+      <dgm:prSet presAssocID="{4EA06352-22DB-4BD7-81DA-2B3F7E6A00B4}" presName="thickLine" presStyleLbl="alignNode1" presStyleIdx="2" presStyleCnt="3"/>
+      <dgm:spPr/>
+    </dgm:pt>
+    <dgm:pt modelId="{1EFA498C-A688-4320-9A50-A493979E6B49}" type="pres">
+      <dgm:prSet presAssocID="{4EA06352-22DB-4BD7-81DA-2B3F7E6A00B4}" presName="horz1" presStyleCnt="0"/>
+      <dgm:spPr/>
+    </dgm:pt>
+    <dgm:pt modelId="{E6F75E16-2E8B-4EB0-85E5-F681CF9A3B64}" type="pres">
+      <dgm:prSet presAssocID="{4EA06352-22DB-4BD7-81DA-2B3F7E6A00B4}" presName="tx1" presStyleLbl="revTx" presStyleIdx="8" presStyleCnt="13"/>
+      <dgm:spPr/>
+    </dgm:pt>
+    <dgm:pt modelId="{4A8112F7-B8C2-42A8-B1D7-735017959244}" type="pres">
+      <dgm:prSet presAssocID="{4EA06352-22DB-4BD7-81DA-2B3F7E6A00B4}" presName="vert1" presStyleCnt="0"/>
+      <dgm:spPr/>
+    </dgm:pt>
+    <dgm:pt modelId="{29E32090-F7DA-4387-AFB2-D0DAE5031124}" type="pres">
+      <dgm:prSet presAssocID="{79905FF3-73C4-49DB-9ACB-A42364B67134}" presName="vertSpace2a" presStyleCnt="0"/>
+      <dgm:spPr/>
+    </dgm:pt>
+    <dgm:pt modelId="{B6982976-1A76-4842-9E55-6F9C3F1EC32D}" type="pres">
+      <dgm:prSet presAssocID="{79905FF3-73C4-49DB-9ACB-A42364B67134}" presName="horz2" presStyleCnt="0"/>
+      <dgm:spPr/>
+    </dgm:pt>
+    <dgm:pt modelId="{A80ADFD6-0EFB-4D90-889A-4EEC6BB1ACAF}" type="pres">
+      <dgm:prSet presAssocID="{79905FF3-73C4-49DB-9ACB-A42364B67134}" presName="horzSpace2" presStyleCnt="0"/>
+      <dgm:spPr/>
+    </dgm:pt>
+    <dgm:pt modelId="{AE92B10D-88F6-4F6D-B5C9-DE2300F7A36B}" type="pres">
+      <dgm:prSet presAssocID="{79905FF3-73C4-49DB-9ACB-A42364B67134}" presName="tx2" presStyleLbl="revTx" presStyleIdx="9" presStyleCnt="13"/>
+      <dgm:spPr/>
+    </dgm:pt>
+    <dgm:pt modelId="{EF8FD891-4FE6-4839-BD1D-9AE0B4B6A831}" type="pres">
+      <dgm:prSet presAssocID="{79905FF3-73C4-49DB-9ACB-A42364B67134}" presName="vert2" presStyleCnt="0"/>
+      <dgm:spPr/>
+    </dgm:pt>
+    <dgm:pt modelId="{6851BF19-073C-47AA-8D90-789C283967B2}" type="pres">
+      <dgm:prSet presAssocID="{79905FF3-73C4-49DB-9ACB-A42364B67134}" presName="thinLine2b" presStyleLbl="callout" presStyleIdx="6" presStyleCnt="10"/>
+      <dgm:spPr/>
+    </dgm:pt>
+    <dgm:pt modelId="{68D04589-4978-4910-9F7E-D150744D683B}" type="pres">
+      <dgm:prSet presAssocID="{79905FF3-73C4-49DB-9ACB-A42364B67134}" presName="vertSpace2b" presStyleCnt="0"/>
+      <dgm:spPr/>
+    </dgm:pt>
+    <dgm:pt modelId="{1A88CE1C-DA35-4471-9BE2-52803D104588}" type="pres">
+      <dgm:prSet presAssocID="{57794D1D-87D3-4109-B323-9F788E79E761}" presName="horz2" presStyleCnt="0"/>
+      <dgm:spPr/>
+    </dgm:pt>
+    <dgm:pt modelId="{95853388-072F-4BAF-B98B-55DA04F845DB}" type="pres">
+      <dgm:prSet presAssocID="{57794D1D-87D3-4109-B323-9F788E79E761}" presName="horzSpace2" presStyleCnt="0"/>
+      <dgm:spPr/>
+    </dgm:pt>
+    <dgm:pt modelId="{FFF8F218-5B56-46CC-B72B-6AD0C287DA1A}" type="pres">
+      <dgm:prSet presAssocID="{57794D1D-87D3-4109-B323-9F788E79E761}" presName="tx2" presStyleLbl="revTx" presStyleIdx="10" presStyleCnt="13"/>
+      <dgm:spPr/>
+    </dgm:pt>
+    <dgm:pt modelId="{43DDC20D-1D27-4466-930A-4BF120CBC3DA}" type="pres">
+      <dgm:prSet presAssocID="{57794D1D-87D3-4109-B323-9F788E79E761}" presName="vert2" presStyleCnt="0"/>
+      <dgm:spPr/>
+    </dgm:pt>
+    <dgm:pt modelId="{9670E561-9038-450C-8748-44178B1AD60D}" type="pres">
+      <dgm:prSet presAssocID="{57794D1D-87D3-4109-B323-9F788E79E761}" presName="thinLine2b" presStyleLbl="callout" presStyleIdx="7" presStyleCnt="10"/>
+      <dgm:spPr/>
+    </dgm:pt>
+    <dgm:pt modelId="{806438F5-86A5-406A-BF1B-C1E5F38AD601}" type="pres">
+      <dgm:prSet presAssocID="{57794D1D-87D3-4109-B323-9F788E79E761}" presName="vertSpace2b" presStyleCnt="0"/>
+      <dgm:spPr/>
+    </dgm:pt>
+    <dgm:pt modelId="{05B17F51-9609-4818-8886-854A08DBF035}" type="pres">
+      <dgm:prSet presAssocID="{083BB109-9EF4-4B2A-85E8-14FDF9013C12}" presName="horz2" presStyleCnt="0"/>
+      <dgm:spPr/>
+    </dgm:pt>
+    <dgm:pt modelId="{ACBD5CBD-F4D3-4DA3-8E80-FEA294FEE704}" type="pres">
+      <dgm:prSet presAssocID="{083BB109-9EF4-4B2A-85E8-14FDF9013C12}" presName="horzSpace2" presStyleCnt="0"/>
+      <dgm:spPr/>
+    </dgm:pt>
+    <dgm:pt modelId="{9610CFB4-6B7E-471F-B34C-BB93BEEDBD85}" type="pres">
+      <dgm:prSet presAssocID="{083BB109-9EF4-4B2A-85E8-14FDF9013C12}" presName="tx2" presStyleLbl="revTx" presStyleIdx="11" presStyleCnt="13"/>
+      <dgm:spPr/>
+    </dgm:pt>
+    <dgm:pt modelId="{B18886A3-4760-434F-A2B3-78B997EDF84D}" type="pres">
+      <dgm:prSet presAssocID="{083BB109-9EF4-4B2A-85E8-14FDF9013C12}" presName="vert2" presStyleCnt="0"/>
+      <dgm:spPr/>
+    </dgm:pt>
+    <dgm:pt modelId="{4A512112-3FAB-4DAB-BE9B-3EF2A5A04A01}" type="pres">
+      <dgm:prSet presAssocID="{083BB109-9EF4-4B2A-85E8-14FDF9013C12}" presName="thinLine2b" presStyleLbl="callout" presStyleIdx="8" presStyleCnt="10"/>
+      <dgm:spPr/>
+    </dgm:pt>
+    <dgm:pt modelId="{89EA3B8C-E514-4FBF-BB95-9973E7DC638A}" type="pres">
+      <dgm:prSet presAssocID="{083BB109-9EF4-4B2A-85E8-14FDF9013C12}" presName="vertSpace2b" presStyleCnt="0"/>
+      <dgm:spPr/>
+    </dgm:pt>
+    <dgm:pt modelId="{9204E036-4212-40E3-A80D-1A18D000525B}" type="pres">
+      <dgm:prSet presAssocID="{C12CFA83-1EA3-4285-A8B5-DDECEBCC8932}" presName="horz2" presStyleCnt="0"/>
+      <dgm:spPr/>
+    </dgm:pt>
+    <dgm:pt modelId="{80DFE7AE-CA5F-42EE-8873-914E924C8463}" type="pres">
+      <dgm:prSet presAssocID="{C12CFA83-1EA3-4285-A8B5-DDECEBCC8932}" presName="horzSpace2" presStyleCnt="0"/>
+      <dgm:spPr/>
+    </dgm:pt>
+    <dgm:pt modelId="{6D4FAE74-CD52-437F-9712-CABD8D53CA27}" type="pres">
+      <dgm:prSet presAssocID="{C12CFA83-1EA3-4285-A8B5-DDECEBCC8932}" presName="tx2" presStyleLbl="revTx" presStyleIdx="12" presStyleCnt="13"/>
+      <dgm:spPr/>
+    </dgm:pt>
+    <dgm:pt modelId="{609DEB0F-BA67-4E4C-9F33-B499B42B3A5D}" type="pres">
+      <dgm:prSet presAssocID="{C12CFA83-1EA3-4285-A8B5-DDECEBCC8932}" presName="vert2" presStyleCnt="0"/>
+      <dgm:spPr/>
+    </dgm:pt>
+    <dgm:pt modelId="{12DFB566-F227-47D0-861E-F198F3FDA56F}" type="pres">
+      <dgm:prSet presAssocID="{C12CFA83-1EA3-4285-A8B5-DDECEBCC8932}" presName="thinLine2b" presStyleLbl="callout" presStyleIdx="9" presStyleCnt="10"/>
+      <dgm:spPr/>
+    </dgm:pt>
+    <dgm:pt modelId="{8F8FA19B-DA5E-4CFA-9E81-60EA96323D9E}" type="pres">
+      <dgm:prSet presAssocID="{C12CFA83-1EA3-4285-A8B5-DDECEBCC8932}" presName="vertSpace2b" presStyleCnt="0"/>
+      <dgm:spPr/>
+    </dgm:pt>
+  </dgm:ptLst>
+  <dgm:cxnLst>
+    <dgm:cxn modelId="{CDC6E90A-159E-4763-A16B-2BB6A0F5C529}" srcId="{3E2D213F-E3F6-4FB8-9E01-C0C450F1B131}" destId="{EBA12DE1-F32E-4E1C-B7C6-1E45196AAC8C}" srcOrd="1" destOrd="0" parTransId="{498508F5-5778-4C3C-8F86-8D290F7D2ED8}" sibTransId="{666241D1-04C6-4385-A388-A7E2324BA2F8}"/>
+    <dgm:cxn modelId="{AE43850F-6C24-4E3A-A902-E541925E7B58}" srcId="{43B76ED6-F9BD-480D-88CB-A74AF151AEC5}" destId="{FA9DC819-FEE7-40E1-88D9-B93F0790935A}" srcOrd="0" destOrd="0" parTransId="{C2044965-9336-4C84-8B2E-B2E0BF74FAC8}" sibTransId="{95859F41-EC81-4720-8F64-4F377C5ECC7E}"/>
+    <dgm:cxn modelId="{BCF3411A-1843-4839-A9A2-8DED1351C12B}" type="presOf" srcId="{3E2D213F-E3F6-4FB8-9E01-C0C450F1B131}" destId="{212DA1FB-9497-4C4D-97C2-E967FB7FF414}" srcOrd="0" destOrd="0" presId="urn:microsoft.com/office/officeart/2008/layout/LinedList"/>
+    <dgm:cxn modelId="{5F60281C-0A72-4627-A9C0-1B1BF578724E}" type="presOf" srcId="{79905FF3-73C4-49DB-9ACB-A42364B67134}" destId="{AE92B10D-88F6-4F6D-B5C9-DE2300F7A36B}" srcOrd="0" destOrd="0" presId="urn:microsoft.com/office/officeart/2008/layout/LinedList"/>
+    <dgm:cxn modelId="{EFF1CC2C-F5A3-420A-AE4B-B80C665D344F}" srcId="{4EA06352-22DB-4BD7-81DA-2B3F7E6A00B4}" destId="{57794D1D-87D3-4109-B323-9F788E79E761}" srcOrd="1" destOrd="0" parTransId="{956C5C30-E866-4B97-BE4C-AC185FFBCC31}" sibTransId="{076AF887-B689-4F06-8EF4-CA03BA365EC5}"/>
+    <dgm:cxn modelId="{1DC9C82E-FE64-4697-B297-A6FC88C77C33}" srcId="{43B76ED6-F9BD-480D-88CB-A74AF151AEC5}" destId="{93F2D19E-AF1C-42D0-B7EF-A3D03686D59C}" srcOrd="2" destOrd="0" parTransId="{CB3BE838-7D9D-414F-8F91-AF54D7C122B2}" sibTransId="{C51CA962-D06E-49D5-A6B6-F24F64339B2A}"/>
+    <dgm:cxn modelId="{2DCAAC3C-E8EB-4AF2-9529-5A58569BFC8E}" type="presOf" srcId="{6FCAD634-4B69-4BC2-8C9F-DACC6AFCE68C}" destId="{A519F75E-DC73-4998-9668-5FF96BC8CA5A}" srcOrd="0" destOrd="0" presId="urn:microsoft.com/office/officeart/2008/layout/LinedList"/>
+    <dgm:cxn modelId="{ED0B9D5B-B6DA-43DD-A146-A1DE3D2F46CC}" type="presOf" srcId="{AA15DA94-4376-4EDE-A5A9-6345B6D2FB9E}" destId="{1DBF83B1-F240-4DA1-98BF-CAB88A89C527}" srcOrd="0" destOrd="0" presId="urn:microsoft.com/office/officeart/2008/layout/LinedList"/>
+    <dgm:cxn modelId="{C723CA5B-89E7-4309-B505-F9B426D71568}" type="presOf" srcId="{C12CFA83-1EA3-4285-A8B5-DDECEBCC8932}" destId="{6D4FAE74-CD52-437F-9712-CABD8D53CA27}" srcOrd="0" destOrd="0" presId="urn:microsoft.com/office/officeart/2008/layout/LinedList"/>
+    <dgm:cxn modelId="{A18C5761-7BF1-4F5C-8D40-19F2609DC252}" type="presOf" srcId="{083BB109-9EF4-4B2A-85E8-14FDF9013C12}" destId="{9610CFB4-6B7E-471F-B34C-BB93BEEDBD85}" srcOrd="0" destOrd="0" presId="urn:microsoft.com/office/officeart/2008/layout/LinedList"/>
+    <dgm:cxn modelId="{7C8AD646-148F-440B-A363-B72BED01BE8D}" srcId="{3E2D213F-E3F6-4FB8-9E01-C0C450F1B131}" destId="{AA15DA94-4376-4EDE-A5A9-6345B6D2FB9E}" srcOrd="0" destOrd="0" parTransId="{EAAD7761-5F0F-412D-8FEE-16361FB3B7CC}" sibTransId="{296C883D-A3CC-49DD-A8CD-73E0C0C77E24}"/>
+    <dgm:cxn modelId="{04FE0374-FF72-4169-8575-EB9854FE580E}" type="presOf" srcId="{4EA06352-22DB-4BD7-81DA-2B3F7E6A00B4}" destId="{E6F75E16-2E8B-4EB0-85E5-F681CF9A3B64}" srcOrd="0" destOrd="0" presId="urn:microsoft.com/office/officeart/2008/layout/LinedList"/>
+    <dgm:cxn modelId="{9BB69F76-ACD5-4AD2-9DB2-4A8E04878D3D}" type="presOf" srcId="{57794D1D-87D3-4109-B323-9F788E79E761}" destId="{FFF8F218-5B56-46CC-B72B-6AD0C287DA1A}" srcOrd="0" destOrd="0" presId="urn:microsoft.com/office/officeart/2008/layout/LinedList"/>
+    <dgm:cxn modelId="{07F13786-EA65-4D96-850D-F2C003EEF009}" srcId="{6FCAD634-4B69-4BC2-8C9F-DACC6AFCE68C}" destId="{43B76ED6-F9BD-480D-88CB-A74AF151AEC5}" srcOrd="1" destOrd="0" parTransId="{10263013-345B-4AB6-9F93-A292CC9558FE}" sibTransId="{C938761F-426C-46FA-AB3D-54F95F8963B7}"/>
+    <dgm:cxn modelId="{29A7DD8F-40C1-434D-9790-7C2F7AB6AAE1}" type="presOf" srcId="{93F2D19E-AF1C-42D0-B7EF-A3D03686D59C}" destId="{5FA6EC58-797B-42DD-A51E-EEBDBB2F2303}" srcOrd="0" destOrd="0" presId="urn:microsoft.com/office/officeart/2008/layout/LinedList"/>
+    <dgm:cxn modelId="{A5BDB996-6AC6-4273-8636-7B5F17010D3A}" srcId="{6FCAD634-4B69-4BC2-8C9F-DACC6AFCE68C}" destId="{4EA06352-22DB-4BD7-81DA-2B3F7E6A00B4}" srcOrd="2" destOrd="0" parTransId="{BB9E0575-FD01-4413-A394-BDFDD5BB14F1}" sibTransId="{5F74B3A8-6527-4F16-84F8-ACE1206DA1B3}"/>
+    <dgm:cxn modelId="{BCCECC9D-3B3D-4D91-8672-0681B775D4F4}" type="presOf" srcId="{EBA12DE1-F32E-4E1C-B7C6-1E45196AAC8C}" destId="{6A1FC106-5161-495C-A143-825E55DBBB4D}" srcOrd="0" destOrd="0" presId="urn:microsoft.com/office/officeart/2008/layout/LinedList"/>
+    <dgm:cxn modelId="{2C5B2AA0-F4C1-4228-9806-0C47B37A7CB0}" srcId="{4EA06352-22DB-4BD7-81DA-2B3F7E6A00B4}" destId="{C12CFA83-1EA3-4285-A8B5-DDECEBCC8932}" srcOrd="3" destOrd="0" parTransId="{E701AAC8-344D-4878-9A52-DBD30335A798}" sibTransId="{E8C532D9-E500-4E07-A041-9EA614B660FB}"/>
+    <dgm:cxn modelId="{F233B5AC-EBF6-4B73-BA3A-8903C2726025}" srcId="{4EA06352-22DB-4BD7-81DA-2B3F7E6A00B4}" destId="{79905FF3-73C4-49DB-9ACB-A42364B67134}" srcOrd="0" destOrd="0" parTransId="{52593A71-6F15-480A-A69F-D43DE836B7A1}" sibTransId="{C0D9846C-1BEE-4306-85EC-E0F80FDCDCE1}"/>
+    <dgm:cxn modelId="{72BEF3B2-A848-421D-AC37-D4C133344F44}" type="presOf" srcId="{43B76ED6-F9BD-480D-88CB-A74AF151AEC5}" destId="{36B5A8BA-D65D-4A68-BDB2-01A53C0A6F69}" srcOrd="0" destOrd="0" presId="urn:microsoft.com/office/officeart/2008/layout/LinedList"/>
+    <dgm:cxn modelId="{BACF49B5-B26E-4EF4-9948-031789EB2A85}" type="presOf" srcId="{8CC9E8DF-1DF2-4601-BB57-ECE6C2B3B956}" destId="{28FCD878-8CB3-412B-893A-BF3DF01EE9BF}" srcOrd="0" destOrd="0" presId="urn:microsoft.com/office/officeart/2008/layout/LinedList"/>
+    <dgm:cxn modelId="{146340C1-E0A8-4EDD-A195-743C7750A33B}" srcId="{3E2D213F-E3F6-4FB8-9E01-C0C450F1B131}" destId="{ECB0F062-DEEC-4B2B-A51B-0EC3E2519CB3}" srcOrd="2" destOrd="0" parTransId="{8F57631E-6124-4A17-8B06-46187FCB78C8}" sibTransId="{B4BFD774-5263-49B1-B44E-44549C26066C}"/>
+    <dgm:cxn modelId="{98DCACC6-CB96-417D-AA0B-5C68F65DCCCE}" srcId="{43B76ED6-F9BD-480D-88CB-A74AF151AEC5}" destId="{8CC9E8DF-1DF2-4601-BB57-ECE6C2B3B956}" srcOrd="1" destOrd="0" parTransId="{C7B72ABE-814B-4CE2-9946-617CFCD262DC}" sibTransId="{5B3E87CD-FA95-44B0-828E-81D50DEE1704}"/>
+    <dgm:cxn modelId="{6C2457CF-71E3-44E6-88CE-0ABE732A1211}" type="presOf" srcId="{FA9DC819-FEE7-40E1-88D9-B93F0790935A}" destId="{3EECA7BC-2EB1-45E2-A2B3-BBAC49207B3D}" srcOrd="0" destOrd="0" presId="urn:microsoft.com/office/officeart/2008/layout/LinedList"/>
+    <dgm:cxn modelId="{6C256DE0-2AA9-42E6-9436-EEC3DC6121DF}" srcId="{4EA06352-22DB-4BD7-81DA-2B3F7E6A00B4}" destId="{083BB109-9EF4-4B2A-85E8-14FDF9013C12}" srcOrd="2" destOrd="0" parTransId="{B4A07D06-E400-4B36-8E24-11AE1090C110}" sibTransId="{07E6BAB6-C51C-42D4-AEED-34A9F109D02D}"/>
+    <dgm:cxn modelId="{18D973E4-0B01-4DC9-AAF4-212D98A31BE0}" srcId="{6FCAD634-4B69-4BC2-8C9F-DACC6AFCE68C}" destId="{3E2D213F-E3F6-4FB8-9E01-C0C450F1B131}" srcOrd="0" destOrd="0" parTransId="{7BFE1A8E-4341-4EFB-98DC-DCB3DFBB3082}" sibTransId="{832EC01F-1011-4569-AE57-ACBEAE1D0050}"/>
+    <dgm:cxn modelId="{71B882FB-A00C-4ED3-B581-ED9FCBCD0D73}" type="presOf" srcId="{ECB0F062-DEEC-4B2B-A51B-0EC3E2519CB3}" destId="{B3393928-F1BF-4E88-9A4F-02253C666191}" srcOrd="0" destOrd="0" presId="urn:microsoft.com/office/officeart/2008/layout/LinedList"/>
+    <dgm:cxn modelId="{243E753A-2745-435D-BE9B-499A4AB95339}" type="presParOf" srcId="{A519F75E-DC73-4998-9668-5FF96BC8CA5A}" destId="{9F6E897A-6E4A-48FC-A0D8-1CED9A730F34}" srcOrd="0" destOrd="0" presId="urn:microsoft.com/office/officeart/2008/layout/LinedList"/>
+    <dgm:cxn modelId="{39751205-5B1C-4E83-B7EA-7A9BF88A7701}" type="presParOf" srcId="{A519F75E-DC73-4998-9668-5FF96BC8CA5A}" destId="{D070C45B-9593-46E7-9683-AAA0D791A335}" srcOrd="1" destOrd="0" presId="urn:microsoft.com/office/officeart/2008/layout/LinedList"/>
+    <dgm:cxn modelId="{DDD8C5C1-6233-47FA-AA7C-9C3529109CAE}" type="presParOf" srcId="{D070C45B-9593-46E7-9683-AAA0D791A335}" destId="{212DA1FB-9497-4C4D-97C2-E967FB7FF414}" srcOrd="0" destOrd="0" presId="urn:microsoft.com/office/officeart/2008/layout/LinedList"/>
+    <dgm:cxn modelId="{61AF3A7C-2523-453D-A7B0-03BC9F616F9D}" type="presParOf" srcId="{D070C45B-9593-46E7-9683-AAA0D791A335}" destId="{004A1C7C-725B-40EC-9F15-F055B91437A5}" srcOrd="1" destOrd="0" presId="urn:microsoft.com/office/officeart/2008/layout/LinedList"/>
+    <dgm:cxn modelId="{131C4E83-8AF7-41A5-914D-CC8B9E4B5FAF}" type="presParOf" srcId="{004A1C7C-725B-40EC-9F15-F055B91437A5}" destId="{98AB4E87-1B0D-4FB8-81D4-D49067045925}" srcOrd="0" destOrd="0" presId="urn:microsoft.com/office/officeart/2008/layout/LinedList"/>
+    <dgm:cxn modelId="{0B903E01-0B25-4D21-8F32-D67E5F60141A}" type="presParOf" srcId="{004A1C7C-725B-40EC-9F15-F055B91437A5}" destId="{9E8091D8-5E3D-4877-8E5D-B37A0FF3696E}" srcOrd="1" destOrd="0" presId="urn:microsoft.com/office/officeart/2008/layout/LinedList"/>
+    <dgm:cxn modelId="{4BF4DB7D-4E7B-4092-84A0-CA4E351B8B21}" type="presParOf" srcId="{9E8091D8-5E3D-4877-8E5D-B37A0FF3696E}" destId="{A91FA5D0-4AAF-4158-91B9-42C3EA43D41F}" srcOrd="0" destOrd="0" presId="urn:microsoft.com/office/officeart/2008/layout/LinedList"/>
+    <dgm:cxn modelId="{CA8B3DB5-6D90-452E-82FC-0CEBD4F0E266}" type="presParOf" srcId="{9E8091D8-5E3D-4877-8E5D-B37A0FF3696E}" destId="{1DBF83B1-F240-4DA1-98BF-CAB88A89C527}" srcOrd="1" destOrd="0" presId="urn:microsoft.com/office/officeart/2008/layout/LinedList"/>
+    <dgm:cxn modelId="{23BF79B6-F704-467B-B355-3C1AA67A8E3F}" type="presParOf" srcId="{9E8091D8-5E3D-4877-8E5D-B37A0FF3696E}" destId="{D84EC80B-B6B6-4D39-9B9F-C37200BC0A86}" srcOrd="2" destOrd="0" presId="urn:microsoft.com/office/officeart/2008/layout/LinedList"/>
+    <dgm:cxn modelId="{0E47F8BF-D24D-4F77-95CD-3055EAB762BF}" type="presParOf" srcId="{004A1C7C-725B-40EC-9F15-F055B91437A5}" destId="{23B54297-6D5E-4873-A403-4C540D074EA3}" srcOrd="2" destOrd="0" presId="urn:microsoft.com/office/officeart/2008/layout/LinedList"/>
+    <dgm:cxn modelId="{E78BE377-2BFB-4A95-A456-3670B82F0287}" type="presParOf" srcId="{004A1C7C-725B-40EC-9F15-F055B91437A5}" destId="{B791E8B2-E9AD-44D8-8B52-2F83273BDAB8}" srcOrd="3" destOrd="0" presId="urn:microsoft.com/office/officeart/2008/layout/LinedList"/>
+    <dgm:cxn modelId="{8E6475C5-3E62-4804-ADC7-162E3B72186B}" type="presParOf" srcId="{004A1C7C-725B-40EC-9F15-F055B91437A5}" destId="{549267A2-ACE2-4166-8702-092C43C03299}" srcOrd="4" destOrd="0" presId="urn:microsoft.com/office/officeart/2008/layout/LinedList"/>
+    <dgm:cxn modelId="{DA131410-4EA8-467B-AC8C-3C9B94321C8D}" type="presParOf" srcId="{549267A2-ACE2-4166-8702-092C43C03299}" destId="{45A4ECEB-B128-42EB-9781-9ACE98ACE3A8}" srcOrd="0" destOrd="0" presId="urn:microsoft.com/office/officeart/2008/layout/LinedList"/>
+    <dgm:cxn modelId="{D47C2670-AED0-4369-9254-065F732D8E0C}" type="presParOf" srcId="{549267A2-ACE2-4166-8702-092C43C03299}" destId="{6A1FC106-5161-495C-A143-825E55DBBB4D}" srcOrd="1" destOrd="0" presId="urn:microsoft.com/office/officeart/2008/layout/LinedList"/>
+    <dgm:cxn modelId="{0F7A6A83-39B1-4897-A592-3887D6901F2D}" type="presParOf" srcId="{549267A2-ACE2-4166-8702-092C43C03299}" destId="{7AF47A7C-86F8-422C-B3FD-8BCD2CD64211}" srcOrd="2" destOrd="0" presId="urn:microsoft.com/office/officeart/2008/layout/LinedList"/>
+    <dgm:cxn modelId="{82F22A4D-4921-45DB-B08D-49D326A18600}" type="presParOf" srcId="{004A1C7C-725B-40EC-9F15-F055B91437A5}" destId="{5A94E8F2-AF71-41A6-83E2-CCBC9677CF20}" srcOrd="5" destOrd="0" presId="urn:microsoft.com/office/officeart/2008/layout/LinedList"/>
+    <dgm:cxn modelId="{CBAFB7E4-AFD3-4E29-AE07-98F0C867D226}" type="presParOf" srcId="{004A1C7C-725B-40EC-9F15-F055B91437A5}" destId="{C27C0FA8-337C-4F1C-BE23-35152FB512AF}" srcOrd="6" destOrd="0" presId="urn:microsoft.com/office/officeart/2008/layout/LinedList"/>
+    <dgm:cxn modelId="{3D6BBFE2-E3C6-4AB4-8B86-A5959F82F334}" type="presParOf" srcId="{004A1C7C-725B-40EC-9F15-F055B91437A5}" destId="{BDB5CE44-81AB-4095-B2F4-A97C7EEF3BC3}" srcOrd="7" destOrd="0" presId="urn:microsoft.com/office/officeart/2008/layout/LinedList"/>
+    <dgm:cxn modelId="{D0FA7A56-C68E-43FC-BAA3-873742F8C138}" type="presParOf" srcId="{BDB5CE44-81AB-4095-B2F4-A97C7EEF3BC3}" destId="{04967189-DE84-4F30-B87D-01F3518FABE1}" srcOrd="0" destOrd="0" presId="urn:microsoft.com/office/officeart/2008/layout/LinedList"/>
+    <dgm:cxn modelId="{98ED8CA5-15AB-4B92-BB48-E3E1C784984E}" type="presParOf" srcId="{BDB5CE44-81AB-4095-B2F4-A97C7EEF3BC3}" destId="{B3393928-F1BF-4E88-9A4F-02253C666191}" srcOrd="1" destOrd="0" presId="urn:microsoft.com/office/officeart/2008/layout/LinedList"/>
+    <dgm:cxn modelId="{9F515907-59C1-4046-8DE5-B6E213729A3A}" type="presParOf" srcId="{BDB5CE44-81AB-4095-B2F4-A97C7EEF3BC3}" destId="{D6FE962F-E3B1-4E5A-B4A1-9A3267BC4314}" srcOrd="2" destOrd="0" presId="urn:microsoft.com/office/officeart/2008/layout/LinedList"/>
+    <dgm:cxn modelId="{3091731C-0CE4-4D5A-AA93-43FBA974FF0F}" type="presParOf" srcId="{004A1C7C-725B-40EC-9F15-F055B91437A5}" destId="{17E04FBC-74A8-4A7D-98B9-D007CF028917}" srcOrd="8" destOrd="0" presId="urn:microsoft.com/office/officeart/2008/layout/LinedList"/>
+    <dgm:cxn modelId="{A47C66E7-E914-4DD5-AC81-36C9A43E6BDA}" type="presParOf" srcId="{004A1C7C-725B-40EC-9F15-F055B91437A5}" destId="{809AD65B-9E73-4F88-8A23-11C4688339F7}" srcOrd="9" destOrd="0" presId="urn:microsoft.com/office/officeart/2008/layout/LinedList"/>
+    <dgm:cxn modelId="{45656DF4-C6EF-4DC5-B406-98A050C6FB28}" type="presParOf" srcId="{A519F75E-DC73-4998-9668-5FF96BC8CA5A}" destId="{7A4F8164-17D6-4ADC-A169-63363AB6CA17}" srcOrd="2" destOrd="0" presId="urn:microsoft.com/office/officeart/2008/layout/LinedList"/>
+    <dgm:cxn modelId="{C390A36E-DF24-40A4-A4DA-CCE3386D459E}" type="presParOf" srcId="{A519F75E-DC73-4998-9668-5FF96BC8CA5A}" destId="{592978C8-F021-45AE-BD06-683B84FA978D}" srcOrd="3" destOrd="0" presId="urn:microsoft.com/office/officeart/2008/layout/LinedList"/>
+    <dgm:cxn modelId="{F03C3E2A-19D8-4D31-B0BE-7DB4048E0D72}" type="presParOf" srcId="{592978C8-F021-45AE-BD06-683B84FA978D}" destId="{36B5A8BA-D65D-4A68-BDB2-01A53C0A6F69}" srcOrd="0" destOrd="0" presId="urn:microsoft.com/office/officeart/2008/layout/LinedList"/>
+    <dgm:cxn modelId="{4AB40C5C-98FF-4052-A525-8AB56FE85BF7}" type="presParOf" srcId="{592978C8-F021-45AE-BD06-683B84FA978D}" destId="{D26AEF54-7DCD-4D8D-827D-F3AF4EC22F12}" srcOrd="1" destOrd="0" presId="urn:microsoft.com/office/officeart/2008/layout/LinedList"/>
+    <dgm:cxn modelId="{B0D32306-B695-40B8-B906-4E7EE7723780}" type="presParOf" srcId="{D26AEF54-7DCD-4D8D-827D-F3AF4EC22F12}" destId="{56FA14C7-735C-43E4-B6E2-9959CD2B2A07}" srcOrd="0" destOrd="0" presId="urn:microsoft.com/office/officeart/2008/layout/LinedList"/>
+    <dgm:cxn modelId="{927C3F4F-7604-4D94-B761-EA63D0D49CE3}" type="presParOf" srcId="{D26AEF54-7DCD-4D8D-827D-F3AF4EC22F12}" destId="{308670FF-EB2E-4B5A-9535-BAF63B051385}" srcOrd="1" destOrd="0" presId="urn:microsoft.com/office/officeart/2008/layout/LinedList"/>
+    <dgm:cxn modelId="{380809B8-7861-4708-B30B-55817233F026}" type="presParOf" srcId="{308670FF-EB2E-4B5A-9535-BAF63B051385}" destId="{647A421B-0817-4160-9B30-BE46F9728BFD}" srcOrd="0" destOrd="0" presId="urn:microsoft.com/office/officeart/2008/layout/LinedList"/>
+    <dgm:cxn modelId="{5356537A-4759-43A7-A9F9-3EB1BEBDEE6B}" type="presParOf" srcId="{308670FF-EB2E-4B5A-9535-BAF63B051385}" destId="{3EECA7BC-2EB1-45E2-A2B3-BBAC49207B3D}" srcOrd="1" destOrd="0" presId="urn:microsoft.com/office/officeart/2008/layout/LinedList"/>
+    <dgm:cxn modelId="{7FBFF1A4-5377-4F34-9626-EA5C9DABEC95}" type="presParOf" srcId="{308670FF-EB2E-4B5A-9535-BAF63B051385}" destId="{0C0DF0FC-EEED-4D46-B001-D3F90B7D1252}" srcOrd="2" destOrd="0" presId="urn:microsoft.com/office/officeart/2008/layout/LinedList"/>
+    <dgm:cxn modelId="{D6DF93BA-4ACA-4EB2-9029-AF7527E70677}" type="presParOf" srcId="{D26AEF54-7DCD-4D8D-827D-F3AF4EC22F12}" destId="{2D488E23-907F-4535-99FC-0206BDD304F3}" srcOrd="2" destOrd="0" presId="urn:microsoft.com/office/officeart/2008/layout/LinedList"/>
+    <dgm:cxn modelId="{E387ED1E-DCBA-4C90-BB53-2CA85E597930}" type="presParOf" srcId="{D26AEF54-7DCD-4D8D-827D-F3AF4EC22F12}" destId="{072B755E-A2DC-4728-82AF-82FB1DCA21A7}" srcOrd="3" destOrd="0" presId="urn:microsoft.com/office/officeart/2008/layout/LinedList"/>
+    <dgm:cxn modelId="{5CF37312-DFAB-4EAD-8939-B43AC31478F4}" type="presParOf" srcId="{D26AEF54-7DCD-4D8D-827D-F3AF4EC22F12}" destId="{BFE90E61-3946-45D4-AA79-ED6DF7B80166}" srcOrd="4" destOrd="0" presId="urn:microsoft.com/office/officeart/2008/layout/LinedList"/>
+    <dgm:cxn modelId="{3734445C-124C-4100-A2E8-680DAA3B8E47}" type="presParOf" srcId="{BFE90E61-3946-45D4-AA79-ED6DF7B80166}" destId="{B6BDCCD3-4778-48DB-8402-41ED35880034}" srcOrd="0" destOrd="0" presId="urn:microsoft.com/office/officeart/2008/layout/LinedList"/>
+    <dgm:cxn modelId="{81B05D9E-E559-41D8-9FF6-735329CF3CDA}" type="presParOf" srcId="{BFE90E61-3946-45D4-AA79-ED6DF7B80166}" destId="{28FCD878-8CB3-412B-893A-BF3DF01EE9BF}" srcOrd="1" destOrd="0" presId="urn:microsoft.com/office/officeart/2008/layout/LinedList"/>
+    <dgm:cxn modelId="{2142FF30-F15B-4DBF-8CE9-53FE233659FB}" type="presParOf" srcId="{BFE90E61-3946-45D4-AA79-ED6DF7B80166}" destId="{7F16BC53-FB92-4441-AB07-D9374DB31D4B}" srcOrd="2" destOrd="0" presId="urn:microsoft.com/office/officeart/2008/layout/LinedList"/>
+    <dgm:cxn modelId="{628B80C7-5A68-4F37-8A8D-FBEF462EB9BD}" type="presParOf" srcId="{D26AEF54-7DCD-4D8D-827D-F3AF4EC22F12}" destId="{54B3608B-D04E-49DA-A8F6-4E3BE756A132}" srcOrd="5" destOrd="0" presId="urn:microsoft.com/office/officeart/2008/layout/LinedList"/>
+    <dgm:cxn modelId="{A8E5D871-3354-446D-8DF9-2F9D987FD5CB}" type="presParOf" srcId="{D26AEF54-7DCD-4D8D-827D-F3AF4EC22F12}" destId="{EA0B264A-1461-4682-9BE0-1DD738FB45FB}" srcOrd="6" destOrd="0" presId="urn:microsoft.com/office/officeart/2008/layout/LinedList"/>
+    <dgm:cxn modelId="{D7D7DADA-9B09-4EAC-8CC9-4F7942C2E5CF}" type="presParOf" srcId="{D26AEF54-7DCD-4D8D-827D-F3AF4EC22F12}" destId="{5B0916E9-8771-4F32-92F3-EFC371A962F3}" srcOrd="7" destOrd="0" presId="urn:microsoft.com/office/officeart/2008/layout/LinedList"/>
+    <dgm:cxn modelId="{49C4F217-501F-4846-BC8C-52C6F81A1AA9}" type="presParOf" srcId="{5B0916E9-8771-4F32-92F3-EFC371A962F3}" destId="{B0687239-1162-4012-B49D-635DF6FBACF5}" srcOrd="0" destOrd="0" presId="urn:microsoft.com/office/officeart/2008/layout/LinedList"/>
+    <dgm:cxn modelId="{C5E42434-1790-463C-BA4D-DD23DD3A547E}" type="presParOf" srcId="{5B0916E9-8771-4F32-92F3-EFC371A962F3}" destId="{5FA6EC58-797B-42DD-A51E-EEBDBB2F2303}" srcOrd="1" destOrd="0" presId="urn:microsoft.com/office/officeart/2008/layout/LinedList"/>
+    <dgm:cxn modelId="{6647E6A5-9912-4B5B-A299-F50F0D454748}" type="presParOf" srcId="{5B0916E9-8771-4F32-92F3-EFC371A962F3}" destId="{FC2BBD07-7AB1-4EB2-9DBC-D00190DC2366}" srcOrd="2" destOrd="0" presId="urn:microsoft.com/office/officeart/2008/layout/LinedList"/>
+    <dgm:cxn modelId="{3B58B807-CE6D-47A5-90C3-05DCD5890F06}" type="presParOf" srcId="{D26AEF54-7DCD-4D8D-827D-F3AF4EC22F12}" destId="{541E130F-4F0B-483D-A445-394F2854D620}" srcOrd="8" destOrd="0" presId="urn:microsoft.com/office/officeart/2008/layout/LinedList"/>
+    <dgm:cxn modelId="{196FBC99-5968-4479-B541-5AFFCBD3F703}" type="presParOf" srcId="{D26AEF54-7DCD-4D8D-827D-F3AF4EC22F12}" destId="{8416DE6B-7A40-4EF5-BDEC-0B30FF236B6D}" srcOrd="9" destOrd="0" presId="urn:microsoft.com/office/officeart/2008/layout/LinedList"/>
+    <dgm:cxn modelId="{F748CC24-A574-47B0-ADFE-1A1B273D554B}" type="presParOf" srcId="{A519F75E-DC73-4998-9668-5FF96BC8CA5A}" destId="{9C316B34-4C1E-44D5-90BB-0344790758D6}" srcOrd="4" destOrd="0" presId="urn:microsoft.com/office/officeart/2008/layout/LinedList"/>
+    <dgm:cxn modelId="{B97F7B2A-56DC-4862-9FA6-3D729669E596}" type="presParOf" srcId="{A519F75E-DC73-4998-9668-5FF96BC8CA5A}" destId="{1EFA498C-A688-4320-9A50-A493979E6B49}" srcOrd="5" destOrd="0" presId="urn:microsoft.com/office/officeart/2008/layout/LinedList"/>
+    <dgm:cxn modelId="{196CF124-CB50-4268-B05B-66035CDA353C}" type="presParOf" srcId="{1EFA498C-A688-4320-9A50-A493979E6B49}" destId="{E6F75E16-2E8B-4EB0-85E5-F681CF9A3B64}" srcOrd="0" destOrd="0" presId="urn:microsoft.com/office/officeart/2008/layout/LinedList"/>
+    <dgm:cxn modelId="{DE4CB206-27DD-4476-8B18-4C05DCE1BA31}" type="presParOf" srcId="{1EFA498C-A688-4320-9A50-A493979E6B49}" destId="{4A8112F7-B8C2-42A8-B1D7-735017959244}" srcOrd="1" destOrd="0" presId="urn:microsoft.com/office/officeart/2008/layout/LinedList"/>
+    <dgm:cxn modelId="{F6376E08-5151-4D81-BF8B-EC2696761A4F}" type="presParOf" srcId="{4A8112F7-B8C2-42A8-B1D7-735017959244}" destId="{29E32090-F7DA-4387-AFB2-D0DAE5031124}" srcOrd="0" destOrd="0" presId="urn:microsoft.com/office/officeart/2008/layout/LinedList"/>
+    <dgm:cxn modelId="{60234F4E-BD6C-480A-BD67-C3813E4CF3C1}" type="presParOf" srcId="{4A8112F7-B8C2-42A8-B1D7-735017959244}" destId="{B6982976-1A76-4842-9E55-6F9C3F1EC32D}" srcOrd="1" destOrd="0" presId="urn:microsoft.com/office/officeart/2008/layout/LinedList"/>
+    <dgm:cxn modelId="{D9DF9957-CE8A-4622-AF4B-357E489A086F}" type="presParOf" srcId="{B6982976-1A76-4842-9E55-6F9C3F1EC32D}" destId="{A80ADFD6-0EFB-4D90-889A-4EEC6BB1ACAF}" srcOrd="0" destOrd="0" presId="urn:microsoft.com/office/officeart/2008/layout/LinedList"/>
+    <dgm:cxn modelId="{661BB91E-8C69-40E2-9ABF-F1DDB661657F}" type="presParOf" srcId="{B6982976-1A76-4842-9E55-6F9C3F1EC32D}" destId="{AE92B10D-88F6-4F6D-B5C9-DE2300F7A36B}" srcOrd="1" destOrd="0" presId="urn:microsoft.com/office/officeart/2008/layout/LinedList"/>
+    <dgm:cxn modelId="{6FBC6ED9-443B-4A4F-A743-BB94CA90201C}" type="presParOf" srcId="{B6982976-1A76-4842-9E55-6F9C3F1EC32D}" destId="{EF8FD891-4FE6-4839-BD1D-9AE0B4B6A831}" srcOrd="2" destOrd="0" presId="urn:microsoft.com/office/officeart/2008/layout/LinedList"/>
+    <dgm:cxn modelId="{DD6D830C-A000-4860-B0F2-6C95FC1FA486}" type="presParOf" srcId="{4A8112F7-B8C2-42A8-B1D7-735017959244}" destId="{6851BF19-073C-47AA-8D90-789C283967B2}" srcOrd="2" destOrd="0" presId="urn:microsoft.com/office/officeart/2008/layout/LinedList"/>
+    <dgm:cxn modelId="{635A2302-93B6-4289-8FC7-70A86D73A3AA}" type="presParOf" srcId="{4A8112F7-B8C2-42A8-B1D7-735017959244}" destId="{68D04589-4978-4910-9F7E-D150744D683B}" srcOrd="3" destOrd="0" presId="urn:microsoft.com/office/officeart/2008/layout/LinedList"/>
+    <dgm:cxn modelId="{BFE84661-49FA-4411-BFCF-3BA3E53907B3}" type="presParOf" srcId="{4A8112F7-B8C2-42A8-B1D7-735017959244}" destId="{1A88CE1C-DA35-4471-9BE2-52803D104588}" srcOrd="4" destOrd="0" presId="urn:microsoft.com/office/officeart/2008/layout/LinedList"/>
+    <dgm:cxn modelId="{A3733C73-CD1E-4419-8AEF-D095D33846C5}" type="presParOf" srcId="{1A88CE1C-DA35-4471-9BE2-52803D104588}" destId="{95853388-072F-4BAF-B98B-55DA04F845DB}" srcOrd="0" destOrd="0" presId="urn:microsoft.com/office/officeart/2008/layout/LinedList"/>
+    <dgm:cxn modelId="{36CF6E01-BA5E-4274-86DD-FEE363415C8C}" type="presParOf" srcId="{1A88CE1C-DA35-4471-9BE2-52803D104588}" destId="{FFF8F218-5B56-46CC-B72B-6AD0C287DA1A}" srcOrd="1" destOrd="0" presId="urn:microsoft.com/office/officeart/2008/layout/LinedList"/>
+    <dgm:cxn modelId="{EF599BB7-81A0-4773-BB69-5A097B4F4FBA}" type="presParOf" srcId="{1A88CE1C-DA35-4471-9BE2-52803D104588}" destId="{43DDC20D-1D27-4466-930A-4BF120CBC3DA}" srcOrd="2" destOrd="0" presId="urn:microsoft.com/office/officeart/2008/layout/LinedList"/>
+    <dgm:cxn modelId="{E7D28BE0-B7E6-4F53-B0B0-D4D4C0545DC8}" type="presParOf" srcId="{4A8112F7-B8C2-42A8-B1D7-735017959244}" destId="{9670E561-9038-450C-8748-44178B1AD60D}" srcOrd="5" destOrd="0" presId="urn:microsoft.com/office/officeart/2008/layout/LinedList"/>
+    <dgm:cxn modelId="{A1CC6416-11D0-4DE6-BB32-2B14944ACD1D}" type="presParOf" srcId="{4A8112F7-B8C2-42A8-B1D7-735017959244}" destId="{806438F5-86A5-406A-BF1B-C1E5F38AD601}" srcOrd="6" destOrd="0" presId="urn:microsoft.com/office/officeart/2008/layout/LinedList"/>
+    <dgm:cxn modelId="{EF01C9B3-5855-4416-9706-89FF05ECF944}" type="presParOf" srcId="{4A8112F7-B8C2-42A8-B1D7-735017959244}" destId="{05B17F51-9609-4818-8886-854A08DBF035}" srcOrd="7" destOrd="0" presId="urn:microsoft.com/office/officeart/2008/layout/LinedList"/>
+    <dgm:cxn modelId="{E5FFB2BF-85F4-41E2-B389-9F67F0AA26D8}" type="presParOf" srcId="{05B17F51-9609-4818-8886-854A08DBF035}" destId="{ACBD5CBD-F4D3-4DA3-8E80-FEA294FEE704}" srcOrd="0" destOrd="0" presId="urn:microsoft.com/office/officeart/2008/layout/LinedList"/>
+    <dgm:cxn modelId="{F2F3F586-44A0-4BB6-B829-6EEF45D45914}" type="presParOf" srcId="{05B17F51-9609-4818-8886-854A08DBF035}" destId="{9610CFB4-6B7E-471F-B34C-BB93BEEDBD85}" srcOrd="1" destOrd="0" presId="urn:microsoft.com/office/officeart/2008/layout/LinedList"/>
+    <dgm:cxn modelId="{F65A7254-7056-497A-879A-C592037389A7}" type="presParOf" srcId="{05B17F51-9609-4818-8886-854A08DBF035}" destId="{B18886A3-4760-434F-A2B3-78B997EDF84D}" srcOrd="2" destOrd="0" presId="urn:microsoft.com/office/officeart/2008/layout/LinedList"/>
+    <dgm:cxn modelId="{823138D8-2219-4067-A9E1-1AC826F4C6B6}" type="presParOf" srcId="{4A8112F7-B8C2-42A8-B1D7-735017959244}" destId="{4A512112-3FAB-4DAB-BE9B-3EF2A5A04A01}" srcOrd="8" destOrd="0" presId="urn:microsoft.com/office/officeart/2008/layout/LinedList"/>
+    <dgm:cxn modelId="{56D37BF7-07B5-47EE-A5C0-A60010CECFF8}" type="presParOf" srcId="{4A8112F7-B8C2-42A8-B1D7-735017959244}" destId="{89EA3B8C-E514-4FBF-BB95-9973E7DC638A}" srcOrd="9" destOrd="0" presId="urn:microsoft.com/office/officeart/2008/layout/LinedList"/>
+    <dgm:cxn modelId="{0828BB78-291D-41AD-9555-CE5C1CC88ED3}" type="presParOf" srcId="{4A8112F7-B8C2-42A8-B1D7-735017959244}" destId="{9204E036-4212-40E3-A80D-1A18D000525B}" srcOrd="10" destOrd="0" presId="urn:microsoft.com/office/officeart/2008/layout/LinedList"/>
+    <dgm:cxn modelId="{B9ED50C0-7A0F-43FA-934D-B654B7CD0DD2}" type="presParOf" srcId="{9204E036-4212-40E3-A80D-1A18D000525B}" destId="{80DFE7AE-CA5F-42EE-8873-914E924C8463}" srcOrd="0" destOrd="0" presId="urn:microsoft.com/office/officeart/2008/layout/LinedList"/>
+    <dgm:cxn modelId="{637B49BA-C15E-491A-A534-AD960D225928}" type="presParOf" srcId="{9204E036-4212-40E3-A80D-1A18D000525B}" destId="{6D4FAE74-CD52-437F-9712-CABD8D53CA27}" srcOrd="1" destOrd="0" presId="urn:microsoft.com/office/officeart/2008/layout/LinedList"/>
+    <dgm:cxn modelId="{51CB310B-386D-440E-889E-73F25128DD4A}" type="presParOf" srcId="{9204E036-4212-40E3-A80D-1A18D000525B}" destId="{609DEB0F-BA67-4E4C-9F33-B499B42B3A5D}" srcOrd="2" destOrd="0" presId="urn:microsoft.com/office/officeart/2008/layout/LinedList"/>
+    <dgm:cxn modelId="{BC4A7423-6964-40FE-8EFA-3AA005875641}" type="presParOf" srcId="{4A8112F7-B8C2-42A8-B1D7-735017959244}" destId="{12DFB566-F227-47D0-861E-F198F3FDA56F}" srcOrd="11" destOrd="0" presId="urn:microsoft.com/office/officeart/2008/layout/LinedList"/>
+    <dgm:cxn modelId="{ABF169FB-36DA-4A24-B8BE-39F87A40AA48}" type="presParOf" srcId="{4A8112F7-B8C2-42A8-B1D7-735017959244}" destId="{8F8FA19B-DA5E-4CFA-9E81-60EA96323D9E}" srcOrd="12" destOrd="0" presId="urn:microsoft.com/office/officeart/2008/layout/LinedList"/>
+  </dgm:cxnLst>
+  <dgm:bg/>
+  <dgm:whole/>
+  <dgm:extLst>
+    <a:ext uri="http://schemas.microsoft.com/office/drawing/2008/diagram">
+      <dsp:dataModelExt xmlns:dsp="http://schemas.microsoft.com/office/drawing/2008/diagram" relId="rId6" minVer="http://schemas.openxmlformats.org/drawingml/2006/diagram"/>
+    </a:ext>
+  </dgm:extLst>
+</dgm:dataModel>
+</file>
+
 <file path=ppt/diagrams/drawing1.xml><?xml version="1.0" encoding="utf-8"?>
 <dsp:drawing xmlns:dgm="http://schemas.openxmlformats.org/drawingml/2006/diagram" xmlns:dsp="http://schemas.microsoft.com/office/drawing/2008/diagram" xmlns:a="http://schemas.openxmlformats.org/drawingml/2006/main">
   <dsp:spTree>
@@ -26123,6 +27956,1672 @@
       </dsp:txXfrm>
     </dsp:sp>
     <dsp:sp modelId="{55C089C9-D86E-44E7-8193-DB090A930E75}">
+      <dsp:nvSpPr>
+        <dsp:cNvPr id="0" name=""/>
+        <dsp:cNvSpPr/>
+      </dsp:nvSpPr>
+      <dsp:spPr>
+        <a:xfrm>
+          <a:off x="1704119" y="3249172"/>
+          <a:ext cx="6816480" cy="0"/>
+        </a:xfrm>
+        <a:prstGeom prst="line">
+          <a:avLst/>
+        </a:prstGeom>
+        <a:solidFill>
+          <a:schemeClr val="accent3">
+            <a:hueOff val="0"/>
+            <a:satOff val="0"/>
+            <a:lumOff val="0"/>
+            <a:alphaOff val="0"/>
+          </a:schemeClr>
+        </a:solidFill>
+        <a:ln w="25400" cap="flat" cmpd="sng" algn="ctr">
+          <a:solidFill>
+            <a:schemeClr val="accent3">
+              <a:tint val="50000"/>
+              <a:hueOff val="0"/>
+              <a:satOff val="0"/>
+              <a:lumOff val="0"/>
+              <a:alphaOff val="0"/>
+            </a:schemeClr>
+          </a:solidFill>
+          <a:prstDash val="solid"/>
+        </a:ln>
+        <a:effectLst>
+          <a:outerShdw blurRad="40000" dist="20000" dir="5400000" rotWithShape="0">
+            <a:srgbClr val="000000">
+              <a:alpha val="38000"/>
+            </a:srgbClr>
+          </a:outerShdw>
+        </a:effectLst>
+      </dsp:spPr>
+      <dsp:style>
+        <a:lnRef idx="2">
+          <a:scrgbClr r="0" g="0" b="0"/>
+        </a:lnRef>
+        <a:fillRef idx="1">
+          <a:scrgbClr r="0" g="0" b="0"/>
+        </a:fillRef>
+        <a:effectRef idx="1">
+          <a:scrgbClr r="0" g="0" b="0"/>
+        </a:effectRef>
+        <a:fontRef idx="minor"/>
+      </dsp:style>
+    </dsp:sp>
+  </dsp:spTree>
+</dsp:drawing>
+</file>
+
+<file path=ppt/diagrams/drawing9.xml><?xml version="1.0" encoding="utf-8"?>
+<dsp:drawing xmlns:dgm="http://schemas.openxmlformats.org/drawingml/2006/diagram" xmlns:dsp="http://schemas.microsoft.com/office/drawing/2008/diagram" xmlns:a="http://schemas.openxmlformats.org/drawingml/2006/main">
+  <dsp:spTree>
+    <dsp:nvGrpSpPr>
+      <dsp:cNvPr id="0" name=""/>
+      <dsp:cNvGrpSpPr/>
+    </dsp:nvGrpSpPr>
+    <dsp:grpSpPr/>
+    <dsp:sp modelId="{9F6E897A-6E4A-48FC-A0D8-1CED9A730F34}">
+      <dsp:nvSpPr>
+        <dsp:cNvPr id="0" name=""/>
+        <dsp:cNvSpPr/>
+      </dsp:nvSpPr>
+      <dsp:spPr>
+        <a:xfrm>
+          <a:off x="0" y="1593"/>
+          <a:ext cx="8520600" cy="0"/>
+        </a:xfrm>
+        <a:prstGeom prst="line">
+          <a:avLst/>
+        </a:prstGeom>
+        <a:solidFill>
+          <a:schemeClr val="accent3">
+            <a:hueOff val="0"/>
+            <a:satOff val="0"/>
+            <a:lumOff val="0"/>
+            <a:alphaOff val="0"/>
+          </a:schemeClr>
+        </a:solidFill>
+        <a:ln w="25400" cap="flat" cmpd="sng" algn="ctr">
+          <a:solidFill>
+            <a:schemeClr val="accent3">
+              <a:hueOff val="0"/>
+              <a:satOff val="0"/>
+              <a:lumOff val="0"/>
+              <a:alphaOff val="0"/>
+            </a:schemeClr>
+          </a:solidFill>
+          <a:prstDash val="solid"/>
+        </a:ln>
+        <a:effectLst>
+          <a:outerShdw blurRad="40000" dist="20000" dir="5400000" rotWithShape="0">
+            <a:srgbClr val="000000">
+              <a:alpha val="38000"/>
+            </a:srgbClr>
+          </a:outerShdw>
+        </a:effectLst>
+      </dsp:spPr>
+      <dsp:style>
+        <a:lnRef idx="2">
+          <a:scrgbClr r="0" g="0" b="0"/>
+        </a:lnRef>
+        <a:fillRef idx="1">
+          <a:scrgbClr r="0" g="0" b="0"/>
+        </a:fillRef>
+        <a:effectRef idx="1">
+          <a:scrgbClr r="0" g="0" b="0"/>
+        </a:effectRef>
+        <a:fontRef idx="minor">
+          <a:schemeClr val="lt1"/>
+        </a:fontRef>
+      </dsp:style>
+    </dsp:sp>
+    <dsp:sp modelId="{212DA1FB-9497-4C4D-97C2-E967FB7FF414}">
+      <dsp:nvSpPr>
+        <dsp:cNvPr id="0" name=""/>
+        <dsp:cNvSpPr/>
+      </dsp:nvSpPr>
+      <dsp:spPr>
+        <a:xfrm>
+          <a:off x="0" y="1593"/>
+          <a:ext cx="1704120" cy="1087073"/>
+        </a:xfrm>
+        <a:prstGeom prst="rect">
+          <a:avLst/>
+        </a:prstGeom>
+        <a:noFill/>
+        <a:ln>
+          <a:noFill/>
+        </a:ln>
+        <a:effectLst/>
+      </dsp:spPr>
+      <dsp:style>
+        <a:lnRef idx="0">
+          <a:scrgbClr r="0" g="0" b="0"/>
+        </a:lnRef>
+        <a:fillRef idx="0">
+          <a:scrgbClr r="0" g="0" b="0"/>
+        </a:fillRef>
+        <a:effectRef idx="0">
+          <a:scrgbClr r="0" g="0" b="0"/>
+        </a:effectRef>
+        <a:fontRef idx="minor"/>
+      </dsp:style>
+      <dsp:txBody>
+        <a:bodyPr spcFirstLastPara="0" vert="horz" wrap="square" lIns="87630" tIns="87630" rIns="87630" bIns="87630" numCol="1" spcCol="1270" anchor="t" anchorCtr="0">
+          <a:noAutofit/>
+        </a:bodyPr>
+        <a:lstStyle/>
+        <a:p>
+          <a:pPr marL="0" lvl="0" indent="0" algn="l" defTabSz="1022350">
+            <a:lnSpc>
+              <a:spcPct val="90000"/>
+            </a:lnSpc>
+            <a:spcBef>
+              <a:spcPct val="0"/>
+            </a:spcBef>
+            <a:spcAft>
+              <a:spcPct val="35000"/>
+            </a:spcAft>
+            <a:buNone/>
+          </a:pPr>
+          <a:r>
+            <a:rPr lang="pt-PT" sz="2300" kern="1200"/>
+            <a:t>1. Data Preparation</a:t>
+          </a:r>
+          <a:endParaRPr lang="en-US" sz="2300" kern="1200"/>
+        </a:p>
+      </dsp:txBody>
+      <dsp:txXfrm>
+        <a:off x="0" y="1593"/>
+        <a:ext cx="1704120" cy="1087073"/>
+      </dsp:txXfrm>
+    </dsp:sp>
+    <dsp:sp modelId="{1DBF83B1-F240-4DA1-98BF-CAB88A89C527}">
+      <dsp:nvSpPr>
+        <dsp:cNvPr id="0" name=""/>
+        <dsp:cNvSpPr/>
+      </dsp:nvSpPr>
+      <dsp:spPr>
+        <a:xfrm>
+          <a:off x="1831929" y="18579"/>
+          <a:ext cx="6688671" cy="339710"/>
+        </a:xfrm>
+        <a:prstGeom prst="rect">
+          <a:avLst/>
+        </a:prstGeom>
+        <a:noFill/>
+        <a:ln>
+          <a:noFill/>
+        </a:ln>
+        <a:effectLst/>
+      </dsp:spPr>
+      <dsp:style>
+        <a:lnRef idx="0">
+          <a:scrgbClr r="0" g="0" b="0"/>
+        </a:lnRef>
+        <a:fillRef idx="0">
+          <a:scrgbClr r="0" g="0" b="0"/>
+        </a:fillRef>
+        <a:effectRef idx="0">
+          <a:scrgbClr r="0" g="0" b="0"/>
+        </a:effectRef>
+        <a:fontRef idx="minor"/>
+      </dsp:style>
+      <dsp:txBody>
+        <a:bodyPr spcFirstLastPara="0" vert="horz" wrap="square" lIns="45720" tIns="45720" rIns="45720" bIns="45720" numCol="1" spcCol="1270" anchor="t" anchorCtr="0">
+          <a:noAutofit/>
+        </a:bodyPr>
+        <a:lstStyle/>
+        <a:p>
+          <a:pPr marL="0" lvl="0" indent="0" algn="l" defTabSz="533400">
+            <a:lnSpc>
+              <a:spcPct val="90000"/>
+            </a:lnSpc>
+            <a:spcBef>
+              <a:spcPct val="0"/>
+            </a:spcBef>
+            <a:spcAft>
+              <a:spcPct val="35000"/>
+            </a:spcAft>
+            <a:buNone/>
+          </a:pPr>
+          <a:r>
+            <a:rPr lang="pt-PT" sz="1200" kern="1200"/>
+            <a:t>- Load original dataset with missing values</a:t>
+          </a:r>
+          <a:endParaRPr lang="en-US" sz="1200" kern="1200"/>
+        </a:p>
+      </dsp:txBody>
+      <dsp:txXfrm>
+        <a:off x="1831929" y="18579"/>
+        <a:ext cx="6688671" cy="339710"/>
+      </dsp:txXfrm>
+    </dsp:sp>
+    <dsp:sp modelId="{23B54297-6D5E-4873-A403-4C540D074EA3}">
+      <dsp:nvSpPr>
+        <dsp:cNvPr id="0" name=""/>
+        <dsp:cNvSpPr/>
+      </dsp:nvSpPr>
+      <dsp:spPr>
+        <a:xfrm>
+          <a:off x="1704119" y="358289"/>
+          <a:ext cx="6816480" cy="0"/>
+        </a:xfrm>
+        <a:prstGeom prst="line">
+          <a:avLst/>
+        </a:prstGeom>
+        <a:solidFill>
+          <a:schemeClr val="accent3">
+            <a:hueOff val="0"/>
+            <a:satOff val="0"/>
+            <a:lumOff val="0"/>
+            <a:alphaOff val="0"/>
+          </a:schemeClr>
+        </a:solidFill>
+        <a:ln w="25400" cap="flat" cmpd="sng" algn="ctr">
+          <a:solidFill>
+            <a:schemeClr val="accent3">
+              <a:tint val="50000"/>
+              <a:hueOff val="0"/>
+              <a:satOff val="0"/>
+              <a:lumOff val="0"/>
+              <a:alphaOff val="0"/>
+            </a:schemeClr>
+          </a:solidFill>
+          <a:prstDash val="solid"/>
+        </a:ln>
+        <a:effectLst>
+          <a:outerShdw blurRad="40000" dist="20000" dir="5400000" rotWithShape="0">
+            <a:srgbClr val="000000">
+              <a:alpha val="38000"/>
+            </a:srgbClr>
+          </a:outerShdw>
+        </a:effectLst>
+      </dsp:spPr>
+      <dsp:style>
+        <a:lnRef idx="2">
+          <a:scrgbClr r="0" g="0" b="0"/>
+        </a:lnRef>
+        <a:fillRef idx="1">
+          <a:scrgbClr r="0" g="0" b="0"/>
+        </a:fillRef>
+        <a:effectRef idx="1">
+          <a:scrgbClr r="0" g="0" b="0"/>
+        </a:effectRef>
+        <a:fontRef idx="minor"/>
+      </dsp:style>
+    </dsp:sp>
+    <dsp:sp modelId="{6A1FC106-5161-495C-A143-825E55DBBB4D}">
+      <dsp:nvSpPr>
+        <dsp:cNvPr id="0" name=""/>
+        <dsp:cNvSpPr/>
+      </dsp:nvSpPr>
+      <dsp:spPr>
+        <a:xfrm>
+          <a:off x="1831929" y="375275"/>
+          <a:ext cx="6688671" cy="339710"/>
+        </a:xfrm>
+        <a:prstGeom prst="rect">
+          <a:avLst/>
+        </a:prstGeom>
+        <a:noFill/>
+        <a:ln>
+          <a:noFill/>
+        </a:ln>
+        <a:effectLst/>
+      </dsp:spPr>
+      <dsp:style>
+        <a:lnRef idx="0">
+          <a:scrgbClr r="0" g="0" b="0"/>
+        </a:lnRef>
+        <a:fillRef idx="0">
+          <a:scrgbClr r="0" g="0" b="0"/>
+        </a:fillRef>
+        <a:effectRef idx="0">
+          <a:scrgbClr r="0" g="0" b="0"/>
+        </a:effectRef>
+        <a:fontRef idx="minor"/>
+      </dsp:style>
+      <dsp:txBody>
+        <a:bodyPr spcFirstLastPara="0" vert="horz" wrap="square" lIns="45720" tIns="45720" rIns="45720" bIns="45720" numCol="1" spcCol="1270" anchor="t" anchorCtr="0">
+          <a:noAutofit/>
+        </a:bodyPr>
+        <a:lstStyle/>
+        <a:p>
+          <a:pPr marL="0" lvl="0" indent="0" algn="l" defTabSz="533400">
+            <a:lnSpc>
+              <a:spcPct val="90000"/>
+            </a:lnSpc>
+            <a:spcBef>
+              <a:spcPct val="0"/>
+            </a:spcBef>
+            <a:spcAft>
+              <a:spcPct val="35000"/>
+            </a:spcAft>
+            <a:buNone/>
+          </a:pPr>
+          <a:r>
+            <a:rPr lang="pt-PT" sz="1200" kern="1200"/>
+            <a:t>- Analyze missing value patterns</a:t>
+          </a:r>
+          <a:endParaRPr lang="en-US" sz="1200" kern="1200"/>
+        </a:p>
+      </dsp:txBody>
+      <dsp:txXfrm>
+        <a:off x="1831929" y="375275"/>
+        <a:ext cx="6688671" cy="339710"/>
+      </dsp:txXfrm>
+    </dsp:sp>
+    <dsp:sp modelId="{5A94E8F2-AF71-41A6-83E2-CCBC9677CF20}">
+      <dsp:nvSpPr>
+        <dsp:cNvPr id="0" name=""/>
+        <dsp:cNvSpPr/>
+      </dsp:nvSpPr>
+      <dsp:spPr>
+        <a:xfrm>
+          <a:off x="1704119" y="714985"/>
+          <a:ext cx="6816480" cy="0"/>
+        </a:xfrm>
+        <a:prstGeom prst="line">
+          <a:avLst/>
+        </a:prstGeom>
+        <a:solidFill>
+          <a:schemeClr val="accent3">
+            <a:hueOff val="0"/>
+            <a:satOff val="0"/>
+            <a:lumOff val="0"/>
+            <a:alphaOff val="0"/>
+          </a:schemeClr>
+        </a:solidFill>
+        <a:ln w="25400" cap="flat" cmpd="sng" algn="ctr">
+          <a:solidFill>
+            <a:schemeClr val="accent3">
+              <a:tint val="50000"/>
+              <a:hueOff val="0"/>
+              <a:satOff val="0"/>
+              <a:lumOff val="0"/>
+              <a:alphaOff val="0"/>
+            </a:schemeClr>
+          </a:solidFill>
+          <a:prstDash val="solid"/>
+        </a:ln>
+        <a:effectLst>
+          <a:outerShdw blurRad="40000" dist="20000" dir="5400000" rotWithShape="0">
+            <a:srgbClr val="000000">
+              <a:alpha val="38000"/>
+            </a:srgbClr>
+          </a:outerShdw>
+        </a:effectLst>
+      </dsp:spPr>
+      <dsp:style>
+        <a:lnRef idx="2">
+          <a:scrgbClr r="0" g="0" b="0"/>
+        </a:lnRef>
+        <a:fillRef idx="1">
+          <a:scrgbClr r="0" g="0" b="0"/>
+        </a:fillRef>
+        <a:effectRef idx="1">
+          <a:scrgbClr r="0" g="0" b="0"/>
+        </a:effectRef>
+        <a:fontRef idx="minor"/>
+      </dsp:style>
+    </dsp:sp>
+    <dsp:sp modelId="{B3393928-F1BF-4E88-9A4F-02253C666191}">
+      <dsp:nvSpPr>
+        <dsp:cNvPr id="0" name=""/>
+        <dsp:cNvSpPr/>
+      </dsp:nvSpPr>
+      <dsp:spPr>
+        <a:xfrm>
+          <a:off x="1831929" y="731971"/>
+          <a:ext cx="6688671" cy="339710"/>
+        </a:xfrm>
+        <a:prstGeom prst="rect">
+          <a:avLst/>
+        </a:prstGeom>
+        <a:noFill/>
+        <a:ln>
+          <a:noFill/>
+        </a:ln>
+        <a:effectLst/>
+      </dsp:spPr>
+      <dsp:style>
+        <a:lnRef idx="0">
+          <a:scrgbClr r="0" g="0" b="0"/>
+        </a:lnRef>
+        <a:fillRef idx="0">
+          <a:scrgbClr r="0" g="0" b="0"/>
+        </a:fillRef>
+        <a:effectRef idx="0">
+          <a:scrgbClr r="0" g="0" b="0"/>
+        </a:effectRef>
+        <a:fontRef idx="minor"/>
+      </dsp:style>
+      <dsp:txBody>
+        <a:bodyPr spcFirstLastPara="0" vert="horz" wrap="square" lIns="45720" tIns="45720" rIns="45720" bIns="45720" numCol="1" spcCol="1270" anchor="t" anchorCtr="0">
+          <a:noAutofit/>
+        </a:bodyPr>
+        <a:lstStyle/>
+        <a:p>
+          <a:pPr marL="0" lvl="0" indent="0" algn="l" defTabSz="533400">
+            <a:lnSpc>
+              <a:spcPct val="90000"/>
+            </a:lnSpc>
+            <a:spcBef>
+              <a:spcPct val="0"/>
+            </a:spcBef>
+            <a:spcAft>
+              <a:spcPct val="35000"/>
+            </a:spcAft>
+            <a:buNone/>
+          </a:pPr>
+          <a:r>
+            <a:rPr lang="pt-PT" sz="1200" kern="1200"/>
+            <a:t>- Prepare feature matrix (X) and target variable (y) with missing data intact</a:t>
+          </a:r>
+          <a:endParaRPr lang="en-US" sz="1200" kern="1200"/>
+        </a:p>
+      </dsp:txBody>
+      <dsp:txXfrm>
+        <a:off x="1831929" y="731971"/>
+        <a:ext cx="6688671" cy="339710"/>
+      </dsp:txXfrm>
+    </dsp:sp>
+    <dsp:sp modelId="{17E04FBC-74A8-4A7D-98B9-D007CF028917}">
+      <dsp:nvSpPr>
+        <dsp:cNvPr id="0" name=""/>
+        <dsp:cNvSpPr/>
+      </dsp:nvSpPr>
+      <dsp:spPr>
+        <a:xfrm>
+          <a:off x="1704119" y="1071681"/>
+          <a:ext cx="6816480" cy="0"/>
+        </a:xfrm>
+        <a:prstGeom prst="line">
+          <a:avLst/>
+        </a:prstGeom>
+        <a:solidFill>
+          <a:schemeClr val="accent3">
+            <a:hueOff val="0"/>
+            <a:satOff val="0"/>
+            <a:lumOff val="0"/>
+            <a:alphaOff val="0"/>
+          </a:schemeClr>
+        </a:solidFill>
+        <a:ln w="25400" cap="flat" cmpd="sng" algn="ctr">
+          <a:solidFill>
+            <a:schemeClr val="accent3">
+              <a:tint val="50000"/>
+              <a:hueOff val="0"/>
+              <a:satOff val="0"/>
+              <a:lumOff val="0"/>
+              <a:alphaOff val="0"/>
+            </a:schemeClr>
+          </a:solidFill>
+          <a:prstDash val="solid"/>
+        </a:ln>
+        <a:effectLst>
+          <a:outerShdw blurRad="40000" dist="20000" dir="5400000" rotWithShape="0">
+            <a:srgbClr val="000000">
+              <a:alpha val="38000"/>
+            </a:srgbClr>
+          </a:outerShdw>
+        </a:effectLst>
+      </dsp:spPr>
+      <dsp:style>
+        <a:lnRef idx="2">
+          <a:scrgbClr r="0" g="0" b="0"/>
+        </a:lnRef>
+        <a:fillRef idx="1">
+          <a:scrgbClr r="0" g="0" b="0"/>
+        </a:fillRef>
+        <a:effectRef idx="1">
+          <a:scrgbClr r="0" g="0" b="0"/>
+        </a:effectRef>
+        <a:fontRef idx="minor"/>
+      </dsp:style>
+    </dsp:sp>
+    <dsp:sp modelId="{7A4F8164-17D6-4ADC-A169-63363AB6CA17}">
+      <dsp:nvSpPr>
+        <dsp:cNvPr id="0" name=""/>
+        <dsp:cNvSpPr/>
+      </dsp:nvSpPr>
+      <dsp:spPr>
+        <a:xfrm>
+          <a:off x="0" y="1088667"/>
+          <a:ext cx="8520600" cy="0"/>
+        </a:xfrm>
+        <a:prstGeom prst="line">
+          <a:avLst/>
+        </a:prstGeom>
+        <a:solidFill>
+          <a:schemeClr val="accent3">
+            <a:hueOff val="0"/>
+            <a:satOff val="0"/>
+            <a:lumOff val="0"/>
+            <a:alphaOff val="0"/>
+          </a:schemeClr>
+        </a:solidFill>
+        <a:ln w="25400" cap="flat" cmpd="sng" algn="ctr">
+          <a:solidFill>
+            <a:schemeClr val="accent3">
+              <a:hueOff val="0"/>
+              <a:satOff val="0"/>
+              <a:lumOff val="0"/>
+              <a:alphaOff val="0"/>
+            </a:schemeClr>
+          </a:solidFill>
+          <a:prstDash val="solid"/>
+        </a:ln>
+        <a:effectLst>
+          <a:outerShdw blurRad="40000" dist="20000" dir="5400000" rotWithShape="0">
+            <a:srgbClr val="000000">
+              <a:alpha val="38000"/>
+            </a:srgbClr>
+          </a:outerShdw>
+        </a:effectLst>
+      </dsp:spPr>
+      <dsp:style>
+        <a:lnRef idx="2">
+          <a:scrgbClr r="0" g="0" b="0"/>
+        </a:lnRef>
+        <a:fillRef idx="1">
+          <a:scrgbClr r="0" g="0" b="0"/>
+        </a:fillRef>
+        <a:effectRef idx="1">
+          <a:scrgbClr r="0" g="0" b="0"/>
+        </a:effectRef>
+        <a:fontRef idx="minor">
+          <a:schemeClr val="lt1"/>
+        </a:fontRef>
+      </dsp:style>
+    </dsp:sp>
+    <dsp:sp modelId="{36B5A8BA-D65D-4A68-BDB2-01A53C0A6F69}">
+      <dsp:nvSpPr>
+        <dsp:cNvPr id="0" name=""/>
+        <dsp:cNvSpPr/>
+      </dsp:nvSpPr>
+      <dsp:spPr>
+        <a:xfrm>
+          <a:off x="0" y="1088667"/>
+          <a:ext cx="1704120" cy="1087073"/>
+        </a:xfrm>
+        <a:prstGeom prst="rect">
+          <a:avLst/>
+        </a:prstGeom>
+        <a:noFill/>
+        <a:ln>
+          <a:noFill/>
+        </a:ln>
+        <a:effectLst/>
+      </dsp:spPr>
+      <dsp:style>
+        <a:lnRef idx="0">
+          <a:scrgbClr r="0" g="0" b="0"/>
+        </a:lnRef>
+        <a:fillRef idx="0">
+          <a:scrgbClr r="0" g="0" b="0"/>
+        </a:fillRef>
+        <a:effectRef idx="0">
+          <a:scrgbClr r="0" g="0" b="0"/>
+        </a:effectRef>
+        <a:fontRef idx="minor"/>
+      </dsp:style>
+      <dsp:txBody>
+        <a:bodyPr spcFirstLastPara="0" vert="horz" wrap="square" lIns="87630" tIns="87630" rIns="87630" bIns="87630" numCol="1" spcCol="1270" anchor="t" anchorCtr="0">
+          <a:noAutofit/>
+        </a:bodyPr>
+        <a:lstStyle/>
+        <a:p>
+          <a:pPr marL="0" lvl="0" indent="0" algn="l" defTabSz="1022350">
+            <a:lnSpc>
+              <a:spcPct val="90000"/>
+            </a:lnSpc>
+            <a:spcBef>
+              <a:spcPct val="0"/>
+            </a:spcBef>
+            <a:spcAft>
+              <a:spcPct val="35000"/>
+            </a:spcAft>
+            <a:buNone/>
+          </a:pPr>
+          <a:r>
+            <a:rPr lang="pt-PT" sz="2300" kern="1200"/>
+            <a:t>2. Imputation Strategies</a:t>
+          </a:r>
+          <a:endParaRPr lang="en-US" sz="2300" kern="1200"/>
+        </a:p>
+      </dsp:txBody>
+      <dsp:txXfrm>
+        <a:off x="0" y="1088667"/>
+        <a:ext cx="1704120" cy="1087073"/>
+      </dsp:txXfrm>
+    </dsp:sp>
+    <dsp:sp modelId="{3EECA7BC-2EB1-45E2-A2B3-BBAC49207B3D}">
+      <dsp:nvSpPr>
+        <dsp:cNvPr id="0" name=""/>
+        <dsp:cNvSpPr/>
+      </dsp:nvSpPr>
+      <dsp:spPr>
+        <a:xfrm>
+          <a:off x="1831929" y="1105652"/>
+          <a:ext cx="6688671" cy="339710"/>
+        </a:xfrm>
+        <a:prstGeom prst="rect">
+          <a:avLst/>
+        </a:prstGeom>
+        <a:noFill/>
+        <a:ln>
+          <a:noFill/>
+        </a:ln>
+        <a:effectLst/>
+      </dsp:spPr>
+      <dsp:style>
+        <a:lnRef idx="0">
+          <a:scrgbClr r="0" g="0" b="0"/>
+        </a:lnRef>
+        <a:fillRef idx="0">
+          <a:scrgbClr r="0" g="0" b="0"/>
+        </a:fillRef>
+        <a:effectRef idx="0">
+          <a:scrgbClr r="0" g="0" b="0"/>
+        </a:effectRef>
+        <a:fontRef idx="minor"/>
+      </dsp:style>
+      <dsp:txBody>
+        <a:bodyPr spcFirstLastPara="0" vert="horz" wrap="square" lIns="45720" tIns="45720" rIns="45720" bIns="45720" numCol="1" spcCol="1270" anchor="t" anchorCtr="0">
+          <a:noAutofit/>
+        </a:bodyPr>
+        <a:lstStyle/>
+        <a:p>
+          <a:pPr marL="0" lvl="0" indent="0" algn="l" defTabSz="533400">
+            <a:lnSpc>
+              <a:spcPct val="90000"/>
+            </a:lnSpc>
+            <a:spcBef>
+              <a:spcPct val="0"/>
+            </a:spcBef>
+            <a:spcAft>
+              <a:spcPct val="35000"/>
+            </a:spcAft>
+            <a:buNone/>
+          </a:pPr>
+          <a:r>
+            <a:rPr lang="pt-PT" sz="1200" kern="1200" dirty="0"/>
+            <a:t>- </a:t>
+          </a:r>
+          <a:r>
+            <a:rPr lang="pt-PT" sz="1200" kern="1200" dirty="0" err="1"/>
+            <a:t>Mean</a:t>
+          </a:r>
+          <a:r>
+            <a:rPr lang="pt-PT" sz="1200" kern="1200" dirty="0"/>
+            <a:t> </a:t>
+          </a:r>
+          <a:r>
+            <a:rPr lang="pt-PT" sz="1200" kern="1200" dirty="0" err="1"/>
+            <a:t>Imputation</a:t>
+          </a:r>
+          <a:r>
+            <a:rPr lang="pt-PT" sz="1200" kern="1200" dirty="0"/>
+            <a:t>: </a:t>
+          </a:r>
+          <a:r>
+            <a:rPr lang="pt-PT" sz="1200" kern="1200" dirty="0" err="1"/>
+            <a:t>Replace</a:t>
+          </a:r>
+          <a:r>
+            <a:rPr lang="pt-PT" sz="1200" kern="1200" dirty="0"/>
+            <a:t> </a:t>
+          </a:r>
+          <a:r>
+            <a:rPr lang="pt-PT" sz="1200" kern="1200" dirty="0" err="1"/>
+            <a:t>missing</a:t>
+          </a:r>
+          <a:r>
+            <a:rPr lang="pt-PT" sz="1200" kern="1200" dirty="0"/>
+            <a:t> </a:t>
+          </a:r>
+          <a:r>
+            <a:rPr lang="pt-PT" sz="1200" kern="1200" dirty="0" err="1"/>
+            <a:t>values</a:t>
+          </a:r>
+          <a:r>
+            <a:rPr lang="pt-PT" sz="1200" kern="1200" dirty="0"/>
+            <a:t> </a:t>
+          </a:r>
+          <a:r>
+            <a:rPr lang="pt-PT" sz="1200" kern="1200" dirty="0" err="1"/>
+            <a:t>with</a:t>
+          </a:r>
+          <a:r>
+            <a:rPr lang="pt-PT" sz="1200" kern="1200" dirty="0"/>
+            <a:t> </a:t>
+          </a:r>
+          <a:r>
+            <a:rPr lang="pt-PT" sz="1200" kern="1200" dirty="0" err="1"/>
+            <a:t>column</a:t>
+          </a:r>
+          <a:r>
+            <a:rPr lang="pt-PT" sz="1200" kern="1200" dirty="0"/>
+            <a:t> </a:t>
+          </a:r>
+          <a:r>
+            <a:rPr lang="pt-PT" sz="1200" kern="1200" dirty="0" err="1"/>
+            <a:t>means</a:t>
+          </a:r>
+          <a:endParaRPr lang="en-US" sz="1200" kern="1200" dirty="0"/>
+        </a:p>
+      </dsp:txBody>
+      <dsp:txXfrm>
+        <a:off x="1831929" y="1105652"/>
+        <a:ext cx="6688671" cy="339710"/>
+      </dsp:txXfrm>
+    </dsp:sp>
+    <dsp:sp modelId="{2D488E23-907F-4535-99FC-0206BDD304F3}">
+      <dsp:nvSpPr>
+        <dsp:cNvPr id="0" name=""/>
+        <dsp:cNvSpPr/>
+      </dsp:nvSpPr>
+      <dsp:spPr>
+        <a:xfrm>
+          <a:off x="1704119" y="1445363"/>
+          <a:ext cx="6816480" cy="0"/>
+        </a:xfrm>
+        <a:prstGeom prst="line">
+          <a:avLst/>
+        </a:prstGeom>
+        <a:solidFill>
+          <a:schemeClr val="accent3">
+            <a:hueOff val="0"/>
+            <a:satOff val="0"/>
+            <a:lumOff val="0"/>
+            <a:alphaOff val="0"/>
+          </a:schemeClr>
+        </a:solidFill>
+        <a:ln w="25400" cap="flat" cmpd="sng" algn="ctr">
+          <a:solidFill>
+            <a:schemeClr val="accent3">
+              <a:tint val="50000"/>
+              <a:hueOff val="0"/>
+              <a:satOff val="0"/>
+              <a:lumOff val="0"/>
+              <a:alphaOff val="0"/>
+            </a:schemeClr>
+          </a:solidFill>
+          <a:prstDash val="solid"/>
+        </a:ln>
+        <a:effectLst>
+          <a:outerShdw blurRad="40000" dist="20000" dir="5400000" rotWithShape="0">
+            <a:srgbClr val="000000">
+              <a:alpha val="38000"/>
+            </a:srgbClr>
+          </a:outerShdw>
+        </a:effectLst>
+      </dsp:spPr>
+      <dsp:style>
+        <a:lnRef idx="2">
+          <a:scrgbClr r="0" g="0" b="0"/>
+        </a:lnRef>
+        <a:fillRef idx="1">
+          <a:scrgbClr r="0" g="0" b="0"/>
+        </a:fillRef>
+        <a:effectRef idx="1">
+          <a:scrgbClr r="0" g="0" b="0"/>
+        </a:effectRef>
+        <a:fontRef idx="minor"/>
+      </dsp:style>
+    </dsp:sp>
+    <dsp:sp modelId="{28FCD878-8CB3-412B-893A-BF3DF01EE9BF}">
+      <dsp:nvSpPr>
+        <dsp:cNvPr id="0" name=""/>
+        <dsp:cNvSpPr/>
+      </dsp:nvSpPr>
+      <dsp:spPr>
+        <a:xfrm>
+          <a:off x="1831929" y="1462348"/>
+          <a:ext cx="6688671" cy="339710"/>
+        </a:xfrm>
+        <a:prstGeom prst="rect">
+          <a:avLst/>
+        </a:prstGeom>
+        <a:noFill/>
+        <a:ln>
+          <a:noFill/>
+        </a:ln>
+        <a:effectLst/>
+      </dsp:spPr>
+      <dsp:style>
+        <a:lnRef idx="0">
+          <a:scrgbClr r="0" g="0" b="0"/>
+        </a:lnRef>
+        <a:fillRef idx="0">
+          <a:scrgbClr r="0" g="0" b="0"/>
+        </a:fillRef>
+        <a:effectRef idx="0">
+          <a:scrgbClr r="0" g="0" b="0"/>
+        </a:effectRef>
+        <a:fontRef idx="minor"/>
+      </dsp:style>
+      <dsp:txBody>
+        <a:bodyPr spcFirstLastPara="0" vert="horz" wrap="square" lIns="45720" tIns="45720" rIns="45720" bIns="45720" numCol="1" spcCol="1270" anchor="t" anchorCtr="0">
+          <a:noAutofit/>
+        </a:bodyPr>
+        <a:lstStyle/>
+        <a:p>
+          <a:pPr marL="0" lvl="0" indent="0" algn="l" defTabSz="533400">
+            <a:lnSpc>
+              <a:spcPct val="90000"/>
+            </a:lnSpc>
+            <a:spcBef>
+              <a:spcPct val="0"/>
+            </a:spcBef>
+            <a:spcAft>
+              <a:spcPct val="35000"/>
+            </a:spcAft>
+            <a:buNone/>
+          </a:pPr>
+          <a:r>
+            <a:rPr lang="pt-PT" sz="1200" kern="1200" dirty="0"/>
+            <a:t>- KNN </a:t>
+          </a:r>
+          <a:r>
+            <a:rPr lang="pt-PT" sz="1200" kern="1200" dirty="0" err="1"/>
+            <a:t>Imputation</a:t>
+          </a:r>
+          <a:r>
+            <a:rPr lang="pt-PT" sz="1200" kern="1200" dirty="0"/>
+            <a:t>: Use k-</a:t>
+          </a:r>
+          <a:r>
+            <a:rPr lang="pt-PT" sz="1200" kern="1200" dirty="0" err="1"/>
+            <a:t>nearest</a:t>
+          </a:r>
+          <a:r>
+            <a:rPr lang="pt-PT" sz="1200" kern="1200" dirty="0"/>
+            <a:t> </a:t>
+          </a:r>
+          <a:r>
+            <a:rPr lang="pt-PT" sz="1200" kern="1200" dirty="0" err="1"/>
+            <a:t>neighbors</a:t>
+          </a:r>
+          <a:r>
+            <a:rPr lang="pt-PT" sz="1200" kern="1200" dirty="0"/>
+            <a:t> to </a:t>
+          </a:r>
+          <a:r>
+            <a:rPr lang="pt-PT" sz="1200" kern="1200" dirty="0" err="1"/>
+            <a:t>estimate</a:t>
+          </a:r>
+          <a:r>
+            <a:rPr lang="pt-PT" sz="1200" kern="1200" dirty="0"/>
+            <a:t> </a:t>
+          </a:r>
+          <a:r>
+            <a:rPr lang="pt-PT" sz="1200" kern="1200" dirty="0" err="1"/>
+            <a:t>missing</a:t>
+          </a:r>
+          <a:r>
+            <a:rPr lang="pt-PT" sz="1200" kern="1200" dirty="0"/>
+            <a:t> </a:t>
+          </a:r>
+          <a:r>
+            <a:rPr lang="pt-PT" sz="1200" kern="1200" dirty="0" err="1"/>
+            <a:t>values</a:t>
+          </a:r>
+          <a:endParaRPr lang="en-US" sz="1200" kern="1200" dirty="0"/>
+        </a:p>
+      </dsp:txBody>
+      <dsp:txXfrm>
+        <a:off x="1831929" y="1462348"/>
+        <a:ext cx="6688671" cy="339710"/>
+      </dsp:txXfrm>
+    </dsp:sp>
+    <dsp:sp modelId="{54B3608B-D04E-49DA-A8F6-4E3BE756A132}">
+      <dsp:nvSpPr>
+        <dsp:cNvPr id="0" name=""/>
+        <dsp:cNvSpPr/>
+      </dsp:nvSpPr>
+      <dsp:spPr>
+        <a:xfrm>
+          <a:off x="1704119" y="1802059"/>
+          <a:ext cx="6816480" cy="0"/>
+        </a:xfrm>
+        <a:prstGeom prst="line">
+          <a:avLst/>
+        </a:prstGeom>
+        <a:solidFill>
+          <a:schemeClr val="accent3">
+            <a:hueOff val="0"/>
+            <a:satOff val="0"/>
+            <a:lumOff val="0"/>
+            <a:alphaOff val="0"/>
+          </a:schemeClr>
+        </a:solidFill>
+        <a:ln w="25400" cap="flat" cmpd="sng" algn="ctr">
+          <a:solidFill>
+            <a:schemeClr val="accent3">
+              <a:tint val="50000"/>
+              <a:hueOff val="0"/>
+              <a:satOff val="0"/>
+              <a:lumOff val="0"/>
+              <a:alphaOff val="0"/>
+            </a:schemeClr>
+          </a:solidFill>
+          <a:prstDash val="solid"/>
+        </a:ln>
+        <a:effectLst>
+          <a:outerShdw blurRad="40000" dist="20000" dir="5400000" rotWithShape="0">
+            <a:srgbClr val="000000">
+              <a:alpha val="38000"/>
+            </a:srgbClr>
+          </a:outerShdw>
+        </a:effectLst>
+      </dsp:spPr>
+      <dsp:style>
+        <a:lnRef idx="2">
+          <a:scrgbClr r="0" g="0" b="0"/>
+        </a:lnRef>
+        <a:fillRef idx="1">
+          <a:scrgbClr r="0" g="0" b="0"/>
+        </a:fillRef>
+        <a:effectRef idx="1">
+          <a:scrgbClr r="0" g="0" b="0"/>
+        </a:effectRef>
+        <a:fontRef idx="minor"/>
+      </dsp:style>
+    </dsp:sp>
+    <dsp:sp modelId="{5FA6EC58-797B-42DD-A51E-EEBDBB2F2303}">
+      <dsp:nvSpPr>
+        <dsp:cNvPr id="0" name=""/>
+        <dsp:cNvSpPr/>
+      </dsp:nvSpPr>
+      <dsp:spPr>
+        <a:xfrm>
+          <a:off x="1831929" y="1819044"/>
+          <a:ext cx="6688671" cy="339710"/>
+        </a:xfrm>
+        <a:prstGeom prst="rect">
+          <a:avLst/>
+        </a:prstGeom>
+        <a:noFill/>
+        <a:ln>
+          <a:noFill/>
+        </a:ln>
+        <a:effectLst/>
+      </dsp:spPr>
+      <dsp:style>
+        <a:lnRef idx="0">
+          <a:scrgbClr r="0" g="0" b="0"/>
+        </a:lnRef>
+        <a:fillRef idx="0">
+          <a:scrgbClr r="0" g="0" b="0"/>
+        </a:fillRef>
+        <a:effectRef idx="0">
+          <a:scrgbClr r="0" g="0" b="0"/>
+        </a:effectRef>
+        <a:fontRef idx="minor"/>
+      </dsp:style>
+      <dsp:txBody>
+        <a:bodyPr spcFirstLastPara="0" vert="horz" wrap="square" lIns="45720" tIns="45720" rIns="45720" bIns="45720" numCol="1" spcCol="1270" anchor="t" anchorCtr="0">
+          <a:noAutofit/>
+        </a:bodyPr>
+        <a:lstStyle/>
+        <a:p>
+          <a:pPr marL="0" lvl="0" indent="0" algn="l" defTabSz="533400">
+            <a:lnSpc>
+              <a:spcPct val="90000"/>
+            </a:lnSpc>
+            <a:spcBef>
+              <a:spcPct val="0"/>
+            </a:spcBef>
+            <a:spcAft>
+              <a:spcPct val="35000"/>
+            </a:spcAft>
+            <a:buNone/>
+          </a:pPr>
+          <a:r>
+            <a:rPr lang="pt-PT" sz="1200" kern="1200" dirty="0"/>
+            <a:t>- </a:t>
+          </a:r>
+          <a:r>
+            <a:rPr lang="pt-PT" sz="1200" kern="1200" dirty="0" err="1"/>
+            <a:t>Iterative</a:t>
+          </a:r>
+          <a:r>
+            <a:rPr lang="pt-PT" sz="1200" kern="1200" dirty="0"/>
+            <a:t> </a:t>
+          </a:r>
+          <a:r>
+            <a:rPr lang="pt-PT" sz="1200" kern="1200" dirty="0" err="1"/>
+            <a:t>Imputation</a:t>
+          </a:r>
+          <a:r>
+            <a:rPr lang="pt-PT" sz="1200" kern="1200" dirty="0"/>
+            <a:t>: Use </a:t>
+          </a:r>
+          <a:r>
+            <a:rPr lang="pt-PT" sz="1200" kern="1200" dirty="0" err="1"/>
+            <a:t>Bayesian</a:t>
+          </a:r>
+          <a:r>
+            <a:rPr lang="pt-PT" sz="1200" kern="1200" dirty="0"/>
+            <a:t> </a:t>
+          </a:r>
+          <a:r>
+            <a:rPr lang="pt-PT" sz="1200" kern="1200" dirty="0" err="1"/>
+            <a:t>Ridge</a:t>
+          </a:r>
+          <a:r>
+            <a:rPr lang="pt-PT" sz="1200" kern="1200" dirty="0"/>
+            <a:t> </a:t>
+          </a:r>
+          <a:r>
+            <a:rPr lang="pt-PT" sz="1200" kern="1200" dirty="0" err="1"/>
+            <a:t>regression</a:t>
+          </a:r>
+          <a:r>
+            <a:rPr lang="pt-PT" sz="1200" kern="1200" dirty="0"/>
+            <a:t> for </a:t>
+          </a:r>
+          <a:r>
+            <a:rPr lang="pt-PT" sz="1200" kern="1200" dirty="0" err="1"/>
+            <a:t>multivariate</a:t>
+          </a:r>
+          <a:r>
+            <a:rPr lang="pt-PT" sz="1200" kern="1200" dirty="0"/>
+            <a:t> </a:t>
+          </a:r>
+          <a:r>
+            <a:rPr lang="pt-PT" sz="1200" kern="1200" dirty="0" err="1"/>
+            <a:t>imputation</a:t>
+          </a:r>
+          <a:endParaRPr lang="en-US" sz="1200" kern="1200" dirty="0"/>
+        </a:p>
+      </dsp:txBody>
+      <dsp:txXfrm>
+        <a:off x="1831929" y="1819044"/>
+        <a:ext cx="6688671" cy="339710"/>
+      </dsp:txXfrm>
+    </dsp:sp>
+    <dsp:sp modelId="{541E130F-4F0B-483D-A445-394F2854D620}">
+      <dsp:nvSpPr>
+        <dsp:cNvPr id="0" name=""/>
+        <dsp:cNvSpPr/>
+      </dsp:nvSpPr>
+      <dsp:spPr>
+        <a:xfrm>
+          <a:off x="1704119" y="2158755"/>
+          <a:ext cx="6816480" cy="0"/>
+        </a:xfrm>
+        <a:prstGeom prst="line">
+          <a:avLst/>
+        </a:prstGeom>
+        <a:solidFill>
+          <a:schemeClr val="accent3">
+            <a:hueOff val="0"/>
+            <a:satOff val="0"/>
+            <a:lumOff val="0"/>
+            <a:alphaOff val="0"/>
+          </a:schemeClr>
+        </a:solidFill>
+        <a:ln w="25400" cap="flat" cmpd="sng" algn="ctr">
+          <a:solidFill>
+            <a:schemeClr val="accent3">
+              <a:tint val="50000"/>
+              <a:hueOff val="0"/>
+              <a:satOff val="0"/>
+              <a:lumOff val="0"/>
+              <a:alphaOff val="0"/>
+            </a:schemeClr>
+          </a:solidFill>
+          <a:prstDash val="solid"/>
+        </a:ln>
+        <a:effectLst>
+          <a:outerShdw blurRad="40000" dist="20000" dir="5400000" rotWithShape="0">
+            <a:srgbClr val="000000">
+              <a:alpha val="38000"/>
+            </a:srgbClr>
+          </a:outerShdw>
+        </a:effectLst>
+      </dsp:spPr>
+      <dsp:style>
+        <a:lnRef idx="2">
+          <a:scrgbClr r="0" g="0" b="0"/>
+        </a:lnRef>
+        <a:fillRef idx="1">
+          <a:scrgbClr r="0" g="0" b="0"/>
+        </a:fillRef>
+        <a:effectRef idx="1">
+          <a:scrgbClr r="0" g="0" b="0"/>
+        </a:effectRef>
+        <a:fontRef idx="minor"/>
+      </dsp:style>
+    </dsp:sp>
+    <dsp:sp modelId="{9C316B34-4C1E-44D5-90BB-0344790758D6}">
+      <dsp:nvSpPr>
+        <dsp:cNvPr id="0" name=""/>
+        <dsp:cNvSpPr/>
+      </dsp:nvSpPr>
+      <dsp:spPr>
+        <a:xfrm>
+          <a:off x="0" y="2175740"/>
+          <a:ext cx="8520600" cy="0"/>
+        </a:xfrm>
+        <a:prstGeom prst="line">
+          <a:avLst/>
+        </a:prstGeom>
+        <a:solidFill>
+          <a:schemeClr val="accent3">
+            <a:hueOff val="0"/>
+            <a:satOff val="0"/>
+            <a:lumOff val="0"/>
+            <a:alphaOff val="0"/>
+          </a:schemeClr>
+        </a:solidFill>
+        <a:ln w="25400" cap="flat" cmpd="sng" algn="ctr">
+          <a:solidFill>
+            <a:schemeClr val="accent3">
+              <a:hueOff val="0"/>
+              <a:satOff val="0"/>
+              <a:lumOff val="0"/>
+              <a:alphaOff val="0"/>
+            </a:schemeClr>
+          </a:solidFill>
+          <a:prstDash val="solid"/>
+        </a:ln>
+        <a:effectLst>
+          <a:outerShdw blurRad="40000" dist="20000" dir="5400000" rotWithShape="0">
+            <a:srgbClr val="000000">
+              <a:alpha val="38000"/>
+            </a:srgbClr>
+          </a:outerShdw>
+        </a:effectLst>
+      </dsp:spPr>
+      <dsp:style>
+        <a:lnRef idx="2">
+          <a:scrgbClr r="0" g="0" b="0"/>
+        </a:lnRef>
+        <a:fillRef idx="1">
+          <a:scrgbClr r="0" g="0" b="0"/>
+        </a:fillRef>
+        <a:effectRef idx="1">
+          <a:scrgbClr r="0" g="0" b="0"/>
+        </a:effectRef>
+        <a:fontRef idx="minor">
+          <a:schemeClr val="lt1"/>
+        </a:fontRef>
+      </dsp:style>
+    </dsp:sp>
+    <dsp:sp modelId="{E6F75E16-2E8B-4EB0-85E5-F681CF9A3B64}">
+      <dsp:nvSpPr>
+        <dsp:cNvPr id="0" name=""/>
+        <dsp:cNvSpPr/>
+      </dsp:nvSpPr>
+      <dsp:spPr>
+        <a:xfrm>
+          <a:off x="0" y="2175740"/>
+          <a:ext cx="1704120" cy="1087073"/>
+        </a:xfrm>
+        <a:prstGeom prst="rect">
+          <a:avLst/>
+        </a:prstGeom>
+        <a:noFill/>
+        <a:ln>
+          <a:noFill/>
+        </a:ln>
+        <a:effectLst/>
+      </dsp:spPr>
+      <dsp:style>
+        <a:lnRef idx="0">
+          <a:scrgbClr r="0" g="0" b="0"/>
+        </a:lnRef>
+        <a:fillRef idx="0">
+          <a:scrgbClr r="0" g="0" b="0"/>
+        </a:fillRef>
+        <a:effectRef idx="0">
+          <a:scrgbClr r="0" g="0" b="0"/>
+        </a:effectRef>
+        <a:fontRef idx="minor"/>
+      </dsp:style>
+      <dsp:txBody>
+        <a:bodyPr spcFirstLastPara="0" vert="horz" wrap="square" lIns="87630" tIns="87630" rIns="87630" bIns="87630" numCol="1" spcCol="1270" anchor="t" anchorCtr="0">
+          <a:noAutofit/>
+        </a:bodyPr>
+        <a:lstStyle/>
+        <a:p>
+          <a:pPr marL="0" lvl="0" indent="0" algn="l" defTabSz="1022350">
+            <a:lnSpc>
+              <a:spcPct val="90000"/>
+            </a:lnSpc>
+            <a:spcBef>
+              <a:spcPct val="0"/>
+            </a:spcBef>
+            <a:spcAft>
+              <a:spcPct val="35000"/>
+            </a:spcAft>
+            <a:buNone/>
+          </a:pPr>
+          <a:r>
+            <a:rPr lang="pt-PT" sz="2300" kern="1200"/>
+            <a:t>3. Model Evaluation</a:t>
+          </a:r>
+          <a:endParaRPr lang="en-US" sz="2300" kern="1200"/>
+        </a:p>
+      </dsp:txBody>
+      <dsp:txXfrm>
+        <a:off x="0" y="2175740"/>
+        <a:ext cx="1704120" cy="1087073"/>
+      </dsp:txXfrm>
+    </dsp:sp>
+    <dsp:sp modelId="{AE92B10D-88F6-4F6D-B5C9-DE2300F7A36B}">
+      <dsp:nvSpPr>
+        <dsp:cNvPr id="0" name=""/>
+        <dsp:cNvSpPr/>
+      </dsp:nvSpPr>
+      <dsp:spPr>
+        <a:xfrm>
+          <a:off x="1831929" y="2188519"/>
+          <a:ext cx="6688671" cy="255579"/>
+        </a:xfrm>
+        <a:prstGeom prst="rect">
+          <a:avLst/>
+        </a:prstGeom>
+        <a:noFill/>
+        <a:ln>
+          <a:noFill/>
+        </a:ln>
+        <a:effectLst/>
+      </dsp:spPr>
+      <dsp:style>
+        <a:lnRef idx="0">
+          <a:scrgbClr r="0" g="0" b="0"/>
+        </a:lnRef>
+        <a:fillRef idx="0">
+          <a:scrgbClr r="0" g="0" b="0"/>
+        </a:fillRef>
+        <a:effectRef idx="0">
+          <a:scrgbClr r="0" g="0" b="0"/>
+        </a:effectRef>
+        <a:fontRef idx="minor"/>
+      </dsp:style>
+      <dsp:txBody>
+        <a:bodyPr spcFirstLastPara="0" vert="horz" wrap="square" lIns="45720" tIns="45720" rIns="45720" bIns="45720" numCol="1" spcCol="1270" anchor="t" anchorCtr="0">
+          <a:noAutofit/>
+        </a:bodyPr>
+        <a:lstStyle/>
+        <a:p>
+          <a:pPr marL="0" lvl="0" indent="0" algn="l" defTabSz="533400">
+            <a:lnSpc>
+              <a:spcPct val="90000"/>
+            </a:lnSpc>
+            <a:spcBef>
+              <a:spcPct val="0"/>
+            </a:spcBef>
+            <a:spcAft>
+              <a:spcPct val="35000"/>
+            </a:spcAft>
+            <a:buNone/>
+          </a:pPr>
+          <a:r>
+            <a:rPr lang="pt-PT" sz="1200" kern="1200"/>
+            <a:t>- Train baseline Linear Regression model on each imputed dataset</a:t>
+          </a:r>
+          <a:endParaRPr lang="en-US" sz="1200" kern="1200"/>
+        </a:p>
+      </dsp:txBody>
+      <dsp:txXfrm>
+        <a:off x="1831929" y="2188519"/>
+        <a:ext cx="6688671" cy="255579"/>
+      </dsp:txXfrm>
+    </dsp:sp>
+    <dsp:sp modelId="{6851BF19-073C-47AA-8D90-789C283967B2}">
+      <dsp:nvSpPr>
+        <dsp:cNvPr id="0" name=""/>
+        <dsp:cNvSpPr/>
+      </dsp:nvSpPr>
+      <dsp:spPr>
+        <a:xfrm>
+          <a:off x="1704119" y="2444098"/>
+          <a:ext cx="6816480" cy="0"/>
+        </a:xfrm>
+        <a:prstGeom prst="line">
+          <a:avLst/>
+        </a:prstGeom>
+        <a:solidFill>
+          <a:schemeClr val="accent3">
+            <a:hueOff val="0"/>
+            <a:satOff val="0"/>
+            <a:lumOff val="0"/>
+            <a:alphaOff val="0"/>
+          </a:schemeClr>
+        </a:solidFill>
+        <a:ln w="25400" cap="flat" cmpd="sng" algn="ctr">
+          <a:solidFill>
+            <a:schemeClr val="accent3">
+              <a:tint val="50000"/>
+              <a:hueOff val="0"/>
+              <a:satOff val="0"/>
+              <a:lumOff val="0"/>
+              <a:alphaOff val="0"/>
+            </a:schemeClr>
+          </a:solidFill>
+          <a:prstDash val="solid"/>
+        </a:ln>
+        <a:effectLst>
+          <a:outerShdw blurRad="40000" dist="20000" dir="5400000" rotWithShape="0">
+            <a:srgbClr val="000000">
+              <a:alpha val="38000"/>
+            </a:srgbClr>
+          </a:outerShdw>
+        </a:effectLst>
+      </dsp:spPr>
+      <dsp:style>
+        <a:lnRef idx="2">
+          <a:scrgbClr r="0" g="0" b="0"/>
+        </a:lnRef>
+        <a:fillRef idx="1">
+          <a:scrgbClr r="0" g="0" b="0"/>
+        </a:fillRef>
+        <a:effectRef idx="1">
+          <a:scrgbClr r="0" g="0" b="0"/>
+        </a:effectRef>
+        <a:fontRef idx="minor"/>
+      </dsp:style>
+    </dsp:sp>
+    <dsp:sp modelId="{FFF8F218-5B56-46CC-B72B-6AD0C287DA1A}">
+      <dsp:nvSpPr>
+        <dsp:cNvPr id="0" name=""/>
+        <dsp:cNvSpPr/>
+      </dsp:nvSpPr>
+      <dsp:spPr>
+        <a:xfrm>
+          <a:off x="1831929" y="2456877"/>
+          <a:ext cx="6688671" cy="255579"/>
+        </a:xfrm>
+        <a:prstGeom prst="rect">
+          <a:avLst/>
+        </a:prstGeom>
+        <a:noFill/>
+        <a:ln>
+          <a:noFill/>
+        </a:ln>
+        <a:effectLst/>
+      </dsp:spPr>
+      <dsp:style>
+        <a:lnRef idx="0">
+          <a:scrgbClr r="0" g="0" b="0"/>
+        </a:lnRef>
+        <a:fillRef idx="0">
+          <a:scrgbClr r="0" g="0" b="0"/>
+        </a:fillRef>
+        <a:effectRef idx="0">
+          <a:scrgbClr r="0" g="0" b="0"/>
+        </a:effectRef>
+        <a:fontRef idx="minor"/>
+      </dsp:style>
+      <dsp:txBody>
+        <a:bodyPr spcFirstLastPara="0" vert="horz" wrap="square" lIns="45720" tIns="45720" rIns="45720" bIns="45720" numCol="1" spcCol="1270" anchor="t" anchorCtr="0">
+          <a:noAutofit/>
+        </a:bodyPr>
+        <a:lstStyle/>
+        <a:p>
+          <a:pPr marL="0" lvl="0" indent="0" algn="l" defTabSz="533400">
+            <a:lnSpc>
+              <a:spcPct val="90000"/>
+            </a:lnSpc>
+            <a:spcBef>
+              <a:spcPct val="0"/>
+            </a:spcBef>
+            <a:spcAft>
+              <a:spcPct val="35000"/>
+            </a:spcAft>
+            <a:buNone/>
+          </a:pPr>
+          <a:r>
+            <a:rPr lang="pt-PT" sz="1200" kern="1200"/>
+            <a:t>- Evaluate using both train/test split and cross-validation approaches</a:t>
+          </a:r>
+          <a:endParaRPr lang="en-US" sz="1200" kern="1200"/>
+        </a:p>
+      </dsp:txBody>
+      <dsp:txXfrm>
+        <a:off x="1831929" y="2456877"/>
+        <a:ext cx="6688671" cy="255579"/>
+      </dsp:txXfrm>
+    </dsp:sp>
+    <dsp:sp modelId="{9670E561-9038-450C-8748-44178B1AD60D}">
+      <dsp:nvSpPr>
+        <dsp:cNvPr id="0" name=""/>
+        <dsp:cNvSpPr/>
+      </dsp:nvSpPr>
+      <dsp:spPr>
+        <a:xfrm>
+          <a:off x="1704119" y="2712456"/>
+          <a:ext cx="6816480" cy="0"/>
+        </a:xfrm>
+        <a:prstGeom prst="line">
+          <a:avLst/>
+        </a:prstGeom>
+        <a:solidFill>
+          <a:schemeClr val="accent3">
+            <a:hueOff val="0"/>
+            <a:satOff val="0"/>
+            <a:lumOff val="0"/>
+            <a:alphaOff val="0"/>
+          </a:schemeClr>
+        </a:solidFill>
+        <a:ln w="25400" cap="flat" cmpd="sng" algn="ctr">
+          <a:solidFill>
+            <a:schemeClr val="accent3">
+              <a:tint val="50000"/>
+              <a:hueOff val="0"/>
+              <a:satOff val="0"/>
+              <a:lumOff val="0"/>
+              <a:alphaOff val="0"/>
+            </a:schemeClr>
+          </a:solidFill>
+          <a:prstDash val="solid"/>
+        </a:ln>
+        <a:effectLst>
+          <a:outerShdw blurRad="40000" dist="20000" dir="5400000" rotWithShape="0">
+            <a:srgbClr val="000000">
+              <a:alpha val="38000"/>
+            </a:srgbClr>
+          </a:outerShdw>
+        </a:effectLst>
+      </dsp:spPr>
+      <dsp:style>
+        <a:lnRef idx="2">
+          <a:scrgbClr r="0" g="0" b="0"/>
+        </a:lnRef>
+        <a:fillRef idx="1">
+          <a:scrgbClr r="0" g="0" b="0"/>
+        </a:fillRef>
+        <a:effectRef idx="1">
+          <a:scrgbClr r="0" g="0" b="0"/>
+        </a:effectRef>
+        <a:fontRef idx="minor"/>
+      </dsp:style>
+    </dsp:sp>
+    <dsp:sp modelId="{9610CFB4-6B7E-471F-B34C-BB93BEEDBD85}">
+      <dsp:nvSpPr>
+        <dsp:cNvPr id="0" name=""/>
+        <dsp:cNvSpPr/>
+      </dsp:nvSpPr>
+      <dsp:spPr>
+        <a:xfrm>
+          <a:off x="1831929" y="2725235"/>
+          <a:ext cx="6688671" cy="255579"/>
+        </a:xfrm>
+        <a:prstGeom prst="rect">
+          <a:avLst/>
+        </a:prstGeom>
+        <a:noFill/>
+        <a:ln>
+          <a:noFill/>
+        </a:ln>
+        <a:effectLst/>
+      </dsp:spPr>
+      <dsp:style>
+        <a:lnRef idx="0">
+          <a:scrgbClr r="0" g="0" b="0"/>
+        </a:lnRef>
+        <a:fillRef idx="0">
+          <a:scrgbClr r="0" g="0" b="0"/>
+        </a:fillRef>
+        <a:effectRef idx="0">
+          <a:scrgbClr r="0" g="0" b="0"/>
+        </a:effectRef>
+        <a:fontRef idx="minor"/>
+      </dsp:style>
+      <dsp:txBody>
+        <a:bodyPr spcFirstLastPara="0" vert="horz" wrap="square" lIns="45720" tIns="45720" rIns="45720" bIns="45720" numCol="1" spcCol="1270" anchor="t" anchorCtr="0">
+          <a:noAutofit/>
+        </a:bodyPr>
+        <a:lstStyle/>
+        <a:p>
+          <a:pPr marL="0" lvl="0" indent="0" algn="l" defTabSz="533400">
+            <a:lnSpc>
+              <a:spcPct val="90000"/>
+            </a:lnSpc>
+            <a:spcBef>
+              <a:spcPct val="0"/>
+            </a:spcBef>
+            <a:spcAft>
+              <a:spcPct val="35000"/>
+            </a:spcAft>
+            <a:buNone/>
+          </a:pPr>
+          <a:r>
+            <a:rPr lang="pt-PT" sz="1200" kern="1200"/>
+            <a:t>- Compare performance using cMSE (Censored Mean Squared Error)</a:t>
+          </a:r>
+          <a:endParaRPr lang="en-US" sz="1200" kern="1200"/>
+        </a:p>
+      </dsp:txBody>
+      <dsp:txXfrm>
+        <a:off x="1831929" y="2725235"/>
+        <a:ext cx="6688671" cy="255579"/>
+      </dsp:txXfrm>
+    </dsp:sp>
+    <dsp:sp modelId="{4A512112-3FAB-4DAB-BE9B-3EF2A5A04A01}">
+      <dsp:nvSpPr>
+        <dsp:cNvPr id="0" name=""/>
+        <dsp:cNvSpPr/>
+      </dsp:nvSpPr>
+      <dsp:spPr>
+        <a:xfrm>
+          <a:off x="1704119" y="2980814"/>
+          <a:ext cx="6816480" cy="0"/>
+        </a:xfrm>
+        <a:prstGeom prst="line">
+          <a:avLst/>
+        </a:prstGeom>
+        <a:solidFill>
+          <a:schemeClr val="accent3">
+            <a:hueOff val="0"/>
+            <a:satOff val="0"/>
+            <a:lumOff val="0"/>
+            <a:alphaOff val="0"/>
+          </a:schemeClr>
+        </a:solidFill>
+        <a:ln w="25400" cap="flat" cmpd="sng" algn="ctr">
+          <a:solidFill>
+            <a:schemeClr val="accent3">
+              <a:tint val="50000"/>
+              <a:hueOff val="0"/>
+              <a:satOff val="0"/>
+              <a:lumOff val="0"/>
+              <a:alphaOff val="0"/>
+            </a:schemeClr>
+          </a:solidFill>
+          <a:prstDash val="solid"/>
+        </a:ln>
+        <a:effectLst>
+          <a:outerShdw blurRad="40000" dist="20000" dir="5400000" rotWithShape="0">
+            <a:srgbClr val="000000">
+              <a:alpha val="38000"/>
+            </a:srgbClr>
+          </a:outerShdw>
+        </a:effectLst>
+      </dsp:spPr>
+      <dsp:style>
+        <a:lnRef idx="2">
+          <a:scrgbClr r="0" g="0" b="0"/>
+        </a:lnRef>
+        <a:fillRef idx="1">
+          <a:scrgbClr r="0" g="0" b="0"/>
+        </a:fillRef>
+        <a:effectRef idx="1">
+          <a:scrgbClr r="0" g="0" b="0"/>
+        </a:effectRef>
+        <a:fontRef idx="minor"/>
+      </dsp:style>
+    </dsp:sp>
+    <dsp:sp modelId="{6D4FAE74-CD52-437F-9712-CABD8D53CA27}">
+      <dsp:nvSpPr>
+        <dsp:cNvPr id="0" name=""/>
+        <dsp:cNvSpPr/>
+      </dsp:nvSpPr>
+      <dsp:spPr>
+        <a:xfrm>
+          <a:off x="1831929" y="2993593"/>
+          <a:ext cx="6688671" cy="255579"/>
+        </a:xfrm>
+        <a:prstGeom prst="rect">
+          <a:avLst/>
+        </a:prstGeom>
+        <a:noFill/>
+        <a:ln>
+          <a:noFill/>
+        </a:ln>
+        <a:effectLst/>
+      </dsp:spPr>
+      <dsp:style>
+        <a:lnRef idx="0">
+          <a:scrgbClr r="0" g="0" b="0"/>
+        </a:lnRef>
+        <a:fillRef idx="0">
+          <a:scrgbClr r="0" g="0" b="0"/>
+        </a:fillRef>
+        <a:effectRef idx="0">
+          <a:scrgbClr r="0" g="0" b="0"/>
+        </a:effectRef>
+        <a:fontRef idx="minor"/>
+      </dsp:style>
+      <dsp:txBody>
+        <a:bodyPr spcFirstLastPara="0" vert="horz" wrap="square" lIns="45720" tIns="45720" rIns="45720" bIns="45720" numCol="1" spcCol="1270" anchor="t" anchorCtr="0">
+          <a:noAutofit/>
+        </a:bodyPr>
+        <a:lstStyle/>
+        <a:p>
+          <a:pPr marL="0" lvl="0" indent="0" algn="l" defTabSz="533400">
+            <a:lnSpc>
+              <a:spcPct val="90000"/>
+            </a:lnSpc>
+            <a:spcBef>
+              <a:spcPct val="0"/>
+            </a:spcBef>
+            <a:spcAft>
+              <a:spcPct val="35000"/>
+            </a:spcAft>
+            <a:buNone/>
+          </a:pPr>
+          <a:r>
+            <a:rPr lang="pt-PT" sz="1200" kern="1200"/>
+            <a:t>- Test with KNN Regression model for comparison</a:t>
+          </a:r>
+          <a:endParaRPr lang="en-US" sz="1200" kern="1200"/>
+        </a:p>
+      </dsp:txBody>
+      <dsp:txXfrm>
+        <a:off x="1831929" y="2993593"/>
+        <a:ext cx="6688671" cy="255579"/>
+      </dsp:txXfrm>
+    </dsp:sp>
+    <dsp:sp modelId="{12DFB566-F227-47D0-861E-F198F3FDA56F}">
       <dsp:nvSpPr>
         <dsp:cNvPr id="0" name=""/>
         <dsp:cNvSpPr/>
@@ -29908,6 +33407,472 @@
 </dgm:layoutDef>
 </file>
 
+<file path=ppt/diagrams/layout9.xml><?xml version="1.0" encoding="utf-8"?>
+<dgm:layoutDef xmlns:dgm="http://schemas.openxmlformats.org/drawingml/2006/diagram" xmlns:a="http://schemas.openxmlformats.org/drawingml/2006/main" uniqueId="urn:microsoft.com/office/officeart/2008/layout/LinedList">
+  <dgm:title val=""/>
+  <dgm:desc val=""/>
+  <dgm:catLst>
+    <dgm:cat type="hierarchy" pri="8000"/>
+    <dgm:cat type="list" pri="2500"/>
+  </dgm:catLst>
+  <dgm:sampData>
+    <dgm:dataModel>
+      <dgm:ptLst>
+        <dgm:pt modelId="0" type="doc"/>
+        <dgm:pt modelId="1">
+          <dgm:prSet phldr="1"/>
+        </dgm:pt>
+        <dgm:pt modelId="11">
+          <dgm:prSet phldr="1"/>
+        </dgm:pt>
+        <dgm:pt modelId="12">
+          <dgm:prSet phldr="1"/>
+        </dgm:pt>
+        <dgm:pt modelId="13">
+          <dgm:prSet phldr="1"/>
+        </dgm:pt>
+      </dgm:ptLst>
+      <dgm:cxnLst>
+        <dgm:cxn modelId="2" srcId="0" destId="1" srcOrd="0" destOrd="0"/>
+        <dgm:cxn modelId="3" srcId="1" destId="11" srcOrd="0" destOrd="0"/>
+        <dgm:cxn modelId="4" srcId="1" destId="12" srcOrd="1" destOrd="0"/>
+        <dgm:cxn modelId="5" srcId="1" destId="13" srcOrd="2" destOrd="0"/>
+      </dgm:cxnLst>
+      <dgm:bg/>
+      <dgm:whole/>
+    </dgm:dataModel>
+  </dgm:sampData>
+  <dgm:styleData>
+    <dgm:dataModel>
+      <dgm:ptLst>
+        <dgm:pt modelId="0" type="doc"/>
+        <dgm:pt modelId="1">
+          <dgm:prSet phldr="1"/>
+        </dgm:pt>
+        <dgm:pt modelId="11">
+          <dgm:prSet phldr="1"/>
+        </dgm:pt>
+        <dgm:pt modelId="12">
+          <dgm:prSet phldr="1"/>
+        </dgm:pt>
+      </dgm:ptLst>
+      <dgm:cxnLst>
+        <dgm:cxn modelId="2" srcId="0" destId="1" srcOrd="0" destOrd="0"/>
+        <dgm:cxn modelId="3" srcId="1" destId="11" srcOrd="0" destOrd="0"/>
+        <dgm:cxn modelId="4" srcId="1" destId="12" srcOrd="1" destOrd="0"/>
+      </dgm:cxnLst>
+      <dgm:bg/>
+      <dgm:whole/>
+    </dgm:dataModel>
+  </dgm:styleData>
+  <dgm:clrData>
+    <dgm:dataModel>
+      <dgm:ptLst>
+        <dgm:pt modelId="0" type="doc"/>
+        <dgm:pt modelId="1">
+          <dgm:prSet phldr="1"/>
+        </dgm:pt>
+        <dgm:pt modelId="11">
+          <dgm:prSet phldr="1"/>
+        </dgm:pt>
+        <dgm:pt modelId="12">
+          <dgm:prSet phldr="1"/>
+        </dgm:pt>
+      </dgm:ptLst>
+      <dgm:cxnLst>
+        <dgm:cxn modelId="2" srcId="0" destId="1" srcOrd="0" destOrd="0"/>
+        <dgm:cxn modelId="3" srcId="1" destId="11" srcOrd="0" destOrd="0"/>
+        <dgm:cxn modelId="4" srcId="1" destId="12" srcOrd="1" destOrd="0"/>
+      </dgm:cxnLst>
+      <dgm:bg/>
+      <dgm:whole/>
+    </dgm:dataModel>
+  </dgm:clrData>
+  <dgm:layoutNode name="vert0">
+    <dgm:varLst>
+      <dgm:dir/>
+      <dgm:animOne val="branch"/>
+      <dgm:animLvl val="lvl"/>
+    </dgm:varLst>
+    <dgm:choose name="Name0">
+      <dgm:if name="Name1" func="var" arg="dir" op="equ" val="norm">
+        <dgm:alg type="lin">
+          <dgm:param type="linDir" val="fromT"/>
+          <dgm:param type="nodeHorzAlign" val="l"/>
+        </dgm:alg>
+      </dgm:if>
+      <dgm:else name="Name2">
+        <dgm:alg type="lin">
+          <dgm:param type="linDir" val="fromT"/>
+          <dgm:param type="nodeHorzAlign" val="r"/>
+        </dgm:alg>
+      </dgm:else>
+    </dgm:choose>
+    <dgm:shape xmlns:r="http://schemas.openxmlformats.org/officeDocument/2006/relationships" r:blip="">
+      <dgm:adjLst/>
+    </dgm:shape>
+    <dgm:presOf/>
+    <dgm:constrLst>
+      <dgm:constr type="w" for="ch" forName="horz1" refType="w"/>
+      <dgm:constr type="h" for="ch" forName="horz1" refType="h"/>
+      <dgm:constr type="h" for="des" forName="vert1" refType="h"/>
+      <dgm:constr type="h" for="des" forName="tx1" refType="h"/>
+      <dgm:constr type="h" for="des" forName="horz2" refType="h"/>
+      <dgm:constr type="h" for="des" forName="vert2" refType="h"/>
+      <dgm:constr type="h" for="des" forName="horz3" refType="h"/>
+      <dgm:constr type="h" for="des" forName="vert3" refType="h"/>
+      <dgm:constr type="h" for="des" forName="horz4" refType="h"/>
+      <dgm:constr type="h" for="des" ptType="node" refType="h"/>
+      <dgm:constr type="primFontSz" for="des" forName="tx1" op="equ" val="65"/>
+      <dgm:constr type="primFontSz" for="des" forName="tx2" op="equ" val="65"/>
+      <dgm:constr type="primFontSz" for="des" forName="tx3" op="equ" val="65"/>
+      <dgm:constr type="primFontSz" for="des" forName="tx4" op="equ" val="65"/>
+      <dgm:constr type="w" for="des" forName="thickLine" refType="w"/>
+      <dgm:constr type="h" for="des" forName="thickLine"/>
+      <dgm:constr type="h" for="des" forName="thinLine1"/>
+      <dgm:constr type="h" for="des" forName="thinLine2b"/>
+      <dgm:constr type="h" for="des" forName="thinLine3"/>
+      <dgm:constr type="h" for="des" forName="vertSpace2a" refType="h" fact="0.05"/>
+      <dgm:constr type="h" for="des" forName="vertSpace2b" refType="h" refFor="des" refForName="vertSpace2a"/>
+    </dgm:constrLst>
+    <dgm:forEach name="Name3" axis="ch" ptType="node">
+      <dgm:layoutNode name="thickLine" styleLbl="alignNode1">
+        <dgm:alg type="sp"/>
+        <dgm:shape xmlns:r="http://schemas.openxmlformats.org/officeDocument/2006/relationships" type="line" r:blip="">
+          <dgm:adjLst/>
+        </dgm:shape>
+        <dgm:presOf/>
+      </dgm:layoutNode>
+      <dgm:layoutNode name="horz1">
+        <dgm:choose name="Name4">
+          <dgm:if name="Name5" func="var" arg="dir" op="equ" val="norm">
+            <dgm:alg type="lin">
+              <dgm:param type="linDir" val="fromL"/>
+              <dgm:param type="nodeVertAlign" val="t"/>
+            </dgm:alg>
+          </dgm:if>
+          <dgm:else name="Name6">
+            <dgm:alg type="lin">
+              <dgm:param type="linDir" val="fromR"/>
+              <dgm:param type="nodeVertAlign" val="t"/>
+            </dgm:alg>
+          </dgm:else>
+        </dgm:choose>
+        <dgm:shape xmlns:r="http://schemas.openxmlformats.org/officeDocument/2006/relationships" r:blip="">
+          <dgm:adjLst/>
+        </dgm:shape>
+        <dgm:presOf/>
+        <dgm:choose name="Name7">
+          <dgm:if name="Name8" axis="root des" func="maxDepth" op="equ" val="1">
+            <dgm:constrLst>
+              <dgm:constr type="w" for="ch" forName="tx1" refType="w"/>
+            </dgm:constrLst>
+          </dgm:if>
+          <dgm:if name="Name9" axis="root des" func="maxDepth" op="equ" val="2">
+            <dgm:constrLst>
+              <dgm:constr type="w" for="ch" forName="tx1" refType="w" fact="0.2"/>
+              <dgm:constr type="w" for="des" forName="tx2" refType="w" fact="0.785"/>
+              <dgm:constr type="w" for="des" forName="horzSpace2" refType="w" fact="0.015"/>
+              <dgm:constr type="w" for="des" forName="thinLine2b" refType="w" fact="0.8"/>
+            </dgm:constrLst>
+          </dgm:if>
+          <dgm:if name="Name10" axis="root des" func="maxDepth" op="equ" val="3">
+            <dgm:constrLst>
+              <dgm:constr type="w" for="ch" forName="tx1" refType="w" fact="0.2"/>
+              <dgm:constr type="w" for="des" forName="tx2" refType="w" fact="0.385"/>
+              <dgm:constr type="w" for="des" forName="tx3" refType="w" fact="0.385"/>
+              <dgm:constr type="w" for="des" forName="horzSpace2" refType="w" fact="0.015"/>
+              <dgm:constr type="w" for="des" forName="horzSpace3" refType="w" fact="0.015"/>
+              <dgm:constr type="w" for="des" forName="thinLine2b" refType="w" fact="0.8"/>
+              <dgm:constr type="w" for="des" forName="thinLine3" refType="w" fact="0.385"/>
+            </dgm:constrLst>
+          </dgm:if>
+          <dgm:if name="Name11" axis="root des" func="maxDepth" op="gte" val="4">
+            <dgm:constrLst>
+              <dgm:constr type="w" for="ch" forName="tx1" refType="w" fact="0.2"/>
+              <dgm:constr type="w" for="des" forName="tx2" refType="w" fact="0.2516"/>
+              <dgm:constr type="w" for="des" forName="tx3" refType="w" fact="0.2516"/>
+              <dgm:constr type="w" for="des" forName="tx4" refType="w" fact="0.2516"/>
+              <dgm:constr type="w" for="des" forName="horzSpace2" refType="w" fact="0.015"/>
+              <dgm:constr type="w" for="des" forName="horzSpace3" refType="w" fact="0.015"/>
+              <dgm:constr type="w" for="des" forName="horzSpace4" refType="w" fact="0.015"/>
+              <dgm:constr type="w" for="des" forName="thinLine2b" refType="w" fact="0.8"/>
+              <dgm:constr type="w" for="des" forName="thinLine3" refType="w" fact="0.5332"/>
+            </dgm:constrLst>
+          </dgm:if>
+          <dgm:else name="Name12"/>
+        </dgm:choose>
+        <dgm:layoutNode name="tx1" styleLbl="revTx">
+          <dgm:alg type="tx">
+            <dgm:param type="parTxLTRAlign" val="l"/>
+            <dgm:param type="parTxRTLAlign" val="r"/>
+            <dgm:param type="txAnchorVert" val="t"/>
+          </dgm:alg>
+          <dgm:shape xmlns:r="http://schemas.openxmlformats.org/officeDocument/2006/relationships" type="rect" r:blip="">
+            <dgm:adjLst/>
+          </dgm:shape>
+          <dgm:presOf axis="self"/>
+          <dgm:constrLst>
+            <dgm:constr type="tMarg" refType="primFontSz" fact="0.3"/>
+            <dgm:constr type="bMarg" refType="primFontSz" fact="0.3"/>
+            <dgm:constr type="lMarg" refType="primFontSz" fact="0.3"/>
+            <dgm:constr type="rMarg" refType="primFontSz" fact="0.3"/>
+          </dgm:constrLst>
+          <dgm:ruleLst>
+            <dgm:rule type="primFontSz" val="5" fact="NaN" max="NaN"/>
+          </dgm:ruleLst>
+        </dgm:layoutNode>
+        <dgm:layoutNode name="vert1">
+          <dgm:choose name="Name13">
+            <dgm:if name="Name14" func="var" arg="dir" op="equ" val="norm">
+              <dgm:alg type="lin">
+                <dgm:param type="linDir" val="fromT"/>
+                <dgm:param type="nodeHorzAlign" val="l"/>
+              </dgm:alg>
+            </dgm:if>
+            <dgm:else name="Name15">
+              <dgm:alg type="lin">
+                <dgm:param type="linDir" val="fromT"/>
+                <dgm:param type="nodeHorzAlign" val="r"/>
+              </dgm:alg>
+            </dgm:else>
+          </dgm:choose>
+          <dgm:shape xmlns:r="http://schemas.openxmlformats.org/officeDocument/2006/relationships" r:blip="">
+            <dgm:adjLst/>
+          </dgm:shape>
+          <dgm:presOf/>
+          <dgm:forEach name="Name16" axis="ch" ptType="node">
+            <dgm:choose name="Name17">
+              <dgm:if name="Name18" axis="self" ptType="node" func="pos" op="equ" val="1">
+                <dgm:layoutNode name="vertSpace2a">
+                  <dgm:alg type="sp"/>
+                  <dgm:shape xmlns:r="http://schemas.openxmlformats.org/officeDocument/2006/relationships" r:blip="">
+                    <dgm:adjLst/>
+                  </dgm:shape>
+                  <dgm:presOf/>
+                </dgm:layoutNode>
+              </dgm:if>
+              <dgm:else name="Name19"/>
+            </dgm:choose>
+            <dgm:layoutNode name="horz2">
+              <dgm:choose name="Name20">
+                <dgm:if name="Name21" func="var" arg="dir" op="equ" val="norm">
+                  <dgm:alg type="lin">
+                    <dgm:param type="linDir" val="fromL"/>
+                    <dgm:param type="nodeVertAlign" val="t"/>
+                  </dgm:alg>
+                </dgm:if>
+                <dgm:else name="Name22">
+                  <dgm:alg type="lin">
+                    <dgm:param type="linDir" val="fromR"/>
+                    <dgm:param type="nodeVertAlign" val="t"/>
+                  </dgm:alg>
+                </dgm:else>
+              </dgm:choose>
+              <dgm:shape xmlns:r="http://schemas.openxmlformats.org/officeDocument/2006/relationships" r:blip="">
+                <dgm:adjLst/>
+              </dgm:shape>
+              <dgm:presOf/>
+              <dgm:layoutNode name="horzSpace2">
+                <dgm:alg type="sp"/>
+                <dgm:shape xmlns:r="http://schemas.openxmlformats.org/officeDocument/2006/relationships" r:blip="">
+                  <dgm:adjLst/>
+                </dgm:shape>
+                <dgm:presOf/>
+              </dgm:layoutNode>
+              <dgm:layoutNode name="tx2" styleLbl="revTx">
+                <dgm:alg type="tx">
+                  <dgm:param type="parTxLTRAlign" val="l"/>
+                  <dgm:param type="parTxRTLAlign" val="r"/>
+                  <dgm:param type="txAnchorVert" val="t"/>
+                </dgm:alg>
+                <dgm:shape xmlns:r="http://schemas.openxmlformats.org/officeDocument/2006/relationships" type="rect" r:blip="">
+                  <dgm:adjLst/>
+                </dgm:shape>
+                <dgm:presOf axis="self"/>
+                <dgm:constrLst>
+                  <dgm:constr type="tMarg" refType="primFontSz" fact="0.3"/>
+                  <dgm:constr type="bMarg" refType="primFontSz" fact="0.3"/>
+                  <dgm:constr type="lMarg" refType="primFontSz" fact="0.3"/>
+                  <dgm:constr type="rMarg" refType="primFontSz" fact="0.3"/>
+                </dgm:constrLst>
+                <dgm:ruleLst>
+                  <dgm:rule type="primFontSz" val="5" fact="NaN" max="NaN"/>
+                </dgm:ruleLst>
+              </dgm:layoutNode>
+              <dgm:layoutNode name="vert2">
+                <dgm:choose name="Name23">
+                  <dgm:if name="Name24" func="var" arg="dir" op="equ" val="norm">
+                    <dgm:alg type="lin">
+                      <dgm:param type="linDir" val="fromT"/>
+                      <dgm:param type="nodeHorzAlign" val="l"/>
+                    </dgm:alg>
+                  </dgm:if>
+                  <dgm:else name="Name25">
+                    <dgm:alg type="lin">
+                      <dgm:param type="linDir" val="fromT"/>
+                      <dgm:param type="nodeHorzAlign" val="r"/>
+                    </dgm:alg>
+                  </dgm:else>
+                </dgm:choose>
+                <dgm:shape xmlns:r="http://schemas.openxmlformats.org/officeDocument/2006/relationships" r:blip="">
+                  <dgm:adjLst/>
+                </dgm:shape>
+                <dgm:presOf/>
+                <dgm:forEach name="Name26" axis="ch" ptType="node">
+                  <dgm:layoutNode name="horz3">
+                    <dgm:choose name="Name27">
+                      <dgm:if name="Name28" func="var" arg="dir" op="equ" val="norm">
+                        <dgm:alg type="lin">
+                          <dgm:param type="linDir" val="fromL"/>
+                          <dgm:param type="nodeVertAlign" val="t"/>
+                        </dgm:alg>
+                      </dgm:if>
+                      <dgm:else name="Name29">
+                        <dgm:alg type="lin">
+                          <dgm:param type="linDir" val="fromR"/>
+                          <dgm:param type="nodeVertAlign" val="t"/>
+                        </dgm:alg>
+                      </dgm:else>
+                    </dgm:choose>
+                    <dgm:shape xmlns:r="http://schemas.openxmlformats.org/officeDocument/2006/relationships" r:blip="">
+                      <dgm:adjLst/>
+                    </dgm:shape>
+                    <dgm:presOf/>
+                    <dgm:layoutNode name="horzSpace3">
+                      <dgm:alg type="sp"/>
+                      <dgm:shape xmlns:r="http://schemas.openxmlformats.org/officeDocument/2006/relationships" r:blip="">
+                        <dgm:adjLst/>
+                      </dgm:shape>
+                      <dgm:presOf/>
+                    </dgm:layoutNode>
+                    <dgm:layoutNode name="tx3" styleLbl="revTx">
+                      <dgm:alg type="tx">
+                        <dgm:param type="parTxLTRAlign" val="l"/>
+                        <dgm:param type="parTxRTLAlign" val="r"/>
+                        <dgm:param type="txAnchorVert" val="t"/>
+                      </dgm:alg>
+                      <dgm:shape xmlns:r="http://schemas.openxmlformats.org/officeDocument/2006/relationships" type="rect" r:blip="">
+                        <dgm:adjLst/>
+                      </dgm:shape>
+                      <dgm:presOf axis="self"/>
+                      <dgm:constrLst>
+                        <dgm:constr type="tMarg" refType="primFontSz" fact="0.3"/>
+                        <dgm:constr type="bMarg" refType="primFontSz" fact="0.3"/>
+                        <dgm:constr type="lMarg" refType="primFontSz" fact="0.3"/>
+                        <dgm:constr type="rMarg" refType="primFontSz" fact="0.3"/>
+                      </dgm:constrLst>
+                      <dgm:ruleLst>
+                        <dgm:rule type="primFontSz" val="5" fact="NaN" max="NaN"/>
+                      </dgm:ruleLst>
+                    </dgm:layoutNode>
+                    <dgm:layoutNode name="vert3">
+                      <dgm:choose name="Name30">
+                        <dgm:if name="Name31" func="var" arg="dir" op="equ" val="norm">
+                          <dgm:alg type="lin">
+                            <dgm:param type="linDir" val="fromT"/>
+                            <dgm:param type="nodeHorzAlign" val="l"/>
+                          </dgm:alg>
+                        </dgm:if>
+                        <dgm:else name="Name32">
+                          <dgm:alg type="lin">
+                            <dgm:param type="linDir" val="fromT"/>
+                            <dgm:param type="nodeHorzAlign" val="r"/>
+                          </dgm:alg>
+                        </dgm:else>
+                      </dgm:choose>
+                      <dgm:shape xmlns:r="http://schemas.openxmlformats.org/officeDocument/2006/relationships" r:blip="">
+                        <dgm:adjLst/>
+                      </dgm:shape>
+                      <dgm:presOf/>
+                      <dgm:forEach name="Name33" axis="ch" ptType="node">
+                        <dgm:layoutNode name="horz4">
+                          <dgm:choose name="Name34">
+                            <dgm:if name="Name35" func="var" arg="dir" op="equ" val="norm">
+                              <dgm:alg type="lin">
+                                <dgm:param type="linDir" val="fromL"/>
+                                <dgm:param type="nodeVertAlign" val="t"/>
+                              </dgm:alg>
+                            </dgm:if>
+                            <dgm:else name="Name36">
+                              <dgm:alg type="lin">
+                                <dgm:param type="linDir" val="fromR"/>
+                                <dgm:param type="nodeVertAlign" val="t"/>
+                              </dgm:alg>
+                            </dgm:else>
+                          </dgm:choose>
+                          <dgm:shape xmlns:r="http://schemas.openxmlformats.org/officeDocument/2006/relationships" r:blip="">
+                            <dgm:adjLst/>
+                          </dgm:shape>
+                          <dgm:presOf/>
+                          <dgm:layoutNode name="horzSpace4">
+                            <dgm:alg type="sp"/>
+                            <dgm:shape xmlns:r="http://schemas.openxmlformats.org/officeDocument/2006/relationships" r:blip="">
+                              <dgm:adjLst/>
+                            </dgm:shape>
+                            <dgm:presOf/>
+                          </dgm:layoutNode>
+                          <dgm:layoutNode name="tx4" styleLbl="revTx">
+                            <dgm:varLst>
+                              <dgm:bulletEnabled val="1"/>
+                            </dgm:varLst>
+                            <dgm:alg type="tx">
+                              <dgm:param type="parTxLTRAlign" val="l"/>
+                              <dgm:param type="parTxRTLAlign" val="r"/>
+                              <dgm:param type="txAnchorVert" val="t"/>
+                            </dgm:alg>
+                            <dgm:shape xmlns:r="http://schemas.openxmlformats.org/officeDocument/2006/relationships" type="rect" r:blip="">
+                              <dgm:adjLst/>
+                            </dgm:shape>
+                            <dgm:presOf axis="desOrSelf" ptType="node"/>
+                            <dgm:constrLst>
+                              <dgm:constr type="tMarg" refType="primFontSz" fact="0.3"/>
+                              <dgm:constr type="bMarg" refType="primFontSz" fact="0.3"/>
+                              <dgm:constr type="lMarg" refType="primFontSz" fact="0.3"/>
+                              <dgm:constr type="rMarg" refType="primFontSz" fact="0.3"/>
+                            </dgm:constrLst>
+                            <dgm:ruleLst>
+                              <dgm:rule type="primFontSz" val="5" fact="NaN" max="NaN"/>
+                            </dgm:ruleLst>
+                          </dgm:layoutNode>
+                        </dgm:layoutNode>
+                      </dgm:forEach>
+                    </dgm:layoutNode>
+                  </dgm:layoutNode>
+                  <dgm:forEach name="Name37" axis="followSib" ptType="sibTrans" cnt="1">
+                    <dgm:layoutNode name="thinLine3" styleLbl="callout">
+                      <dgm:alg type="sp"/>
+                      <dgm:shape xmlns:r="http://schemas.openxmlformats.org/officeDocument/2006/relationships" type="line" r:blip="">
+                        <dgm:adjLst/>
+                      </dgm:shape>
+                      <dgm:presOf/>
+                    </dgm:layoutNode>
+                  </dgm:forEach>
+                </dgm:forEach>
+              </dgm:layoutNode>
+            </dgm:layoutNode>
+            <dgm:layoutNode name="thinLine2b" styleLbl="callout">
+              <dgm:alg type="sp"/>
+              <dgm:shape xmlns:r="http://schemas.openxmlformats.org/officeDocument/2006/relationships" type="line" r:blip="">
+                <dgm:adjLst/>
+              </dgm:shape>
+              <dgm:presOf/>
+            </dgm:layoutNode>
+            <dgm:layoutNode name="vertSpace2b">
+              <dgm:alg type="sp"/>
+              <dgm:shape xmlns:r="http://schemas.openxmlformats.org/officeDocument/2006/relationships" r:blip="">
+                <dgm:adjLst/>
+              </dgm:shape>
+              <dgm:presOf/>
+            </dgm:layoutNode>
+          </dgm:forEach>
+        </dgm:layoutNode>
+      </dgm:layoutNode>
+    </dgm:forEach>
+  </dgm:layoutNode>
+</dgm:layoutDef>
+</file>
+
 <file path=ppt/diagrams/quickStyle1.xml><?xml version="1.0" encoding="utf-8"?>
 <dgm:styleDef xmlns:dgm="http://schemas.openxmlformats.org/drawingml/2006/diagram" xmlns:a="http://schemas.openxmlformats.org/drawingml/2006/main" uniqueId="urn:microsoft.com/office/officeart/2005/8/quickstyle/simple2">
   <dgm:title val=""/>
@@ -37147,6 +41112,1040 @@
 </file>
 
 <file path=ppt/diagrams/quickStyle8.xml><?xml version="1.0" encoding="utf-8"?>
+<dgm:styleDef xmlns:dgm="http://schemas.openxmlformats.org/drawingml/2006/diagram" xmlns:a="http://schemas.openxmlformats.org/drawingml/2006/main" uniqueId="urn:microsoft.com/office/officeart/2005/8/quickstyle/simple2">
+  <dgm:title val=""/>
+  <dgm:desc val=""/>
+  <dgm:catLst>
+    <dgm:cat type="simple" pri="10200"/>
+  </dgm:catLst>
+  <dgm:scene3d>
+    <a:camera prst="orthographicFront"/>
+    <a:lightRig rig="threePt" dir="t"/>
+  </dgm:scene3d>
+  <dgm:styleLbl name="node0">
+    <dgm:scene3d>
+      <a:camera prst="orthographicFront"/>
+      <a:lightRig rig="threePt" dir="t"/>
+    </dgm:scene3d>
+    <dgm:sp3d/>
+    <dgm:txPr/>
+    <dgm:style>
+      <a:lnRef idx="3">
+        <a:scrgbClr r="0" g="0" b="0"/>
+      </a:lnRef>
+      <a:fillRef idx="1">
+        <a:scrgbClr r="0" g="0" b="0"/>
+      </a:fillRef>
+      <a:effectRef idx="1">
+        <a:scrgbClr r="0" g="0" b="0"/>
+      </a:effectRef>
+      <a:fontRef idx="minor">
+        <a:schemeClr val="lt1"/>
+      </a:fontRef>
+    </dgm:style>
+  </dgm:styleLbl>
+  <dgm:styleLbl name="lnNode1">
+    <dgm:scene3d>
+      <a:camera prst="orthographicFront"/>
+      <a:lightRig rig="threePt" dir="t"/>
+    </dgm:scene3d>
+    <dgm:sp3d/>
+    <dgm:txPr/>
+    <dgm:style>
+      <a:lnRef idx="3">
+        <a:scrgbClr r="0" g="0" b="0"/>
+      </a:lnRef>
+      <a:fillRef idx="1">
+        <a:scrgbClr r="0" g="0" b="0"/>
+      </a:fillRef>
+      <a:effectRef idx="1">
+        <a:scrgbClr r="0" g="0" b="0"/>
+      </a:effectRef>
+      <a:fontRef idx="minor">
+        <a:schemeClr val="lt1"/>
+      </a:fontRef>
+    </dgm:style>
+  </dgm:styleLbl>
+  <dgm:styleLbl name="vennNode1">
+    <dgm:scene3d>
+      <a:camera prst="orthographicFront"/>
+      <a:lightRig rig="threePt" dir="t"/>
+    </dgm:scene3d>
+    <dgm:sp3d/>
+    <dgm:txPr/>
+    <dgm:style>
+      <a:lnRef idx="3">
+        <a:scrgbClr r="0" g="0" b="0"/>
+      </a:lnRef>
+      <a:fillRef idx="1">
+        <a:scrgbClr r="0" g="0" b="0"/>
+      </a:fillRef>
+      <a:effectRef idx="0">
+        <a:scrgbClr r="0" g="0" b="0"/>
+      </a:effectRef>
+      <a:fontRef idx="minor">
+        <a:schemeClr val="tx1"/>
+      </a:fontRef>
+    </dgm:style>
+  </dgm:styleLbl>
+  <dgm:styleLbl name="alignNode1">
+    <dgm:scene3d>
+      <a:camera prst="orthographicFront"/>
+      <a:lightRig rig="threePt" dir="t"/>
+    </dgm:scene3d>
+    <dgm:sp3d/>
+    <dgm:txPr/>
+    <dgm:style>
+      <a:lnRef idx="2">
+        <a:scrgbClr r="0" g="0" b="0"/>
+      </a:lnRef>
+      <a:fillRef idx="1">
+        <a:scrgbClr r="0" g="0" b="0"/>
+      </a:fillRef>
+      <a:effectRef idx="1">
+        <a:scrgbClr r="0" g="0" b="0"/>
+      </a:effectRef>
+      <a:fontRef idx="minor">
+        <a:schemeClr val="lt1"/>
+      </a:fontRef>
+    </dgm:style>
+  </dgm:styleLbl>
+  <dgm:styleLbl name="node1">
+    <dgm:scene3d>
+      <a:camera prst="orthographicFront"/>
+      <a:lightRig rig="threePt" dir="t"/>
+    </dgm:scene3d>
+    <dgm:sp3d/>
+    <dgm:txPr/>
+    <dgm:style>
+      <a:lnRef idx="3">
+        <a:scrgbClr r="0" g="0" b="0"/>
+      </a:lnRef>
+      <a:fillRef idx="1">
+        <a:scrgbClr r="0" g="0" b="0"/>
+      </a:fillRef>
+      <a:effectRef idx="1">
+        <a:scrgbClr r="0" g="0" b="0"/>
+      </a:effectRef>
+      <a:fontRef idx="minor">
+        <a:schemeClr val="lt1"/>
+      </a:fontRef>
+    </dgm:style>
+  </dgm:styleLbl>
+  <dgm:styleLbl name="node2">
+    <dgm:scene3d>
+      <a:camera prst="orthographicFront"/>
+      <a:lightRig rig="threePt" dir="t"/>
+    </dgm:scene3d>
+    <dgm:sp3d/>
+    <dgm:txPr/>
+    <dgm:style>
+      <a:lnRef idx="3">
+        <a:scrgbClr r="0" g="0" b="0"/>
+      </a:lnRef>
+      <a:fillRef idx="1">
+        <a:scrgbClr r="0" g="0" b="0"/>
+      </a:fillRef>
+      <a:effectRef idx="1">
+        <a:scrgbClr r="0" g="0" b="0"/>
+      </a:effectRef>
+      <a:fontRef idx="minor">
+        <a:schemeClr val="lt1"/>
+      </a:fontRef>
+    </dgm:style>
+  </dgm:styleLbl>
+  <dgm:styleLbl name="node3">
+    <dgm:scene3d>
+      <a:camera prst="orthographicFront"/>
+      <a:lightRig rig="threePt" dir="t"/>
+    </dgm:scene3d>
+    <dgm:sp3d/>
+    <dgm:txPr/>
+    <dgm:style>
+      <a:lnRef idx="3">
+        <a:scrgbClr r="0" g="0" b="0"/>
+      </a:lnRef>
+      <a:fillRef idx="1">
+        <a:scrgbClr r="0" g="0" b="0"/>
+      </a:fillRef>
+      <a:effectRef idx="1">
+        <a:scrgbClr r="0" g="0" b="0"/>
+      </a:effectRef>
+      <a:fontRef idx="minor">
+        <a:schemeClr val="lt1"/>
+      </a:fontRef>
+    </dgm:style>
+  </dgm:styleLbl>
+  <dgm:styleLbl name="node4">
+    <dgm:scene3d>
+      <a:camera prst="orthographicFront"/>
+      <a:lightRig rig="threePt" dir="t"/>
+    </dgm:scene3d>
+    <dgm:sp3d/>
+    <dgm:txPr/>
+    <dgm:style>
+      <a:lnRef idx="3">
+        <a:scrgbClr r="0" g="0" b="0"/>
+      </a:lnRef>
+      <a:fillRef idx="1">
+        <a:scrgbClr r="0" g="0" b="0"/>
+      </a:fillRef>
+      <a:effectRef idx="1">
+        <a:scrgbClr r="0" g="0" b="0"/>
+      </a:effectRef>
+      <a:fontRef idx="minor">
+        <a:schemeClr val="lt1"/>
+      </a:fontRef>
+    </dgm:style>
+  </dgm:styleLbl>
+  <dgm:styleLbl name="fgImgPlace1">
+    <dgm:scene3d>
+      <a:camera prst="orthographicFront"/>
+      <a:lightRig rig="threePt" dir="t"/>
+    </dgm:scene3d>
+    <dgm:sp3d/>
+    <dgm:txPr/>
+    <dgm:style>
+      <a:lnRef idx="3">
+        <a:scrgbClr r="0" g="0" b="0"/>
+      </a:lnRef>
+      <a:fillRef idx="1">
+        <a:scrgbClr r="0" g="0" b="0"/>
+      </a:fillRef>
+      <a:effectRef idx="1">
+        <a:scrgbClr r="0" g="0" b="0"/>
+      </a:effectRef>
+      <a:fontRef idx="minor"/>
+    </dgm:style>
+  </dgm:styleLbl>
+  <dgm:styleLbl name="alignImgPlace1">
+    <dgm:scene3d>
+      <a:camera prst="orthographicFront"/>
+      <a:lightRig rig="threePt" dir="t"/>
+    </dgm:scene3d>
+    <dgm:sp3d/>
+    <dgm:txPr/>
+    <dgm:style>
+      <a:lnRef idx="3">
+        <a:scrgbClr r="0" g="0" b="0"/>
+      </a:lnRef>
+      <a:fillRef idx="1">
+        <a:scrgbClr r="0" g="0" b="0"/>
+      </a:fillRef>
+      <a:effectRef idx="1">
+        <a:scrgbClr r="0" g="0" b="0"/>
+      </a:effectRef>
+      <a:fontRef idx="minor"/>
+    </dgm:style>
+  </dgm:styleLbl>
+  <dgm:styleLbl name="bgImgPlace1">
+    <dgm:scene3d>
+      <a:camera prst="orthographicFront"/>
+      <a:lightRig rig="threePt" dir="t"/>
+    </dgm:scene3d>
+    <dgm:sp3d/>
+    <dgm:txPr/>
+    <dgm:style>
+      <a:lnRef idx="3">
+        <a:scrgbClr r="0" g="0" b="0"/>
+      </a:lnRef>
+      <a:fillRef idx="1">
+        <a:scrgbClr r="0" g="0" b="0"/>
+      </a:fillRef>
+      <a:effectRef idx="1">
+        <a:scrgbClr r="0" g="0" b="0"/>
+      </a:effectRef>
+      <a:fontRef idx="minor"/>
+    </dgm:style>
+  </dgm:styleLbl>
+  <dgm:styleLbl name="sibTrans2D1">
+    <dgm:scene3d>
+      <a:camera prst="orthographicFront"/>
+      <a:lightRig rig="threePt" dir="t"/>
+    </dgm:scene3d>
+    <dgm:sp3d/>
+    <dgm:txPr/>
+    <dgm:style>
+      <a:lnRef idx="0">
+        <a:scrgbClr r="0" g="0" b="0"/>
+      </a:lnRef>
+      <a:fillRef idx="1">
+        <a:scrgbClr r="0" g="0" b="0"/>
+      </a:fillRef>
+      <a:effectRef idx="1">
+        <a:scrgbClr r="0" g="0" b="0"/>
+      </a:effectRef>
+      <a:fontRef idx="minor">
+        <a:schemeClr val="lt1"/>
+      </a:fontRef>
+    </dgm:style>
+  </dgm:styleLbl>
+  <dgm:styleLbl name="fgSibTrans2D1">
+    <dgm:scene3d>
+      <a:camera prst="orthographicFront"/>
+      <a:lightRig rig="threePt" dir="t"/>
+    </dgm:scene3d>
+    <dgm:sp3d/>
+    <dgm:txPr/>
+    <dgm:style>
+      <a:lnRef idx="0">
+        <a:scrgbClr r="0" g="0" b="0"/>
+      </a:lnRef>
+      <a:fillRef idx="1">
+        <a:scrgbClr r="0" g="0" b="0"/>
+      </a:fillRef>
+      <a:effectRef idx="1">
+        <a:scrgbClr r="0" g="0" b="0"/>
+      </a:effectRef>
+      <a:fontRef idx="minor">
+        <a:schemeClr val="lt1"/>
+      </a:fontRef>
+    </dgm:style>
+  </dgm:styleLbl>
+  <dgm:styleLbl name="bgSibTrans2D1">
+    <dgm:scene3d>
+      <a:camera prst="orthographicFront"/>
+      <a:lightRig rig="threePt" dir="t"/>
+    </dgm:scene3d>
+    <dgm:sp3d/>
+    <dgm:txPr/>
+    <dgm:style>
+      <a:lnRef idx="0">
+        <a:scrgbClr r="0" g="0" b="0"/>
+      </a:lnRef>
+      <a:fillRef idx="1">
+        <a:scrgbClr r="0" g="0" b="0"/>
+      </a:fillRef>
+      <a:effectRef idx="1">
+        <a:scrgbClr r="0" g="0" b="0"/>
+      </a:effectRef>
+      <a:fontRef idx="minor">
+        <a:schemeClr val="lt1"/>
+      </a:fontRef>
+    </dgm:style>
+  </dgm:styleLbl>
+  <dgm:styleLbl name="sibTrans1D1">
+    <dgm:scene3d>
+      <a:camera prst="orthographicFront"/>
+      <a:lightRig rig="threePt" dir="t"/>
+    </dgm:scene3d>
+    <dgm:sp3d/>
+    <dgm:txPr/>
+    <dgm:style>
+      <a:lnRef idx="1">
+        <a:scrgbClr r="0" g="0" b="0"/>
+      </a:lnRef>
+      <a:fillRef idx="0">
+        <a:scrgbClr r="0" g="0" b="0"/>
+      </a:fillRef>
+      <a:effectRef idx="0">
+        <a:scrgbClr r="0" g="0" b="0"/>
+      </a:effectRef>
+      <a:fontRef idx="minor"/>
+    </dgm:style>
+  </dgm:styleLbl>
+  <dgm:styleLbl name="callout">
+    <dgm:scene3d>
+      <a:camera prst="orthographicFront"/>
+      <a:lightRig rig="threePt" dir="t"/>
+    </dgm:scene3d>
+    <dgm:sp3d/>
+    <dgm:txPr/>
+    <dgm:style>
+      <a:lnRef idx="2">
+        <a:scrgbClr r="0" g="0" b="0"/>
+      </a:lnRef>
+      <a:fillRef idx="1">
+        <a:scrgbClr r="0" g="0" b="0"/>
+      </a:fillRef>
+      <a:effectRef idx="1">
+        <a:scrgbClr r="0" g="0" b="0"/>
+      </a:effectRef>
+      <a:fontRef idx="minor"/>
+    </dgm:style>
+  </dgm:styleLbl>
+  <dgm:styleLbl name="asst0">
+    <dgm:scene3d>
+      <a:camera prst="orthographicFront"/>
+      <a:lightRig rig="threePt" dir="t"/>
+    </dgm:scene3d>
+    <dgm:sp3d/>
+    <dgm:txPr/>
+    <dgm:style>
+      <a:lnRef idx="3">
+        <a:scrgbClr r="0" g="0" b="0"/>
+      </a:lnRef>
+      <a:fillRef idx="1">
+        <a:scrgbClr r="0" g="0" b="0"/>
+      </a:fillRef>
+      <a:effectRef idx="1">
+        <a:scrgbClr r="0" g="0" b="0"/>
+      </a:effectRef>
+      <a:fontRef idx="minor">
+        <a:schemeClr val="lt1"/>
+      </a:fontRef>
+    </dgm:style>
+  </dgm:styleLbl>
+  <dgm:styleLbl name="asst1">
+    <dgm:scene3d>
+      <a:camera prst="orthographicFront"/>
+      <a:lightRig rig="threePt" dir="t"/>
+    </dgm:scene3d>
+    <dgm:sp3d/>
+    <dgm:txPr/>
+    <dgm:style>
+      <a:lnRef idx="3">
+        <a:scrgbClr r="0" g="0" b="0"/>
+      </a:lnRef>
+      <a:fillRef idx="1">
+        <a:scrgbClr r="0" g="0" b="0"/>
+      </a:fillRef>
+      <a:effectRef idx="1">
+        <a:scrgbClr r="0" g="0" b="0"/>
+      </a:effectRef>
+      <a:fontRef idx="minor">
+        <a:schemeClr val="lt1"/>
+      </a:fontRef>
+    </dgm:style>
+  </dgm:styleLbl>
+  <dgm:styleLbl name="asst2">
+    <dgm:scene3d>
+      <a:camera prst="orthographicFront"/>
+      <a:lightRig rig="threePt" dir="t"/>
+    </dgm:scene3d>
+    <dgm:sp3d/>
+    <dgm:txPr/>
+    <dgm:style>
+      <a:lnRef idx="3">
+        <a:scrgbClr r="0" g="0" b="0"/>
+      </a:lnRef>
+      <a:fillRef idx="1">
+        <a:scrgbClr r="0" g="0" b="0"/>
+      </a:fillRef>
+      <a:effectRef idx="1">
+        <a:scrgbClr r="0" g="0" b="0"/>
+      </a:effectRef>
+      <a:fontRef idx="minor">
+        <a:schemeClr val="lt1"/>
+      </a:fontRef>
+    </dgm:style>
+  </dgm:styleLbl>
+  <dgm:styleLbl name="asst3">
+    <dgm:scene3d>
+      <a:camera prst="orthographicFront"/>
+      <a:lightRig rig="threePt" dir="t"/>
+    </dgm:scene3d>
+    <dgm:sp3d/>
+    <dgm:txPr/>
+    <dgm:style>
+      <a:lnRef idx="3">
+        <a:scrgbClr r="0" g="0" b="0"/>
+      </a:lnRef>
+      <a:fillRef idx="1">
+        <a:scrgbClr r="0" g="0" b="0"/>
+      </a:fillRef>
+      <a:effectRef idx="1">
+        <a:scrgbClr r="0" g="0" b="0"/>
+      </a:effectRef>
+      <a:fontRef idx="minor">
+        <a:schemeClr val="lt1"/>
+      </a:fontRef>
+    </dgm:style>
+  </dgm:styleLbl>
+  <dgm:styleLbl name="asst4">
+    <dgm:scene3d>
+      <a:camera prst="orthographicFront"/>
+      <a:lightRig rig="threePt" dir="t"/>
+    </dgm:scene3d>
+    <dgm:sp3d/>
+    <dgm:txPr/>
+    <dgm:style>
+      <a:lnRef idx="3">
+        <a:scrgbClr r="0" g="0" b="0"/>
+      </a:lnRef>
+      <a:fillRef idx="1">
+        <a:scrgbClr r="0" g="0" b="0"/>
+      </a:fillRef>
+      <a:effectRef idx="1">
+        <a:scrgbClr r="0" g="0" b="0"/>
+      </a:effectRef>
+      <a:fontRef idx="minor">
+        <a:schemeClr val="lt1"/>
+      </a:fontRef>
+    </dgm:style>
+  </dgm:styleLbl>
+  <dgm:styleLbl name="parChTrans2D1">
+    <dgm:scene3d>
+      <a:camera prst="orthographicFront"/>
+      <a:lightRig rig="threePt" dir="t"/>
+    </dgm:scene3d>
+    <dgm:sp3d/>
+    <dgm:txPr/>
+    <dgm:style>
+      <a:lnRef idx="3">
+        <a:scrgbClr r="0" g="0" b="0"/>
+      </a:lnRef>
+      <a:fillRef idx="1">
+        <a:scrgbClr r="0" g="0" b="0"/>
+      </a:fillRef>
+      <a:effectRef idx="1">
+        <a:scrgbClr r="0" g="0" b="0"/>
+      </a:effectRef>
+      <a:fontRef idx="minor">
+        <a:schemeClr val="lt1"/>
+      </a:fontRef>
+    </dgm:style>
+  </dgm:styleLbl>
+  <dgm:styleLbl name="parChTrans2D2">
+    <dgm:scene3d>
+      <a:camera prst="orthographicFront"/>
+      <a:lightRig rig="threePt" dir="t"/>
+    </dgm:scene3d>
+    <dgm:sp3d/>
+    <dgm:txPr/>
+    <dgm:style>
+      <a:lnRef idx="3">
+        <a:scrgbClr r="0" g="0" b="0"/>
+      </a:lnRef>
+      <a:fillRef idx="1">
+        <a:scrgbClr r="0" g="0" b="0"/>
+      </a:fillRef>
+      <a:effectRef idx="1">
+        <a:scrgbClr r="0" g="0" b="0"/>
+      </a:effectRef>
+      <a:fontRef idx="minor">
+        <a:schemeClr val="lt1"/>
+      </a:fontRef>
+    </dgm:style>
+  </dgm:styleLbl>
+  <dgm:styleLbl name="parChTrans2D3">
+    <dgm:scene3d>
+      <a:camera prst="orthographicFront"/>
+      <a:lightRig rig="threePt" dir="t"/>
+    </dgm:scene3d>
+    <dgm:sp3d/>
+    <dgm:txPr/>
+    <dgm:style>
+      <a:lnRef idx="3">
+        <a:scrgbClr r="0" g="0" b="0"/>
+      </a:lnRef>
+      <a:fillRef idx="1">
+        <a:scrgbClr r="0" g="0" b="0"/>
+      </a:fillRef>
+      <a:effectRef idx="1">
+        <a:scrgbClr r="0" g="0" b="0"/>
+      </a:effectRef>
+      <a:fontRef idx="minor">
+        <a:schemeClr val="lt1"/>
+      </a:fontRef>
+    </dgm:style>
+  </dgm:styleLbl>
+  <dgm:styleLbl name="parChTrans2D4">
+    <dgm:scene3d>
+      <a:camera prst="orthographicFront"/>
+      <a:lightRig rig="threePt" dir="t"/>
+    </dgm:scene3d>
+    <dgm:sp3d/>
+    <dgm:txPr/>
+    <dgm:style>
+      <a:lnRef idx="3">
+        <a:scrgbClr r="0" g="0" b="0"/>
+      </a:lnRef>
+      <a:fillRef idx="1">
+        <a:scrgbClr r="0" g="0" b="0"/>
+      </a:fillRef>
+      <a:effectRef idx="1">
+        <a:scrgbClr r="0" g="0" b="0"/>
+      </a:effectRef>
+      <a:fontRef idx="minor">
+        <a:schemeClr val="lt1"/>
+      </a:fontRef>
+    </dgm:style>
+  </dgm:styleLbl>
+  <dgm:styleLbl name="parChTrans1D1">
+    <dgm:scene3d>
+      <a:camera prst="orthographicFront"/>
+      <a:lightRig rig="threePt" dir="t"/>
+    </dgm:scene3d>
+    <dgm:sp3d/>
+    <dgm:txPr/>
+    <dgm:style>
+      <a:lnRef idx="2">
+        <a:scrgbClr r="0" g="0" b="0"/>
+      </a:lnRef>
+      <a:fillRef idx="0">
+        <a:scrgbClr r="0" g="0" b="0"/>
+      </a:fillRef>
+      <a:effectRef idx="0">
+        <a:scrgbClr r="0" g="0" b="0"/>
+      </a:effectRef>
+      <a:fontRef idx="minor"/>
+    </dgm:style>
+  </dgm:styleLbl>
+  <dgm:styleLbl name="parChTrans1D2">
+    <dgm:scene3d>
+      <a:camera prst="orthographicFront"/>
+      <a:lightRig rig="threePt" dir="t"/>
+    </dgm:scene3d>
+    <dgm:sp3d/>
+    <dgm:txPr/>
+    <dgm:style>
+      <a:lnRef idx="2">
+        <a:scrgbClr r="0" g="0" b="0"/>
+      </a:lnRef>
+      <a:fillRef idx="0">
+        <a:scrgbClr r="0" g="0" b="0"/>
+      </a:fillRef>
+      <a:effectRef idx="0">
+        <a:scrgbClr r="0" g="0" b="0"/>
+      </a:effectRef>
+      <a:fontRef idx="minor"/>
+    </dgm:style>
+  </dgm:styleLbl>
+  <dgm:styleLbl name="parChTrans1D3">
+    <dgm:scene3d>
+      <a:camera prst="orthographicFront"/>
+      <a:lightRig rig="threePt" dir="t"/>
+    </dgm:scene3d>
+    <dgm:sp3d/>
+    <dgm:txPr/>
+    <dgm:style>
+      <a:lnRef idx="2">
+        <a:scrgbClr r="0" g="0" b="0"/>
+      </a:lnRef>
+      <a:fillRef idx="0">
+        <a:scrgbClr r="0" g="0" b="0"/>
+      </a:fillRef>
+      <a:effectRef idx="0">
+        <a:scrgbClr r="0" g="0" b="0"/>
+      </a:effectRef>
+      <a:fontRef idx="minor"/>
+    </dgm:style>
+  </dgm:styleLbl>
+  <dgm:styleLbl name="parChTrans1D4">
+    <dgm:scene3d>
+      <a:camera prst="orthographicFront"/>
+      <a:lightRig rig="threePt" dir="t"/>
+    </dgm:scene3d>
+    <dgm:sp3d/>
+    <dgm:txPr/>
+    <dgm:style>
+      <a:lnRef idx="2">
+        <a:scrgbClr r="0" g="0" b="0"/>
+      </a:lnRef>
+      <a:fillRef idx="0">
+        <a:scrgbClr r="0" g="0" b="0"/>
+      </a:fillRef>
+      <a:effectRef idx="0">
+        <a:scrgbClr r="0" g="0" b="0"/>
+      </a:effectRef>
+      <a:fontRef idx="minor"/>
+    </dgm:style>
+  </dgm:styleLbl>
+  <dgm:styleLbl name="fgAcc1">
+    <dgm:scene3d>
+      <a:camera prst="orthographicFront"/>
+      <a:lightRig rig="threePt" dir="t"/>
+    </dgm:scene3d>
+    <dgm:sp3d/>
+    <dgm:txPr/>
+    <dgm:style>
+      <a:lnRef idx="2">
+        <a:scrgbClr r="0" g="0" b="0"/>
+      </a:lnRef>
+      <a:fillRef idx="1">
+        <a:scrgbClr r="0" g="0" b="0"/>
+      </a:fillRef>
+      <a:effectRef idx="0">
+        <a:scrgbClr r="0" g="0" b="0"/>
+      </a:effectRef>
+      <a:fontRef idx="minor"/>
+    </dgm:style>
+  </dgm:styleLbl>
+  <dgm:styleLbl name="conFgAcc1">
+    <dgm:scene3d>
+      <a:camera prst="orthographicFront"/>
+      <a:lightRig rig="threePt" dir="t"/>
+    </dgm:scene3d>
+    <dgm:sp3d/>
+    <dgm:txPr/>
+    <dgm:style>
+      <a:lnRef idx="2">
+        <a:scrgbClr r="0" g="0" b="0"/>
+      </a:lnRef>
+      <a:fillRef idx="1">
+        <a:scrgbClr r="0" g="0" b="0"/>
+      </a:fillRef>
+      <a:effectRef idx="0">
+        <a:scrgbClr r="0" g="0" b="0"/>
+      </a:effectRef>
+      <a:fontRef idx="minor"/>
+    </dgm:style>
+  </dgm:styleLbl>
+  <dgm:styleLbl name="alignAcc1">
+    <dgm:scene3d>
+      <a:camera prst="orthographicFront"/>
+      <a:lightRig rig="threePt" dir="t"/>
+    </dgm:scene3d>
+    <dgm:sp3d/>
+    <dgm:txPr/>
+    <dgm:style>
+      <a:lnRef idx="2">
+        <a:scrgbClr r="0" g="0" b="0"/>
+      </a:lnRef>
+      <a:fillRef idx="1">
+        <a:scrgbClr r="0" g="0" b="0"/>
+      </a:fillRef>
+      <a:effectRef idx="0">
+        <a:scrgbClr r="0" g="0" b="0"/>
+      </a:effectRef>
+      <a:fontRef idx="minor"/>
+    </dgm:style>
+  </dgm:styleLbl>
+  <dgm:styleLbl name="trAlignAcc1">
+    <dgm:scene3d>
+      <a:camera prst="orthographicFront"/>
+      <a:lightRig rig="threePt" dir="t"/>
+    </dgm:scene3d>
+    <dgm:sp3d/>
+    <dgm:txPr/>
+    <dgm:style>
+      <a:lnRef idx="1">
+        <a:scrgbClr r="0" g="0" b="0"/>
+      </a:lnRef>
+      <a:fillRef idx="1">
+        <a:scrgbClr r="0" g="0" b="0"/>
+      </a:fillRef>
+      <a:effectRef idx="0">
+        <a:scrgbClr r="0" g="0" b="0"/>
+      </a:effectRef>
+      <a:fontRef idx="minor"/>
+    </dgm:style>
+  </dgm:styleLbl>
+  <dgm:styleLbl name="bgAcc1">
+    <dgm:scene3d>
+      <a:camera prst="orthographicFront"/>
+      <a:lightRig rig="threePt" dir="t"/>
+    </dgm:scene3d>
+    <dgm:sp3d/>
+    <dgm:txPr/>
+    <dgm:style>
+      <a:lnRef idx="2">
+        <a:scrgbClr r="0" g="0" b="0"/>
+      </a:lnRef>
+      <a:fillRef idx="1">
+        <a:scrgbClr r="0" g="0" b="0"/>
+      </a:fillRef>
+      <a:effectRef idx="0">
+        <a:scrgbClr r="0" g="0" b="0"/>
+      </a:effectRef>
+      <a:fontRef idx="minor"/>
+    </dgm:style>
+  </dgm:styleLbl>
+  <dgm:styleLbl name="solidFgAcc1">
+    <dgm:scene3d>
+      <a:camera prst="orthographicFront"/>
+      <a:lightRig rig="threePt" dir="t"/>
+    </dgm:scene3d>
+    <dgm:sp3d/>
+    <dgm:txPr/>
+    <dgm:style>
+      <a:lnRef idx="2">
+        <a:scrgbClr r="0" g="0" b="0"/>
+      </a:lnRef>
+      <a:fillRef idx="1">
+        <a:scrgbClr r="0" g="0" b="0"/>
+      </a:fillRef>
+      <a:effectRef idx="0">
+        <a:scrgbClr r="0" g="0" b="0"/>
+      </a:effectRef>
+      <a:fontRef idx="minor"/>
+    </dgm:style>
+  </dgm:styleLbl>
+  <dgm:styleLbl name="solidAlignAcc1">
+    <dgm:scene3d>
+      <a:camera prst="orthographicFront"/>
+      <a:lightRig rig="threePt" dir="t"/>
+    </dgm:scene3d>
+    <dgm:sp3d/>
+    <dgm:txPr/>
+    <dgm:style>
+      <a:lnRef idx="2">
+        <a:scrgbClr r="0" g="0" b="0"/>
+      </a:lnRef>
+      <a:fillRef idx="1">
+        <a:scrgbClr r="0" g="0" b="0"/>
+      </a:fillRef>
+      <a:effectRef idx="0">
+        <a:scrgbClr r="0" g="0" b="0"/>
+      </a:effectRef>
+      <a:fontRef idx="minor"/>
+    </dgm:style>
+  </dgm:styleLbl>
+  <dgm:styleLbl name="solidBgAcc1">
+    <dgm:scene3d>
+      <a:camera prst="orthographicFront"/>
+      <a:lightRig rig="threePt" dir="t"/>
+    </dgm:scene3d>
+    <dgm:sp3d/>
+    <dgm:txPr/>
+    <dgm:style>
+      <a:lnRef idx="2">
+        <a:scrgbClr r="0" g="0" b="0"/>
+      </a:lnRef>
+      <a:fillRef idx="1">
+        <a:scrgbClr r="0" g="0" b="0"/>
+      </a:fillRef>
+      <a:effectRef idx="0">
+        <a:scrgbClr r="0" g="0" b="0"/>
+      </a:effectRef>
+      <a:fontRef idx="minor"/>
+    </dgm:style>
+  </dgm:styleLbl>
+  <dgm:styleLbl name="fgAccFollowNode1">
+    <dgm:scene3d>
+      <a:camera prst="orthographicFront"/>
+      <a:lightRig rig="threePt" dir="t"/>
+    </dgm:scene3d>
+    <dgm:sp3d/>
+    <dgm:txPr/>
+    <dgm:style>
+      <a:lnRef idx="2">
+        <a:scrgbClr r="0" g="0" b="0"/>
+      </a:lnRef>
+      <a:fillRef idx="1">
+        <a:scrgbClr r="0" g="0" b="0"/>
+      </a:fillRef>
+      <a:effectRef idx="0">
+        <a:scrgbClr r="0" g="0" b="0"/>
+      </a:effectRef>
+      <a:fontRef idx="minor"/>
+    </dgm:style>
+  </dgm:styleLbl>
+  <dgm:styleLbl name="alignAccFollowNode1">
+    <dgm:scene3d>
+      <a:camera prst="orthographicFront"/>
+      <a:lightRig rig="threePt" dir="t"/>
+    </dgm:scene3d>
+    <dgm:sp3d/>
+    <dgm:txPr/>
+    <dgm:style>
+      <a:lnRef idx="2">
+        <a:scrgbClr r="0" g="0" b="0"/>
+      </a:lnRef>
+      <a:fillRef idx="1">
+        <a:scrgbClr r="0" g="0" b="0"/>
+      </a:fillRef>
+      <a:effectRef idx="0">
+        <a:scrgbClr r="0" g="0" b="0"/>
+      </a:effectRef>
+      <a:fontRef idx="minor"/>
+    </dgm:style>
+  </dgm:styleLbl>
+  <dgm:styleLbl name="bgAccFollowNode1">
+    <dgm:scene3d>
+      <a:camera prst="orthographicFront"/>
+      <a:lightRig rig="threePt" dir="t"/>
+    </dgm:scene3d>
+    <dgm:sp3d/>
+    <dgm:txPr/>
+    <dgm:style>
+      <a:lnRef idx="2">
+        <a:scrgbClr r="0" g="0" b="0"/>
+      </a:lnRef>
+      <a:fillRef idx="1">
+        <a:scrgbClr r="0" g="0" b="0"/>
+      </a:fillRef>
+      <a:effectRef idx="0">
+        <a:scrgbClr r="0" g="0" b="0"/>
+      </a:effectRef>
+      <a:fontRef idx="minor"/>
+    </dgm:style>
+  </dgm:styleLbl>
+  <dgm:styleLbl name="fgAcc0">
+    <dgm:scene3d>
+      <a:camera prst="orthographicFront"/>
+      <a:lightRig rig="threePt" dir="t"/>
+    </dgm:scene3d>
+    <dgm:sp3d/>
+    <dgm:txPr/>
+    <dgm:style>
+      <a:lnRef idx="2">
+        <a:scrgbClr r="0" g="0" b="0"/>
+      </a:lnRef>
+      <a:fillRef idx="1">
+        <a:scrgbClr r="0" g="0" b="0"/>
+      </a:fillRef>
+      <a:effectRef idx="0">
+        <a:scrgbClr r="0" g="0" b="0"/>
+      </a:effectRef>
+      <a:fontRef idx="minor"/>
+    </dgm:style>
+  </dgm:styleLbl>
+  <dgm:styleLbl name="fgAcc2">
+    <dgm:scene3d>
+      <a:camera prst="orthographicFront"/>
+      <a:lightRig rig="threePt" dir="t"/>
+    </dgm:scene3d>
+    <dgm:sp3d/>
+    <dgm:txPr/>
+    <dgm:style>
+      <a:lnRef idx="2">
+        <a:scrgbClr r="0" g="0" b="0"/>
+      </a:lnRef>
+      <a:fillRef idx="1">
+        <a:scrgbClr r="0" g="0" b="0"/>
+      </a:fillRef>
+      <a:effectRef idx="0">
+        <a:scrgbClr r="0" g="0" b="0"/>
+      </a:effectRef>
+      <a:fontRef idx="minor"/>
+    </dgm:style>
+  </dgm:styleLbl>
+  <dgm:styleLbl name="fgAcc3">
+    <dgm:scene3d>
+      <a:camera prst="orthographicFront"/>
+      <a:lightRig rig="threePt" dir="t"/>
+    </dgm:scene3d>
+    <dgm:sp3d/>
+    <dgm:txPr/>
+    <dgm:style>
+      <a:lnRef idx="2">
+        <a:scrgbClr r="0" g="0" b="0"/>
+      </a:lnRef>
+      <a:fillRef idx="1">
+        <a:scrgbClr r="0" g="0" b="0"/>
+      </a:fillRef>
+      <a:effectRef idx="0">
+        <a:scrgbClr r="0" g="0" b="0"/>
+      </a:effectRef>
+      <a:fontRef idx="minor"/>
+    </dgm:style>
+  </dgm:styleLbl>
+  <dgm:styleLbl name="fgAcc4">
+    <dgm:scene3d>
+      <a:camera prst="orthographicFront"/>
+      <a:lightRig rig="threePt" dir="t"/>
+    </dgm:scene3d>
+    <dgm:sp3d/>
+    <dgm:txPr/>
+    <dgm:style>
+      <a:lnRef idx="2">
+        <a:scrgbClr r="0" g="0" b="0"/>
+      </a:lnRef>
+      <a:fillRef idx="1">
+        <a:scrgbClr r="0" g="0" b="0"/>
+      </a:fillRef>
+      <a:effectRef idx="0">
+        <a:scrgbClr r="0" g="0" b="0"/>
+      </a:effectRef>
+      <a:fontRef idx="minor"/>
+    </dgm:style>
+  </dgm:styleLbl>
+  <dgm:styleLbl name="bgShp">
+    <dgm:scene3d>
+      <a:camera prst="orthographicFront"/>
+      <a:lightRig rig="threePt" dir="t"/>
+    </dgm:scene3d>
+    <dgm:sp3d/>
+    <dgm:txPr/>
+    <dgm:style>
+      <a:lnRef idx="0">
+        <a:scrgbClr r="0" g="0" b="0"/>
+      </a:lnRef>
+      <a:fillRef idx="1">
+        <a:scrgbClr r="0" g="0" b="0"/>
+      </a:fillRef>
+      <a:effectRef idx="0">
+        <a:scrgbClr r="0" g="0" b="0"/>
+      </a:effectRef>
+      <a:fontRef idx="minor"/>
+    </dgm:style>
+  </dgm:styleLbl>
+  <dgm:styleLbl name="dkBgShp">
+    <dgm:scene3d>
+      <a:camera prst="orthographicFront"/>
+      <a:lightRig rig="threePt" dir="t"/>
+    </dgm:scene3d>
+    <dgm:sp3d/>
+    <dgm:txPr/>
+    <dgm:style>
+      <a:lnRef idx="0">
+        <a:scrgbClr r="0" g="0" b="0"/>
+      </a:lnRef>
+      <a:fillRef idx="1">
+        <a:scrgbClr r="0" g="0" b="0"/>
+      </a:fillRef>
+      <a:effectRef idx="0">
+        <a:scrgbClr r="0" g="0" b="0"/>
+      </a:effectRef>
+      <a:fontRef idx="minor"/>
+    </dgm:style>
+  </dgm:styleLbl>
+  <dgm:styleLbl name="trBgShp">
+    <dgm:scene3d>
+      <a:camera prst="orthographicFront"/>
+      <a:lightRig rig="threePt" dir="t"/>
+    </dgm:scene3d>
+    <dgm:sp3d/>
+    <dgm:txPr/>
+    <dgm:style>
+      <a:lnRef idx="0">
+        <a:scrgbClr r="0" g="0" b="0"/>
+      </a:lnRef>
+      <a:fillRef idx="1">
+        <a:scrgbClr r="0" g="0" b="0"/>
+      </a:fillRef>
+      <a:effectRef idx="0">
+        <a:scrgbClr r="0" g="0" b="0"/>
+      </a:effectRef>
+      <a:fontRef idx="minor"/>
+    </dgm:style>
+  </dgm:styleLbl>
+  <dgm:styleLbl name="fgShp">
+    <dgm:scene3d>
+      <a:camera prst="orthographicFront"/>
+      <a:lightRig rig="threePt" dir="t"/>
+    </dgm:scene3d>
+    <dgm:sp3d/>
+    <dgm:txPr/>
+    <dgm:style>
+      <a:lnRef idx="3">
+        <a:scrgbClr r="0" g="0" b="0"/>
+      </a:lnRef>
+      <a:fillRef idx="1">
+        <a:scrgbClr r="0" g="0" b="0"/>
+      </a:fillRef>
+      <a:effectRef idx="1">
+        <a:scrgbClr r="0" g="0" b="0"/>
+      </a:effectRef>
+      <a:fontRef idx="minor"/>
+    </dgm:style>
+  </dgm:styleLbl>
+  <dgm:styleLbl name="revTx">
+    <dgm:scene3d>
+      <a:camera prst="orthographicFront"/>
+      <a:lightRig rig="threePt" dir="t"/>
+    </dgm:scene3d>
+    <dgm:sp3d/>
+    <dgm:txPr/>
+    <dgm:style>
+      <a:lnRef idx="0">
+        <a:scrgbClr r="0" g="0" b="0"/>
+      </a:lnRef>
+      <a:fillRef idx="0">
+        <a:scrgbClr r="0" g="0" b="0"/>
+      </a:fillRef>
+      <a:effectRef idx="0">
+        <a:scrgbClr r="0" g="0" b="0"/>
+      </a:effectRef>
+      <a:fontRef idx="minor"/>
+    </dgm:style>
+  </dgm:styleLbl>
+</dgm:styleDef>
+</file>
+
+<file path=ppt/diagrams/quickStyle9.xml><?xml version="1.0" encoding="utf-8"?>
 <dgm:styleDef xmlns:dgm="http://schemas.openxmlformats.org/drawingml/2006/diagram" xmlns:a="http://schemas.openxmlformats.org/drawingml/2006/main" uniqueId="urn:microsoft.com/office/officeart/2005/8/quickstyle/simple2">
   <dgm:title val=""/>
   <dgm:desc val=""/>
@@ -39281,6 +44280,137 @@
   <p:cSld>
     <p:spTree>
       <p:nvGrpSpPr>
+        <p:cNvPr id="1" name="Shape 62">
+          <a:extLst>
+            <a:ext uri="{FF2B5EF4-FFF2-40B4-BE49-F238E27FC236}">
+              <a16:creationId xmlns:a16="http://schemas.microsoft.com/office/drawing/2014/main" id="{FB3C8618-C924-13D7-80D4-9846B29CB461}"/>
+            </a:ext>
+          </a:extLst>
+        </p:cNvPr>
+        <p:cNvGrpSpPr/>
+        <p:nvPr/>
+      </p:nvGrpSpPr>
+      <p:grpSpPr>
+        <a:xfrm>
+          <a:off x="0" y="0"/>
+          <a:ext cx="0" cy="0"/>
+          <a:chOff x="0" y="0"/>
+          <a:chExt cx="0" cy="0"/>
+        </a:xfrm>
+      </p:grpSpPr>
+      <p:sp>
+        <p:nvSpPr>
+          <p:cNvPr id="63" name="Google Shape;63;g28b32707bc8_0_0:notes">
+            <a:extLst>
+              <a:ext uri="{FF2B5EF4-FFF2-40B4-BE49-F238E27FC236}">
+                <a16:creationId xmlns:a16="http://schemas.microsoft.com/office/drawing/2014/main" id="{C253068B-ABB4-A50C-3D05-80160D116A19}"/>
+              </a:ext>
+            </a:extLst>
+          </p:cNvPr>
+          <p:cNvSpPr>
+            <a:spLocks noGrp="1" noRot="1" noChangeAspect="1"/>
+          </p:cNvSpPr>
+          <p:nvPr>
+            <p:ph type="sldImg" idx="2"/>
+          </p:nvPr>
+        </p:nvSpPr>
+        <p:spPr>
+          <a:xfrm>
+            <a:off x="381000" y="685800"/>
+            <a:ext cx="6096000" cy="3429000"/>
+          </a:xfrm>
+          <a:custGeom>
+            <a:avLst/>
+            <a:gdLst/>
+            <a:ahLst/>
+            <a:cxnLst/>
+            <a:rect l="l" t="t" r="r" b="b"/>
+            <a:pathLst>
+              <a:path w="120000" h="120000" extrusionOk="0">
+                <a:moveTo>
+                  <a:pt x="0" y="0"/>
+                </a:moveTo>
+                <a:lnTo>
+                  <a:pt x="120000" y="0"/>
+                </a:lnTo>
+                <a:lnTo>
+                  <a:pt x="120000" y="120000"/>
+                </a:lnTo>
+                <a:lnTo>
+                  <a:pt x="0" y="120000"/>
+                </a:lnTo>
+                <a:close/>
+              </a:path>
+            </a:pathLst>
+          </a:custGeom>
+        </p:spPr>
+      </p:sp>
+      <p:sp>
+        <p:nvSpPr>
+          <p:cNvPr id="64" name="Google Shape;64;g28b32707bc8_0_0:notes">
+            <a:extLst>
+              <a:ext uri="{FF2B5EF4-FFF2-40B4-BE49-F238E27FC236}">
+                <a16:creationId xmlns:a16="http://schemas.microsoft.com/office/drawing/2014/main" id="{3675A2FA-E3D6-347C-A5C7-5C15354B0B0F}"/>
+              </a:ext>
+            </a:extLst>
+          </p:cNvPr>
+          <p:cNvSpPr txBox="1">
+            <a:spLocks noGrp="1"/>
+          </p:cNvSpPr>
+          <p:nvPr>
+            <p:ph type="body" idx="1"/>
+          </p:nvPr>
+        </p:nvSpPr>
+        <p:spPr>
+          <a:xfrm>
+            <a:off x="685800" y="4343400"/>
+            <a:ext cx="5486400" cy="4114800"/>
+          </a:xfrm>
+          <a:prstGeom prst="rect">
+            <a:avLst/>
+          </a:prstGeom>
+        </p:spPr>
+        <p:txBody>
+          <a:bodyPr spcFirstLastPara="1" wrap="square" lIns="91425" tIns="91425" rIns="91425" bIns="91425" anchor="t" anchorCtr="0">
+            <a:noAutofit/>
+          </a:bodyPr>
+          <a:lstStyle/>
+          <a:p>
+            <a:pPr marL="0" lvl="0" indent="0" algn="l" rtl="0">
+              <a:spcBef>
+                <a:spcPts val="0"/>
+              </a:spcBef>
+              <a:spcAft>
+                <a:spcPts val="0"/>
+              </a:spcAft>
+              <a:buNone/>
+            </a:pPr>
+            <a:r>
+              <a:rPr lang="en-US" dirty="0"/>
+              <a:t>Replicate this section for every task. Add slides as needed</a:t>
+            </a:r>
+            <a:endParaRPr dirty="0"/>
+          </a:p>
+        </p:txBody>
+      </p:sp>
+    </p:spTree>
+    <p:extLst>
+      <p:ext uri="{BB962C8B-B14F-4D97-AF65-F5344CB8AC3E}">
+        <p14:creationId xmlns:p14="http://schemas.microsoft.com/office/powerpoint/2010/main" val="2245768914"/>
+      </p:ext>
+    </p:extLst>
+  </p:cSld>
+  <p:clrMapOvr>
+    <a:masterClrMapping/>
+  </p:clrMapOvr>
+</p:notes>
+</file>
+
+<file path=ppt/notesSlides/notesSlide8.xml><?xml version="1.0" encoding="utf-8"?>
+<p:notes xmlns:a="http://schemas.openxmlformats.org/drawingml/2006/main" xmlns:r="http://schemas.openxmlformats.org/officeDocument/2006/relationships" xmlns:p="http://schemas.openxmlformats.org/presentationml/2006/main" showMasterSp="0" showMasterPhAnim="0">
+  <p:cSld>
+    <p:spTree>
+      <p:nvGrpSpPr>
         <p:cNvPr id="1" name="Shape 80"/>
         <p:cNvGrpSpPr/>
         <p:nvPr/>
@@ -39380,7 +44510,7 @@
 </p:notes>
 </file>
 
-<file path=ppt/notesSlides/notesSlide8.xml><?xml version="1.0" encoding="utf-8"?>
+<file path=ppt/notesSlides/notesSlide9.xml><?xml version="1.0" encoding="utf-8"?>
 <p:notes xmlns:a="http://schemas.openxmlformats.org/drawingml/2006/main" xmlns:r="http://schemas.openxmlformats.org/officeDocument/2006/relationships" xmlns:p="http://schemas.openxmlformats.org/presentationml/2006/main" showMasterSp="0" showMasterPhAnim="0">
   <p:cSld>
     <p:spTree>
@@ -47187,6 +52317,566 @@
   <p:cSld>
     <p:spTree>
       <p:nvGrpSpPr>
+        <p:cNvPr id="1" name="Shape 65">
+          <a:extLst>
+            <a:ext uri="{FF2B5EF4-FFF2-40B4-BE49-F238E27FC236}">
+              <a16:creationId xmlns:a16="http://schemas.microsoft.com/office/drawing/2014/main" id="{358FA298-6210-E8AB-3761-839BD96A7E5E}"/>
+            </a:ext>
+          </a:extLst>
+        </p:cNvPr>
+        <p:cNvGrpSpPr/>
+        <p:nvPr/>
+      </p:nvGrpSpPr>
+      <p:grpSpPr>
+        <a:xfrm>
+          <a:off x="0" y="0"/>
+          <a:ext cx="0" cy="0"/>
+          <a:chOff x="0" y="0"/>
+          <a:chExt cx="0" cy="0"/>
+        </a:xfrm>
+      </p:grpSpPr>
+      <p:sp>
+        <p:nvSpPr>
+          <p:cNvPr id="66" name="Google Shape;66;p15">
+            <a:extLst>
+              <a:ext uri="{FF2B5EF4-FFF2-40B4-BE49-F238E27FC236}">
+                <a16:creationId xmlns:a16="http://schemas.microsoft.com/office/drawing/2014/main" id="{06BD0513-AE09-5262-6079-D4B6B1C93A4F}"/>
+              </a:ext>
+            </a:extLst>
+          </p:cNvPr>
+          <p:cNvSpPr txBox="1">
+            <a:spLocks noGrp="1"/>
+          </p:cNvSpPr>
+          <p:nvPr>
+            <p:ph type="title"/>
+          </p:nvPr>
+        </p:nvSpPr>
+        <p:spPr>
+          <a:prstGeom prst="rect">
+            <a:avLst/>
+          </a:prstGeom>
+        </p:spPr>
+        <p:txBody>
+          <a:bodyPr spcFirstLastPara="1" wrap="square" lIns="91425" tIns="91425" rIns="91425" bIns="91425" anchor="t" anchorCtr="0">
+            <a:normAutofit/>
+          </a:bodyPr>
+          <a:lstStyle/>
+          <a:p>
+            <a:pPr algn="l"/>
+            <a:r>
+              <a:rPr lang="pt-PT" dirty="0" err="1"/>
+              <a:t>Task</a:t>
+            </a:r>
+            <a:r>
+              <a:rPr lang="pt-PT" dirty="0"/>
+              <a:t> [3.1] - </a:t>
+            </a:r>
+            <a:r>
+              <a:rPr lang="pt-PT" dirty="0" err="1"/>
+              <a:t>Missing</a:t>
+            </a:r>
+            <a:r>
+              <a:rPr lang="pt-PT" dirty="0"/>
+              <a:t> data </a:t>
+            </a:r>
+            <a:r>
+              <a:rPr lang="pt-PT" dirty="0" err="1"/>
+              <a:t>imputation</a:t>
+            </a:r>
+            <a:endParaRPr lang="pt-PT" dirty="0"/>
+          </a:p>
+        </p:txBody>
+      </p:sp>
+      <p:sp>
+        <p:nvSpPr>
+          <p:cNvPr id="2" name="Slide Number Placeholder 1">
+            <a:extLst>
+              <a:ext uri="{FF2B5EF4-FFF2-40B4-BE49-F238E27FC236}">
+                <a16:creationId xmlns:a16="http://schemas.microsoft.com/office/drawing/2014/main" id="{81697F7F-8850-0BDA-AF73-F8D80799534B}"/>
+              </a:ext>
+            </a:extLst>
+          </p:cNvPr>
+          <p:cNvSpPr>
+            <a:spLocks noGrp="1"/>
+          </p:cNvSpPr>
+          <p:nvPr>
+            <p:ph type="sldNum" idx="12"/>
+          </p:nvPr>
+        </p:nvSpPr>
+        <p:spPr/>
+        <p:txBody>
+          <a:bodyPr/>
+          <a:lstStyle/>
+          <a:p>
+            <a:pPr marL="0" lvl="0" indent="0" algn="r" rtl="0">
+              <a:spcBef>
+                <a:spcPts val="0"/>
+              </a:spcBef>
+              <a:spcAft>
+                <a:spcPts val="0"/>
+              </a:spcAft>
+              <a:buNone/>
+            </a:pPr>
+            <a:fld id="{00000000-1234-1234-1234-123412341234}" type="slidenum">
+              <a:rPr lang="en" smtClean="0"/>
+              <a:t>27</a:t>
+            </a:fld>
+            <a:endParaRPr lang="en"/>
+          </a:p>
+        </p:txBody>
+      </p:sp>
+    </p:spTree>
+    <p:extLst>
+      <p:ext uri="{BB962C8B-B14F-4D97-AF65-F5344CB8AC3E}">
+        <p14:creationId xmlns:p14="http://schemas.microsoft.com/office/powerpoint/2010/main" val="2174992540"/>
+      </p:ext>
+    </p:extLst>
+  </p:cSld>
+  <p:clrMapOvr>
+    <a:masterClrMapping/>
+  </p:clrMapOvr>
+</p:sld>
+</file>
+
+<file path=ppt/slides/slide28.xml><?xml version="1.0" encoding="utf-8"?>
+<p:sld xmlns:a="http://schemas.openxmlformats.org/drawingml/2006/main" xmlns:r="http://schemas.openxmlformats.org/officeDocument/2006/relationships" xmlns:p="http://schemas.openxmlformats.org/presentationml/2006/main">
+  <p:cSld>
+    <p:spTree>
+      <p:nvGrpSpPr>
+        <p:cNvPr id="1" name="">
+          <a:extLst>
+            <a:ext uri="{FF2B5EF4-FFF2-40B4-BE49-F238E27FC236}">
+              <a16:creationId xmlns:a16="http://schemas.microsoft.com/office/drawing/2014/main" id="{165E0C30-90F4-487F-C4FB-13D07A48584B}"/>
+            </a:ext>
+          </a:extLst>
+        </p:cNvPr>
+        <p:cNvGrpSpPr/>
+        <p:nvPr/>
+      </p:nvGrpSpPr>
+      <p:grpSpPr>
+        <a:xfrm>
+          <a:off x="0" y="0"/>
+          <a:ext cx="0" cy="0"/>
+          <a:chOff x="0" y="0"/>
+          <a:chExt cx="0" cy="0"/>
+        </a:xfrm>
+      </p:grpSpPr>
+      <p:sp>
+        <p:nvSpPr>
+          <p:cNvPr id="2" name="Título 1">
+            <a:extLst>
+              <a:ext uri="{FF2B5EF4-FFF2-40B4-BE49-F238E27FC236}">
+                <a16:creationId xmlns:a16="http://schemas.microsoft.com/office/drawing/2014/main" id="{0C4A647A-C443-635E-D692-5C73BC3B6ECF}"/>
+              </a:ext>
+            </a:extLst>
+          </p:cNvPr>
+          <p:cNvSpPr>
+            <a:spLocks noGrp="1"/>
+          </p:cNvSpPr>
+          <p:nvPr>
+            <p:ph type="title"/>
+          </p:nvPr>
+        </p:nvSpPr>
+        <p:spPr>
+          <a:xfrm>
+            <a:off x="311700" y="445025"/>
+            <a:ext cx="8520600" cy="572700"/>
+          </a:xfrm>
+        </p:spPr>
+        <p:txBody>
+          <a:bodyPr wrap="square" anchor="ctr">
+            <a:normAutofit/>
+          </a:bodyPr>
+          <a:lstStyle/>
+          <a:p>
+            <a:pPr>
+              <a:lnSpc>
+                <a:spcPct val="90000"/>
+              </a:lnSpc>
+            </a:pPr>
+            <a:r>
+              <a:rPr lang="en-US" dirty="0"/>
+              <a:t>What was done in task [3.1]</a:t>
+            </a:r>
+            <a:endParaRPr lang="pt-PT" dirty="0"/>
+          </a:p>
+        </p:txBody>
+      </p:sp>
+      <p:sp>
+        <p:nvSpPr>
+          <p:cNvPr id="4" name="Slide Number Placeholder 3">
+            <a:extLst>
+              <a:ext uri="{FF2B5EF4-FFF2-40B4-BE49-F238E27FC236}">
+                <a16:creationId xmlns:a16="http://schemas.microsoft.com/office/drawing/2014/main" id="{57E2E9B2-4C2A-2A76-ABA6-A023292D7EDA}"/>
+              </a:ext>
+            </a:extLst>
+          </p:cNvPr>
+          <p:cNvSpPr>
+            <a:spLocks noGrp="1"/>
+          </p:cNvSpPr>
+          <p:nvPr>
+            <p:ph type="sldNum" idx="12"/>
+          </p:nvPr>
+        </p:nvSpPr>
+        <p:spPr>
+          <a:xfrm>
+            <a:off x="8472458" y="4663217"/>
+            <a:ext cx="548700" cy="393600"/>
+          </a:xfrm>
+        </p:spPr>
+        <p:txBody>
+          <a:bodyPr wrap="square" anchor="ctr">
+            <a:normAutofit/>
+          </a:bodyPr>
+          <a:lstStyle/>
+          <a:p>
+            <a:pPr marL="0" lvl="0" indent="0" rtl="0">
+              <a:lnSpc>
+                <a:spcPct val="90000"/>
+              </a:lnSpc>
+              <a:spcBef>
+                <a:spcPts val="0"/>
+              </a:spcBef>
+              <a:spcAft>
+                <a:spcPts val="600"/>
+              </a:spcAft>
+              <a:buNone/>
+            </a:pPr>
+            <a:fld id="{00000000-1234-1234-1234-123412341234}" type="slidenum">
+              <a:rPr lang="en" sz="900" smtClean="0"/>
+              <a:pPr marL="0" lvl="0" indent="0" rtl="0">
+                <a:lnSpc>
+                  <a:spcPct val="90000"/>
+                </a:lnSpc>
+                <a:spcBef>
+                  <a:spcPts val="0"/>
+                </a:spcBef>
+                <a:spcAft>
+                  <a:spcPts val="600"/>
+                </a:spcAft>
+                <a:buNone/>
+              </a:pPr>
+              <a:t>28</a:t>
+            </a:fld>
+            <a:endParaRPr lang="en" sz="900"/>
+          </a:p>
+        </p:txBody>
+      </p:sp>
+      <p:graphicFrame>
+        <p:nvGraphicFramePr>
+          <p:cNvPr id="6" name="Marcador de Posição do Texto 2">
+            <a:extLst>
+              <a:ext uri="{FF2B5EF4-FFF2-40B4-BE49-F238E27FC236}">
+                <a16:creationId xmlns:a16="http://schemas.microsoft.com/office/drawing/2014/main" id="{AFA64280-60EE-6642-F408-671DDE8842A7}"/>
+              </a:ext>
+            </a:extLst>
+          </p:cNvPr>
+          <p:cNvGraphicFramePr/>
+          <p:nvPr>
+            <p:extLst>
+              <p:ext uri="{D42A27DB-BD31-4B8C-83A1-F6EECF244321}">
+                <p14:modId xmlns:p14="http://schemas.microsoft.com/office/powerpoint/2010/main" val="2887587688"/>
+              </p:ext>
+            </p:extLst>
+          </p:nvPr>
+        </p:nvGraphicFramePr>
+        <p:xfrm>
+          <a:off x="311700" y="1208225"/>
+          <a:ext cx="8520600" cy="3264408"/>
+        </p:xfrm>
+        <a:graphic>
+          <a:graphicData uri="http://schemas.openxmlformats.org/drawingml/2006/diagram">
+            <dgm:relIds xmlns:dgm="http://schemas.openxmlformats.org/drawingml/2006/diagram" xmlns:r="http://schemas.openxmlformats.org/officeDocument/2006/relationships" r:dm="rId2" r:lo="rId3" r:qs="rId4" r:cs="rId5"/>
+          </a:graphicData>
+        </a:graphic>
+      </p:graphicFrame>
+    </p:spTree>
+    <p:extLst>
+      <p:ext uri="{BB962C8B-B14F-4D97-AF65-F5344CB8AC3E}">
+        <p14:creationId xmlns:p14="http://schemas.microsoft.com/office/powerpoint/2010/main" val="4007546268"/>
+      </p:ext>
+    </p:extLst>
+  </p:cSld>
+  <p:clrMapOvr>
+    <a:masterClrMapping/>
+  </p:clrMapOvr>
+</p:sld>
+</file>
+
+<file path=ppt/slides/slide29.xml><?xml version="1.0" encoding="utf-8"?>
+<p:sld xmlns:a="http://schemas.openxmlformats.org/drawingml/2006/main" xmlns:r="http://schemas.openxmlformats.org/officeDocument/2006/relationships" xmlns:p="http://schemas.openxmlformats.org/presentationml/2006/main">
+  <p:cSld>
+    <p:spTree>
+      <p:nvGrpSpPr>
+        <p:cNvPr id="1" name="">
+          <a:extLst>
+            <a:ext uri="{FF2B5EF4-FFF2-40B4-BE49-F238E27FC236}">
+              <a16:creationId xmlns:a16="http://schemas.microsoft.com/office/drawing/2014/main" id="{1FB0CBC2-70A6-8A51-3F62-608B5E20A974}"/>
+            </a:ext>
+          </a:extLst>
+        </p:cNvPr>
+        <p:cNvGrpSpPr/>
+        <p:nvPr/>
+      </p:nvGrpSpPr>
+      <p:grpSpPr>
+        <a:xfrm>
+          <a:off x="0" y="0"/>
+          <a:ext cx="0" cy="0"/>
+          <a:chOff x="0" y="0"/>
+          <a:chExt cx="0" cy="0"/>
+        </a:xfrm>
+      </p:grpSpPr>
+      <p:sp>
+        <p:nvSpPr>
+          <p:cNvPr id="2" name="Título 1">
+            <a:extLst>
+              <a:ext uri="{FF2B5EF4-FFF2-40B4-BE49-F238E27FC236}">
+                <a16:creationId xmlns:a16="http://schemas.microsoft.com/office/drawing/2014/main" id="{18C47A1A-FFC1-4D92-BA15-D93573A70EA6}"/>
+              </a:ext>
+            </a:extLst>
+          </p:cNvPr>
+          <p:cNvSpPr>
+            <a:spLocks noGrp="1"/>
+          </p:cNvSpPr>
+          <p:nvPr>
+            <p:ph type="title"/>
+          </p:nvPr>
+        </p:nvSpPr>
+        <p:spPr/>
+        <p:txBody>
+          <a:bodyPr>
+            <a:normAutofit fontScale="90000"/>
+          </a:bodyPr>
+          <a:lstStyle/>
+          <a:p>
+            <a:r>
+              <a:rPr lang="en-US" dirty="0"/>
+              <a:t>Results and Analysis from task [3.1]</a:t>
+            </a:r>
+            <a:endParaRPr lang="pt-PT" dirty="0"/>
+          </a:p>
+        </p:txBody>
+      </p:sp>
+      <p:sp>
+        <p:nvSpPr>
+          <p:cNvPr id="3" name="Marcador de Posição do Texto 2">
+            <a:extLst>
+              <a:ext uri="{FF2B5EF4-FFF2-40B4-BE49-F238E27FC236}">
+                <a16:creationId xmlns:a16="http://schemas.microsoft.com/office/drawing/2014/main" id="{D6E55347-ABA5-4216-8EB3-C0E37C80BD99}"/>
+              </a:ext>
+            </a:extLst>
+          </p:cNvPr>
+          <p:cNvSpPr>
+            <a:spLocks noGrp="1"/>
+          </p:cNvSpPr>
+          <p:nvPr>
+            <p:ph type="body" idx="1"/>
+          </p:nvPr>
+        </p:nvSpPr>
+        <p:spPr/>
+        <p:txBody>
+          <a:bodyPr/>
+          <a:lstStyle/>
+          <a:p>
+            <a:endParaRPr lang="pt-PT" dirty="0"/>
+          </a:p>
+        </p:txBody>
+      </p:sp>
+      <p:sp>
+        <p:nvSpPr>
+          <p:cNvPr id="4" name="Slide Number Placeholder 3">
+            <a:extLst>
+              <a:ext uri="{FF2B5EF4-FFF2-40B4-BE49-F238E27FC236}">
+                <a16:creationId xmlns:a16="http://schemas.microsoft.com/office/drawing/2014/main" id="{2B40AFD1-7B73-C7D5-B828-D9712659B9DE}"/>
+              </a:ext>
+            </a:extLst>
+          </p:cNvPr>
+          <p:cNvSpPr>
+            <a:spLocks noGrp="1"/>
+          </p:cNvSpPr>
+          <p:nvPr>
+            <p:ph type="sldNum" idx="12"/>
+          </p:nvPr>
+        </p:nvSpPr>
+        <p:spPr/>
+        <p:txBody>
+          <a:bodyPr/>
+          <a:lstStyle/>
+          <a:p>
+            <a:pPr marL="0" lvl="0" indent="0" algn="r" rtl="0">
+              <a:spcBef>
+                <a:spcPts val="0"/>
+              </a:spcBef>
+              <a:spcAft>
+                <a:spcPts val="0"/>
+              </a:spcAft>
+              <a:buNone/>
+            </a:pPr>
+            <a:fld id="{00000000-1234-1234-1234-123412341234}" type="slidenum">
+              <a:rPr lang="en" smtClean="0"/>
+              <a:t>29</a:t>
+            </a:fld>
+            <a:endParaRPr lang="en"/>
+          </a:p>
+        </p:txBody>
+      </p:sp>
+      <p:pic>
+        <p:nvPicPr>
+          <p:cNvPr id="6" name="Imagem 5" descr="Uma imagem com Gráfico, file, texto, diagrama&#10;&#10;Os conteúdos gerados por IA podem estar incorretos.">
+            <a:extLst>
+              <a:ext uri="{FF2B5EF4-FFF2-40B4-BE49-F238E27FC236}">
+                <a16:creationId xmlns:a16="http://schemas.microsoft.com/office/drawing/2014/main" id="{D1B9338D-CEDE-5AB7-CA39-9A68C978E1BD}"/>
+              </a:ext>
+            </a:extLst>
+          </p:cNvPr>
+          <p:cNvPicPr>
+            <a:picLocks noChangeAspect="1"/>
+          </p:cNvPicPr>
+          <p:nvPr/>
+        </p:nvPicPr>
+        <p:blipFill>
+          <a:blip r:embed="rId2"/>
+          <a:stretch>
+            <a:fillRect/>
+          </a:stretch>
+        </p:blipFill>
+        <p:spPr>
+          <a:xfrm>
+            <a:off x="616016" y="1195206"/>
+            <a:ext cx="7719461" cy="2531707"/>
+          </a:xfrm>
+          <a:prstGeom prst="rect">
+            <a:avLst/>
+          </a:prstGeom>
+        </p:spPr>
+      </p:pic>
+    </p:spTree>
+    <p:extLst>
+      <p:ext uri="{BB962C8B-B14F-4D97-AF65-F5344CB8AC3E}">
+        <p14:creationId xmlns:p14="http://schemas.microsoft.com/office/powerpoint/2010/main" val="56218663"/>
+      </p:ext>
+    </p:extLst>
+  </p:cSld>
+  <p:clrMapOvr>
+    <a:masterClrMapping/>
+  </p:clrMapOvr>
+</p:sld>
+</file>
+
+<file path=ppt/slides/slide3.xml><?xml version="1.0" encoding="utf-8"?>
+<p:sld xmlns:a="http://schemas.openxmlformats.org/drawingml/2006/main" xmlns:r="http://schemas.openxmlformats.org/officeDocument/2006/relationships" xmlns:p="http://schemas.openxmlformats.org/presentationml/2006/main">
+  <p:cSld>
+    <p:spTree>
+      <p:nvGrpSpPr>
+        <p:cNvPr id="1" name="Shape 65"/>
+        <p:cNvGrpSpPr/>
+        <p:nvPr/>
+      </p:nvGrpSpPr>
+      <p:grpSpPr>
+        <a:xfrm>
+          <a:off x="0" y="0"/>
+          <a:ext cx="0" cy="0"/>
+          <a:chOff x="0" y="0"/>
+          <a:chExt cx="0" cy="0"/>
+        </a:xfrm>
+      </p:grpSpPr>
+      <p:sp>
+        <p:nvSpPr>
+          <p:cNvPr id="66" name="Google Shape;66;p15"/>
+          <p:cNvSpPr txBox="1">
+            <a:spLocks noGrp="1"/>
+          </p:cNvSpPr>
+          <p:nvPr>
+            <p:ph type="title"/>
+          </p:nvPr>
+        </p:nvSpPr>
+        <p:spPr>
+          <a:prstGeom prst="rect">
+            <a:avLst/>
+          </a:prstGeom>
+        </p:spPr>
+        <p:txBody>
+          <a:bodyPr spcFirstLastPara="1" wrap="square" lIns="91425" tIns="91425" rIns="91425" bIns="91425" anchor="t" anchorCtr="0">
+            <a:normAutofit fontScale="90000"/>
+          </a:bodyPr>
+          <a:lstStyle/>
+          <a:p>
+            <a:pPr marL="0" lvl="0" indent="0" algn="l" rtl="0">
+              <a:spcBef>
+                <a:spcPts val="0"/>
+              </a:spcBef>
+              <a:spcAft>
+                <a:spcPts val="0"/>
+              </a:spcAft>
+              <a:buNone/>
+            </a:pPr>
+            <a:r>
+              <a:rPr lang="pt-PT" dirty="0" err="1"/>
+              <a:t>Task</a:t>
+            </a:r>
+            <a:r>
+              <a:rPr lang="pt-PT" dirty="0"/>
+              <a:t> [1.1] - </a:t>
+            </a:r>
+            <a:r>
+              <a:rPr lang="en-US" dirty="0"/>
+              <a:t>Data preparation and validation pipeline</a:t>
+            </a:r>
+            <a:endParaRPr lang="pt-PT" dirty="0"/>
+          </a:p>
+        </p:txBody>
+      </p:sp>
+      <p:sp>
+        <p:nvSpPr>
+          <p:cNvPr id="2" name="Slide Number Placeholder 1">
+            <a:extLst>
+              <a:ext uri="{FF2B5EF4-FFF2-40B4-BE49-F238E27FC236}">
+                <a16:creationId xmlns:a16="http://schemas.microsoft.com/office/drawing/2014/main" id="{2F02ADCD-40A6-0FDE-3F7E-7E3EFE9B8615}"/>
+              </a:ext>
+            </a:extLst>
+          </p:cNvPr>
+          <p:cNvSpPr>
+            <a:spLocks noGrp="1"/>
+          </p:cNvSpPr>
+          <p:nvPr>
+            <p:ph type="sldNum" idx="12"/>
+          </p:nvPr>
+        </p:nvSpPr>
+        <p:spPr/>
+        <p:txBody>
+          <a:bodyPr/>
+          <a:lstStyle/>
+          <a:p>
+            <a:pPr marL="0" lvl="0" indent="0" algn="r" rtl="0">
+              <a:spcBef>
+                <a:spcPts val="0"/>
+              </a:spcBef>
+              <a:spcAft>
+                <a:spcPts val="0"/>
+              </a:spcAft>
+              <a:buNone/>
+            </a:pPr>
+            <a:fld id="{00000000-1234-1234-1234-123412341234}" type="slidenum">
+              <a:rPr lang="en" smtClean="0"/>
+              <a:t>3</a:t>
+            </a:fld>
+            <a:endParaRPr lang="en"/>
+          </a:p>
+        </p:txBody>
+      </p:sp>
+    </p:spTree>
+  </p:cSld>
+  <p:clrMapOvr>
+    <a:masterClrMapping/>
+  </p:clrMapOvr>
+</p:sld>
+</file>
+
+<file path=ppt/slides/slide30.xml><?xml version="1.0" encoding="utf-8"?>
+<p:sld xmlns:a="http://schemas.openxmlformats.org/drawingml/2006/main" xmlns:r="http://schemas.openxmlformats.org/officeDocument/2006/relationships" xmlns:p="http://schemas.openxmlformats.org/presentationml/2006/main">
+  <p:cSld>
+    <p:spTree>
+      <p:nvGrpSpPr>
         <p:cNvPr id="1" name=""/>
         <p:cNvGrpSpPr/>
         <p:nvPr/>
@@ -47259,7 +52949,7 @@
             </a:pPr>
             <a:fld id="{00000000-1234-1234-1234-123412341234}" type="slidenum">
               <a:rPr lang="en" smtClean="0"/>
-              <a:t>27</a:t>
+              <a:t>30</a:t>
             </a:fld>
             <a:endParaRPr lang="en"/>
           </a:p>
@@ -47278,7 +52968,7 @@
 </p:sld>
 </file>
 
-<file path=ppt/slides/slide28.xml><?xml version="1.0" encoding="utf-8"?>
+<file path=ppt/slides/slide31.xml><?xml version="1.0" encoding="utf-8"?>
 <p:sld xmlns:a="http://schemas.openxmlformats.org/drawingml/2006/main" xmlns:r="http://schemas.openxmlformats.org/officeDocument/2006/relationships" xmlns:p="http://schemas.openxmlformats.org/presentationml/2006/main" show="0">
   <p:cSld>
     <p:spTree>
@@ -47405,7 +53095,7 @@
             </a:pPr>
             <a:fld id="{00000000-1234-1234-1234-123412341234}" type="slidenum">
               <a:rPr lang="en" smtClean="0"/>
-              <a:t>28</a:t>
+              <a:t>31</a:t>
             </a:fld>
             <a:endParaRPr lang="en"/>
           </a:p>
@@ -47424,7 +53114,7 @@
 </p:sld>
 </file>
 
-<file path=ppt/slides/slide29.xml><?xml version="1.0" encoding="utf-8"?>
+<file path=ppt/slides/slide32.xml><?xml version="1.0" encoding="utf-8"?>
 <p:sld xmlns:a="http://schemas.openxmlformats.org/drawingml/2006/main" xmlns:r="http://schemas.openxmlformats.org/officeDocument/2006/relationships" xmlns:p="http://schemas.openxmlformats.org/presentationml/2006/main">
   <p:cSld>
     <p:spTree>
@@ -47502,7 +53192,7 @@
             </a:pPr>
             <a:fld id="{00000000-1234-1234-1234-123412341234}" type="slidenum">
               <a:rPr lang="en" smtClean="0"/>
-              <a:t>29</a:t>
+              <a:t>32</a:t>
             </a:fld>
             <a:endParaRPr lang="en"/>
           </a:p>
@@ -47521,116 +53211,7 @@
 </p:sld>
 </file>
 
-<file path=ppt/slides/slide3.xml><?xml version="1.0" encoding="utf-8"?>
-<p:sld xmlns:a="http://schemas.openxmlformats.org/drawingml/2006/main" xmlns:r="http://schemas.openxmlformats.org/officeDocument/2006/relationships" xmlns:p="http://schemas.openxmlformats.org/presentationml/2006/main">
-  <p:cSld>
-    <p:spTree>
-      <p:nvGrpSpPr>
-        <p:cNvPr id="1" name="Shape 65"/>
-        <p:cNvGrpSpPr/>
-        <p:nvPr/>
-      </p:nvGrpSpPr>
-      <p:grpSpPr>
-        <a:xfrm>
-          <a:off x="0" y="0"/>
-          <a:ext cx="0" cy="0"/>
-          <a:chOff x="0" y="0"/>
-          <a:chExt cx="0" cy="0"/>
-        </a:xfrm>
-      </p:grpSpPr>
-      <p:sp>
-        <p:nvSpPr>
-          <p:cNvPr id="66" name="Google Shape;66;p15"/>
-          <p:cNvSpPr txBox="1">
-            <a:spLocks noGrp="1"/>
-          </p:cNvSpPr>
-          <p:nvPr>
-            <p:ph type="title"/>
-          </p:nvPr>
-        </p:nvSpPr>
-        <p:spPr>
-          <a:prstGeom prst="rect">
-            <a:avLst/>
-          </a:prstGeom>
-        </p:spPr>
-        <p:txBody>
-          <a:bodyPr spcFirstLastPara="1" wrap="square" lIns="91425" tIns="91425" rIns="91425" bIns="91425" anchor="t" anchorCtr="0">
-            <a:normAutofit fontScale="90000"/>
-          </a:bodyPr>
-          <a:lstStyle/>
-          <a:p>
-            <a:pPr marL="0" lvl="0" indent="0" algn="l" rtl="0">
-              <a:spcBef>
-                <a:spcPts val="0"/>
-              </a:spcBef>
-              <a:spcAft>
-                <a:spcPts val="0"/>
-              </a:spcAft>
-              <a:buNone/>
-            </a:pPr>
-            <a:r>
-              <a:rPr lang="pt-PT" dirty="0" err="1"/>
-              <a:t>Task</a:t>
-            </a:r>
-            <a:r>
-              <a:rPr lang="pt-PT" dirty="0"/>
-              <a:t> [1.1] - </a:t>
-            </a:r>
-            <a:r>
-              <a:rPr lang="en-US" dirty="0"/>
-              <a:t>Data preparation and validation pipeline</a:t>
-            </a:r>
-            <a:endParaRPr lang="pt-PT" dirty="0"/>
-          </a:p>
-        </p:txBody>
-      </p:sp>
-      <p:sp>
-        <p:nvSpPr>
-          <p:cNvPr id="2" name="Slide Number Placeholder 1">
-            <a:extLst>
-              <a:ext uri="{FF2B5EF4-FFF2-40B4-BE49-F238E27FC236}">
-                <a16:creationId xmlns:a16="http://schemas.microsoft.com/office/drawing/2014/main" id="{2F02ADCD-40A6-0FDE-3F7E-7E3EFE9B8615}"/>
-              </a:ext>
-            </a:extLst>
-          </p:cNvPr>
-          <p:cNvSpPr>
-            <a:spLocks noGrp="1"/>
-          </p:cNvSpPr>
-          <p:nvPr>
-            <p:ph type="sldNum" idx="12"/>
-          </p:nvPr>
-        </p:nvSpPr>
-        <p:spPr/>
-        <p:txBody>
-          <a:bodyPr/>
-          <a:lstStyle/>
-          <a:p>
-            <a:pPr marL="0" lvl="0" indent="0" algn="r" rtl="0">
-              <a:spcBef>
-                <a:spcPts val="0"/>
-              </a:spcBef>
-              <a:spcAft>
-                <a:spcPts val="0"/>
-              </a:spcAft>
-              <a:buNone/>
-            </a:pPr>
-            <a:fld id="{00000000-1234-1234-1234-123412341234}" type="slidenum">
-              <a:rPr lang="en" smtClean="0"/>
-              <a:t>3</a:t>
-            </a:fld>
-            <a:endParaRPr lang="en"/>
-          </a:p>
-        </p:txBody>
-      </p:sp>
-    </p:spTree>
-  </p:cSld>
-  <p:clrMapOvr>
-    <a:masterClrMapping/>
-  </p:clrMapOvr>
-</p:sld>
-</file>
-
-<file path=ppt/slides/slide30.xml><?xml version="1.0" encoding="utf-8"?>
+<file path=ppt/slides/slide33.xml><?xml version="1.0" encoding="utf-8"?>
 <p:sld xmlns:a="http://schemas.openxmlformats.org/drawingml/2006/main" xmlns:r="http://schemas.openxmlformats.org/officeDocument/2006/relationships" xmlns:p="http://schemas.openxmlformats.org/presentationml/2006/main">
   <p:cSld>
     <p:spTree>
@@ -47742,7 +53323,7 @@
             </a:pPr>
             <a:fld id="{00000000-1234-1234-1234-123412341234}" type="slidenum">
               <a:rPr lang="en" smtClean="0"/>
-              <a:t>30</a:t>
+              <a:t>33</a:t>
             </a:fld>
             <a:endParaRPr lang="en"/>
           </a:p>
@@ -47756,7 +53337,7 @@
 </p:sld>
 </file>
 
-<file path=ppt/slides/slide31.xml><?xml version="1.0" encoding="utf-8"?>
+<file path=ppt/slides/slide34.xml><?xml version="1.0" encoding="utf-8"?>
 <p:sld xmlns:a="http://schemas.openxmlformats.org/drawingml/2006/main" xmlns:r="http://schemas.openxmlformats.org/officeDocument/2006/relationships" xmlns:p="http://schemas.openxmlformats.org/presentationml/2006/main">
   <p:cSld>
     <p:spTree>
@@ -47868,7 +53449,7 @@
             </a:pPr>
             <a:fld id="{00000000-1234-1234-1234-123412341234}" type="slidenum">
               <a:rPr lang="en" smtClean="0"/>
-              <a:t>31</a:t>
+              <a:t>34</a:t>
             </a:fld>
             <a:endParaRPr lang="en"/>
           </a:p>
